--- a/pubs/2016-talks/2016-06-09-cpa/ppt/koval-etal-2016-06-10-cpa.pptx
+++ b/pubs/2016-talks/2016-06-09-cpa/ppt/koval-etal-2016-06-10-cpa.pptx
@@ -11,47 +11,17 @@
     <p:sldId id="296" r:id="rId5"/>
     <p:sldId id="288" r:id="rId6"/>
     <p:sldId id="289" r:id="rId7"/>
-    <p:sldId id="299" r:id="rId8"/>
-    <p:sldId id="298" r:id="rId9"/>
-    <p:sldId id="290" r:id="rId10"/>
-    <p:sldId id="300" r:id="rId11"/>
-    <p:sldId id="303" r:id="rId12"/>
-    <p:sldId id="301" r:id="rId13"/>
-    <p:sldId id="291" r:id="rId14"/>
-    <p:sldId id="302" r:id="rId15"/>
-    <p:sldId id="292" r:id="rId16"/>
-    <p:sldId id="293" r:id="rId17"/>
-    <p:sldId id="294" r:id="rId18"/>
-    <p:sldId id="295" r:id="rId19"/>
-    <p:sldId id="269" r:id="rId20"/>
-    <p:sldId id="257" r:id="rId21"/>
-    <p:sldId id="258" r:id="rId22"/>
-    <p:sldId id="259" r:id="rId23"/>
-    <p:sldId id="260" r:id="rId24"/>
-    <p:sldId id="261" r:id="rId25"/>
-    <p:sldId id="262" r:id="rId26"/>
-    <p:sldId id="263" r:id="rId27"/>
-    <p:sldId id="264" r:id="rId28"/>
-    <p:sldId id="265" r:id="rId29"/>
-    <p:sldId id="266" r:id="rId30"/>
-    <p:sldId id="267" r:id="rId31"/>
-    <p:sldId id="268" r:id="rId32"/>
-    <p:sldId id="270" r:id="rId33"/>
-    <p:sldId id="271" r:id="rId34"/>
-    <p:sldId id="272" r:id="rId35"/>
-    <p:sldId id="273" r:id="rId36"/>
-    <p:sldId id="274" r:id="rId37"/>
-    <p:sldId id="275" r:id="rId38"/>
-    <p:sldId id="276" r:id="rId39"/>
-    <p:sldId id="277" r:id="rId40"/>
-    <p:sldId id="278" r:id="rId41"/>
-    <p:sldId id="279" r:id="rId42"/>
-    <p:sldId id="280" r:id="rId43"/>
-    <p:sldId id="281" r:id="rId44"/>
-    <p:sldId id="282" r:id="rId45"/>
-    <p:sldId id="283" r:id="rId46"/>
-    <p:sldId id="284" r:id="rId47"/>
-    <p:sldId id="285" r:id="rId48"/>
+    <p:sldId id="307" r:id="rId8"/>
+    <p:sldId id="300" r:id="rId9"/>
+    <p:sldId id="304" r:id="rId10"/>
+    <p:sldId id="305" r:id="rId11"/>
+    <p:sldId id="306" r:id="rId12"/>
+    <p:sldId id="292" r:id="rId13"/>
+    <p:sldId id="293" r:id="rId14"/>
+    <p:sldId id="294" r:id="rId15"/>
+    <p:sldId id="295" r:id="rId16"/>
+    <p:sldId id="269" r:id="rId17"/>
+    <p:sldId id="257" r:id="rId18"/>
   </p:sldIdLst>
   <p:sldSz cx="9144000" cy="5143500" type="screen16x9"/>
   <p:notesSz cx="6858000" cy="9144000"/>
@@ -150,6 +120,11 @@
       </a:defRPr>
     </a:lvl9pPr>
   </p:defaultTextStyle>
+  <p:extLst>
+    <p:ext uri="{EFAFB233-063F-42B5-8137-9DF3F51BA10A}">
+      <p15:sldGuideLst xmlns:p15="http://schemas.microsoft.com/office/powerpoint/2012/main"/>
+    </p:ext>
+  </p:extLst>
 </p:presentation>
 </file>
 
@@ -3031,6 +3006,379 @@
           <a:chExt cx="0" cy="0"/>
         </a:xfrm>
       </p:grpSpPr>
+      <p:sp>
+        <p:nvSpPr>
+          <p:cNvPr id="2" name="Rectangle 1"/>
+          <p:cNvSpPr/>
+          <p:nvPr/>
+        </p:nvSpPr>
+        <p:spPr>
+          <a:xfrm>
+            <a:off x="255104" y="1322087"/>
+            <a:ext cx="8209722" cy="1077218"/>
+          </a:xfrm>
+          <a:prstGeom prst="rect">
+            <a:avLst/>
+          </a:prstGeom>
+        </p:spPr>
+        <p:txBody>
+          <a:bodyPr wrap="square">
+            <a:spAutoFit/>
+          </a:bodyPr>
+          <a:lstStyle/>
+          <a:p>
+            <a:r>
+              <a:rPr lang="en-US" sz="4000" dirty="0">
+                <a:latin typeface="Gill Sans MT" panose="020B0502020104020203" pitchFamily="34" charset="0"/>
+                <a:ea typeface="MS Mincho"/>
+              </a:rPr>
+              <a:t>Big Data, Big Analysis: </a:t>
+            </a:r>
+            <a:endParaRPr lang="en-US" sz="4000" dirty="0" smtClean="0">
+              <a:latin typeface="Gill Sans MT" panose="020B0502020104020203" pitchFamily="34" charset="0"/>
+              <a:ea typeface="MS Mincho"/>
+            </a:endParaRPr>
+          </a:p>
+          <a:p>
+            <a:r>
+              <a:rPr lang="en-US" sz="2400" dirty="0" smtClean="0">
+                <a:latin typeface="Gill Sans MT" panose="020B0502020104020203" pitchFamily="34" charset="0"/>
+                <a:ea typeface="MS Mincho"/>
+              </a:rPr>
+              <a:t>A </a:t>
+            </a:r>
+            <a:r>
+              <a:rPr lang="en-US" sz="2400" dirty="0">
+                <a:latin typeface="Gill Sans MT" panose="020B0502020104020203" pitchFamily="34" charset="0"/>
+                <a:ea typeface="MS Mincho"/>
+              </a:rPr>
+              <a:t>Collaborative Modeling Framework for Multi-study Replication</a:t>
+            </a:r>
+            <a:endParaRPr lang="en-US" sz="1800" dirty="0">
+              <a:effectLst/>
+              <a:latin typeface="Gill Sans MT" panose="020B0502020104020203" pitchFamily="34" charset="0"/>
+              <a:ea typeface="Times New Roman" panose="02020603050405020304" pitchFamily="18" charset="0"/>
+            </a:endParaRPr>
+          </a:p>
+        </p:txBody>
+      </p:sp>
+      <p:pic>
+        <p:nvPicPr>
+          <p:cNvPr id="5" name="Picture 4"/>
+          <p:cNvPicPr>
+            <a:picLocks noChangeAspect="1"/>
+          </p:cNvPicPr>
+          <p:nvPr/>
+        </p:nvPicPr>
+        <p:blipFill>
+          <a:blip r:embed="rId2">
+            <a:extLst>
+              <a:ext uri="{28A0092B-C50C-407E-A947-70E740481C1C}">
+                <a14:useLocalDpi xmlns:a14="http://schemas.microsoft.com/office/drawing/2010/main" val="0"/>
+              </a:ext>
+            </a:extLst>
+          </a:blip>
+          <a:stretch>
+            <a:fillRect/>
+          </a:stretch>
+        </p:blipFill>
+        <p:spPr>
+          <a:xfrm>
+            <a:off x="86138" y="0"/>
+            <a:ext cx="8997159" cy="1040296"/>
+          </a:xfrm>
+          <a:prstGeom prst="rect">
+            <a:avLst/>
+          </a:prstGeom>
+        </p:spPr>
+      </p:pic>
+      <p:grpSp>
+        <p:nvGrpSpPr>
+          <p:cNvPr id="12" name="Group 11"/>
+          <p:cNvGrpSpPr/>
+          <p:nvPr/>
+        </p:nvGrpSpPr>
+        <p:grpSpPr>
+          <a:xfrm>
+            <a:off x="1440961" y="2978859"/>
+            <a:ext cx="5843947" cy="1241357"/>
+            <a:chOff x="1394579" y="2733693"/>
+            <a:chExt cx="5843947" cy="1241357"/>
+          </a:xfrm>
+        </p:grpSpPr>
+        <p:sp>
+          <p:nvSpPr>
+            <p:cNvPr id="6" name="TextBox 5"/>
+            <p:cNvSpPr txBox="1"/>
+            <p:nvPr/>
+          </p:nvSpPr>
+          <p:spPr>
+            <a:xfrm>
+              <a:off x="2312505" y="2733693"/>
+              <a:ext cx="1656351" cy="507831"/>
+            </a:xfrm>
+            <a:prstGeom prst="rect">
+              <a:avLst/>
+            </a:prstGeom>
+            <a:noFill/>
+          </p:spPr>
+          <p:txBody>
+            <a:bodyPr wrap="none" rtlCol="0">
+              <a:spAutoFit/>
+            </a:bodyPr>
+            <a:lstStyle/>
+            <a:p>
+              <a:pPr algn="ctr"/>
+              <a:r>
+                <a:rPr lang="en-US" b="1" dirty="0" smtClean="0"/>
+                <a:t>Andriy V. Koval</a:t>
+              </a:r>
+            </a:p>
+            <a:p>
+              <a:pPr algn="ctr"/>
+              <a:r>
+                <a:rPr lang="en-US" i="1" dirty="0" smtClean="0">
+                  <a:latin typeface="+mj-lt"/>
+                </a:rPr>
+                <a:t>University of Victoria</a:t>
+              </a:r>
+              <a:endParaRPr lang="en-US" i="1" dirty="0">
+                <a:latin typeface="+mj-lt"/>
+              </a:endParaRPr>
+            </a:p>
+          </p:txBody>
+        </p:sp>
+        <p:sp>
+          <p:nvSpPr>
+            <p:cNvPr id="7" name="TextBox 6"/>
+            <p:cNvSpPr txBox="1"/>
+            <p:nvPr/>
+          </p:nvSpPr>
+          <p:spPr>
+            <a:xfrm>
+              <a:off x="4466907" y="2733693"/>
+              <a:ext cx="1806905" cy="507831"/>
+            </a:xfrm>
+            <a:prstGeom prst="rect">
+              <a:avLst/>
+            </a:prstGeom>
+            <a:noFill/>
+          </p:spPr>
+          <p:txBody>
+            <a:bodyPr wrap="none" rtlCol="0">
+              <a:spAutoFit/>
+            </a:bodyPr>
+            <a:lstStyle/>
+            <a:p>
+              <a:pPr algn="ctr"/>
+              <a:r>
+                <a:rPr lang="en-US" b="1" dirty="0" smtClean="0"/>
+                <a:t>William H. Beasley</a:t>
+              </a:r>
+            </a:p>
+            <a:p>
+              <a:pPr algn="ctr"/>
+              <a:r>
+                <a:rPr lang="en-US" i="1" dirty="0" smtClean="0">
+                  <a:latin typeface="+mj-lt"/>
+                </a:rPr>
+                <a:t>University of Oklahoma</a:t>
+              </a:r>
+              <a:endParaRPr lang="en-US" i="1" dirty="0">
+                <a:latin typeface="+mj-lt"/>
+              </a:endParaRPr>
+            </a:p>
+          </p:txBody>
+        </p:sp>
+        <p:sp>
+          <p:nvSpPr>
+            <p:cNvPr id="8" name="TextBox 7"/>
+            <p:cNvSpPr txBox="1"/>
+            <p:nvPr/>
+          </p:nvSpPr>
+          <p:spPr>
+            <a:xfrm>
+              <a:off x="1394579" y="3467219"/>
+              <a:ext cx="1623650" cy="507831"/>
+            </a:xfrm>
+            <a:prstGeom prst="rect">
+              <a:avLst/>
+            </a:prstGeom>
+            <a:noFill/>
+          </p:spPr>
+          <p:txBody>
+            <a:bodyPr wrap="none" rtlCol="0">
+              <a:spAutoFit/>
+            </a:bodyPr>
+            <a:lstStyle/>
+            <a:p>
+              <a:pPr algn="ctr"/>
+              <a:r>
+                <a:rPr lang="en-US" b="1" dirty="0" smtClean="0"/>
+                <a:t>Andrea Piccinin</a:t>
+              </a:r>
+            </a:p>
+            <a:p>
+              <a:pPr algn="ctr"/>
+              <a:r>
+                <a:rPr lang="en-US" i="1" dirty="0" smtClean="0">
+                  <a:latin typeface="+mj-lt"/>
+                </a:rPr>
+                <a:t>University of Victoria</a:t>
+              </a:r>
+              <a:endParaRPr lang="en-US" i="1" dirty="0">
+                <a:latin typeface="+mj-lt"/>
+              </a:endParaRPr>
+            </a:p>
+          </p:txBody>
+        </p:sp>
+        <p:sp>
+          <p:nvSpPr>
+            <p:cNvPr id="9" name="TextBox 8"/>
+            <p:cNvSpPr txBox="1"/>
+            <p:nvPr/>
+          </p:nvSpPr>
+          <p:spPr>
+            <a:xfrm>
+              <a:off x="3370300" y="3467219"/>
+              <a:ext cx="1859805" cy="507831"/>
+            </a:xfrm>
+            <a:prstGeom prst="rect">
+              <a:avLst/>
+            </a:prstGeom>
+            <a:noFill/>
+          </p:spPr>
+          <p:txBody>
+            <a:bodyPr wrap="none" rtlCol="0">
+              <a:spAutoFit/>
+            </a:bodyPr>
+            <a:lstStyle/>
+            <a:p>
+              <a:pPr algn="ctr"/>
+              <a:r>
+                <a:rPr lang="en-US" b="1" dirty="0" smtClean="0"/>
+                <a:t>Graciela Muniz-</a:t>
+              </a:r>
+              <a:r>
+                <a:rPr lang="en-US" b="1" dirty="0" err="1" smtClean="0"/>
+                <a:t>Terrera</a:t>
+              </a:r>
+              <a:endParaRPr lang="en-US" b="1" dirty="0" smtClean="0"/>
+            </a:p>
+            <a:p>
+              <a:pPr algn="ctr"/>
+              <a:r>
+                <a:rPr lang="en-US" i="1" dirty="0" smtClean="0">
+                  <a:latin typeface="+mj-lt"/>
+                </a:rPr>
+                <a:t>University </a:t>
+              </a:r>
+              <a:r>
+                <a:rPr lang="en-US" i="1" dirty="0">
+                  <a:latin typeface="+mj-lt"/>
+                </a:rPr>
+                <a:t>of </a:t>
+              </a:r>
+              <a:r>
+                <a:rPr lang="en-US" i="1" dirty="0" smtClean="0">
+                  <a:latin typeface="+mj-lt"/>
+                </a:rPr>
+                <a:t>Edinburgh</a:t>
+              </a:r>
+              <a:endParaRPr lang="en-US" i="1" dirty="0">
+                <a:latin typeface="+mj-lt"/>
+              </a:endParaRPr>
+            </a:p>
+          </p:txBody>
+        </p:sp>
+        <p:sp>
+          <p:nvSpPr>
+            <p:cNvPr id="10" name="TextBox 9"/>
+            <p:cNvSpPr txBox="1"/>
+            <p:nvPr/>
+          </p:nvSpPr>
+          <p:spPr>
+            <a:xfrm>
+              <a:off x="5582175" y="3467219"/>
+              <a:ext cx="1656351" cy="507831"/>
+            </a:xfrm>
+            <a:prstGeom prst="rect">
+              <a:avLst/>
+            </a:prstGeom>
+            <a:noFill/>
+          </p:spPr>
+          <p:txBody>
+            <a:bodyPr wrap="none" rtlCol="0">
+              <a:spAutoFit/>
+            </a:bodyPr>
+            <a:lstStyle/>
+            <a:p>
+              <a:pPr algn="ctr"/>
+              <a:r>
+                <a:rPr lang="en-US" b="1" dirty="0" smtClean="0"/>
+                <a:t>Scott Hofer</a:t>
+              </a:r>
+            </a:p>
+            <a:p>
+              <a:pPr algn="ctr"/>
+              <a:r>
+                <a:rPr lang="en-US" i="1" dirty="0" smtClean="0">
+                  <a:latin typeface="+mj-lt"/>
+                </a:rPr>
+                <a:t>University of Victoria</a:t>
+              </a:r>
+              <a:endParaRPr lang="en-US" i="1" dirty="0">
+                <a:latin typeface="+mj-lt"/>
+              </a:endParaRPr>
+            </a:p>
+          </p:txBody>
+        </p:sp>
+      </p:grpSp>
+      <p:sp>
+        <p:nvSpPr>
+          <p:cNvPr id="11" name="TextBox 10"/>
+          <p:cNvSpPr txBox="1"/>
+          <p:nvPr/>
+        </p:nvSpPr>
+        <p:spPr>
+          <a:xfrm>
+            <a:off x="0" y="4604853"/>
+            <a:ext cx="9144000" cy="400110"/>
+          </a:xfrm>
+          <a:prstGeom prst="rect">
+            <a:avLst/>
+          </a:prstGeom>
+          <a:noFill/>
+        </p:spPr>
+        <p:txBody>
+          <a:bodyPr wrap="square" rtlCol="0">
+            <a:spAutoFit/>
+          </a:bodyPr>
+          <a:lstStyle/>
+          <a:p>
+            <a:pPr algn="ctr"/>
+            <a:r>
+              <a:rPr lang="en-US" sz="2000" dirty="0" smtClean="0">
+                <a:solidFill>
+                  <a:schemeClr val="bg1">
+                    <a:lumMod val="65000"/>
+                  </a:schemeClr>
+                </a:solidFill>
+                <a:latin typeface="+mj-lt"/>
+              </a:rPr>
+              <a:t>Convention of Canadian Psychological Association | Victoria, BC | June 10, 2016 </a:t>
+            </a:r>
+            <a:endParaRPr lang="en-US" sz="2000" dirty="0">
+              <a:solidFill>
+                <a:schemeClr val="bg1">
+                  <a:lumMod val="65000"/>
+                </a:schemeClr>
+              </a:solidFill>
+              <a:latin typeface="+mj-lt"/>
+            </a:endParaRPr>
+          </a:p>
+        </p:txBody>
+      </p:sp>
     </p:spTree>
     <p:extLst>
       <p:ext uri="{BB962C8B-B14F-4D97-AF65-F5344CB8AC3E}">
@@ -3041,6 +3389,13 @@
   <p:clrMapOvr>
     <a:masterClrMapping/>
   </p:clrMapOvr>
+  <p:timing>
+    <p:tnLst>
+      <p:par>
+        <p:cTn id="1" dur="indefinite" restart="never" nodeType="tmRoot"/>
+      </p:par>
+    </p:tnLst>
+  </p:timing>
 </p:sld>
 </file>
 
@@ -3061,16 +3416,181 @@
           <a:chExt cx="0" cy="0"/>
         </a:xfrm>
       </p:grpSpPr>
-      <p:sp>
-        <p:nvSpPr>
-          <p:cNvPr id="5" name="Rounded Rectangle 4"/>
+      <p:pic>
+        <p:nvPicPr>
+          <p:cNvPr id="10" name="Picture 9"/>
+          <p:cNvPicPr>
+            <a:picLocks noChangeAspect="1"/>
+          </p:cNvPicPr>
+          <p:nvPr/>
+        </p:nvPicPr>
+        <p:blipFill>
+          <a:blip r:embed="rId2" cstate="print">
+            <a:extLst>
+              <a:ext uri="{28A0092B-C50C-407E-A947-70E740481C1C}">
+                <a14:useLocalDpi xmlns:a14="http://schemas.microsoft.com/office/drawing/2010/main" val="0"/>
+              </a:ext>
+            </a:extLst>
+          </a:blip>
+          <a:stretch>
+            <a:fillRect/>
+          </a:stretch>
+        </p:blipFill>
+        <p:spPr>
+          <a:xfrm>
+            <a:off x="197809" y="2467664"/>
+            <a:ext cx="2544008" cy="1034690"/>
+          </a:xfrm>
+          <a:prstGeom prst="rect">
+            <a:avLst/>
+          </a:prstGeom>
+        </p:spPr>
+      </p:pic>
+      <p:pic>
+        <p:nvPicPr>
+          <p:cNvPr id="11" name="Picture 10"/>
+          <p:cNvPicPr>
+            <a:picLocks noChangeAspect="1"/>
+          </p:cNvPicPr>
+          <p:nvPr/>
+        </p:nvPicPr>
+        <p:blipFill>
+          <a:blip r:embed="rId3" cstate="print">
+            <a:extLst>
+              <a:ext uri="{28A0092B-C50C-407E-A947-70E740481C1C}">
+                <a14:useLocalDpi xmlns:a14="http://schemas.microsoft.com/office/drawing/2010/main" val="0"/>
+              </a:ext>
+            </a:extLst>
+          </a:blip>
+          <a:stretch>
+            <a:fillRect/>
+          </a:stretch>
+        </p:blipFill>
+        <p:spPr>
+          <a:xfrm>
+            <a:off x="62886" y="3697266"/>
+            <a:ext cx="4039280" cy="745953"/>
+          </a:xfrm>
+          <a:prstGeom prst="rect">
+            <a:avLst/>
+          </a:prstGeom>
+        </p:spPr>
+      </p:pic>
+      <p:pic>
+        <p:nvPicPr>
+          <p:cNvPr id="12" name="Picture 11"/>
+          <p:cNvPicPr>
+            <a:picLocks noChangeAspect="1"/>
+          </p:cNvPicPr>
+          <p:nvPr/>
+        </p:nvPicPr>
+        <p:blipFill>
+          <a:blip r:embed="rId4">
+            <a:extLst>
+              <a:ext uri="{28A0092B-C50C-407E-A947-70E740481C1C}">
+                <a14:useLocalDpi xmlns:a14="http://schemas.microsoft.com/office/drawing/2010/main" val="0"/>
+              </a:ext>
+            </a:extLst>
+          </a:blip>
+          <a:stretch>
+            <a:fillRect/>
+          </a:stretch>
+        </p:blipFill>
+        <p:spPr>
+          <a:xfrm>
+            <a:off x="0" y="4614140"/>
+            <a:ext cx="9144000" cy="529360"/>
+          </a:xfrm>
+          <a:prstGeom prst="rect">
+            <a:avLst/>
+          </a:prstGeom>
+        </p:spPr>
+      </p:pic>
+      <p:grpSp>
+        <p:nvGrpSpPr>
+          <p:cNvPr id="18" name="Group 17"/>
+          <p:cNvGrpSpPr/>
+          <p:nvPr/>
+        </p:nvGrpSpPr>
+        <p:grpSpPr>
+          <a:xfrm>
+            <a:off x="3384694" y="1712507"/>
+            <a:ext cx="2196966" cy="2496486"/>
+            <a:chOff x="-91938" y="29352"/>
+            <a:chExt cx="7102806" cy="6966150"/>
+          </a:xfrm>
+        </p:grpSpPr>
+        <p:pic>
+          <p:nvPicPr>
+            <p:cNvPr id="19" name="Picture 18"/>
+            <p:cNvPicPr>
+              <a:picLocks noChangeAspect="1"/>
+            </p:cNvPicPr>
+            <p:nvPr/>
+          </p:nvPicPr>
+          <p:blipFill>
+            <a:blip r:embed="rId5" cstate="print">
+              <a:extLst>
+                <a:ext uri="{28A0092B-C50C-407E-A947-70E740481C1C}">
+                  <a14:useLocalDpi xmlns:a14="http://schemas.microsoft.com/office/drawing/2010/main" val="0"/>
+                </a:ext>
+              </a:extLst>
+            </a:blip>
+            <a:stretch>
+              <a:fillRect/>
+            </a:stretch>
+          </p:blipFill>
+          <p:spPr>
+            <a:xfrm>
+              <a:off x="-91938" y="29352"/>
+              <a:ext cx="3814280" cy="5143500"/>
+            </a:xfrm>
+            <a:prstGeom prst="rect">
+              <a:avLst/>
+            </a:prstGeom>
+          </p:spPr>
+        </p:pic>
+        <p:pic>
+          <p:nvPicPr>
+            <p:cNvPr id="20" name="Picture 19"/>
+            <p:cNvPicPr>
+              <a:picLocks noChangeAspect="1"/>
+            </p:cNvPicPr>
+            <p:nvPr/>
+          </p:nvPicPr>
+          <p:blipFill>
+            <a:blip r:embed="rId6" cstate="print">
+              <a:extLst>
+                <a:ext uri="{28A0092B-C50C-407E-A947-70E740481C1C}">
+                  <a14:useLocalDpi xmlns:a14="http://schemas.microsoft.com/office/drawing/2010/main" val="0"/>
+                </a:ext>
+              </a:extLst>
+            </a:blip>
+            <a:stretch>
+              <a:fillRect/>
+            </a:stretch>
+          </p:blipFill>
+          <p:spPr>
+            <a:xfrm>
+              <a:off x="2190900" y="1852002"/>
+              <a:ext cx="4819968" cy="5143500"/>
+            </a:xfrm>
+            <a:prstGeom prst="rect">
+              <a:avLst/>
+            </a:prstGeom>
+          </p:spPr>
+        </p:pic>
+      </p:grpSp>
+      <p:sp>
+        <p:nvSpPr>
+          <p:cNvPr id="13" name="Rounded Rectangle 12"/>
           <p:cNvSpPr/>
           <p:nvPr/>
         </p:nvSpPr>
         <p:spPr>
           <a:xfrm>
-            <a:off x="2042160" y="160020"/>
-            <a:ext cx="1920240" cy="472440"/>
+            <a:off x="3467100" y="190499"/>
+            <a:ext cx="561561" cy="1522007"/>
           </a:xfrm>
           <a:prstGeom prst="roundRect">
             <a:avLst/>
@@ -3112,6 +3632,43 @@
           </a:p>
         </p:txBody>
       </p:sp>
+    </p:spTree>
+    <p:extLst>
+      <p:ext uri="{BB962C8B-B14F-4D97-AF65-F5344CB8AC3E}">
+        <p14:creationId xmlns:p14="http://schemas.microsoft.com/office/powerpoint/2010/main" val="3313788840"/>
+      </p:ext>
+    </p:extLst>
+  </p:cSld>
+  <p:clrMapOvr>
+    <a:masterClrMapping/>
+  </p:clrMapOvr>
+  <p:timing>
+    <p:tnLst>
+      <p:par>
+        <p:cTn id="1" dur="indefinite" restart="never" nodeType="tmRoot"/>
+      </p:par>
+    </p:tnLst>
+  </p:timing>
+</p:sld>
+</file>
+
+<file path=ppt/slides/slide11.xml><?xml version="1.0" encoding="utf-8"?>
+<p:sld xmlns:a="http://schemas.openxmlformats.org/drawingml/2006/main" xmlns:r="http://schemas.openxmlformats.org/officeDocument/2006/relationships" xmlns:p="http://schemas.openxmlformats.org/presentationml/2006/main">
+  <p:cSld>
+    <p:spTree>
+      <p:nvGrpSpPr>
+        <p:cNvPr id="1" name=""/>
+        <p:cNvGrpSpPr/>
+        <p:nvPr/>
+      </p:nvGrpSpPr>
+      <p:grpSpPr>
+        <a:xfrm>
+          <a:off x="0" y="0"/>
+          <a:ext cx="0" cy="0"/>
+          <a:chOff x="0" y="0"/>
+          <a:chExt cx="0" cy="0"/>
+        </a:xfrm>
+      </p:grpSpPr>
       <p:pic>
         <p:nvPicPr>
           <p:cNvPr id="10" name="Picture 9"/>
@@ -3382,53 +3939,16 @@
           </p:spPr>
         </p:pic>
       </p:grpSp>
-    </p:spTree>
-    <p:extLst>
-      <p:ext uri="{BB962C8B-B14F-4D97-AF65-F5344CB8AC3E}">
-        <p14:creationId xmlns:p14="http://schemas.microsoft.com/office/powerpoint/2010/main" val="1613626613"/>
-      </p:ext>
-    </p:extLst>
-  </p:cSld>
-  <p:clrMapOvr>
-    <a:masterClrMapping/>
-  </p:clrMapOvr>
-  <p:timing>
-    <p:tnLst>
-      <p:par>
-        <p:cTn id="1" dur="indefinite" restart="never" nodeType="tmRoot"/>
-      </p:par>
-    </p:tnLst>
-  </p:timing>
-</p:sld>
-</file>
-
-<file path=ppt/slides/slide11.xml><?xml version="1.0" encoding="utf-8"?>
-<p:sld xmlns:a="http://schemas.openxmlformats.org/drawingml/2006/main" xmlns:r="http://schemas.openxmlformats.org/officeDocument/2006/relationships" xmlns:p="http://schemas.openxmlformats.org/presentationml/2006/main">
-  <p:cSld>
-    <p:spTree>
-      <p:nvGrpSpPr>
-        <p:cNvPr id="1" name=""/>
-        <p:cNvGrpSpPr/>
-        <p:nvPr/>
-      </p:nvGrpSpPr>
-      <p:grpSpPr>
-        <a:xfrm>
-          <a:off x="0" y="0"/>
-          <a:ext cx="0" cy="0"/>
-          <a:chOff x="0" y="0"/>
-          <a:chExt cx="0" cy="0"/>
-        </a:xfrm>
-      </p:grpSpPr>
-      <p:sp>
-        <p:nvSpPr>
-          <p:cNvPr id="5" name="Rounded Rectangle 4"/>
+      <p:sp>
+        <p:nvSpPr>
+          <p:cNvPr id="13" name="Rounded Rectangle 12"/>
           <p:cNvSpPr/>
           <p:nvPr/>
         </p:nvSpPr>
         <p:spPr>
           <a:xfrm>
-            <a:off x="2042160" y="160020"/>
-            <a:ext cx="1920240" cy="472440"/>
+            <a:off x="3467099" y="1285650"/>
+            <a:ext cx="2271091" cy="426856"/>
           </a:xfrm>
           <a:prstGeom prst="roundRect">
             <a:avLst/>
@@ -3470,175 +3990,10 @@
           </a:p>
         </p:txBody>
       </p:sp>
-      <p:pic>
-        <p:nvPicPr>
-          <p:cNvPr id="10" name="Picture 9"/>
-          <p:cNvPicPr>
-            <a:picLocks noChangeAspect="1"/>
-          </p:cNvPicPr>
-          <p:nvPr/>
-        </p:nvPicPr>
-        <p:blipFill>
-          <a:blip r:embed="rId2">
-            <a:extLst>
-              <a:ext uri="{28A0092B-C50C-407E-A947-70E740481C1C}">
-                <a14:useLocalDpi xmlns:a14="http://schemas.microsoft.com/office/drawing/2010/main" val="0"/>
-              </a:ext>
-            </a:extLst>
-          </a:blip>
-          <a:stretch>
-            <a:fillRect/>
-          </a:stretch>
-        </p:blipFill>
-        <p:spPr>
-          <a:xfrm>
-            <a:off x="0" y="2432856"/>
-            <a:ext cx="4587240" cy="1865706"/>
-          </a:xfrm>
-          <a:prstGeom prst="rect">
-            <a:avLst/>
-          </a:prstGeom>
-        </p:spPr>
-      </p:pic>
-      <p:pic>
-        <p:nvPicPr>
-          <p:cNvPr id="11" name="Picture 10"/>
-          <p:cNvPicPr>
-            <a:picLocks noChangeAspect="1"/>
-          </p:cNvPicPr>
-          <p:nvPr/>
-        </p:nvPicPr>
-        <p:blipFill>
-          <a:blip r:embed="rId3" cstate="print">
-            <a:extLst>
-              <a:ext uri="{28A0092B-C50C-407E-A947-70E740481C1C}">
-                <a14:useLocalDpi xmlns:a14="http://schemas.microsoft.com/office/drawing/2010/main" val="0"/>
-              </a:ext>
-            </a:extLst>
-          </a:blip>
-          <a:stretch>
-            <a:fillRect/>
-          </a:stretch>
-        </p:blipFill>
-        <p:spPr>
-          <a:xfrm>
-            <a:off x="3002280" y="4026166"/>
-            <a:ext cx="6050280" cy="1117334"/>
-          </a:xfrm>
-          <a:prstGeom prst="rect">
-            <a:avLst/>
-          </a:prstGeom>
-        </p:spPr>
-      </p:pic>
-      <p:pic>
-        <p:nvPicPr>
-          <p:cNvPr id="12" name="Picture 11"/>
-          <p:cNvPicPr>
-            <a:picLocks noChangeAspect="1"/>
-          </p:cNvPicPr>
-          <p:nvPr/>
-        </p:nvPicPr>
-        <p:blipFill>
-          <a:blip r:embed="rId4">
-            <a:extLst>
-              <a:ext uri="{28A0092B-C50C-407E-A947-70E740481C1C}">
-                <a14:useLocalDpi xmlns:a14="http://schemas.microsoft.com/office/drawing/2010/main" val="0"/>
-              </a:ext>
-            </a:extLst>
-          </a:blip>
-          <a:stretch>
-            <a:fillRect/>
-          </a:stretch>
-        </p:blipFill>
-        <p:spPr>
-          <a:xfrm>
-            <a:off x="0" y="1903495"/>
-            <a:ext cx="9144000" cy="529360"/>
-          </a:xfrm>
-          <a:prstGeom prst="rect">
-            <a:avLst/>
-          </a:prstGeom>
-        </p:spPr>
-      </p:pic>
-      <p:grpSp>
-        <p:nvGrpSpPr>
-          <p:cNvPr id="9" name="Group 8"/>
-          <p:cNvGrpSpPr/>
-          <p:nvPr/>
-        </p:nvGrpSpPr>
-        <p:grpSpPr>
-          <a:xfrm>
-            <a:off x="1249680" y="1699142"/>
-            <a:ext cx="6339840" cy="3444358"/>
-            <a:chOff x="509752" y="-43130"/>
-            <a:chExt cx="8634248" cy="5509260"/>
-          </a:xfrm>
-        </p:grpSpPr>
-        <p:pic>
-          <p:nvPicPr>
-            <p:cNvPr id="13" name="Picture 12"/>
-            <p:cNvPicPr>
-              <a:picLocks noChangeAspect="1"/>
-            </p:cNvPicPr>
-            <p:nvPr/>
-          </p:nvPicPr>
-          <p:blipFill>
-            <a:blip r:embed="rId5" cstate="print">
-              <a:extLst>
-                <a:ext uri="{28A0092B-C50C-407E-A947-70E740481C1C}">
-                  <a14:useLocalDpi xmlns:a14="http://schemas.microsoft.com/office/drawing/2010/main" val="0"/>
-                </a:ext>
-              </a:extLst>
-            </a:blip>
-            <a:stretch>
-              <a:fillRect/>
-            </a:stretch>
-          </p:blipFill>
-          <p:spPr>
-            <a:xfrm>
-              <a:off x="509752" y="-43130"/>
-              <a:ext cx="3814280" cy="5143500"/>
-            </a:xfrm>
-            <a:prstGeom prst="rect">
-              <a:avLst/>
-            </a:prstGeom>
-          </p:spPr>
-        </p:pic>
-        <p:pic>
-          <p:nvPicPr>
-            <p:cNvPr id="14" name="Picture 13"/>
-            <p:cNvPicPr>
-              <a:picLocks noChangeAspect="1"/>
-            </p:cNvPicPr>
-            <p:nvPr/>
-          </p:nvPicPr>
-          <p:blipFill>
-            <a:blip r:embed="rId6">
-              <a:extLst>
-                <a:ext uri="{28A0092B-C50C-407E-A947-70E740481C1C}">
-                  <a14:useLocalDpi xmlns:a14="http://schemas.microsoft.com/office/drawing/2010/main" val="0"/>
-                </a:ext>
-              </a:extLst>
-            </a:blip>
-            <a:stretch>
-              <a:fillRect/>
-            </a:stretch>
-          </p:blipFill>
-          <p:spPr>
-            <a:xfrm>
-              <a:off x="4324032" y="322630"/>
-              <a:ext cx="4819968" cy="5143500"/>
-            </a:xfrm>
-            <a:prstGeom prst="rect">
-              <a:avLst/>
-            </a:prstGeom>
-          </p:spPr>
-        </p:pic>
-      </p:grpSp>
     </p:spTree>
     <p:extLst>
       <p:ext uri="{BB962C8B-B14F-4D97-AF65-F5344CB8AC3E}">
-        <p14:creationId xmlns:p14="http://schemas.microsoft.com/office/powerpoint/2010/main" val="331543835"/>
+        <p14:creationId xmlns:p14="http://schemas.microsoft.com/office/powerpoint/2010/main" val="2412270642"/>
       </p:ext>
     </p:extLst>
   </p:cSld>
@@ -3656,468 +4011,6 @@
 </file>
 
 <file path=ppt/slides/slide12.xml><?xml version="1.0" encoding="utf-8"?>
-<p:sld xmlns:a="http://schemas.openxmlformats.org/drawingml/2006/main" xmlns:r="http://schemas.openxmlformats.org/officeDocument/2006/relationships" xmlns:p="http://schemas.openxmlformats.org/presentationml/2006/main">
-  <p:cSld>
-    <p:bg>
-      <p:bgPr>
-        <a:solidFill>
-          <a:schemeClr val="bg1"/>
-        </a:solidFill>
-        <a:effectLst/>
-      </p:bgPr>
-    </p:bg>
-    <p:spTree>
-      <p:nvGrpSpPr>
-        <p:cNvPr id="1" name=""/>
-        <p:cNvGrpSpPr/>
-        <p:nvPr/>
-      </p:nvGrpSpPr>
-      <p:grpSpPr>
-        <a:xfrm>
-          <a:off x="0" y="0"/>
-          <a:ext cx="0" cy="0"/>
-          <a:chOff x="0" y="0"/>
-          <a:chExt cx="0" cy="0"/>
-        </a:xfrm>
-      </p:grpSpPr>
-      <p:grpSp>
-        <p:nvGrpSpPr>
-          <p:cNvPr id="4" name="Group 3"/>
-          <p:cNvGrpSpPr/>
-          <p:nvPr/>
-        </p:nvGrpSpPr>
-        <p:grpSpPr>
-          <a:xfrm>
-            <a:off x="75271" y="66909"/>
-            <a:ext cx="4293529" cy="4982612"/>
-            <a:chOff x="-91938" y="29352"/>
-            <a:chExt cx="6963768" cy="6974996"/>
-          </a:xfrm>
-        </p:grpSpPr>
-        <p:pic>
-          <p:nvPicPr>
-            <p:cNvPr id="5" name="Picture 4"/>
-            <p:cNvPicPr>
-              <a:picLocks noChangeAspect="1"/>
-            </p:cNvPicPr>
-            <p:nvPr/>
-          </p:nvPicPr>
-          <p:blipFill>
-            <a:blip r:embed="rId2" cstate="print">
-              <a:extLst>
-                <a:ext uri="{28A0092B-C50C-407E-A947-70E740481C1C}">
-                  <a14:useLocalDpi xmlns:a14="http://schemas.microsoft.com/office/drawing/2010/main" val="0"/>
-                </a:ext>
-              </a:extLst>
-            </a:blip>
-            <a:stretch>
-              <a:fillRect/>
-            </a:stretch>
-          </p:blipFill>
-          <p:spPr>
-            <a:xfrm>
-              <a:off x="-91938" y="29352"/>
-              <a:ext cx="3814280" cy="5143500"/>
-            </a:xfrm>
-            <a:prstGeom prst="rect">
-              <a:avLst/>
-            </a:prstGeom>
-          </p:spPr>
-        </p:pic>
-        <p:pic>
-          <p:nvPicPr>
-            <p:cNvPr id="6" name="Picture 5"/>
-            <p:cNvPicPr>
-              <a:picLocks noChangeAspect="1"/>
-            </p:cNvPicPr>
-            <p:nvPr/>
-          </p:nvPicPr>
-          <p:blipFill>
-            <a:blip r:embed="rId3">
-              <a:extLst>
-                <a:ext uri="{28A0092B-C50C-407E-A947-70E740481C1C}">
-                  <a14:useLocalDpi xmlns:a14="http://schemas.microsoft.com/office/drawing/2010/main" val="0"/>
-                </a:ext>
-              </a:extLst>
-            </a:blip>
-            <a:stretch>
-              <a:fillRect/>
-            </a:stretch>
-          </p:blipFill>
-          <p:spPr>
-            <a:xfrm>
-              <a:off x="2051862" y="1860848"/>
-              <a:ext cx="4819968" cy="5143500"/>
-            </a:xfrm>
-            <a:prstGeom prst="rect">
-              <a:avLst/>
-            </a:prstGeom>
-          </p:spPr>
-        </p:pic>
-      </p:grpSp>
-    </p:spTree>
-    <p:extLst>
-      <p:ext uri="{BB962C8B-B14F-4D97-AF65-F5344CB8AC3E}">
-        <p14:creationId xmlns:p14="http://schemas.microsoft.com/office/powerpoint/2010/main" val="1760095347"/>
-      </p:ext>
-    </p:extLst>
-  </p:cSld>
-  <p:clrMapOvr>
-    <a:masterClrMapping/>
-  </p:clrMapOvr>
-</p:sld>
-</file>
-
-<file path=ppt/slides/slide13.xml><?xml version="1.0" encoding="utf-8"?>
-<p:sld xmlns:a="http://schemas.openxmlformats.org/drawingml/2006/main" xmlns:r="http://schemas.openxmlformats.org/officeDocument/2006/relationships" xmlns:p="http://schemas.openxmlformats.org/presentationml/2006/main">
-  <p:cSld>
-    <p:spTree>
-      <p:nvGrpSpPr>
-        <p:cNvPr id="1" name=""/>
-        <p:cNvGrpSpPr/>
-        <p:nvPr/>
-      </p:nvGrpSpPr>
-      <p:grpSpPr>
-        <a:xfrm>
-          <a:off x="0" y="0"/>
-          <a:ext cx="0" cy="0"/>
-          <a:chOff x="0" y="0"/>
-          <a:chExt cx="0" cy="0"/>
-        </a:xfrm>
-      </p:grpSpPr>
-      <p:sp>
-        <p:nvSpPr>
-          <p:cNvPr id="5" name="Rounded Rectangle 4"/>
-          <p:cNvSpPr/>
-          <p:nvPr/>
-        </p:nvSpPr>
-        <p:spPr>
-          <a:xfrm>
-            <a:off x="3467100" y="190500"/>
-            <a:ext cx="624840" cy="1440180"/>
-          </a:xfrm>
-          <a:prstGeom prst="roundRect">
-            <a:avLst/>
-          </a:prstGeom>
-          <a:solidFill>
-            <a:srgbClr val="FF0000">
-              <a:alpha val="2000"/>
-            </a:srgbClr>
-          </a:solidFill>
-          <a:ln w="12700">
-            <a:prstDash val="dash"/>
-          </a:ln>
-        </p:spPr>
-        <p:style>
-          <a:lnRef idx="1">
-            <a:schemeClr val="dk1"/>
-          </a:lnRef>
-          <a:fillRef idx="2">
-            <a:schemeClr val="dk1"/>
-          </a:fillRef>
-          <a:effectRef idx="1">
-            <a:schemeClr val="dk1"/>
-          </a:effectRef>
-          <a:fontRef idx="minor">
-            <a:schemeClr val="dk1"/>
-          </a:fontRef>
-        </p:style>
-        <p:txBody>
-          <a:bodyPr rot="0" spcFirstLastPara="0" vertOverflow="overflow" horzOverflow="overflow" vert="horz" wrap="square" lIns="91440" tIns="45720" rIns="91440" bIns="45720" numCol="1" spcCol="0" rtlCol="0" fromWordArt="0" anchor="ctr" anchorCtr="0" forceAA="0" compatLnSpc="1">
-            <a:prstTxWarp prst="textNoShape">
-              <a:avLst/>
-            </a:prstTxWarp>
-            <a:noAutofit/>
-          </a:bodyPr>
-          <a:lstStyle/>
-          <a:p>
-            <a:pPr algn="ctr"/>
-            <a:endParaRPr lang="en-US"/>
-          </a:p>
-        </p:txBody>
-      </p:sp>
-    </p:spTree>
-    <p:extLst>
-      <p:ext uri="{BB962C8B-B14F-4D97-AF65-F5344CB8AC3E}">
-        <p14:creationId xmlns:p14="http://schemas.microsoft.com/office/powerpoint/2010/main" val="3984740356"/>
-      </p:ext>
-    </p:extLst>
-  </p:cSld>
-  <p:clrMapOvr>
-    <a:masterClrMapping/>
-  </p:clrMapOvr>
-  <p:timing>
-    <p:tnLst>
-      <p:par>
-        <p:cTn id="1" dur="indefinite" restart="never" nodeType="tmRoot"/>
-      </p:par>
-    </p:tnLst>
-  </p:timing>
-</p:sld>
-</file>
-
-<file path=ppt/slides/slide14.xml><?xml version="1.0" encoding="utf-8"?>
-<p:sld xmlns:a="http://schemas.openxmlformats.org/drawingml/2006/main" xmlns:r="http://schemas.openxmlformats.org/officeDocument/2006/relationships" xmlns:p="http://schemas.openxmlformats.org/presentationml/2006/main">
-  <p:cSld>
-    <p:spTree>
-      <p:nvGrpSpPr>
-        <p:cNvPr id="1" name=""/>
-        <p:cNvGrpSpPr/>
-        <p:nvPr/>
-      </p:nvGrpSpPr>
-      <p:grpSpPr>
-        <a:xfrm>
-          <a:off x="0" y="0"/>
-          <a:ext cx="0" cy="0"/>
-          <a:chOff x="0" y="0"/>
-          <a:chExt cx="0" cy="0"/>
-        </a:xfrm>
-      </p:grpSpPr>
-      <p:grpSp>
-        <p:nvGrpSpPr>
-          <p:cNvPr id="4" name="Group 3"/>
-          <p:cNvGrpSpPr/>
-          <p:nvPr/>
-        </p:nvGrpSpPr>
-        <p:grpSpPr>
-          <a:xfrm>
-            <a:off x="762000" y="2003690"/>
-            <a:ext cx="2600960" cy="3018397"/>
-            <a:chOff x="-91938" y="29352"/>
-            <a:chExt cx="6963767" cy="6974996"/>
-          </a:xfrm>
-        </p:grpSpPr>
-        <p:pic>
-          <p:nvPicPr>
-            <p:cNvPr id="5" name="Picture 4"/>
-            <p:cNvPicPr>
-              <a:picLocks noChangeAspect="1"/>
-            </p:cNvPicPr>
-            <p:nvPr/>
-          </p:nvPicPr>
-          <p:blipFill>
-            <a:blip r:embed="rId2" cstate="print">
-              <a:extLst>
-                <a:ext uri="{28A0092B-C50C-407E-A947-70E740481C1C}">
-                  <a14:useLocalDpi xmlns:a14="http://schemas.microsoft.com/office/drawing/2010/main" val="0"/>
-                </a:ext>
-              </a:extLst>
-            </a:blip>
-            <a:stretch>
-              <a:fillRect/>
-            </a:stretch>
-          </p:blipFill>
-          <p:spPr>
-            <a:xfrm>
-              <a:off x="-91938" y="29352"/>
-              <a:ext cx="3814280" cy="5143500"/>
-            </a:xfrm>
-            <a:prstGeom prst="rect">
-              <a:avLst/>
-            </a:prstGeom>
-          </p:spPr>
-        </p:pic>
-        <p:pic>
-          <p:nvPicPr>
-            <p:cNvPr id="6" name="Picture 5"/>
-            <p:cNvPicPr>
-              <a:picLocks noChangeAspect="1"/>
-            </p:cNvPicPr>
-            <p:nvPr/>
-          </p:nvPicPr>
-          <p:blipFill>
-            <a:blip r:embed="rId3" cstate="print">
-              <a:extLst>
-                <a:ext uri="{28A0092B-C50C-407E-A947-70E740481C1C}">
-                  <a14:useLocalDpi xmlns:a14="http://schemas.microsoft.com/office/drawing/2010/main" val="0"/>
-                </a:ext>
-              </a:extLst>
-            </a:blip>
-            <a:stretch>
-              <a:fillRect/>
-            </a:stretch>
-          </p:blipFill>
-          <p:spPr>
-            <a:xfrm>
-              <a:off x="2051861" y="1860847"/>
-              <a:ext cx="4819968" cy="5143501"/>
-            </a:xfrm>
-            <a:prstGeom prst="rect">
-              <a:avLst/>
-            </a:prstGeom>
-          </p:spPr>
-        </p:pic>
-      </p:grpSp>
-      <p:grpSp>
-        <p:nvGrpSpPr>
-          <p:cNvPr id="7" name="Group 6"/>
-          <p:cNvGrpSpPr/>
-          <p:nvPr/>
-        </p:nvGrpSpPr>
-        <p:grpSpPr>
-          <a:xfrm>
-            <a:off x="5235473" y="2156090"/>
-            <a:ext cx="3104614" cy="2751189"/>
-            <a:chOff x="0" y="0"/>
-            <a:chExt cx="5804247" cy="5143500"/>
-          </a:xfrm>
-        </p:grpSpPr>
-        <p:pic>
-          <p:nvPicPr>
-            <p:cNvPr id="8" name="Picture 7"/>
-            <p:cNvPicPr>
-              <a:picLocks noChangeAspect="1"/>
-            </p:cNvPicPr>
-            <p:nvPr/>
-          </p:nvPicPr>
-          <p:blipFill>
-            <a:blip r:embed="rId4" cstate="print">
-              <a:extLst>
-                <a:ext uri="{28A0092B-C50C-407E-A947-70E740481C1C}">
-                  <a14:useLocalDpi xmlns:a14="http://schemas.microsoft.com/office/drawing/2010/main" val="0"/>
-                </a:ext>
-              </a:extLst>
-            </a:blip>
-            <a:stretch>
-              <a:fillRect/>
-            </a:stretch>
-          </p:blipFill>
-          <p:spPr>
-            <a:xfrm>
-              <a:off x="0" y="0"/>
-              <a:ext cx="4123625" cy="5143500"/>
-            </a:xfrm>
-            <a:prstGeom prst="rect">
-              <a:avLst/>
-            </a:prstGeom>
-          </p:spPr>
-        </p:pic>
-        <p:pic>
-          <p:nvPicPr>
-            <p:cNvPr id="9" name="Picture 8"/>
-            <p:cNvPicPr>
-              <a:picLocks noChangeAspect="1"/>
-            </p:cNvPicPr>
-            <p:nvPr/>
-          </p:nvPicPr>
-          <p:blipFill>
-            <a:blip r:embed="rId5" cstate="print">
-              <a:extLst>
-                <a:ext uri="{28A0092B-C50C-407E-A947-70E740481C1C}">
-                  <a14:useLocalDpi xmlns:a14="http://schemas.microsoft.com/office/drawing/2010/main" val="0"/>
-                </a:ext>
-              </a:extLst>
-            </a:blip>
-            <a:stretch>
-              <a:fillRect/>
-            </a:stretch>
-          </p:blipFill>
-          <p:spPr>
-            <a:xfrm>
-              <a:off x="2856512" y="0"/>
-              <a:ext cx="2534225" cy="3020029"/>
-            </a:xfrm>
-            <a:prstGeom prst="rect">
-              <a:avLst/>
-            </a:prstGeom>
-          </p:spPr>
-        </p:pic>
-        <p:pic>
-          <p:nvPicPr>
-            <p:cNvPr id="10" name="Picture 9"/>
-            <p:cNvPicPr>
-              <a:picLocks noChangeAspect="1"/>
-            </p:cNvPicPr>
-            <p:nvPr/>
-          </p:nvPicPr>
-          <p:blipFill>
-            <a:blip r:embed="rId6" cstate="print">
-              <a:extLst>
-                <a:ext uri="{28A0092B-C50C-407E-A947-70E740481C1C}">
-                  <a14:useLocalDpi xmlns:a14="http://schemas.microsoft.com/office/drawing/2010/main" val="0"/>
-                </a:ext>
-              </a:extLst>
-            </a:blip>
-            <a:stretch>
-              <a:fillRect/>
-            </a:stretch>
-          </p:blipFill>
-          <p:spPr>
-            <a:xfrm>
-              <a:off x="2856512" y="2979685"/>
-              <a:ext cx="2947735" cy="2150367"/>
-            </a:xfrm>
-            <a:prstGeom prst="rect">
-              <a:avLst/>
-            </a:prstGeom>
-          </p:spPr>
-        </p:pic>
-      </p:grpSp>
-      <p:sp>
-        <p:nvSpPr>
-          <p:cNvPr id="11" name="Rounded Rectangle 10"/>
-          <p:cNvSpPr/>
-          <p:nvPr/>
-        </p:nvSpPr>
-        <p:spPr>
-          <a:xfrm>
-            <a:off x="3362960" y="1270000"/>
-            <a:ext cx="2458720" cy="467360"/>
-          </a:xfrm>
-          <a:prstGeom prst="roundRect">
-            <a:avLst/>
-          </a:prstGeom>
-          <a:solidFill>
-            <a:srgbClr val="FF0000">
-              <a:alpha val="2000"/>
-            </a:srgbClr>
-          </a:solidFill>
-          <a:ln w="12700">
-            <a:prstDash val="dash"/>
-          </a:ln>
-        </p:spPr>
-        <p:style>
-          <a:lnRef idx="1">
-            <a:schemeClr val="dk1"/>
-          </a:lnRef>
-          <a:fillRef idx="2">
-            <a:schemeClr val="dk1"/>
-          </a:fillRef>
-          <a:effectRef idx="1">
-            <a:schemeClr val="dk1"/>
-          </a:effectRef>
-          <a:fontRef idx="minor">
-            <a:schemeClr val="dk1"/>
-          </a:fontRef>
-        </p:style>
-        <p:txBody>
-          <a:bodyPr rot="0" spcFirstLastPara="0" vertOverflow="overflow" horzOverflow="overflow" vert="horz" wrap="square" lIns="91440" tIns="45720" rIns="91440" bIns="45720" numCol="1" spcCol="0" rtlCol="0" fromWordArt="0" anchor="ctr" anchorCtr="0" forceAA="0" compatLnSpc="1">
-            <a:prstTxWarp prst="textNoShape">
-              <a:avLst/>
-            </a:prstTxWarp>
-            <a:noAutofit/>
-          </a:bodyPr>
-          <a:lstStyle/>
-          <a:p>
-            <a:pPr algn="ctr"/>
-            <a:endParaRPr lang="en-US"/>
-          </a:p>
-        </p:txBody>
-      </p:sp>
-    </p:spTree>
-    <p:extLst>
-      <p:ext uri="{BB962C8B-B14F-4D97-AF65-F5344CB8AC3E}">
-        <p14:creationId xmlns:p14="http://schemas.microsoft.com/office/powerpoint/2010/main" val="3471049254"/>
-      </p:ext>
-    </p:extLst>
-  </p:cSld>
-  <p:clrMapOvr>
-    <a:masterClrMapping/>
-  </p:clrMapOvr>
-</p:sld>
-</file>
-
-<file path=ppt/slides/slide15.xml><?xml version="1.0" encoding="utf-8"?>
 <p:sld xmlns:a="http://schemas.openxmlformats.org/drawingml/2006/main" xmlns:r="http://schemas.openxmlformats.org/officeDocument/2006/relationships" xmlns:p="http://schemas.openxmlformats.org/presentationml/2006/main">
   <p:cSld>
     <p:bg>
@@ -4342,7 +4235,7 @@
 </p:sld>
 </file>
 
-<file path=ppt/slides/slide16.xml><?xml version="1.0" encoding="utf-8"?>
+<file path=ppt/slides/slide13.xml><?xml version="1.0" encoding="utf-8"?>
 <p:sld xmlns:a="http://schemas.openxmlformats.org/drawingml/2006/main" xmlns:r="http://schemas.openxmlformats.org/officeDocument/2006/relationships" xmlns:p="http://schemas.openxmlformats.org/presentationml/2006/main">
   <p:cSld>
     <p:spTree>
@@ -4414,6 +4307,270 @@
     <p:extLst>
       <p:ext uri="{BB962C8B-B14F-4D97-AF65-F5344CB8AC3E}">
         <p14:creationId xmlns:p14="http://schemas.microsoft.com/office/powerpoint/2010/main" val="2364666172"/>
+      </p:ext>
+    </p:extLst>
+  </p:cSld>
+  <p:clrMapOvr>
+    <a:masterClrMapping/>
+  </p:clrMapOvr>
+  <p:timing>
+    <p:tnLst>
+      <p:par>
+        <p:cTn id="1" dur="indefinite" restart="never" nodeType="tmRoot"/>
+      </p:par>
+    </p:tnLst>
+  </p:timing>
+</p:sld>
+</file>
+
+<file path=ppt/slides/slide14.xml><?xml version="1.0" encoding="utf-8"?>
+<p:sld xmlns:a="http://schemas.openxmlformats.org/drawingml/2006/main" xmlns:r="http://schemas.openxmlformats.org/officeDocument/2006/relationships" xmlns:p="http://schemas.openxmlformats.org/presentationml/2006/main">
+  <p:cSld>
+    <p:spTree>
+      <p:nvGrpSpPr>
+        <p:cNvPr id="1" name=""/>
+        <p:cNvGrpSpPr/>
+        <p:nvPr/>
+      </p:nvGrpSpPr>
+      <p:grpSpPr>
+        <a:xfrm>
+          <a:off x="0" y="0"/>
+          <a:ext cx="0" cy="0"/>
+          <a:chOff x="0" y="0"/>
+          <a:chExt cx="0" cy="0"/>
+        </a:xfrm>
+      </p:grpSpPr>
+      <p:sp>
+        <p:nvSpPr>
+          <p:cNvPr id="5" name="Rounded Rectangle 4"/>
+          <p:cNvSpPr/>
+          <p:nvPr/>
+        </p:nvSpPr>
+        <p:spPr>
+          <a:xfrm>
+            <a:off x="5113020" y="182880"/>
+            <a:ext cx="2026920" cy="441960"/>
+          </a:xfrm>
+          <a:prstGeom prst="roundRect">
+            <a:avLst/>
+          </a:prstGeom>
+          <a:solidFill>
+            <a:srgbClr val="FF0000">
+              <a:alpha val="2000"/>
+            </a:srgbClr>
+          </a:solidFill>
+          <a:ln w="12700">
+            <a:prstDash val="dash"/>
+          </a:ln>
+        </p:spPr>
+        <p:style>
+          <a:lnRef idx="1">
+            <a:schemeClr val="dk1"/>
+          </a:lnRef>
+          <a:fillRef idx="2">
+            <a:schemeClr val="dk1"/>
+          </a:fillRef>
+          <a:effectRef idx="1">
+            <a:schemeClr val="dk1"/>
+          </a:effectRef>
+          <a:fontRef idx="minor">
+            <a:schemeClr val="dk1"/>
+          </a:fontRef>
+        </p:style>
+        <p:txBody>
+          <a:bodyPr rot="0" spcFirstLastPara="0" vertOverflow="overflow" horzOverflow="overflow" vert="horz" wrap="square" lIns="91440" tIns="45720" rIns="91440" bIns="45720" numCol="1" spcCol="0" rtlCol="0" fromWordArt="0" anchor="ctr" anchorCtr="0" forceAA="0" compatLnSpc="1">
+            <a:prstTxWarp prst="textNoShape">
+              <a:avLst/>
+            </a:prstTxWarp>
+            <a:noAutofit/>
+          </a:bodyPr>
+          <a:lstStyle/>
+          <a:p>
+            <a:pPr algn="ctr"/>
+            <a:endParaRPr lang="en-US"/>
+          </a:p>
+        </p:txBody>
+      </p:sp>
+    </p:spTree>
+    <p:extLst>
+      <p:ext uri="{BB962C8B-B14F-4D97-AF65-F5344CB8AC3E}">
+        <p14:creationId xmlns:p14="http://schemas.microsoft.com/office/powerpoint/2010/main" val="2771512955"/>
+      </p:ext>
+    </p:extLst>
+  </p:cSld>
+  <p:clrMapOvr>
+    <a:masterClrMapping/>
+  </p:clrMapOvr>
+  <p:timing>
+    <p:tnLst>
+      <p:par>
+        <p:cTn id="1" dur="indefinite" restart="never" nodeType="tmRoot"/>
+      </p:par>
+    </p:tnLst>
+  </p:timing>
+</p:sld>
+</file>
+
+<file path=ppt/slides/slide15.xml><?xml version="1.0" encoding="utf-8"?>
+<p:sld xmlns:a="http://schemas.openxmlformats.org/drawingml/2006/main" xmlns:r="http://schemas.openxmlformats.org/officeDocument/2006/relationships" xmlns:p="http://schemas.openxmlformats.org/presentationml/2006/main">
+  <p:cSld>
+    <p:spTree>
+      <p:nvGrpSpPr>
+        <p:cNvPr id="1" name=""/>
+        <p:cNvGrpSpPr/>
+        <p:nvPr/>
+      </p:nvGrpSpPr>
+      <p:grpSpPr>
+        <a:xfrm>
+          <a:off x="0" y="0"/>
+          <a:ext cx="0" cy="0"/>
+          <a:chOff x="0" y="0"/>
+          <a:chExt cx="0" cy="0"/>
+        </a:xfrm>
+      </p:grpSpPr>
+      <p:sp>
+        <p:nvSpPr>
+          <p:cNvPr id="5" name="Rounded Rectangle 4"/>
+          <p:cNvSpPr/>
+          <p:nvPr/>
+        </p:nvSpPr>
+        <p:spPr>
+          <a:xfrm>
+            <a:off x="6682740" y="205740"/>
+            <a:ext cx="609600" cy="1485900"/>
+          </a:xfrm>
+          <a:prstGeom prst="roundRect">
+            <a:avLst/>
+          </a:prstGeom>
+          <a:solidFill>
+            <a:srgbClr val="FF0000">
+              <a:alpha val="2000"/>
+            </a:srgbClr>
+          </a:solidFill>
+          <a:ln w="12700">
+            <a:prstDash val="dash"/>
+          </a:ln>
+        </p:spPr>
+        <p:style>
+          <a:lnRef idx="1">
+            <a:schemeClr val="dk1"/>
+          </a:lnRef>
+          <a:fillRef idx="2">
+            <a:schemeClr val="dk1"/>
+          </a:fillRef>
+          <a:effectRef idx="1">
+            <a:schemeClr val="dk1"/>
+          </a:effectRef>
+          <a:fontRef idx="minor">
+            <a:schemeClr val="dk1"/>
+          </a:fontRef>
+        </p:style>
+        <p:txBody>
+          <a:bodyPr rot="0" spcFirstLastPara="0" vertOverflow="overflow" horzOverflow="overflow" vert="horz" wrap="square" lIns="91440" tIns="45720" rIns="91440" bIns="45720" numCol="1" spcCol="0" rtlCol="0" fromWordArt="0" anchor="ctr" anchorCtr="0" forceAA="0" compatLnSpc="1">
+            <a:prstTxWarp prst="textNoShape">
+              <a:avLst/>
+            </a:prstTxWarp>
+            <a:noAutofit/>
+          </a:bodyPr>
+          <a:lstStyle/>
+          <a:p>
+            <a:pPr algn="ctr"/>
+            <a:endParaRPr lang="en-US"/>
+          </a:p>
+        </p:txBody>
+      </p:sp>
+    </p:spTree>
+    <p:extLst>
+      <p:ext uri="{BB962C8B-B14F-4D97-AF65-F5344CB8AC3E}">
+        <p14:creationId xmlns:p14="http://schemas.microsoft.com/office/powerpoint/2010/main" val="3868802154"/>
+      </p:ext>
+    </p:extLst>
+  </p:cSld>
+  <p:clrMapOvr>
+    <a:masterClrMapping/>
+  </p:clrMapOvr>
+  <p:timing>
+    <p:tnLst>
+      <p:par>
+        <p:cTn id="1" dur="indefinite" restart="never" nodeType="tmRoot"/>
+      </p:par>
+    </p:tnLst>
+  </p:timing>
+</p:sld>
+</file>
+
+<file path=ppt/slides/slide16.xml><?xml version="1.0" encoding="utf-8"?>
+<p:sld xmlns:a="http://schemas.openxmlformats.org/drawingml/2006/main" xmlns:r="http://schemas.openxmlformats.org/officeDocument/2006/relationships" xmlns:p="http://schemas.openxmlformats.org/presentationml/2006/main">
+  <p:cSld>
+    <p:spTree>
+      <p:nvGrpSpPr>
+        <p:cNvPr id="1" name=""/>
+        <p:cNvGrpSpPr/>
+        <p:nvPr/>
+      </p:nvGrpSpPr>
+      <p:grpSpPr>
+        <a:xfrm>
+          <a:off x="0" y="0"/>
+          <a:ext cx="0" cy="0"/>
+          <a:chOff x="0" y="0"/>
+          <a:chExt cx="0" cy="0"/>
+        </a:xfrm>
+      </p:grpSpPr>
+      <p:sp>
+        <p:nvSpPr>
+          <p:cNvPr id="3" name="Rounded Rectangle 2"/>
+          <p:cNvSpPr/>
+          <p:nvPr/>
+        </p:nvSpPr>
+        <p:spPr>
+          <a:xfrm>
+            <a:off x="7696200" y="121920"/>
+            <a:ext cx="1348740" cy="1630680"/>
+          </a:xfrm>
+          <a:prstGeom prst="roundRect">
+            <a:avLst/>
+          </a:prstGeom>
+          <a:solidFill>
+            <a:srgbClr val="FF0000">
+              <a:alpha val="2000"/>
+            </a:srgbClr>
+          </a:solidFill>
+          <a:ln w="12700">
+            <a:prstDash val="dash"/>
+          </a:ln>
+        </p:spPr>
+        <p:style>
+          <a:lnRef idx="1">
+            <a:schemeClr val="dk1"/>
+          </a:lnRef>
+          <a:fillRef idx="2">
+            <a:schemeClr val="dk1"/>
+          </a:fillRef>
+          <a:effectRef idx="1">
+            <a:schemeClr val="dk1"/>
+          </a:effectRef>
+          <a:fontRef idx="minor">
+            <a:schemeClr val="dk1"/>
+          </a:fontRef>
+        </p:style>
+        <p:txBody>
+          <a:bodyPr rot="0" spcFirstLastPara="0" vertOverflow="overflow" horzOverflow="overflow" vert="horz" wrap="square" lIns="91440" tIns="45720" rIns="91440" bIns="45720" numCol="1" spcCol="0" rtlCol="0" fromWordArt="0" anchor="ctr" anchorCtr="0" forceAA="0" compatLnSpc="1">
+            <a:prstTxWarp prst="textNoShape">
+              <a:avLst/>
+            </a:prstTxWarp>
+            <a:noAutofit/>
+          </a:bodyPr>
+          <a:lstStyle/>
+          <a:p>
+            <a:pPr algn="ctr"/>
+            <a:endParaRPr lang="en-US"/>
+          </a:p>
+        </p:txBody>
+      </p:sp>
+    </p:spTree>
+    <p:extLst>
+      <p:ext uri="{BB962C8B-B14F-4D97-AF65-F5344CB8AC3E}">
+        <p14:creationId xmlns:p14="http://schemas.microsoft.com/office/powerpoint/2010/main" val="701324909"/>
       </p:ext>
     </p:extLst>
   </p:cSld>
@@ -4447,237 +4604,10 @@
           <a:chExt cx="0" cy="0"/>
         </a:xfrm>
       </p:grpSpPr>
-      <p:sp>
-        <p:nvSpPr>
-          <p:cNvPr id="5" name="Rounded Rectangle 4"/>
-          <p:cNvSpPr/>
-          <p:nvPr/>
-        </p:nvSpPr>
-        <p:spPr>
-          <a:xfrm>
-            <a:off x="5113020" y="182880"/>
-            <a:ext cx="2026920" cy="441960"/>
-          </a:xfrm>
-          <a:prstGeom prst="roundRect">
-            <a:avLst/>
-          </a:prstGeom>
-          <a:solidFill>
-            <a:srgbClr val="FF0000">
-              <a:alpha val="2000"/>
-            </a:srgbClr>
-          </a:solidFill>
-          <a:ln w="12700">
-            <a:prstDash val="dash"/>
-          </a:ln>
-        </p:spPr>
-        <p:style>
-          <a:lnRef idx="1">
-            <a:schemeClr val="dk1"/>
-          </a:lnRef>
-          <a:fillRef idx="2">
-            <a:schemeClr val="dk1"/>
-          </a:fillRef>
-          <a:effectRef idx="1">
-            <a:schemeClr val="dk1"/>
-          </a:effectRef>
-          <a:fontRef idx="minor">
-            <a:schemeClr val="dk1"/>
-          </a:fontRef>
-        </p:style>
-        <p:txBody>
-          <a:bodyPr rot="0" spcFirstLastPara="0" vertOverflow="overflow" horzOverflow="overflow" vert="horz" wrap="square" lIns="91440" tIns="45720" rIns="91440" bIns="45720" numCol="1" spcCol="0" rtlCol="0" fromWordArt="0" anchor="ctr" anchorCtr="0" forceAA="0" compatLnSpc="1">
-            <a:prstTxWarp prst="textNoShape">
-              <a:avLst/>
-            </a:prstTxWarp>
-            <a:noAutofit/>
-          </a:bodyPr>
-          <a:lstStyle/>
-          <a:p>
-            <a:pPr algn="ctr"/>
-            <a:endParaRPr lang="en-US"/>
-          </a:p>
-        </p:txBody>
-      </p:sp>
     </p:spTree>
     <p:extLst>
       <p:ext uri="{BB962C8B-B14F-4D97-AF65-F5344CB8AC3E}">
-        <p14:creationId xmlns:p14="http://schemas.microsoft.com/office/powerpoint/2010/main" val="2771512955"/>
-      </p:ext>
-    </p:extLst>
-  </p:cSld>
-  <p:clrMapOvr>
-    <a:masterClrMapping/>
-  </p:clrMapOvr>
-  <p:timing>
-    <p:tnLst>
-      <p:par>
-        <p:cTn id="1" dur="indefinite" restart="never" nodeType="tmRoot"/>
-      </p:par>
-    </p:tnLst>
-  </p:timing>
-</p:sld>
-</file>
-
-<file path=ppt/slides/slide18.xml><?xml version="1.0" encoding="utf-8"?>
-<p:sld xmlns:a="http://schemas.openxmlformats.org/drawingml/2006/main" xmlns:r="http://schemas.openxmlformats.org/officeDocument/2006/relationships" xmlns:p="http://schemas.openxmlformats.org/presentationml/2006/main">
-  <p:cSld>
-    <p:spTree>
-      <p:nvGrpSpPr>
-        <p:cNvPr id="1" name=""/>
-        <p:cNvGrpSpPr/>
-        <p:nvPr/>
-      </p:nvGrpSpPr>
-      <p:grpSpPr>
-        <a:xfrm>
-          <a:off x="0" y="0"/>
-          <a:ext cx="0" cy="0"/>
-          <a:chOff x="0" y="0"/>
-          <a:chExt cx="0" cy="0"/>
-        </a:xfrm>
-      </p:grpSpPr>
-      <p:sp>
-        <p:nvSpPr>
-          <p:cNvPr id="5" name="Rounded Rectangle 4"/>
-          <p:cNvSpPr/>
-          <p:nvPr/>
-        </p:nvSpPr>
-        <p:spPr>
-          <a:xfrm>
-            <a:off x="6682740" y="205740"/>
-            <a:ext cx="609600" cy="1485900"/>
-          </a:xfrm>
-          <a:prstGeom prst="roundRect">
-            <a:avLst/>
-          </a:prstGeom>
-          <a:solidFill>
-            <a:srgbClr val="FF0000">
-              <a:alpha val="2000"/>
-            </a:srgbClr>
-          </a:solidFill>
-          <a:ln w="12700">
-            <a:prstDash val="dash"/>
-          </a:ln>
-        </p:spPr>
-        <p:style>
-          <a:lnRef idx="1">
-            <a:schemeClr val="dk1"/>
-          </a:lnRef>
-          <a:fillRef idx="2">
-            <a:schemeClr val="dk1"/>
-          </a:fillRef>
-          <a:effectRef idx="1">
-            <a:schemeClr val="dk1"/>
-          </a:effectRef>
-          <a:fontRef idx="minor">
-            <a:schemeClr val="dk1"/>
-          </a:fontRef>
-        </p:style>
-        <p:txBody>
-          <a:bodyPr rot="0" spcFirstLastPara="0" vertOverflow="overflow" horzOverflow="overflow" vert="horz" wrap="square" lIns="91440" tIns="45720" rIns="91440" bIns="45720" numCol="1" spcCol="0" rtlCol="0" fromWordArt="0" anchor="ctr" anchorCtr="0" forceAA="0" compatLnSpc="1">
-            <a:prstTxWarp prst="textNoShape">
-              <a:avLst/>
-            </a:prstTxWarp>
-            <a:noAutofit/>
-          </a:bodyPr>
-          <a:lstStyle/>
-          <a:p>
-            <a:pPr algn="ctr"/>
-            <a:endParaRPr lang="en-US"/>
-          </a:p>
-        </p:txBody>
-      </p:sp>
-    </p:spTree>
-    <p:extLst>
-      <p:ext uri="{BB962C8B-B14F-4D97-AF65-F5344CB8AC3E}">
-        <p14:creationId xmlns:p14="http://schemas.microsoft.com/office/powerpoint/2010/main" val="3868802154"/>
-      </p:ext>
-    </p:extLst>
-  </p:cSld>
-  <p:clrMapOvr>
-    <a:masterClrMapping/>
-  </p:clrMapOvr>
-  <p:timing>
-    <p:tnLst>
-      <p:par>
-        <p:cTn id="1" dur="indefinite" restart="never" nodeType="tmRoot"/>
-      </p:par>
-    </p:tnLst>
-  </p:timing>
-</p:sld>
-</file>
-
-<file path=ppt/slides/slide19.xml><?xml version="1.0" encoding="utf-8"?>
-<p:sld xmlns:a="http://schemas.openxmlformats.org/drawingml/2006/main" xmlns:r="http://schemas.openxmlformats.org/officeDocument/2006/relationships" xmlns:p="http://schemas.openxmlformats.org/presentationml/2006/main">
-  <p:cSld>
-    <p:spTree>
-      <p:nvGrpSpPr>
-        <p:cNvPr id="1" name=""/>
-        <p:cNvGrpSpPr/>
-        <p:nvPr/>
-      </p:nvGrpSpPr>
-      <p:grpSpPr>
-        <a:xfrm>
-          <a:off x="0" y="0"/>
-          <a:ext cx="0" cy="0"/>
-          <a:chOff x="0" y="0"/>
-          <a:chExt cx="0" cy="0"/>
-        </a:xfrm>
-      </p:grpSpPr>
-      <p:sp>
-        <p:nvSpPr>
-          <p:cNvPr id="3" name="Rounded Rectangle 2"/>
-          <p:cNvSpPr/>
-          <p:nvPr/>
-        </p:nvSpPr>
-        <p:spPr>
-          <a:xfrm>
-            <a:off x="7696200" y="121920"/>
-            <a:ext cx="1348740" cy="1630680"/>
-          </a:xfrm>
-          <a:prstGeom prst="roundRect">
-            <a:avLst/>
-          </a:prstGeom>
-          <a:solidFill>
-            <a:srgbClr val="FF0000">
-              <a:alpha val="2000"/>
-            </a:srgbClr>
-          </a:solidFill>
-          <a:ln w="12700">
-            <a:prstDash val="dash"/>
-          </a:ln>
-        </p:spPr>
-        <p:style>
-          <a:lnRef idx="1">
-            <a:schemeClr val="dk1"/>
-          </a:lnRef>
-          <a:fillRef idx="2">
-            <a:schemeClr val="dk1"/>
-          </a:fillRef>
-          <a:effectRef idx="1">
-            <a:schemeClr val="dk1"/>
-          </a:effectRef>
-          <a:fontRef idx="minor">
-            <a:schemeClr val="dk1"/>
-          </a:fontRef>
-        </p:style>
-        <p:txBody>
-          <a:bodyPr rot="0" spcFirstLastPara="0" vertOverflow="overflow" horzOverflow="overflow" vert="horz" wrap="square" lIns="91440" tIns="45720" rIns="91440" bIns="45720" numCol="1" spcCol="0" rtlCol="0" fromWordArt="0" anchor="ctr" anchorCtr="0" forceAA="0" compatLnSpc="1">
-            <a:prstTxWarp prst="textNoShape">
-              <a:avLst/>
-            </a:prstTxWarp>
-            <a:noAutofit/>
-          </a:bodyPr>
-          <a:lstStyle/>
-          <a:p>
-            <a:pPr algn="ctr"/>
-            <a:endParaRPr lang="en-US"/>
-          </a:p>
-        </p:txBody>
-      </p:sp>
-    </p:spTree>
-    <p:extLst>
-      <p:ext uri="{BB962C8B-B14F-4D97-AF65-F5344CB8AC3E}">
-        <p14:creationId xmlns:p14="http://schemas.microsoft.com/office/powerpoint/2010/main" val="701324909"/>
+        <p14:creationId xmlns:p14="http://schemas.microsoft.com/office/powerpoint/2010/main" val="1584045952"/>
       </p:ext>
     </p:extLst>
   </p:cSld>
@@ -4721,36 +4651,6 @@
   <p:clrMapOvr>
     <a:masterClrMapping/>
   </p:clrMapOvr>
-</p:sld>
-</file>
-
-<file path=ppt/slides/slide20.xml><?xml version="1.0" encoding="utf-8"?>
-<p:sld xmlns:a="http://schemas.openxmlformats.org/drawingml/2006/main" xmlns:r="http://schemas.openxmlformats.org/officeDocument/2006/relationships" xmlns:p="http://schemas.openxmlformats.org/presentationml/2006/main">
-  <p:cSld>
-    <p:spTree>
-      <p:nvGrpSpPr>
-        <p:cNvPr id="1" name=""/>
-        <p:cNvGrpSpPr/>
-        <p:nvPr/>
-      </p:nvGrpSpPr>
-      <p:grpSpPr>
-        <a:xfrm>
-          <a:off x="0" y="0"/>
-          <a:ext cx="0" cy="0"/>
-          <a:chOff x="0" y="0"/>
-          <a:chExt cx="0" cy="0"/>
-        </a:xfrm>
-      </p:grpSpPr>
-    </p:spTree>
-    <p:extLst>
-      <p:ext uri="{BB962C8B-B14F-4D97-AF65-F5344CB8AC3E}">
-        <p14:creationId xmlns:p14="http://schemas.microsoft.com/office/powerpoint/2010/main" val="1584045952"/>
-      </p:ext>
-    </p:extLst>
-  </p:cSld>
-  <p:clrMapOvr>
-    <a:masterClrMapping/>
-  </p:clrMapOvr>
   <p:timing>
     <p:tnLst>
       <p:par>
@@ -4758,276 +4658,6 @@
       </p:par>
     </p:tnLst>
   </p:timing>
-</p:sld>
-</file>
-
-<file path=ppt/slides/slide21.xml><?xml version="1.0" encoding="utf-8"?>
-<p:sld xmlns:a="http://schemas.openxmlformats.org/drawingml/2006/main" xmlns:r="http://schemas.openxmlformats.org/officeDocument/2006/relationships" xmlns:p="http://schemas.openxmlformats.org/presentationml/2006/main">
-  <p:cSld>
-    <p:spTree>
-      <p:nvGrpSpPr>
-        <p:cNvPr id="1" name=""/>
-        <p:cNvGrpSpPr/>
-        <p:nvPr/>
-      </p:nvGrpSpPr>
-      <p:grpSpPr>
-        <a:xfrm>
-          <a:off x="0" y="0"/>
-          <a:ext cx="0" cy="0"/>
-          <a:chOff x="0" y="0"/>
-          <a:chExt cx="0" cy="0"/>
-        </a:xfrm>
-      </p:grpSpPr>
-    </p:spTree>
-    <p:extLst>
-      <p:ext uri="{BB962C8B-B14F-4D97-AF65-F5344CB8AC3E}">
-        <p14:creationId xmlns:p14="http://schemas.microsoft.com/office/powerpoint/2010/main" val="2419868181"/>
-      </p:ext>
-    </p:extLst>
-  </p:cSld>
-  <p:clrMapOvr>
-    <a:masterClrMapping/>
-  </p:clrMapOvr>
-</p:sld>
-</file>
-
-<file path=ppt/slides/slide22.xml><?xml version="1.0" encoding="utf-8"?>
-<p:sld xmlns:a="http://schemas.openxmlformats.org/drawingml/2006/main" xmlns:r="http://schemas.openxmlformats.org/officeDocument/2006/relationships" xmlns:p="http://schemas.openxmlformats.org/presentationml/2006/main">
-  <p:cSld>
-    <p:spTree>
-      <p:nvGrpSpPr>
-        <p:cNvPr id="1" name=""/>
-        <p:cNvGrpSpPr/>
-        <p:nvPr/>
-      </p:nvGrpSpPr>
-      <p:grpSpPr>
-        <a:xfrm>
-          <a:off x="0" y="0"/>
-          <a:ext cx="0" cy="0"/>
-          <a:chOff x="0" y="0"/>
-          <a:chExt cx="0" cy="0"/>
-        </a:xfrm>
-      </p:grpSpPr>
-    </p:spTree>
-    <p:extLst>
-      <p:ext uri="{BB962C8B-B14F-4D97-AF65-F5344CB8AC3E}">
-        <p14:creationId xmlns:p14="http://schemas.microsoft.com/office/powerpoint/2010/main" val="2719592432"/>
-      </p:ext>
-    </p:extLst>
-  </p:cSld>
-  <p:clrMapOvr>
-    <a:masterClrMapping/>
-  </p:clrMapOvr>
-</p:sld>
-</file>
-
-<file path=ppt/slides/slide23.xml><?xml version="1.0" encoding="utf-8"?>
-<p:sld xmlns:a="http://schemas.openxmlformats.org/drawingml/2006/main" xmlns:r="http://schemas.openxmlformats.org/officeDocument/2006/relationships" xmlns:p="http://schemas.openxmlformats.org/presentationml/2006/main">
-  <p:cSld>
-    <p:spTree>
-      <p:nvGrpSpPr>
-        <p:cNvPr id="1" name=""/>
-        <p:cNvGrpSpPr/>
-        <p:nvPr/>
-      </p:nvGrpSpPr>
-      <p:grpSpPr>
-        <a:xfrm>
-          <a:off x="0" y="0"/>
-          <a:ext cx="0" cy="0"/>
-          <a:chOff x="0" y="0"/>
-          <a:chExt cx="0" cy="0"/>
-        </a:xfrm>
-      </p:grpSpPr>
-    </p:spTree>
-    <p:extLst>
-      <p:ext uri="{BB962C8B-B14F-4D97-AF65-F5344CB8AC3E}">
-        <p14:creationId xmlns:p14="http://schemas.microsoft.com/office/powerpoint/2010/main" val="1922042404"/>
-      </p:ext>
-    </p:extLst>
-  </p:cSld>
-  <p:clrMapOvr>
-    <a:masterClrMapping/>
-  </p:clrMapOvr>
-</p:sld>
-</file>
-
-<file path=ppt/slides/slide24.xml><?xml version="1.0" encoding="utf-8"?>
-<p:sld xmlns:a="http://schemas.openxmlformats.org/drawingml/2006/main" xmlns:r="http://schemas.openxmlformats.org/officeDocument/2006/relationships" xmlns:p="http://schemas.openxmlformats.org/presentationml/2006/main">
-  <p:cSld>
-    <p:spTree>
-      <p:nvGrpSpPr>
-        <p:cNvPr id="1" name=""/>
-        <p:cNvGrpSpPr/>
-        <p:nvPr/>
-      </p:nvGrpSpPr>
-      <p:grpSpPr>
-        <a:xfrm>
-          <a:off x="0" y="0"/>
-          <a:ext cx="0" cy="0"/>
-          <a:chOff x="0" y="0"/>
-          <a:chExt cx="0" cy="0"/>
-        </a:xfrm>
-      </p:grpSpPr>
-    </p:spTree>
-    <p:extLst>
-      <p:ext uri="{BB962C8B-B14F-4D97-AF65-F5344CB8AC3E}">
-        <p14:creationId xmlns:p14="http://schemas.microsoft.com/office/powerpoint/2010/main" val="711019165"/>
-      </p:ext>
-    </p:extLst>
-  </p:cSld>
-  <p:clrMapOvr>
-    <a:masterClrMapping/>
-  </p:clrMapOvr>
-</p:sld>
-</file>
-
-<file path=ppt/slides/slide25.xml><?xml version="1.0" encoding="utf-8"?>
-<p:sld xmlns:a="http://schemas.openxmlformats.org/drawingml/2006/main" xmlns:r="http://schemas.openxmlformats.org/officeDocument/2006/relationships" xmlns:p="http://schemas.openxmlformats.org/presentationml/2006/main">
-  <p:cSld>
-    <p:spTree>
-      <p:nvGrpSpPr>
-        <p:cNvPr id="1" name=""/>
-        <p:cNvGrpSpPr/>
-        <p:nvPr/>
-      </p:nvGrpSpPr>
-      <p:grpSpPr>
-        <a:xfrm>
-          <a:off x="0" y="0"/>
-          <a:ext cx="0" cy="0"/>
-          <a:chOff x="0" y="0"/>
-          <a:chExt cx="0" cy="0"/>
-        </a:xfrm>
-      </p:grpSpPr>
-    </p:spTree>
-    <p:extLst>
-      <p:ext uri="{BB962C8B-B14F-4D97-AF65-F5344CB8AC3E}">
-        <p14:creationId xmlns:p14="http://schemas.microsoft.com/office/powerpoint/2010/main" val="3214367139"/>
-      </p:ext>
-    </p:extLst>
-  </p:cSld>
-  <p:clrMapOvr>
-    <a:masterClrMapping/>
-  </p:clrMapOvr>
-</p:sld>
-</file>
-
-<file path=ppt/slides/slide26.xml><?xml version="1.0" encoding="utf-8"?>
-<p:sld xmlns:a="http://schemas.openxmlformats.org/drawingml/2006/main" xmlns:r="http://schemas.openxmlformats.org/officeDocument/2006/relationships" xmlns:p="http://schemas.openxmlformats.org/presentationml/2006/main">
-  <p:cSld>
-    <p:spTree>
-      <p:nvGrpSpPr>
-        <p:cNvPr id="1" name=""/>
-        <p:cNvGrpSpPr/>
-        <p:nvPr/>
-      </p:nvGrpSpPr>
-      <p:grpSpPr>
-        <a:xfrm>
-          <a:off x="0" y="0"/>
-          <a:ext cx="0" cy="0"/>
-          <a:chOff x="0" y="0"/>
-          <a:chExt cx="0" cy="0"/>
-        </a:xfrm>
-      </p:grpSpPr>
-    </p:spTree>
-    <p:extLst>
-      <p:ext uri="{BB962C8B-B14F-4D97-AF65-F5344CB8AC3E}">
-        <p14:creationId xmlns:p14="http://schemas.microsoft.com/office/powerpoint/2010/main" val="2704817187"/>
-      </p:ext>
-    </p:extLst>
-  </p:cSld>
-  <p:clrMapOvr>
-    <a:masterClrMapping/>
-  </p:clrMapOvr>
-</p:sld>
-</file>
-
-<file path=ppt/slides/slide27.xml><?xml version="1.0" encoding="utf-8"?>
-<p:sld xmlns:a="http://schemas.openxmlformats.org/drawingml/2006/main" xmlns:r="http://schemas.openxmlformats.org/officeDocument/2006/relationships" xmlns:p="http://schemas.openxmlformats.org/presentationml/2006/main">
-  <p:cSld>
-    <p:spTree>
-      <p:nvGrpSpPr>
-        <p:cNvPr id="1" name=""/>
-        <p:cNvGrpSpPr/>
-        <p:nvPr/>
-      </p:nvGrpSpPr>
-      <p:grpSpPr>
-        <a:xfrm>
-          <a:off x="0" y="0"/>
-          <a:ext cx="0" cy="0"/>
-          <a:chOff x="0" y="0"/>
-          <a:chExt cx="0" cy="0"/>
-        </a:xfrm>
-      </p:grpSpPr>
-    </p:spTree>
-    <p:extLst>
-      <p:ext uri="{BB962C8B-B14F-4D97-AF65-F5344CB8AC3E}">
-        <p14:creationId xmlns:p14="http://schemas.microsoft.com/office/powerpoint/2010/main" val="3136429545"/>
-      </p:ext>
-    </p:extLst>
-  </p:cSld>
-  <p:clrMapOvr>
-    <a:masterClrMapping/>
-  </p:clrMapOvr>
-</p:sld>
-</file>
-
-<file path=ppt/slides/slide28.xml><?xml version="1.0" encoding="utf-8"?>
-<p:sld xmlns:a="http://schemas.openxmlformats.org/drawingml/2006/main" xmlns:r="http://schemas.openxmlformats.org/officeDocument/2006/relationships" xmlns:p="http://schemas.openxmlformats.org/presentationml/2006/main">
-  <p:cSld>
-    <p:spTree>
-      <p:nvGrpSpPr>
-        <p:cNvPr id="1" name=""/>
-        <p:cNvGrpSpPr/>
-        <p:nvPr/>
-      </p:nvGrpSpPr>
-      <p:grpSpPr>
-        <a:xfrm>
-          <a:off x="0" y="0"/>
-          <a:ext cx="0" cy="0"/>
-          <a:chOff x="0" y="0"/>
-          <a:chExt cx="0" cy="0"/>
-        </a:xfrm>
-      </p:grpSpPr>
-    </p:spTree>
-    <p:extLst>
-      <p:ext uri="{BB962C8B-B14F-4D97-AF65-F5344CB8AC3E}">
-        <p14:creationId xmlns:p14="http://schemas.microsoft.com/office/powerpoint/2010/main" val="1286557180"/>
-      </p:ext>
-    </p:extLst>
-  </p:cSld>
-  <p:clrMapOvr>
-    <a:masterClrMapping/>
-  </p:clrMapOvr>
-</p:sld>
-</file>
-
-<file path=ppt/slides/slide29.xml><?xml version="1.0" encoding="utf-8"?>
-<p:sld xmlns:a="http://schemas.openxmlformats.org/drawingml/2006/main" xmlns:r="http://schemas.openxmlformats.org/officeDocument/2006/relationships" xmlns:p="http://schemas.openxmlformats.org/presentationml/2006/main">
-  <p:cSld>
-    <p:spTree>
-      <p:nvGrpSpPr>
-        <p:cNvPr id="1" name=""/>
-        <p:cNvGrpSpPr/>
-        <p:nvPr/>
-      </p:nvGrpSpPr>
-      <p:grpSpPr>
-        <a:xfrm>
-          <a:off x="0" y="0"/>
-          <a:ext cx="0" cy="0"/>
-          <a:chOff x="0" y="0"/>
-          <a:chExt cx="0" cy="0"/>
-        </a:xfrm>
-      </p:grpSpPr>
-    </p:spTree>
-    <p:extLst>
-      <p:ext uri="{BB962C8B-B14F-4D97-AF65-F5344CB8AC3E}">
-        <p14:creationId xmlns:p14="http://schemas.microsoft.com/office/powerpoint/2010/main" val="1020577071"/>
-      </p:ext>
-    </p:extLst>
-  </p:cSld>
-  <p:clrMapOvr>
-    <a:masterClrMapping/>
-  </p:clrMapOvr>
 </p:sld>
 </file>
 
@@ -5068,313 +4698,6 @@
 </p:sld>
 </file>
 
-<file path=ppt/slides/slide30.xml><?xml version="1.0" encoding="utf-8"?>
-<p:sld xmlns:a="http://schemas.openxmlformats.org/drawingml/2006/main" xmlns:r="http://schemas.openxmlformats.org/officeDocument/2006/relationships" xmlns:p="http://schemas.openxmlformats.org/presentationml/2006/main">
-  <p:cSld>
-    <p:spTree>
-      <p:nvGrpSpPr>
-        <p:cNvPr id="1" name=""/>
-        <p:cNvGrpSpPr/>
-        <p:nvPr/>
-      </p:nvGrpSpPr>
-      <p:grpSpPr>
-        <a:xfrm>
-          <a:off x="0" y="0"/>
-          <a:ext cx="0" cy="0"/>
-          <a:chOff x="0" y="0"/>
-          <a:chExt cx="0" cy="0"/>
-        </a:xfrm>
-      </p:grpSpPr>
-    </p:spTree>
-    <p:extLst>
-      <p:ext uri="{BB962C8B-B14F-4D97-AF65-F5344CB8AC3E}">
-        <p14:creationId xmlns:p14="http://schemas.microsoft.com/office/powerpoint/2010/main" val="112546500"/>
-      </p:ext>
-    </p:extLst>
-  </p:cSld>
-  <p:clrMapOvr>
-    <a:masterClrMapping/>
-  </p:clrMapOvr>
-</p:sld>
-</file>
-
-<file path=ppt/slides/slide31.xml><?xml version="1.0" encoding="utf-8"?>
-<p:sld xmlns:a="http://schemas.openxmlformats.org/drawingml/2006/main" xmlns:r="http://schemas.openxmlformats.org/officeDocument/2006/relationships" xmlns:p="http://schemas.openxmlformats.org/presentationml/2006/main">
-  <p:cSld>
-    <p:spTree>
-      <p:nvGrpSpPr>
-        <p:cNvPr id="1" name=""/>
-        <p:cNvGrpSpPr/>
-        <p:nvPr/>
-      </p:nvGrpSpPr>
-      <p:grpSpPr>
-        <a:xfrm>
-          <a:off x="0" y="0"/>
-          <a:ext cx="0" cy="0"/>
-          <a:chOff x="0" y="0"/>
-          <a:chExt cx="0" cy="0"/>
-        </a:xfrm>
-      </p:grpSpPr>
-    </p:spTree>
-    <p:extLst>
-      <p:ext uri="{BB962C8B-B14F-4D97-AF65-F5344CB8AC3E}">
-        <p14:creationId xmlns:p14="http://schemas.microsoft.com/office/powerpoint/2010/main" val="1490018139"/>
-      </p:ext>
-    </p:extLst>
-  </p:cSld>
-  <p:clrMapOvr>
-    <a:masterClrMapping/>
-  </p:clrMapOvr>
-</p:sld>
-</file>
-
-<file path=ppt/slides/slide32.xml><?xml version="1.0" encoding="utf-8"?>
-<p:sld xmlns:a="http://schemas.openxmlformats.org/drawingml/2006/main" xmlns:r="http://schemas.openxmlformats.org/officeDocument/2006/relationships" xmlns:p="http://schemas.openxmlformats.org/presentationml/2006/main">
-  <p:cSld>
-    <p:spTree>
-      <p:nvGrpSpPr>
-        <p:cNvPr id="1" name=""/>
-        <p:cNvGrpSpPr/>
-        <p:nvPr/>
-      </p:nvGrpSpPr>
-      <p:grpSpPr>
-        <a:xfrm>
-          <a:off x="0" y="0"/>
-          <a:ext cx="0" cy="0"/>
-          <a:chOff x="0" y="0"/>
-          <a:chExt cx="0" cy="0"/>
-        </a:xfrm>
-      </p:grpSpPr>
-    </p:spTree>
-    <p:extLst>
-      <p:ext uri="{BB962C8B-B14F-4D97-AF65-F5344CB8AC3E}">
-        <p14:creationId xmlns:p14="http://schemas.microsoft.com/office/powerpoint/2010/main" val="3113966636"/>
-      </p:ext>
-    </p:extLst>
-  </p:cSld>
-  <p:clrMapOvr>
-    <a:masterClrMapping/>
-  </p:clrMapOvr>
-  <p:timing>
-    <p:tnLst>
-      <p:par>
-        <p:cTn id="1" dur="indefinite" restart="never" nodeType="tmRoot"/>
-      </p:par>
-    </p:tnLst>
-  </p:timing>
-</p:sld>
-</file>
-
-<file path=ppt/slides/slide33.xml><?xml version="1.0" encoding="utf-8"?>
-<p:sld xmlns:a="http://schemas.openxmlformats.org/drawingml/2006/main" xmlns:r="http://schemas.openxmlformats.org/officeDocument/2006/relationships" xmlns:p="http://schemas.openxmlformats.org/presentationml/2006/main">
-  <p:cSld>
-    <p:spTree>
-      <p:nvGrpSpPr>
-        <p:cNvPr id="1" name=""/>
-        <p:cNvGrpSpPr/>
-        <p:nvPr/>
-      </p:nvGrpSpPr>
-      <p:grpSpPr>
-        <a:xfrm>
-          <a:off x="0" y="0"/>
-          <a:ext cx="0" cy="0"/>
-          <a:chOff x="0" y="0"/>
-          <a:chExt cx="0" cy="0"/>
-        </a:xfrm>
-      </p:grpSpPr>
-    </p:spTree>
-    <p:extLst>
-      <p:ext uri="{BB962C8B-B14F-4D97-AF65-F5344CB8AC3E}">
-        <p14:creationId xmlns:p14="http://schemas.microsoft.com/office/powerpoint/2010/main" val="3957274953"/>
-      </p:ext>
-    </p:extLst>
-  </p:cSld>
-  <p:clrMapOvr>
-    <a:masterClrMapping/>
-  </p:clrMapOvr>
-</p:sld>
-</file>
-
-<file path=ppt/slides/slide34.xml><?xml version="1.0" encoding="utf-8"?>
-<p:sld xmlns:a="http://schemas.openxmlformats.org/drawingml/2006/main" xmlns:r="http://schemas.openxmlformats.org/officeDocument/2006/relationships" xmlns:p="http://schemas.openxmlformats.org/presentationml/2006/main">
-  <p:cSld>
-    <p:spTree>
-      <p:nvGrpSpPr>
-        <p:cNvPr id="1" name=""/>
-        <p:cNvGrpSpPr/>
-        <p:nvPr/>
-      </p:nvGrpSpPr>
-      <p:grpSpPr>
-        <a:xfrm>
-          <a:off x="0" y="0"/>
-          <a:ext cx="0" cy="0"/>
-          <a:chOff x="0" y="0"/>
-          <a:chExt cx="0" cy="0"/>
-        </a:xfrm>
-      </p:grpSpPr>
-    </p:spTree>
-    <p:extLst>
-      <p:ext uri="{BB962C8B-B14F-4D97-AF65-F5344CB8AC3E}">
-        <p14:creationId xmlns:p14="http://schemas.microsoft.com/office/powerpoint/2010/main" val="67727394"/>
-      </p:ext>
-    </p:extLst>
-  </p:cSld>
-  <p:clrMapOvr>
-    <a:masterClrMapping/>
-  </p:clrMapOvr>
-</p:sld>
-</file>
-
-<file path=ppt/slides/slide35.xml><?xml version="1.0" encoding="utf-8"?>
-<p:sld xmlns:a="http://schemas.openxmlformats.org/drawingml/2006/main" xmlns:r="http://schemas.openxmlformats.org/officeDocument/2006/relationships" xmlns:p="http://schemas.openxmlformats.org/presentationml/2006/main">
-  <p:cSld>
-    <p:spTree>
-      <p:nvGrpSpPr>
-        <p:cNvPr id="1" name=""/>
-        <p:cNvGrpSpPr/>
-        <p:nvPr/>
-      </p:nvGrpSpPr>
-      <p:grpSpPr>
-        <a:xfrm>
-          <a:off x="0" y="0"/>
-          <a:ext cx="0" cy="0"/>
-          <a:chOff x="0" y="0"/>
-          <a:chExt cx="0" cy="0"/>
-        </a:xfrm>
-      </p:grpSpPr>
-    </p:spTree>
-    <p:extLst>
-      <p:ext uri="{BB962C8B-B14F-4D97-AF65-F5344CB8AC3E}">
-        <p14:creationId xmlns:p14="http://schemas.microsoft.com/office/powerpoint/2010/main" val="249501422"/>
-      </p:ext>
-    </p:extLst>
-  </p:cSld>
-  <p:clrMapOvr>
-    <a:masterClrMapping/>
-  </p:clrMapOvr>
-</p:sld>
-</file>
-
-<file path=ppt/slides/slide36.xml><?xml version="1.0" encoding="utf-8"?>
-<p:sld xmlns:a="http://schemas.openxmlformats.org/drawingml/2006/main" xmlns:r="http://schemas.openxmlformats.org/officeDocument/2006/relationships" xmlns:p="http://schemas.openxmlformats.org/presentationml/2006/main">
-  <p:cSld>
-    <p:spTree>
-      <p:nvGrpSpPr>
-        <p:cNvPr id="1" name=""/>
-        <p:cNvGrpSpPr/>
-        <p:nvPr/>
-      </p:nvGrpSpPr>
-      <p:grpSpPr>
-        <a:xfrm>
-          <a:off x="0" y="0"/>
-          <a:ext cx="0" cy="0"/>
-          <a:chOff x="0" y="0"/>
-          <a:chExt cx="0" cy="0"/>
-        </a:xfrm>
-      </p:grpSpPr>
-    </p:spTree>
-    <p:extLst>
-      <p:ext uri="{BB962C8B-B14F-4D97-AF65-F5344CB8AC3E}">
-        <p14:creationId xmlns:p14="http://schemas.microsoft.com/office/powerpoint/2010/main" val="3086060041"/>
-      </p:ext>
-    </p:extLst>
-  </p:cSld>
-  <p:clrMapOvr>
-    <a:masterClrMapping/>
-  </p:clrMapOvr>
-</p:sld>
-</file>
-
-<file path=ppt/slides/slide37.xml><?xml version="1.0" encoding="utf-8"?>
-<p:sld xmlns:a="http://schemas.openxmlformats.org/drawingml/2006/main" xmlns:r="http://schemas.openxmlformats.org/officeDocument/2006/relationships" xmlns:p="http://schemas.openxmlformats.org/presentationml/2006/main">
-  <p:cSld>
-    <p:spTree>
-      <p:nvGrpSpPr>
-        <p:cNvPr id="1" name=""/>
-        <p:cNvGrpSpPr/>
-        <p:nvPr/>
-      </p:nvGrpSpPr>
-      <p:grpSpPr>
-        <a:xfrm>
-          <a:off x="0" y="0"/>
-          <a:ext cx="0" cy="0"/>
-          <a:chOff x="0" y="0"/>
-          <a:chExt cx="0" cy="0"/>
-        </a:xfrm>
-      </p:grpSpPr>
-    </p:spTree>
-    <p:extLst>
-      <p:ext uri="{BB962C8B-B14F-4D97-AF65-F5344CB8AC3E}">
-        <p14:creationId xmlns:p14="http://schemas.microsoft.com/office/powerpoint/2010/main" val="3863056024"/>
-      </p:ext>
-    </p:extLst>
-  </p:cSld>
-  <p:clrMapOvr>
-    <a:masterClrMapping/>
-  </p:clrMapOvr>
-</p:sld>
-</file>
-
-<file path=ppt/slides/slide38.xml><?xml version="1.0" encoding="utf-8"?>
-<p:sld xmlns:a="http://schemas.openxmlformats.org/drawingml/2006/main" xmlns:r="http://schemas.openxmlformats.org/officeDocument/2006/relationships" xmlns:p="http://schemas.openxmlformats.org/presentationml/2006/main">
-  <p:cSld>
-    <p:spTree>
-      <p:nvGrpSpPr>
-        <p:cNvPr id="1" name=""/>
-        <p:cNvGrpSpPr/>
-        <p:nvPr/>
-      </p:nvGrpSpPr>
-      <p:grpSpPr>
-        <a:xfrm>
-          <a:off x="0" y="0"/>
-          <a:ext cx="0" cy="0"/>
-          <a:chOff x="0" y="0"/>
-          <a:chExt cx="0" cy="0"/>
-        </a:xfrm>
-      </p:grpSpPr>
-    </p:spTree>
-    <p:extLst>
-      <p:ext uri="{BB962C8B-B14F-4D97-AF65-F5344CB8AC3E}">
-        <p14:creationId xmlns:p14="http://schemas.microsoft.com/office/powerpoint/2010/main" val="3545912781"/>
-      </p:ext>
-    </p:extLst>
-  </p:cSld>
-  <p:clrMapOvr>
-    <a:masterClrMapping/>
-  </p:clrMapOvr>
-</p:sld>
-</file>
-
-<file path=ppt/slides/slide39.xml><?xml version="1.0" encoding="utf-8"?>
-<p:sld xmlns:a="http://schemas.openxmlformats.org/drawingml/2006/main" xmlns:r="http://schemas.openxmlformats.org/officeDocument/2006/relationships" xmlns:p="http://schemas.openxmlformats.org/presentationml/2006/main">
-  <p:cSld>
-    <p:spTree>
-      <p:nvGrpSpPr>
-        <p:cNvPr id="1" name=""/>
-        <p:cNvGrpSpPr/>
-        <p:nvPr/>
-      </p:nvGrpSpPr>
-      <p:grpSpPr>
-        <a:xfrm>
-          <a:off x="0" y="0"/>
-          <a:ext cx="0" cy="0"/>
-          <a:chOff x="0" y="0"/>
-          <a:chExt cx="0" cy="0"/>
-        </a:xfrm>
-      </p:grpSpPr>
-    </p:spTree>
-    <p:extLst>
-      <p:ext uri="{BB962C8B-B14F-4D97-AF65-F5344CB8AC3E}">
-        <p14:creationId xmlns:p14="http://schemas.microsoft.com/office/powerpoint/2010/main" val="1919565682"/>
-      </p:ext>
-    </p:extLst>
-  </p:cSld>
-  <p:clrMapOvr>
-    <a:masterClrMapping/>
-  </p:clrMapOvr>
-</p:sld>
-</file>
-
 <file path=ppt/slides/slide4.xml><?xml version="1.0" encoding="utf-8"?>
 <p:sld xmlns:a="http://schemas.openxmlformats.org/drawingml/2006/main" xmlns:r="http://schemas.openxmlformats.org/officeDocument/2006/relationships" xmlns:p="http://schemas.openxmlformats.org/presentationml/2006/main">
   <p:cSld>
@@ -5632,246 +4955,6 @@
       </p:par>
     </p:tnLst>
   </p:timing>
-</p:sld>
-</file>
-
-<file path=ppt/slides/slide40.xml><?xml version="1.0" encoding="utf-8"?>
-<p:sld xmlns:a="http://schemas.openxmlformats.org/drawingml/2006/main" xmlns:r="http://schemas.openxmlformats.org/officeDocument/2006/relationships" xmlns:p="http://schemas.openxmlformats.org/presentationml/2006/main">
-  <p:cSld>
-    <p:spTree>
-      <p:nvGrpSpPr>
-        <p:cNvPr id="1" name=""/>
-        <p:cNvGrpSpPr/>
-        <p:nvPr/>
-      </p:nvGrpSpPr>
-      <p:grpSpPr>
-        <a:xfrm>
-          <a:off x="0" y="0"/>
-          <a:ext cx="0" cy="0"/>
-          <a:chOff x="0" y="0"/>
-          <a:chExt cx="0" cy="0"/>
-        </a:xfrm>
-      </p:grpSpPr>
-    </p:spTree>
-    <p:extLst>
-      <p:ext uri="{BB962C8B-B14F-4D97-AF65-F5344CB8AC3E}">
-        <p14:creationId xmlns:p14="http://schemas.microsoft.com/office/powerpoint/2010/main" val="3340717957"/>
-      </p:ext>
-    </p:extLst>
-  </p:cSld>
-  <p:clrMapOvr>
-    <a:masterClrMapping/>
-  </p:clrMapOvr>
-</p:sld>
-</file>
-
-<file path=ppt/slides/slide41.xml><?xml version="1.0" encoding="utf-8"?>
-<p:sld xmlns:a="http://schemas.openxmlformats.org/drawingml/2006/main" xmlns:r="http://schemas.openxmlformats.org/officeDocument/2006/relationships" xmlns:p="http://schemas.openxmlformats.org/presentationml/2006/main">
-  <p:cSld>
-    <p:spTree>
-      <p:nvGrpSpPr>
-        <p:cNvPr id="1" name=""/>
-        <p:cNvGrpSpPr/>
-        <p:nvPr/>
-      </p:nvGrpSpPr>
-      <p:grpSpPr>
-        <a:xfrm>
-          <a:off x="0" y="0"/>
-          <a:ext cx="0" cy="0"/>
-          <a:chOff x="0" y="0"/>
-          <a:chExt cx="0" cy="0"/>
-        </a:xfrm>
-      </p:grpSpPr>
-    </p:spTree>
-    <p:extLst>
-      <p:ext uri="{BB962C8B-B14F-4D97-AF65-F5344CB8AC3E}">
-        <p14:creationId xmlns:p14="http://schemas.microsoft.com/office/powerpoint/2010/main" val="1862177308"/>
-      </p:ext>
-    </p:extLst>
-  </p:cSld>
-  <p:clrMapOvr>
-    <a:masterClrMapping/>
-  </p:clrMapOvr>
-</p:sld>
-</file>
-
-<file path=ppt/slides/slide42.xml><?xml version="1.0" encoding="utf-8"?>
-<p:sld xmlns:a="http://schemas.openxmlformats.org/drawingml/2006/main" xmlns:r="http://schemas.openxmlformats.org/officeDocument/2006/relationships" xmlns:p="http://schemas.openxmlformats.org/presentationml/2006/main">
-  <p:cSld>
-    <p:spTree>
-      <p:nvGrpSpPr>
-        <p:cNvPr id="1" name=""/>
-        <p:cNvGrpSpPr/>
-        <p:nvPr/>
-      </p:nvGrpSpPr>
-      <p:grpSpPr>
-        <a:xfrm>
-          <a:off x="0" y="0"/>
-          <a:ext cx="0" cy="0"/>
-          <a:chOff x="0" y="0"/>
-          <a:chExt cx="0" cy="0"/>
-        </a:xfrm>
-      </p:grpSpPr>
-    </p:spTree>
-    <p:extLst>
-      <p:ext uri="{BB962C8B-B14F-4D97-AF65-F5344CB8AC3E}">
-        <p14:creationId xmlns:p14="http://schemas.microsoft.com/office/powerpoint/2010/main" val="2958375949"/>
-      </p:ext>
-    </p:extLst>
-  </p:cSld>
-  <p:clrMapOvr>
-    <a:masterClrMapping/>
-  </p:clrMapOvr>
-</p:sld>
-</file>
-
-<file path=ppt/slides/slide43.xml><?xml version="1.0" encoding="utf-8"?>
-<p:sld xmlns:a="http://schemas.openxmlformats.org/drawingml/2006/main" xmlns:r="http://schemas.openxmlformats.org/officeDocument/2006/relationships" xmlns:p="http://schemas.openxmlformats.org/presentationml/2006/main">
-  <p:cSld>
-    <p:spTree>
-      <p:nvGrpSpPr>
-        <p:cNvPr id="1" name=""/>
-        <p:cNvGrpSpPr/>
-        <p:nvPr/>
-      </p:nvGrpSpPr>
-      <p:grpSpPr>
-        <a:xfrm>
-          <a:off x="0" y="0"/>
-          <a:ext cx="0" cy="0"/>
-          <a:chOff x="0" y="0"/>
-          <a:chExt cx="0" cy="0"/>
-        </a:xfrm>
-      </p:grpSpPr>
-    </p:spTree>
-    <p:extLst>
-      <p:ext uri="{BB962C8B-B14F-4D97-AF65-F5344CB8AC3E}">
-        <p14:creationId xmlns:p14="http://schemas.microsoft.com/office/powerpoint/2010/main" val="3352251543"/>
-      </p:ext>
-    </p:extLst>
-  </p:cSld>
-  <p:clrMapOvr>
-    <a:masterClrMapping/>
-  </p:clrMapOvr>
-</p:sld>
-</file>
-
-<file path=ppt/slides/slide44.xml><?xml version="1.0" encoding="utf-8"?>
-<p:sld xmlns:a="http://schemas.openxmlformats.org/drawingml/2006/main" xmlns:r="http://schemas.openxmlformats.org/officeDocument/2006/relationships" xmlns:p="http://schemas.openxmlformats.org/presentationml/2006/main">
-  <p:cSld>
-    <p:spTree>
-      <p:nvGrpSpPr>
-        <p:cNvPr id="1" name=""/>
-        <p:cNvGrpSpPr/>
-        <p:nvPr/>
-      </p:nvGrpSpPr>
-      <p:grpSpPr>
-        <a:xfrm>
-          <a:off x="0" y="0"/>
-          <a:ext cx="0" cy="0"/>
-          <a:chOff x="0" y="0"/>
-          <a:chExt cx="0" cy="0"/>
-        </a:xfrm>
-      </p:grpSpPr>
-    </p:spTree>
-    <p:extLst>
-      <p:ext uri="{BB962C8B-B14F-4D97-AF65-F5344CB8AC3E}">
-        <p14:creationId xmlns:p14="http://schemas.microsoft.com/office/powerpoint/2010/main" val="3256230811"/>
-      </p:ext>
-    </p:extLst>
-  </p:cSld>
-  <p:clrMapOvr>
-    <a:masterClrMapping/>
-  </p:clrMapOvr>
-</p:sld>
-</file>
-
-<file path=ppt/slides/slide45.xml><?xml version="1.0" encoding="utf-8"?>
-<p:sld xmlns:a="http://schemas.openxmlformats.org/drawingml/2006/main" xmlns:r="http://schemas.openxmlformats.org/officeDocument/2006/relationships" xmlns:p="http://schemas.openxmlformats.org/presentationml/2006/main">
-  <p:cSld>
-    <p:spTree>
-      <p:nvGrpSpPr>
-        <p:cNvPr id="1" name=""/>
-        <p:cNvGrpSpPr/>
-        <p:nvPr/>
-      </p:nvGrpSpPr>
-      <p:grpSpPr>
-        <a:xfrm>
-          <a:off x="0" y="0"/>
-          <a:ext cx="0" cy="0"/>
-          <a:chOff x="0" y="0"/>
-          <a:chExt cx="0" cy="0"/>
-        </a:xfrm>
-      </p:grpSpPr>
-    </p:spTree>
-    <p:extLst>
-      <p:ext uri="{BB962C8B-B14F-4D97-AF65-F5344CB8AC3E}">
-        <p14:creationId xmlns:p14="http://schemas.microsoft.com/office/powerpoint/2010/main" val="1254283239"/>
-      </p:ext>
-    </p:extLst>
-  </p:cSld>
-  <p:clrMapOvr>
-    <a:masterClrMapping/>
-  </p:clrMapOvr>
-</p:sld>
-</file>
-
-<file path=ppt/slides/slide46.xml><?xml version="1.0" encoding="utf-8"?>
-<p:sld xmlns:a="http://schemas.openxmlformats.org/drawingml/2006/main" xmlns:r="http://schemas.openxmlformats.org/officeDocument/2006/relationships" xmlns:p="http://schemas.openxmlformats.org/presentationml/2006/main">
-  <p:cSld>
-    <p:spTree>
-      <p:nvGrpSpPr>
-        <p:cNvPr id="1" name=""/>
-        <p:cNvGrpSpPr/>
-        <p:nvPr/>
-      </p:nvGrpSpPr>
-      <p:grpSpPr>
-        <a:xfrm>
-          <a:off x="0" y="0"/>
-          <a:ext cx="0" cy="0"/>
-          <a:chOff x="0" y="0"/>
-          <a:chExt cx="0" cy="0"/>
-        </a:xfrm>
-      </p:grpSpPr>
-    </p:spTree>
-    <p:extLst>
-      <p:ext uri="{BB962C8B-B14F-4D97-AF65-F5344CB8AC3E}">
-        <p14:creationId xmlns:p14="http://schemas.microsoft.com/office/powerpoint/2010/main" val="3859042783"/>
-      </p:ext>
-    </p:extLst>
-  </p:cSld>
-  <p:clrMapOvr>
-    <a:masterClrMapping/>
-  </p:clrMapOvr>
-</p:sld>
-</file>
-
-<file path=ppt/slides/slide47.xml><?xml version="1.0" encoding="utf-8"?>
-<p:sld xmlns:a="http://schemas.openxmlformats.org/drawingml/2006/main" xmlns:r="http://schemas.openxmlformats.org/officeDocument/2006/relationships" xmlns:p="http://schemas.openxmlformats.org/presentationml/2006/main">
-  <p:cSld>
-    <p:spTree>
-      <p:nvGrpSpPr>
-        <p:cNvPr id="1" name=""/>
-        <p:cNvGrpSpPr/>
-        <p:nvPr/>
-      </p:nvGrpSpPr>
-      <p:grpSpPr>
-        <a:xfrm>
-          <a:off x="0" y="0"/>
-          <a:ext cx="0" cy="0"/>
-          <a:chOff x="0" y="0"/>
-          <a:chExt cx="0" cy="0"/>
-        </a:xfrm>
-      </p:grpSpPr>
-    </p:spTree>
-    <p:extLst>
-      <p:ext uri="{BB962C8B-B14F-4D97-AF65-F5344CB8AC3E}">
-        <p14:creationId xmlns:p14="http://schemas.microsoft.com/office/powerpoint/2010/main" val="2477691859"/>
-      </p:ext>
-    </p:extLst>
-  </p:cSld>
-  <p:clrMapOvr>
-    <a:masterClrMapping/>
-  </p:clrMapOvr>
 </p:sld>
 </file>
 
@@ -6223,14 +5306,6 @@
 <file path=ppt/slides/slide7.xml><?xml version="1.0" encoding="utf-8"?>
 <p:sld xmlns:a="http://schemas.openxmlformats.org/drawingml/2006/main" xmlns:r="http://schemas.openxmlformats.org/officeDocument/2006/relationships" xmlns:p="http://schemas.openxmlformats.org/presentationml/2006/main">
   <p:cSld>
-    <p:bg>
-      <p:bgPr>
-        <a:solidFill>
-          <a:schemeClr val="bg1"/>
-        </a:solidFill>
-        <a:effectLst/>
-      </p:bgPr>
-    </p:bg>
     <p:spTree>
       <p:nvGrpSpPr>
         <p:cNvPr id="1" name=""/>
@@ -6245,9 +5320,60 @@
           <a:chExt cx="0" cy="0"/>
         </a:xfrm>
       </p:grpSpPr>
+      <p:sp>
+        <p:nvSpPr>
+          <p:cNvPr id="5" name="Rounded Rectangle 4"/>
+          <p:cNvSpPr/>
+          <p:nvPr/>
+        </p:nvSpPr>
+        <p:spPr>
+          <a:xfrm>
+            <a:off x="541020" y="160020"/>
+            <a:ext cx="688340" cy="472440"/>
+          </a:xfrm>
+          <a:prstGeom prst="roundRect">
+            <a:avLst/>
+          </a:prstGeom>
+          <a:solidFill>
+            <a:srgbClr val="FF0000">
+              <a:alpha val="2000"/>
+            </a:srgbClr>
+          </a:solidFill>
+          <a:ln w="12700">
+            <a:prstDash val="dash"/>
+          </a:ln>
+        </p:spPr>
+        <p:style>
+          <a:lnRef idx="1">
+            <a:schemeClr val="dk1"/>
+          </a:lnRef>
+          <a:fillRef idx="2">
+            <a:schemeClr val="dk1"/>
+          </a:fillRef>
+          <a:effectRef idx="1">
+            <a:schemeClr val="dk1"/>
+          </a:effectRef>
+          <a:fontRef idx="minor">
+            <a:schemeClr val="dk1"/>
+          </a:fontRef>
+        </p:style>
+        <p:txBody>
+          <a:bodyPr rot="0" spcFirstLastPara="0" vertOverflow="overflow" horzOverflow="overflow" vert="horz" wrap="square" lIns="91440" tIns="45720" rIns="91440" bIns="45720" numCol="1" spcCol="0" rtlCol="0" fromWordArt="0" anchor="ctr" anchorCtr="0" forceAA="0" compatLnSpc="1">
+            <a:prstTxWarp prst="textNoShape">
+              <a:avLst/>
+            </a:prstTxWarp>
+            <a:noAutofit/>
+          </a:bodyPr>
+          <a:lstStyle/>
+          <a:p>
+            <a:pPr algn="ctr"/>
+            <a:endParaRPr lang="en-US"/>
+          </a:p>
+        </p:txBody>
+      </p:sp>
       <p:pic>
         <p:nvPicPr>
-          <p:cNvPr id="4" name="Picture 3"/>
+          <p:cNvPr id="14" name="Picture 13"/>
           <p:cNvPicPr>
             <a:picLocks noChangeAspect="1"/>
           </p:cNvPicPr>
@@ -6267,7 +5393,7 @@
         </p:blipFill>
         <p:spPr>
           <a:xfrm>
-            <a:off x="1428750" y="0"/>
+            <a:off x="1335322" y="0"/>
             <a:ext cx="7715250" cy="5143500"/>
           </a:xfrm>
           <a:prstGeom prst="rect">
@@ -6278,7 +5404,7 @@
     </p:spTree>
     <p:extLst>
       <p:ext uri="{BB962C8B-B14F-4D97-AF65-F5344CB8AC3E}">
-        <p14:creationId xmlns:p14="http://schemas.microsoft.com/office/powerpoint/2010/main" val="3870057932"/>
+        <p14:creationId xmlns:p14="http://schemas.microsoft.com/office/powerpoint/2010/main" val="3421295939"/>
       </p:ext>
     </p:extLst>
   </p:cSld>
@@ -6320,8 +5446,8 @@
         </p:nvSpPr>
         <p:spPr>
           <a:xfrm>
-            <a:off x="541020" y="160020"/>
-            <a:ext cx="1836420" cy="472440"/>
+            <a:off x="509693" y="193151"/>
+            <a:ext cx="1835942" cy="472440"/>
           </a:xfrm>
           <a:prstGeom prst="roundRect">
             <a:avLst/>
@@ -6363,10 +5489,40 @@
           </a:p>
         </p:txBody>
       </p:sp>
+      <p:pic>
+        <p:nvPicPr>
+          <p:cNvPr id="12" name="Picture 11"/>
+          <p:cNvPicPr>
+            <a:picLocks noChangeAspect="1"/>
+          </p:cNvPicPr>
+          <p:nvPr/>
+        </p:nvPicPr>
+        <p:blipFill>
+          <a:blip r:embed="rId2">
+            <a:extLst>
+              <a:ext uri="{28A0092B-C50C-407E-A947-70E740481C1C}">
+                <a14:useLocalDpi xmlns:a14="http://schemas.microsoft.com/office/drawing/2010/main" val="0"/>
+              </a:ext>
+            </a:extLst>
+          </a:blip>
+          <a:stretch>
+            <a:fillRect/>
+          </a:stretch>
+        </p:blipFill>
+        <p:spPr>
+          <a:xfrm>
+            <a:off x="0" y="4614140"/>
+            <a:ext cx="9144000" cy="529360"/>
+          </a:xfrm>
+          <a:prstGeom prst="rect">
+            <a:avLst/>
+          </a:prstGeom>
+        </p:spPr>
+      </p:pic>
     </p:spTree>
     <p:extLst>
       <p:ext uri="{BB962C8B-B14F-4D97-AF65-F5344CB8AC3E}">
-        <p14:creationId xmlns:p14="http://schemas.microsoft.com/office/powerpoint/2010/main" val="4289195920"/>
+        <p14:creationId xmlns:p14="http://schemas.microsoft.com/office/powerpoint/2010/main" val="1613626613"/>
       </p:ext>
     </p:extLst>
   </p:cSld>
@@ -6460,7 +5616,7 @@
           <p:nvPr/>
         </p:nvPicPr>
         <p:blipFill>
-          <a:blip r:embed="rId2">
+          <a:blip r:embed="rId2" cstate="print">
             <a:extLst>
               <a:ext uri="{28A0092B-C50C-407E-A947-70E740481C1C}">
                 <a14:useLocalDpi xmlns:a14="http://schemas.microsoft.com/office/drawing/2010/main" val="0"/>
@@ -6473,8 +5629,8 @@
         </p:blipFill>
         <p:spPr>
           <a:xfrm>
-            <a:off x="0" y="2432856"/>
-            <a:ext cx="4587240" cy="1865706"/>
+            <a:off x="197809" y="2467664"/>
+            <a:ext cx="2544008" cy="1034690"/>
           </a:xfrm>
           <a:prstGeom prst="rect">
             <a:avLst/>
@@ -6503,8 +5659,8 @@
         </p:blipFill>
         <p:spPr>
           <a:xfrm>
-            <a:off x="3002280" y="4026166"/>
-            <a:ext cx="6050280" cy="1117334"/>
+            <a:off x="62886" y="3697266"/>
+            <a:ext cx="4039280" cy="745953"/>
           </a:xfrm>
           <a:prstGeom prst="rect">
             <a:avLst/>
@@ -6533,7 +5689,7 @@
         </p:blipFill>
         <p:spPr>
           <a:xfrm>
-            <a:off x="0" y="1903495"/>
+            <a:off x="0" y="4614140"/>
             <a:ext cx="9144000" cy="529360"/>
           </a:xfrm>
           <a:prstGeom prst="rect">
@@ -6544,7 +5700,7 @@
     </p:spTree>
     <p:extLst>
       <p:ext uri="{BB962C8B-B14F-4D97-AF65-F5344CB8AC3E}">
-        <p14:creationId xmlns:p14="http://schemas.microsoft.com/office/powerpoint/2010/main" val="4204448265"/>
+        <p14:creationId xmlns:p14="http://schemas.microsoft.com/office/powerpoint/2010/main" val="4011797488"/>
       </p:ext>
     </p:extLst>
   </p:cSld>

--- a/pubs/2016-talks/2016-06-09-cpa/ppt/koval-etal-2016-06-10-cpa.pptx
+++ b/pubs/2016-talks/2016-06-09-cpa/ppt/koval-etal-2016-06-10-cpa.pptx
@@ -3257,7 +3257,11 @@
               <a:pPr algn="ctr"/>
               <a:r>
                 <a:rPr lang="en-US" b="1" dirty="0" smtClean="0"/>
-                <a:t>Graciela Muniz-</a:t>
+                <a:t>Graciela </a:t>
+              </a:r>
+              <a:r>
+                <a:rPr lang="en-US" b="1" dirty="0" smtClean="0"/>
+                <a:t>Muniz-</a:t>
               </a:r>
               <a:r>
                 <a:rPr lang="en-US" b="1" dirty="0" err="1" smtClean="0"/>
@@ -4766,58 +4770,6 @@
           </a:p>
         </p:txBody>
       </p:sp>
-      <p:sp>
-        <p:nvSpPr>
-          <p:cNvPr id="4" name="Can 3"/>
-          <p:cNvSpPr/>
-          <p:nvPr/>
-        </p:nvSpPr>
-        <p:spPr>
-          <a:xfrm>
-            <a:off x="1701739" y="2102663"/>
-            <a:ext cx="497962" cy="571984"/>
-          </a:xfrm>
-          <a:prstGeom prst="can">
-            <a:avLst/>
-          </a:prstGeom>
-          <a:solidFill>
-            <a:schemeClr val="accent6"/>
-          </a:solidFill>
-          <a:ln w="3175">
-            <a:solidFill>
-              <a:schemeClr val="tx1"/>
-            </a:solidFill>
-          </a:ln>
-        </p:spPr>
-        <p:style>
-          <a:lnRef idx="2">
-            <a:schemeClr val="accent1">
-              <a:shade val="50000"/>
-            </a:schemeClr>
-          </a:lnRef>
-          <a:fillRef idx="1">
-            <a:schemeClr val="accent1"/>
-          </a:fillRef>
-          <a:effectRef idx="0">
-            <a:schemeClr val="accent1"/>
-          </a:effectRef>
-          <a:fontRef idx="minor">
-            <a:schemeClr val="lt1"/>
-          </a:fontRef>
-        </p:style>
-        <p:txBody>
-          <a:bodyPr rtlCol="0" anchor="ctr"/>
-          <a:lstStyle/>
-          <a:p>
-            <a:pPr algn="ctr"/>
-            <a:r>
-              <a:rPr lang="en-US" sz="1200" dirty="0" smtClean="0"/>
-              <a:t>ELSA</a:t>
-            </a:r>
-            <a:endParaRPr lang="en-US" sz="1200" dirty="0"/>
-          </a:p>
-        </p:txBody>
-      </p:sp>
       <p:pic>
         <p:nvPicPr>
           <p:cNvPr id="2" name="Picture 1"/>
@@ -4886,8 +4838,8 @@
         </p:nvSpPr>
         <p:spPr>
           <a:xfrm>
-            <a:off x="21711" y="3409679"/>
-            <a:ext cx="1209305" cy="300082"/>
+            <a:off x="412437" y="3376839"/>
+            <a:ext cx="521297" cy="300082"/>
           </a:xfrm>
           <a:prstGeom prst="rect">
             <a:avLst/>
@@ -4902,7 +4854,7 @@
           <a:p>
             <a:r>
               <a:rPr lang="en-US" dirty="0" smtClean="0"/>
-              <a:t>Long / Stacked</a:t>
+              <a:t>Long</a:t>
             </a:r>
             <a:endParaRPr lang="en-US" dirty="0"/>
           </a:p>
@@ -4916,7 +4868,7 @@
         </p:nvSpPr>
         <p:spPr>
           <a:xfrm>
-            <a:off x="21711" y="2579668"/>
+            <a:off x="375569" y="2583225"/>
             <a:ext cx="595035" cy="300082"/>
           </a:xfrm>
           <a:prstGeom prst="rect">
@@ -4935,6 +4887,60 @@
               <a:t>Wide </a:t>
             </a:r>
             <a:endParaRPr lang="en-US" dirty="0"/>
+          </a:p>
+        </p:txBody>
+      </p:sp>
+      <p:sp>
+        <p:nvSpPr>
+          <p:cNvPr id="8" name="Can 7"/>
+          <p:cNvSpPr/>
+          <p:nvPr/>
+        </p:nvSpPr>
+        <p:spPr>
+          <a:xfrm>
+            <a:off x="460985" y="1920339"/>
+            <a:ext cx="424205" cy="346099"/>
+          </a:xfrm>
+          <a:prstGeom prst="can">
+            <a:avLst/>
+          </a:prstGeom>
+          <a:solidFill>
+            <a:schemeClr val="bg1">
+              <a:lumMod val="65000"/>
+            </a:schemeClr>
+          </a:solidFill>
+          <a:ln w="3175">
+            <a:solidFill>
+              <a:schemeClr val="tx1"/>
+            </a:solidFill>
+          </a:ln>
+        </p:spPr>
+        <p:style>
+          <a:lnRef idx="2">
+            <a:schemeClr val="accent1">
+              <a:shade val="50000"/>
+            </a:schemeClr>
+          </a:lnRef>
+          <a:fillRef idx="1">
+            <a:schemeClr val="accent1"/>
+          </a:fillRef>
+          <a:effectRef idx="0">
+            <a:schemeClr val="accent1"/>
+          </a:effectRef>
+          <a:fontRef idx="minor">
+            <a:schemeClr val="lt1"/>
+          </a:fontRef>
+        </p:style>
+        <p:txBody>
+          <a:bodyPr rtlCol="0" anchor="b"/>
+          <a:lstStyle/>
+          <a:p>
+            <a:pPr algn="ctr"/>
+            <a:r>
+              <a:rPr lang="en-US" sz="1000" dirty="0" smtClean="0"/>
+              <a:t>EAS</a:t>
+            </a:r>
+            <a:endParaRPr lang="en-US" sz="1000" dirty="0"/>
           </a:p>
         </p:txBody>
       </p:sp>
@@ -5034,7 +5040,7 @@
         </p:nvGrpSpPr>
         <p:grpSpPr>
           <a:xfrm>
-            <a:off x="2656901" y="1971496"/>
+            <a:off x="1295400" y="1971496"/>
             <a:ext cx="3653791" cy="3172004"/>
             <a:chOff x="1021080" y="1905000"/>
             <a:chExt cx="3653791" cy="3172004"/>
@@ -5115,20 +5121,22 @@
       </p:grpSp>
       <p:sp>
         <p:nvSpPr>
-          <p:cNvPr id="9" name="Can 8"/>
+          <p:cNvPr id="7" name="Can 6"/>
           <p:cNvSpPr/>
           <p:nvPr/>
         </p:nvSpPr>
         <p:spPr>
           <a:xfrm>
-            <a:off x="1701739" y="2102663"/>
-            <a:ext cx="497962" cy="571984"/>
+            <a:off x="460985" y="1920339"/>
+            <a:ext cx="424205" cy="346099"/>
           </a:xfrm>
           <a:prstGeom prst="can">
             <a:avLst/>
           </a:prstGeom>
           <a:solidFill>
-            <a:schemeClr val="accent6"/>
+            <a:schemeClr val="bg1">
+              <a:lumMod val="65000"/>
+            </a:schemeClr>
           </a:solidFill>
           <a:ln w="3175">
             <a:solidFill>
@@ -5153,15 +5161,15 @@
           </a:fontRef>
         </p:style>
         <p:txBody>
-          <a:bodyPr rtlCol="0" anchor="ctr"/>
+          <a:bodyPr rtlCol="0" anchor="b"/>
           <a:lstStyle/>
           <a:p>
             <a:pPr algn="ctr"/>
             <a:r>
-              <a:rPr lang="en-US" sz="1200" dirty="0" smtClean="0"/>
-              <a:t>ELSA</a:t>
-            </a:r>
-            <a:endParaRPr lang="en-US" sz="1200" dirty="0"/>
+              <a:rPr lang="en-US" sz="1000" dirty="0" smtClean="0"/>
+              <a:t>EAS</a:t>
+            </a:r>
+            <a:endParaRPr lang="en-US" sz="1000" dirty="0"/>
           </a:p>
         </p:txBody>
       </p:sp>
@@ -5401,6 +5409,507 @@
           </a:prstGeom>
         </p:spPr>
       </p:pic>
+      <p:grpSp>
+        <p:nvGrpSpPr>
+          <p:cNvPr id="2" name="Group 1"/>
+          <p:cNvGrpSpPr/>
+          <p:nvPr/>
+        </p:nvGrpSpPr>
+        <p:grpSpPr>
+          <a:xfrm>
+            <a:off x="460985" y="1920339"/>
+            <a:ext cx="424205" cy="2994609"/>
+            <a:chOff x="346957" y="1716357"/>
+            <a:chExt cx="424205" cy="2994609"/>
+          </a:xfrm>
+        </p:grpSpPr>
+        <p:sp>
+          <p:nvSpPr>
+            <p:cNvPr id="13" name="Can 12"/>
+            <p:cNvSpPr/>
+            <p:nvPr/>
+          </p:nvSpPr>
+          <p:spPr>
+            <a:xfrm>
+              <a:off x="346957" y="4364867"/>
+              <a:ext cx="424205" cy="346099"/>
+            </a:xfrm>
+            <a:prstGeom prst="can">
+              <a:avLst/>
+            </a:prstGeom>
+            <a:solidFill>
+              <a:schemeClr val="bg1">
+                <a:lumMod val="65000"/>
+              </a:schemeClr>
+            </a:solidFill>
+            <a:ln w="3175">
+              <a:solidFill>
+                <a:schemeClr val="tx1"/>
+              </a:solidFill>
+            </a:ln>
+          </p:spPr>
+          <p:style>
+            <a:lnRef idx="2">
+              <a:schemeClr val="accent1">
+                <a:shade val="50000"/>
+              </a:schemeClr>
+            </a:lnRef>
+            <a:fillRef idx="1">
+              <a:schemeClr val="accent1"/>
+            </a:fillRef>
+            <a:effectRef idx="0">
+              <a:schemeClr val="accent1"/>
+            </a:effectRef>
+            <a:fontRef idx="minor">
+              <a:schemeClr val="lt1"/>
+            </a:fontRef>
+          </p:style>
+          <p:txBody>
+            <a:bodyPr rtlCol="0" anchor="b"/>
+            <a:lstStyle/>
+            <a:p>
+              <a:pPr algn="ctr"/>
+              <a:r>
+                <a:rPr lang="en-US" sz="700" dirty="0" smtClean="0"/>
+                <a:t>SATSA</a:t>
+              </a:r>
+              <a:endParaRPr lang="en-US" sz="700" dirty="0"/>
+            </a:p>
+          </p:txBody>
+        </p:sp>
+        <p:sp>
+          <p:nvSpPr>
+            <p:cNvPr id="12" name="Can 11"/>
+            <p:cNvSpPr/>
+            <p:nvPr/>
+          </p:nvSpPr>
+          <p:spPr>
+            <a:xfrm>
+              <a:off x="346957" y="4033805"/>
+              <a:ext cx="424205" cy="346099"/>
+            </a:xfrm>
+            <a:prstGeom prst="can">
+              <a:avLst/>
+            </a:prstGeom>
+            <a:solidFill>
+              <a:schemeClr val="bg1">
+                <a:lumMod val="65000"/>
+              </a:schemeClr>
+            </a:solidFill>
+            <a:ln w="3175">
+              <a:solidFill>
+                <a:schemeClr val="tx1"/>
+              </a:solidFill>
+            </a:ln>
+          </p:spPr>
+          <p:style>
+            <a:lnRef idx="2">
+              <a:schemeClr val="accent1">
+                <a:shade val="50000"/>
+              </a:schemeClr>
+            </a:lnRef>
+            <a:fillRef idx="1">
+              <a:schemeClr val="accent1"/>
+            </a:fillRef>
+            <a:effectRef idx="0">
+              <a:schemeClr val="accent1"/>
+            </a:effectRef>
+            <a:fontRef idx="minor">
+              <a:schemeClr val="lt1"/>
+            </a:fontRef>
+          </p:style>
+          <p:txBody>
+            <a:bodyPr rtlCol="0" anchor="b"/>
+            <a:lstStyle/>
+            <a:p>
+              <a:pPr algn="ctr"/>
+              <a:r>
+                <a:rPr lang="en-US" sz="800" dirty="0" smtClean="0"/>
+                <a:t>OCTO</a:t>
+              </a:r>
+              <a:endParaRPr lang="en-US" sz="800" dirty="0"/>
+            </a:p>
+          </p:txBody>
+        </p:sp>
+        <p:sp>
+          <p:nvSpPr>
+            <p:cNvPr id="11" name="Can 10"/>
+            <p:cNvSpPr/>
+            <p:nvPr/>
+          </p:nvSpPr>
+          <p:spPr>
+            <a:xfrm>
+              <a:off x="346957" y="3702741"/>
+              <a:ext cx="424205" cy="346099"/>
+            </a:xfrm>
+            <a:prstGeom prst="can">
+              <a:avLst/>
+            </a:prstGeom>
+            <a:solidFill>
+              <a:schemeClr val="bg1">
+                <a:lumMod val="65000"/>
+              </a:schemeClr>
+            </a:solidFill>
+            <a:ln w="3175">
+              <a:solidFill>
+                <a:schemeClr val="tx1"/>
+              </a:solidFill>
+            </a:ln>
+          </p:spPr>
+          <p:style>
+            <a:lnRef idx="2">
+              <a:schemeClr val="accent1">
+                <a:shade val="50000"/>
+              </a:schemeClr>
+            </a:lnRef>
+            <a:fillRef idx="1">
+              <a:schemeClr val="accent1"/>
+            </a:fillRef>
+            <a:effectRef idx="0">
+              <a:schemeClr val="accent1"/>
+            </a:effectRef>
+            <a:fontRef idx="minor">
+              <a:schemeClr val="lt1"/>
+            </a:fontRef>
+          </p:style>
+          <p:txBody>
+            <a:bodyPr rtlCol="0" anchor="b"/>
+            <a:lstStyle/>
+            <a:p>
+              <a:pPr algn="ctr"/>
+              <a:r>
+                <a:rPr lang="en-US" sz="700" dirty="0" smtClean="0"/>
+                <a:t>NuAge</a:t>
+              </a:r>
+              <a:endParaRPr lang="en-US" sz="700" dirty="0"/>
+            </a:p>
+          </p:txBody>
+        </p:sp>
+        <p:sp>
+          <p:nvSpPr>
+            <p:cNvPr id="10" name="Can 9"/>
+            <p:cNvSpPr/>
+            <p:nvPr/>
+          </p:nvSpPr>
+          <p:spPr>
+            <a:xfrm>
+              <a:off x="346957" y="3371677"/>
+              <a:ext cx="424205" cy="346099"/>
+            </a:xfrm>
+            <a:prstGeom prst="can">
+              <a:avLst/>
+            </a:prstGeom>
+            <a:solidFill>
+              <a:schemeClr val="bg1">
+                <a:lumMod val="65000"/>
+              </a:schemeClr>
+            </a:solidFill>
+            <a:ln w="3175">
+              <a:solidFill>
+                <a:schemeClr val="tx1"/>
+              </a:solidFill>
+            </a:ln>
+          </p:spPr>
+          <p:style>
+            <a:lnRef idx="2">
+              <a:schemeClr val="accent1">
+                <a:shade val="50000"/>
+              </a:schemeClr>
+            </a:lnRef>
+            <a:fillRef idx="1">
+              <a:schemeClr val="accent1"/>
+            </a:fillRef>
+            <a:effectRef idx="0">
+              <a:schemeClr val="accent1"/>
+            </a:effectRef>
+            <a:fontRef idx="minor">
+              <a:schemeClr val="lt1"/>
+            </a:fontRef>
+          </p:style>
+          <p:txBody>
+            <a:bodyPr rtlCol="0" anchor="b"/>
+            <a:lstStyle/>
+            <a:p>
+              <a:pPr algn="ctr"/>
+              <a:r>
+                <a:rPr lang="en-US" sz="900" dirty="0" smtClean="0"/>
+                <a:t>MAP</a:t>
+              </a:r>
+              <a:endParaRPr lang="en-US" sz="900" dirty="0"/>
+            </a:p>
+          </p:txBody>
+        </p:sp>
+        <p:sp>
+          <p:nvSpPr>
+            <p:cNvPr id="9" name="Can 8"/>
+            <p:cNvSpPr/>
+            <p:nvPr/>
+          </p:nvSpPr>
+          <p:spPr>
+            <a:xfrm>
+              <a:off x="346957" y="3040613"/>
+              <a:ext cx="424205" cy="346099"/>
+            </a:xfrm>
+            <a:prstGeom prst="can">
+              <a:avLst/>
+            </a:prstGeom>
+            <a:solidFill>
+              <a:schemeClr val="bg1">
+                <a:lumMod val="65000"/>
+              </a:schemeClr>
+            </a:solidFill>
+            <a:ln w="3175">
+              <a:solidFill>
+                <a:schemeClr val="tx1"/>
+              </a:solidFill>
+            </a:ln>
+          </p:spPr>
+          <p:style>
+            <a:lnRef idx="2">
+              <a:schemeClr val="accent1">
+                <a:shade val="50000"/>
+              </a:schemeClr>
+            </a:lnRef>
+            <a:fillRef idx="1">
+              <a:schemeClr val="accent1"/>
+            </a:fillRef>
+            <a:effectRef idx="0">
+              <a:schemeClr val="accent1"/>
+            </a:effectRef>
+            <a:fontRef idx="minor">
+              <a:schemeClr val="lt1"/>
+            </a:fontRef>
+          </p:style>
+          <p:txBody>
+            <a:bodyPr rtlCol="0" anchor="b"/>
+            <a:lstStyle/>
+            <a:p>
+              <a:pPr algn="ctr"/>
+              <a:r>
+                <a:rPr lang="en-US" sz="900" dirty="0" smtClean="0"/>
+                <a:t>LASA</a:t>
+              </a:r>
+              <a:endParaRPr lang="en-US" sz="900" dirty="0"/>
+            </a:p>
+          </p:txBody>
+        </p:sp>
+        <p:sp>
+          <p:nvSpPr>
+            <p:cNvPr id="8" name="Can 7"/>
+            <p:cNvSpPr/>
+            <p:nvPr/>
+          </p:nvSpPr>
+          <p:spPr>
+            <a:xfrm>
+              <a:off x="346957" y="2709549"/>
+              <a:ext cx="424205" cy="346099"/>
+            </a:xfrm>
+            <a:prstGeom prst="can">
+              <a:avLst/>
+            </a:prstGeom>
+            <a:solidFill>
+              <a:schemeClr val="bg1">
+                <a:lumMod val="65000"/>
+              </a:schemeClr>
+            </a:solidFill>
+            <a:ln w="3175">
+              <a:solidFill>
+                <a:schemeClr val="tx1"/>
+              </a:solidFill>
+            </a:ln>
+          </p:spPr>
+          <p:style>
+            <a:lnRef idx="2">
+              <a:schemeClr val="accent1">
+                <a:shade val="50000"/>
+              </a:schemeClr>
+            </a:lnRef>
+            <a:fillRef idx="1">
+              <a:schemeClr val="accent1"/>
+            </a:fillRef>
+            <a:effectRef idx="0">
+              <a:schemeClr val="accent1"/>
+            </a:effectRef>
+            <a:fontRef idx="minor">
+              <a:schemeClr val="lt1"/>
+            </a:fontRef>
+          </p:style>
+          <p:txBody>
+            <a:bodyPr rtlCol="0" anchor="b"/>
+            <a:lstStyle/>
+            <a:p>
+              <a:pPr algn="ctr"/>
+              <a:r>
+                <a:rPr lang="en-US" sz="1000" dirty="0" smtClean="0"/>
+                <a:t>ILSE</a:t>
+              </a:r>
+              <a:endParaRPr lang="en-US" sz="1000" dirty="0"/>
+            </a:p>
+          </p:txBody>
+        </p:sp>
+        <p:sp>
+          <p:nvSpPr>
+            <p:cNvPr id="7" name="Can 6"/>
+            <p:cNvSpPr/>
+            <p:nvPr/>
+          </p:nvSpPr>
+          <p:spPr>
+            <a:xfrm>
+              <a:off x="346957" y="2378485"/>
+              <a:ext cx="424205" cy="346099"/>
+            </a:xfrm>
+            <a:prstGeom prst="can">
+              <a:avLst/>
+            </a:prstGeom>
+            <a:solidFill>
+              <a:schemeClr val="bg1">
+                <a:lumMod val="65000"/>
+              </a:schemeClr>
+            </a:solidFill>
+            <a:ln w="3175">
+              <a:solidFill>
+                <a:schemeClr val="tx1"/>
+              </a:solidFill>
+            </a:ln>
+          </p:spPr>
+          <p:style>
+            <a:lnRef idx="2">
+              <a:schemeClr val="accent1">
+                <a:shade val="50000"/>
+              </a:schemeClr>
+            </a:lnRef>
+            <a:fillRef idx="1">
+              <a:schemeClr val="accent1"/>
+            </a:fillRef>
+            <a:effectRef idx="0">
+              <a:schemeClr val="accent1"/>
+            </a:effectRef>
+            <a:fontRef idx="minor">
+              <a:schemeClr val="lt1"/>
+            </a:fontRef>
+          </p:style>
+          <p:txBody>
+            <a:bodyPr rtlCol="0" anchor="b"/>
+            <a:lstStyle/>
+            <a:p>
+              <a:pPr algn="ctr"/>
+              <a:r>
+                <a:rPr lang="en-US" sz="1000" dirty="0" smtClean="0"/>
+                <a:t>HRS</a:t>
+              </a:r>
+              <a:endParaRPr lang="en-US" sz="1000" dirty="0"/>
+            </a:p>
+          </p:txBody>
+        </p:sp>
+        <p:sp>
+          <p:nvSpPr>
+            <p:cNvPr id="6" name="Can 5"/>
+            <p:cNvSpPr/>
+            <p:nvPr/>
+          </p:nvSpPr>
+          <p:spPr>
+            <a:xfrm>
+              <a:off x="346957" y="2047421"/>
+              <a:ext cx="424205" cy="346099"/>
+            </a:xfrm>
+            <a:prstGeom prst="can">
+              <a:avLst/>
+            </a:prstGeom>
+            <a:solidFill>
+              <a:schemeClr val="bg1">
+                <a:lumMod val="65000"/>
+              </a:schemeClr>
+            </a:solidFill>
+            <a:ln w="3175">
+              <a:solidFill>
+                <a:schemeClr val="tx1"/>
+              </a:solidFill>
+            </a:ln>
+          </p:spPr>
+          <p:style>
+            <a:lnRef idx="2">
+              <a:schemeClr val="accent1">
+                <a:shade val="50000"/>
+              </a:schemeClr>
+            </a:lnRef>
+            <a:fillRef idx="1">
+              <a:schemeClr val="accent1"/>
+            </a:fillRef>
+            <a:effectRef idx="0">
+              <a:schemeClr val="accent1"/>
+            </a:effectRef>
+            <a:fontRef idx="minor">
+              <a:schemeClr val="lt1"/>
+            </a:fontRef>
+          </p:style>
+          <p:txBody>
+            <a:bodyPr rtlCol="0" anchor="b"/>
+            <a:lstStyle/>
+            <a:p>
+              <a:pPr algn="ctr"/>
+              <a:r>
+                <a:rPr lang="en-US" sz="900" dirty="0" smtClean="0"/>
+                <a:t>ELSA</a:t>
+              </a:r>
+              <a:endParaRPr lang="en-US" sz="900" dirty="0"/>
+            </a:p>
+          </p:txBody>
+        </p:sp>
+        <p:sp>
+          <p:nvSpPr>
+            <p:cNvPr id="4" name="Can 3"/>
+            <p:cNvSpPr/>
+            <p:nvPr/>
+          </p:nvSpPr>
+          <p:spPr>
+            <a:xfrm>
+              <a:off x="346957" y="1716357"/>
+              <a:ext cx="424205" cy="346099"/>
+            </a:xfrm>
+            <a:prstGeom prst="can">
+              <a:avLst/>
+            </a:prstGeom>
+            <a:solidFill>
+              <a:schemeClr val="bg1">
+                <a:lumMod val="65000"/>
+              </a:schemeClr>
+            </a:solidFill>
+            <a:ln w="3175">
+              <a:solidFill>
+                <a:schemeClr val="tx1"/>
+              </a:solidFill>
+            </a:ln>
+          </p:spPr>
+          <p:style>
+            <a:lnRef idx="2">
+              <a:schemeClr val="accent1">
+                <a:shade val="50000"/>
+              </a:schemeClr>
+            </a:lnRef>
+            <a:fillRef idx="1">
+              <a:schemeClr val="accent1"/>
+            </a:fillRef>
+            <a:effectRef idx="0">
+              <a:schemeClr val="accent1"/>
+            </a:effectRef>
+            <a:fontRef idx="minor">
+              <a:schemeClr val="lt1"/>
+            </a:fontRef>
+          </p:style>
+          <p:txBody>
+            <a:bodyPr rtlCol="0" anchor="b"/>
+            <a:lstStyle/>
+            <a:p>
+              <a:pPr algn="ctr"/>
+              <a:r>
+                <a:rPr lang="en-US" sz="1000" dirty="0" smtClean="0"/>
+                <a:t>EAS</a:t>
+              </a:r>
+              <a:endParaRPr lang="en-US" sz="1000" dirty="0"/>
+            </a:p>
+          </p:txBody>
+        </p:sp>
+      </p:grpSp>
     </p:spTree>
     <p:extLst>
       <p:ext uri="{BB962C8B-B14F-4D97-AF65-F5344CB8AC3E}">

--- a/pubs/2016-talks/2016-06-09-cpa/ppt/koval-etal-2016-06-10-cpa.pptx
+++ b/pubs/2016-talks/2016-06-09-cpa/ppt/koval-etal-2016-06-10-cpa.pptx
@@ -5,41 +5,42 @@
     <p:sldMasterId id="2147483660" r:id="rId1"/>
   </p:sldMasterIdLst>
   <p:notesMasterIdLst>
-    <p:notesMasterId r:id="rId34"/>
+    <p:notesMasterId r:id="rId35"/>
   </p:notesMasterIdLst>
   <p:sldIdLst>
     <p:sldId id="256" r:id="rId2"/>
     <p:sldId id="315" r:id="rId3"/>
     <p:sldId id="316" r:id="rId4"/>
     <p:sldId id="317" r:id="rId5"/>
-    <p:sldId id="318" r:id="rId6"/>
-    <p:sldId id="297" r:id="rId7"/>
-    <p:sldId id="326" r:id="rId8"/>
-    <p:sldId id="320" r:id="rId9"/>
-    <p:sldId id="321" r:id="rId10"/>
-    <p:sldId id="322" r:id="rId11"/>
-    <p:sldId id="324" r:id="rId12"/>
-    <p:sldId id="323" r:id="rId13"/>
-    <p:sldId id="327" r:id="rId14"/>
-    <p:sldId id="330" r:id="rId15"/>
-    <p:sldId id="296" r:id="rId16"/>
-    <p:sldId id="288" r:id="rId17"/>
-    <p:sldId id="289" r:id="rId18"/>
-    <p:sldId id="307" r:id="rId19"/>
-    <p:sldId id="300" r:id="rId20"/>
-    <p:sldId id="304" r:id="rId21"/>
-    <p:sldId id="305" r:id="rId22"/>
-    <p:sldId id="306" r:id="rId23"/>
-    <p:sldId id="293" r:id="rId24"/>
-    <p:sldId id="294" r:id="rId25"/>
-    <p:sldId id="295" r:id="rId26"/>
-    <p:sldId id="269" r:id="rId27"/>
-    <p:sldId id="257" r:id="rId28"/>
-    <p:sldId id="333" r:id="rId29"/>
-    <p:sldId id="332" r:id="rId30"/>
-    <p:sldId id="334" r:id="rId31"/>
-    <p:sldId id="331" r:id="rId32"/>
-    <p:sldId id="328" r:id="rId33"/>
+    <p:sldId id="336" r:id="rId6"/>
+    <p:sldId id="318" r:id="rId7"/>
+    <p:sldId id="297" r:id="rId8"/>
+    <p:sldId id="326" r:id="rId9"/>
+    <p:sldId id="320" r:id="rId10"/>
+    <p:sldId id="321" r:id="rId11"/>
+    <p:sldId id="322" r:id="rId12"/>
+    <p:sldId id="324" r:id="rId13"/>
+    <p:sldId id="323" r:id="rId14"/>
+    <p:sldId id="327" r:id="rId15"/>
+    <p:sldId id="330" r:id="rId16"/>
+    <p:sldId id="296" r:id="rId17"/>
+    <p:sldId id="288" r:id="rId18"/>
+    <p:sldId id="289" r:id="rId19"/>
+    <p:sldId id="307" r:id="rId20"/>
+    <p:sldId id="300" r:id="rId21"/>
+    <p:sldId id="304" r:id="rId22"/>
+    <p:sldId id="305" r:id="rId23"/>
+    <p:sldId id="306" r:id="rId24"/>
+    <p:sldId id="293" r:id="rId25"/>
+    <p:sldId id="294" r:id="rId26"/>
+    <p:sldId id="295" r:id="rId27"/>
+    <p:sldId id="269" r:id="rId28"/>
+    <p:sldId id="257" r:id="rId29"/>
+    <p:sldId id="333" r:id="rId30"/>
+    <p:sldId id="332" r:id="rId31"/>
+    <p:sldId id="334" r:id="rId32"/>
+    <p:sldId id="331" r:id="rId33"/>
+    <p:sldId id="328" r:id="rId34"/>
   </p:sldIdLst>
   <p:sldSz cx="9144000" cy="5143500" type="screen16x9"/>
   <p:notesSz cx="6858000" cy="9144000"/>
@@ -228,7 +229,7 @@
           <a:p>
             <a:fld id="{8D3BB077-1964-4393-BC6E-C7E2AEB86126}" type="datetimeFigureOut">
               <a:rPr lang="en-US" smtClean="0"/>
-              <a:t>2016-06-10</a:t>
+              <a:t>6/10/2016</a:t>
             </a:fld>
             <a:endParaRPr lang="en-US"/>
           </a:p>
@@ -627,7 +628,7 @@
           <a:p>
             <a:fld id="{197BB602-FF57-4A9D-8FBD-DAF1F62098D9}" type="datetimeFigureOut">
               <a:rPr lang="en-US" smtClean="0"/>
-              <a:t>2016-06-10</a:t>
+              <a:t>6/10/2016</a:t>
             </a:fld>
             <a:endParaRPr lang="en-US"/>
           </a:p>
@@ -800,7 +801,7 @@
           <a:p>
             <a:fld id="{197BB602-FF57-4A9D-8FBD-DAF1F62098D9}" type="datetimeFigureOut">
               <a:rPr lang="en-US" smtClean="0"/>
-              <a:t>2016-06-10</a:t>
+              <a:t>6/10/2016</a:t>
             </a:fld>
             <a:endParaRPr lang="en-US"/>
           </a:p>
@@ -983,7 +984,7 @@
           <a:p>
             <a:fld id="{197BB602-FF57-4A9D-8FBD-DAF1F62098D9}" type="datetimeFigureOut">
               <a:rPr lang="en-US" smtClean="0"/>
-              <a:t>2016-06-10</a:t>
+              <a:t>6/10/2016</a:t>
             </a:fld>
             <a:endParaRPr lang="en-US"/>
           </a:p>
@@ -1156,7 +1157,7 @@
           <a:p>
             <a:fld id="{197BB602-FF57-4A9D-8FBD-DAF1F62098D9}" type="datetimeFigureOut">
               <a:rPr lang="en-US" smtClean="0"/>
-              <a:t>2016-06-10</a:t>
+              <a:t>6/10/2016</a:t>
             </a:fld>
             <a:endParaRPr lang="en-US"/>
           </a:p>
@@ -1405,7 +1406,7 @@
           <a:p>
             <a:fld id="{197BB602-FF57-4A9D-8FBD-DAF1F62098D9}" type="datetimeFigureOut">
               <a:rPr lang="en-US" smtClean="0"/>
-              <a:t>2016-06-10</a:t>
+              <a:t>6/10/2016</a:t>
             </a:fld>
             <a:endParaRPr lang="en-US"/>
           </a:p>
@@ -1640,7 +1641,7 @@
           <a:p>
             <a:fld id="{197BB602-FF57-4A9D-8FBD-DAF1F62098D9}" type="datetimeFigureOut">
               <a:rPr lang="en-US" smtClean="0"/>
-              <a:t>2016-06-10</a:t>
+              <a:t>6/10/2016</a:t>
             </a:fld>
             <a:endParaRPr lang="en-US"/>
           </a:p>
@@ -2010,7 +2011,7 @@
           <a:p>
             <a:fld id="{197BB602-FF57-4A9D-8FBD-DAF1F62098D9}" type="datetimeFigureOut">
               <a:rPr lang="en-US" smtClean="0"/>
-              <a:t>2016-06-10</a:t>
+              <a:t>6/10/2016</a:t>
             </a:fld>
             <a:endParaRPr lang="en-US"/>
           </a:p>
@@ -2131,7 +2132,7 @@
           <a:p>
             <a:fld id="{197BB602-FF57-4A9D-8FBD-DAF1F62098D9}" type="datetimeFigureOut">
               <a:rPr lang="en-US" smtClean="0"/>
-              <a:t>2016-06-10</a:t>
+              <a:t>6/10/2016</a:t>
             </a:fld>
             <a:endParaRPr lang="en-US"/>
           </a:p>
@@ -2229,7 +2230,7 @@
           <a:p>
             <a:fld id="{197BB602-FF57-4A9D-8FBD-DAF1F62098D9}" type="datetimeFigureOut">
               <a:rPr lang="en-US" smtClean="0"/>
-              <a:t>2016-06-10</a:t>
+              <a:t>6/10/2016</a:t>
             </a:fld>
             <a:endParaRPr lang="en-US"/>
           </a:p>
@@ -2509,7 +2510,7 @@
           <a:p>
             <a:fld id="{197BB602-FF57-4A9D-8FBD-DAF1F62098D9}" type="datetimeFigureOut">
               <a:rPr lang="en-US" smtClean="0"/>
-              <a:t>2016-06-10</a:t>
+              <a:t>6/10/2016</a:t>
             </a:fld>
             <a:endParaRPr lang="en-US"/>
           </a:p>
@@ -2769,7 +2770,7 @@
           <a:p>
             <a:fld id="{197BB602-FF57-4A9D-8FBD-DAF1F62098D9}" type="datetimeFigureOut">
               <a:rPr lang="en-US" smtClean="0"/>
-              <a:t>2016-06-10</a:t>
+              <a:t>6/10/2016</a:t>
             </a:fld>
             <a:endParaRPr lang="en-US"/>
           </a:p>
@@ -2994,7 +2995,7 @@
           <a:p>
             <a:fld id="{197BB602-FF57-4A9D-8FBD-DAF1F62098D9}" type="datetimeFigureOut">
               <a:rPr lang="en-US" smtClean="0"/>
-              <a:t>2016-06-10</a:t>
+              <a:t>6/10/2016</a:t>
             </a:fld>
             <a:endParaRPr lang="en-US"/>
           </a:p>
@@ -3886,6 +3887,432 @@
         </p:nvSpPr>
         <p:spPr>
           <a:xfrm>
+            <a:off x="3375660" y="1303020"/>
+            <a:ext cx="754380" cy="396240"/>
+          </a:xfrm>
+          <a:prstGeom prst="roundRect">
+            <a:avLst/>
+          </a:prstGeom>
+          <a:solidFill>
+            <a:srgbClr val="FF0000">
+              <a:alpha val="2000"/>
+            </a:srgbClr>
+          </a:solidFill>
+          <a:ln w="12700">
+            <a:prstDash val="dash"/>
+          </a:ln>
+        </p:spPr>
+        <p:style>
+          <a:lnRef idx="1">
+            <a:schemeClr val="dk1"/>
+          </a:lnRef>
+          <a:fillRef idx="2">
+            <a:schemeClr val="dk1"/>
+          </a:fillRef>
+          <a:effectRef idx="1">
+            <a:schemeClr val="dk1"/>
+          </a:effectRef>
+          <a:fontRef idx="minor">
+            <a:schemeClr val="dk1"/>
+          </a:fontRef>
+        </p:style>
+        <p:txBody>
+          <a:bodyPr rot="0" spcFirstLastPara="0" vertOverflow="overflow" horzOverflow="overflow" vert="horz" wrap="square" lIns="91440" tIns="45720" rIns="91440" bIns="45720" numCol="1" spcCol="0" rtlCol="0" fromWordArt="0" anchor="ctr" anchorCtr="0" forceAA="0" compatLnSpc="1">
+            <a:prstTxWarp prst="textNoShape">
+              <a:avLst/>
+            </a:prstTxWarp>
+            <a:noAutofit/>
+          </a:bodyPr>
+          <a:lstStyle/>
+          <a:p>
+            <a:pPr algn="ctr"/>
+            <a:endParaRPr lang="en-US"/>
+          </a:p>
+        </p:txBody>
+      </p:sp>
+      <p:sp>
+        <p:nvSpPr>
+          <p:cNvPr id="5" name="Rounded Rectangle 4"/>
+          <p:cNvSpPr/>
+          <p:nvPr/>
+        </p:nvSpPr>
+        <p:spPr>
+          <a:xfrm>
+            <a:off x="5041900" y="1303020"/>
+            <a:ext cx="754380" cy="396240"/>
+          </a:xfrm>
+          <a:prstGeom prst="roundRect">
+            <a:avLst/>
+          </a:prstGeom>
+          <a:solidFill>
+            <a:srgbClr val="FF0000">
+              <a:alpha val="2000"/>
+            </a:srgbClr>
+          </a:solidFill>
+          <a:ln w="12700">
+            <a:prstDash val="dash"/>
+          </a:ln>
+        </p:spPr>
+        <p:style>
+          <a:lnRef idx="1">
+            <a:schemeClr val="dk1"/>
+          </a:lnRef>
+          <a:fillRef idx="2">
+            <a:schemeClr val="dk1"/>
+          </a:fillRef>
+          <a:effectRef idx="1">
+            <a:schemeClr val="dk1"/>
+          </a:effectRef>
+          <a:fontRef idx="minor">
+            <a:schemeClr val="dk1"/>
+          </a:fontRef>
+        </p:style>
+        <p:txBody>
+          <a:bodyPr rot="0" spcFirstLastPara="0" vertOverflow="overflow" horzOverflow="overflow" vert="horz" wrap="square" lIns="91440" tIns="45720" rIns="91440" bIns="45720" numCol="1" spcCol="0" rtlCol="0" fromWordArt="0" anchor="ctr" anchorCtr="0" forceAA="0" compatLnSpc="1">
+            <a:prstTxWarp prst="textNoShape">
+              <a:avLst/>
+            </a:prstTxWarp>
+            <a:noAutofit/>
+          </a:bodyPr>
+          <a:lstStyle/>
+          <a:p>
+            <a:pPr algn="ctr"/>
+            <a:endParaRPr lang="en-US"/>
+          </a:p>
+        </p:txBody>
+      </p:sp>
+      <p:sp>
+        <p:nvSpPr>
+          <p:cNvPr id="8" name="TextBox 7"/>
+          <p:cNvSpPr txBox="1"/>
+          <p:nvPr/>
+        </p:nvSpPr>
+        <p:spPr>
+          <a:xfrm>
+            <a:off x="0" y="1889323"/>
+            <a:ext cx="9144000" cy="830997"/>
+          </a:xfrm>
+          <a:prstGeom prst="rect">
+            <a:avLst/>
+          </a:prstGeom>
+          <a:noFill/>
+        </p:spPr>
+        <p:txBody>
+          <a:bodyPr wrap="square" rtlCol="0">
+            <a:spAutoFit/>
+          </a:bodyPr>
+          <a:lstStyle/>
+          <a:p>
+            <a:pPr algn="ctr"/>
+            <a:r>
+              <a:rPr lang="en-US" sz="1600" dirty="0" smtClean="0">
+                <a:latin typeface="+mj-lt"/>
+              </a:rPr>
+              <a:t>These are</a:t>
+            </a:r>
+          </a:p>
+          <a:p>
+            <a:pPr algn="ctr"/>
+            <a:r>
+              <a:rPr lang="en-US" sz="1600" dirty="0" smtClean="0">
+                <a:latin typeface="+mj-lt"/>
+              </a:rPr>
+              <a:t>input and </a:t>
+            </a:r>
+            <a:r>
+              <a:rPr lang="en-US" sz="1600" dirty="0" smtClean="0">
+                <a:latin typeface="+mj-lt"/>
+              </a:rPr>
+              <a:t>output </a:t>
+            </a:r>
+            <a:r>
+              <a:rPr lang="en-US" sz="1600" dirty="0" smtClean="0">
+                <a:latin typeface="+mj-lt"/>
+              </a:rPr>
+              <a:t>files</a:t>
+            </a:r>
+            <a:endParaRPr lang="en-US" sz="1600" cap="all" dirty="0" smtClean="0">
+              <a:latin typeface="+mj-lt"/>
+            </a:endParaRPr>
+          </a:p>
+          <a:p>
+            <a:pPr algn="ctr"/>
+            <a:r>
+              <a:rPr lang="en-US" sz="1600" dirty="0" smtClean="0">
+                <a:latin typeface="+mj-lt"/>
+              </a:rPr>
+              <a:t> </a:t>
+            </a:r>
+            <a:r>
+              <a:rPr lang="en-US" sz="1600" dirty="0" smtClean="0">
+                <a:latin typeface="+mj-lt"/>
+              </a:rPr>
+              <a:t>consumed </a:t>
+            </a:r>
+            <a:r>
+              <a:rPr lang="en-US" sz="1600" dirty="0" smtClean="0">
+                <a:latin typeface="+mj-lt"/>
+              </a:rPr>
+              <a:t>and </a:t>
+            </a:r>
+            <a:r>
+              <a:rPr lang="en-US" sz="1600" dirty="0">
+                <a:latin typeface="+mj-lt"/>
+              </a:rPr>
+              <a:t>produced by </a:t>
+            </a:r>
+            <a:r>
+              <a:rPr lang="en-US" sz="1600" dirty="0" err="1" smtClean="0">
+                <a:latin typeface="+mj-lt"/>
+              </a:rPr>
+              <a:t>M</a:t>
+            </a:r>
+            <a:r>
+              <a:rPr lang="en-US" sz="1600" i="1" dirty="0" err="1" smtClean="0">
+                <a:latin typeface="+mj-lt"/>
+              </a:rPr>
+              <a:t>plus</a:t>
+            </a:r>
+            <a:r>
+              <a:rPr lang="en-US" sz="1600" dirty="0" smtClean="0">
+                <a:latin typeface="+mj-lt"/>
+              </a:rPr>
+              <a:t>.</a:t>
+            </a:r>
+            <a:endParaRPr lang="en-US" sz="1600" dirty="0">
+              <a:latin typeface="+mj-lt"/>
+            </a:endParaRPr>
+          </a:p>
+        </p:txBody>
+      </p:sp>
+      <p:grpSp>
+        <p:nvGrpSpPr>
+          <p:cNvPr id="9" name="Group 8"/>
+          <p:cNvGrpSpPr/>
+          <p:nvPr/>
+        </p:nvGrpSpPr>
+        <p:grpSpPr>
+          <a:xfrm>
+            <a:off x="6111181" y="2236280"/>
+            <a:ext cx="2932219" cy="2598420"/>
+            <a:chOff x="0" y="0"/>
+            <a:chExt cx="5804247" cy="5143500"/>
+          </a:xfrm>
+        </p:grpSpPr>
+        <p:pic>
+          <p:nvPicPr>
+            <p:cNvPr id="10" name="Picture 9"/>
+            <p:cNvPicPr>
+              <a:picLocks noChangeAspect="1"/>
+            </p:cNvPicPr>
+            <p:nvPr/>
+          </p:nvPicPr>
+          <p:blipFill>
+            <a:blip r:embed="rId2" cstate="print">
+              <a:extLst>
+                <a:ext uri="{28A0092B-C50C-407E-A947-70E740481C1C}">
+                  <a14:useLocalDpi xmlns:a14="http://schemas.microsoft.com/office/drawing/2010/main" val="0"/>
+                </a:ext>
+              </a:extLst>
+            </a:blip>
+            <a:stretch>
+              <a:fillRect/>
+            </a:stretch>
+          </p:blipFill>
+          <p:spPr>
+            <a:xfrm>
+              <a:off x="0" y="0"/>
+              <a:ext cx="4123625" cy="5143500"/>
+            </a:xfrm>
+            <a:prstGeom prst="rect">
+              <a:avLst/>
+            </a:prstGeom>
+          </p:spPr>
+        </p:pic>
+        <p:pic>
+          <p:nvPicPr>
+            <p:cNvPr id="11" name="Picture 10"/>
+            <p:cNvPicPr>
+              <a:picLocks noChangeAspect="1"/>
+            </p:cNvPicPr>
+            <p:nvPr/>
+          </p:nvPicPr>
+          <p:blipFill>
+            <a:blip r:embed="rId3" cstate="print">
+              <a:extLst>
+                <a:ext uri="{28A0092B-C50C-407E-A947-70E740481C1C}">
+                  <a14:useLocalDpi xmlns:a14="http://schemas.microsoft.com/office/drawing/2010/main" val="0"/>
+                </a:ext>
+              </a:extLst>
+            </a:blip>
+            <a:stretch>
+              <a:fillRect/>
+            </a:stretch>
+          </p:blipFill>
+          <p:spPr>
+            <a:xfrm>
+              <a:off x="2856512" y="0"/>
+              <a:ext cx="2534225" cy="3020029"/>
+            </a:xfrm>
+            <a:prstGeom prst="rect">
+              <a:avLst/>
+            </a:prstGeom>
+          </p:spPr>
+        </p:pic>
+        <p:pic>
+          <p:nvPicPr>
+            <p:cNvPr id="12" name="Picture 11"/>
+            <p:cNvPicPr>
+              <a:picLocks noChangeAspect="1"/>
+            </p:cNvPicPr>
+            <p:nvPr/>
+          </p:nvPicPr>
+          <p:blipFill>
+            <a:blip r:embed="rId4" cstate="print">
+              <a:extLst>
+                <a:ext uri="{28A0092B-C50C-407E-A947-70E740481C1C}">
+                  <a14:useLocalDpi xmlns:a14="http://schemas.microsoft.com/office/drawing/2010/main" val="0"/>
+                </a:ext>
+              </a:extLst>
+            </a:blip>
+            <a:stretch>
+              <a:fillRect/>
+            </a:stretch>
+          </p:blipFill>
+          <p:spPr>
+            <a:xfrm>
+              <a:off x="2856512" y="2979685"/>
+              <a:ext cx="2947735" cy="2150367"/>
+            </a:xfrm>
+            <a:prstGeom prst="rect">
+              <a:avLst/>
+            </a:prstGeom>
+          </p:spPr>
+        </p:pic>
+      </p:grpSp>
+      <p:grpSp>
+        <p:nvGrpSpPr>
+          <p:cNvPr id="18" name="Group 17"/>
+          <p:cNvGrpSpPr/>
+          <p:nvPr/>
+        </p:nvGrpSpPr>
+        <p:grpSpPr>
+          <a:xfrm>
+            <a:off x="755658" y="2103121"/>
+            <a:ext cx="2385306" cy="2710503"/>
+            <a:chOff x="-91938" y="29352"/>
+            <a:chExt cx="7102806" cy="6966150"/>
+          </a:xfrm>
+        </p:grpSpPr>
+        <p:pic>
+          <p:nvPicPr>
+            <p:cNvPr id="20" name="Picture 19"/>
+            <p:cNvPicPr>
+              <a:picLocks noChangeAspect="1"/>
+            </p:cNvPicPr>
+            <p:nvPr/>
+          </p:nvPicPr>
+          <p:blipFill>
+            <a:blip r:embed="rId5" cstate="print">
+              <a:extLst>
+                <a:ext uri="{28A0092B-C50C-407E-A947-70E740481C1C}">
+                  <a14:useLocalDpi xmlns:a14="http://schemas.microsoft.com/office/drawing/2010/main" val="0"/>
+                </a:ext>
+              </a:extLst>
+            </a:blip>
+            <a:stretch>
+              <a:fillRect/>
+            </a:stretch>
+          </p:blipFill>
+          <p:spPr>
+            <a:xfrm>
+              <a:off x="-91938" y="29352"/>
+              <a:ext cx="3814280" cy="5143500"/>
+            </a:xfrm>
+            <a:prstGeom prst="rect">
+              <a:avLst/>
+            </a:prstGeom>
+          </p:spPr>
+        </p:pic>
+        <p:pic>
+          <p:nvPicPr>
+            <p:cNvPr id="21" name="Picture 20"/>
+            <p:cNvPicPr>
+              <a:picLocks noChangeAspect="1"/>
+            </p:cNvPicPr>
+            <p:nvPr/>
+          </p:nvPicPr>
+          <p:blipFill>
+            <a:blip r:embed="rId6" cstate="print">
+              <a:extLst>
+                <a:ext uri="{28A0092B-C50C-407E-A947-70E740481C1C}">
+                  <a14:useLocalDpi xmlns:a14="http://schemas.microsoft.com/office/drawing/2010/main" val="0"/>
+                </a:ext>
+              </a:extLst>
+            </a:blip>
+            <a:stretch>
+              <a:fillRect/>
+            </a:stretch>
+          </p:blipFill>
+          <p:spPr>
+            <a:xfrm>
+              <a:off x="2190900" y="1852002"/>
+              <a:ext cx="4819968" cy="5143500"/>
+            </a:xfrm>
+            <a:prstGeom prst="rect">
+              <a:avLst/>
+            </a:prstGeom>
+          </p:spPr>
+        </p:pic>
+      </p:grpSp>
+    </p:spTree>
+    <p:extLst>
+      <p:ext uri="{BB962C8B-B14F-4D97-AF65-F5344CB8AC3E}">
+        <p14:creationId xmlns:p14="http://schemas.microsoft.com/office/powerpoint/2010/main" val="789818890"/>
+      </p:ext>
+    </p:extLst>
+  </p:cSld>
+  <p:clrMapOvr>
+    <a:masterClrMapping/>
+  </p:clrMapOvr>
+  <p:transition>
+    <p:fade/>
+  </p:transition>
+  <p:timing>
+    <p:tnLst>
+      <p:par>
+        <p:cTn id="1" dur="indefinite" restart="never" nodeType="tmRoot"/>
+      </p:par>
+    </p:tnLst>
+  </p:timing>
+</p:sld>
+</file>
+
+<file path=ppt/slides/slide11.xml><?xml version="1.0" encoding="utf-8"?>
+<p:sld xmlns:a="http://schemas.openxmlformats.org/drawingml/2006/main" xmlns:r="http://schemas.openxmlformats.org/officeDocument/2006/relationships" xmlns:p="http://schemas.openxmlformats.org/presentationml/2006/main">
+  <p:cSld>
+    <p:spTree>
+      <p:nvGrpSpPr>
+        <p:cNvPr id="1" name=""/>
+        <p:cNvGrpSpPr/>
+        <p:nvPr/>
+      </p:nvGrpSpPr>
+      <p:grpSpPr>
+        <a:xfrm>
+          <a:off x="0" y="0"/>
+          <a:ext cx="0" cy="0"/>
+          <a:chOff x="0" y="0"/>
+          <a:chExt cx="0" cy="0"/>
+        </a:xfrm>
+      </p:grpSpPr>
+      <p:sp>
+        <p:nvSpPr>
+          <p:cNvPr id="4" name="Rounded Rectangle 3"/>
+          <p:cNvSpPr/>
+          <p:nvPr/>
+        </p:nvSpPr>
+        <p:spPr>
+          <a:xfrm>
             <a:off x="1303020" y="226060"/>
             <a:ext cx="728980" cy="396240"/>
           </a:xfrm>
@@ -4262,16 +4689,46 @@
               <a:rPr lang="en-US" sz="1600" dirty="0" smtClean="0">
                 <a:latin typeface="Calibri Light" panose="020F0302020204030204" pitchFamily="34" charset="0"/>
               </a:rPr>
-              <a:t>These are R SCRIPTS</a:t>
-            </a:r>
-          </a:p>
-          <a:p>
-            <a:pPr algn="ctr"/>
+              <a:t>These are </a:t>
+            </a:r>
+            <a:r>
+              <a:rPr lang="en-US" sz="1600" b="1" dirty="0" smtClean="0">
+                <a:latin typeface="Calibri Light" panose="020F0302020204030204" pitchFamily="34" charset="0"/>
+              </a:rPr>
+              <a:t>R</a:t>
+            </a:r>
             <a:r>
               <a:rPr lang="en-US" sz="1600" dirty="0" smtClean="0">
                 <a:latin typeface="Calibri Light" panose="020F0302020204030204" pitchFamily="34" charset="0"/>
               </a:rPr>
-              <a:t>Run in RStudio and coordinated in GitHub</a:t>
+              <a:t> SCRIPTS</a:t>
+            </a:r>
+          </a:p>
+          <a:p>
+            <a:pPr algn="ctr"/>
+            <a:r>
+              <a:rPr lang="en-US" sz="1600" dirty="0" smtClean="0">
+                <a:latin typeface="Calibri Light" panose="020F0302020204030204" pitchFamily="34" charset="0"/>
+              </a:rPr>
+              <a:t>Run in </a:t>
+            </a:r>
+            <a:r>
+              <a:rPr lang="en-US" sz="1600" b="1" dirty="0" smtClean="0">
+                <a:latin typeface="Calibri Light" panose="020F0302020204030204" pitchFamily="34" charset="0"/>
+              </a:rPr>
+              <a:t>RStudio</a:t>
+            </a:r>
+            <a:r>
+              <a:rPr lang="en-US" sz="1600" dirty="0" smtClean="0">
+                <a:latin typeface="Calibri Light" panose="020F0302020204030204" pitchFamily="34" charset="0"/>
+              </a:rPr>
+              <a:t> and coordinated in </a:t>
+            </a:r>
+            <a:r>
+              <a:rPr lang="en-US" sz="1600" b="1" dirty="0" smtClean="0">
+                <a:latin typeface="Calibri Light" panose="020F0302020204030204" pitchFamily="34" charset="0"/>
+              </a:rPr>
+              <a:t>GitHub</a:t>
             </a:r>
           </a:p>
           <a:p>
@@ -4365,7 +4822,7 @@
 </p:sld>
 </file>
 
-<file path=ppt/slides/slide11.xml><?xml version="1.0" encoding="utf-8"?>
+<file path=ppt/slides/slide12.xml><?xml version="1.0" encoding="utf-8"?>
 <p:sld xmlns:a="http://schemas.openxmlformats.org/drawingml/2006/main" xmlns:r="http://schemas.openxmlformats.org/officeDocument/2006/relationships" xmlns:p="http://schemas.openxmlformats.org/presentationml/2006/main">
   <p:cSld>
     <p:spTree>
@@ -4490,16 +4947,31 @@
               <a:rPr lang="en-US" sz="1600" dirty="0" smtClean="0">
                 <a:latin typeface="Calibri Light" panose="020F0302020204030204" pitchFamily="34" charset="0"/>
               </a:rPr>
-              <a:t>= one model per study</a:t>
-            </a:r>
-          </a:p>
-          <a:p>
-            <a:pPr algn="ctr"/>
+              <a:t>= one model per </a:t>
+            </a:r>
             <a:r>
               <a:rPr lang="en-US" sz="1600" dirty="0" smtClean="0">
                 <a:latin typeface="Calibri Light" panose="020F0302020204030204" pitchFamily="34" charset="0"/>
               </a:rPr>
-              <a:t>It is stored on a REDCap server</a:t>
+              <a:t>study</a:t>
+            </a:r>
+            <a:endParaRPr lang="en-US" sz="1600" dirty="0" smtClean="0">
+              <a:latin typeface="Calibri Light" panose="020F0302020204030204" pitchFamily="34" charset="0"/>
+            </a:endParaRPr>
+          </a:p>
+          <a:p>
+            <a:pPr algn="ctr"/>
+            <a:r>
+              <a:rPr lang="en-US" sz="1600" dirty="0" smtClean="0">
+                <a:latin typeface="Calibri Light" panose="020F0302020204030204" pitchFamily="34" charset="0"/>
+              </a:rPr>
+              <a:t>It is stored on a REDCap </a:t>
+            </a:r>
+            <a:r>
+              <a:rPr lang="en-US" sz="1600" dirty="0" smtClean="0">
+                <a:latin typeface="Calibri Light" panose="020F0302020204030204" pitchFamily="34" charset="0"/>
+              </a:rPr>
+              <a:t>server.</a:t>
             </a:r>
             <a:endParaRPr lang="en-US" sz="1600" dirty="0">
               <a:latin typeface="Calibri Light" panose="020F0302020204030204" pitchFamily="34" charset="0"/>
@@ -4509,13 +4981,13 @@
       </p:sp>
       <p:pic>
         <p:nvPicPr>
-          <p:cNvPr id="1026" name="Picture 2" descr="https://wiki.ctri.mcw.edu/download/thumbnails/4492026/redcaplogo.jpg?version=1&amp;modificationDate=1372881889000&amp;api=v2&amp;effects=border-simple,shadow-kn"/>
+          <p:cNvPr id="5" name="Picture 2" descr="https://wiki.ctri.mcw.edu/download/thumbnails/4492026/redcaplogo.jpg?version=1&amp;modificationDate=1372881889000&amp;api=v2&amp;effects=border-simple,shadow-kn"/>
           <p:cNvPicPr>
             <a:picLocks noChangeAspect="1" noChangeArrowheads="1"/>
           </p:cNvPicPr>
           <p:nvPr/>
         </p:nvPicPr>
-        <p:blipFill>
+        <p:blipFill rotWithShape="1">
           <a:blip r:embed="rId2">
             <a:extLst>
               <a:ext uri="{28A0092B-C50C-407E-A947-70E740481C1C}">
@@ -4523,15 +4995,13 @@
               </a:ext>
             </a:extLst>
           </a:blip>
-          <a:srcRect/>
-          <a:stretch>
-            <a:fillRect/>
-          </a:stretch>
+          <a:srcRect l="677" r="1971" b="6709"/>
+          <a:stretch/>
         </p:blipFill>
         <p:spPr bwMode="auto">
           <a:xfrm>
-            <a:off x="3021965" y="3276917"/>
-            <a:ext cx="3143250" cy="1504951"/>
+            <a:off x="3096000" y="3022170"/>
+            <a:ext cx="3060000" cy="1404000"/>
           </a:xfrm>
           <a:prstGeom prst="rect">
             <a:avLst/>
@@ -4548,6 +5018,182 @@
           </a:extLst>
         </p:spPr>
       </p:pic>
+      <p:sp>
+        <p:nvSpPr>
+          <p:cNvPr id="6" name="Rectangle 5"/>
+          <p:cNvSpPr/>
+          <p:nvPr/>
+        </p:nvSpPr>
+        <p:spPr>
+          <a:xfrm>
+            <a:off x="0" y="4426170"/>
+            <a:ext cx="9144000" cy="600164"/>
+          </a:xfrm>
+          <a:prstGeom prst="rect">
+            <a:avLst/>
+          </a:prstGeom>
+        </p:spPr>
+        <p:txBody>
+          <a:bodyPr wrap="square">
+            <a:spAutoFit/>
+          </a:bodyPr>
+          <a:lstStyle/>
+          <a:p>
+            <a:pPr>
+              <a:lnSpc>
+                <a:spcPct val="150000"/>
+              </a:lnSpc>
+            </a:pPr>
+            <a:r>
+              <a:rPr lang="en-US" sz="1100" b="1" dirty="0">
+                <a:solidFill>
+                  <a:srgbClr val="000000"/>
+                </a:solidFill>
+                <a:latin typeface="Arial" panose="020B0604020202020204" pitchFamily="34" charset="0"/>
+                <a:ea typeface="Calibri" panose="020F0502020204030204" pitchFamily="34" charset="0"/>
+                <a:cs typeface="Arial" panose="020B0604020202020204" pitchFamily="34" charset="0"/>
+              </a:rPr>
+              <a:t>Harris</a:t>
+            </a:r>
+            <a:r>
+              <a:rPr lang="en-US" sz="1100" dirty="0">
+                <a:solidFill>
+                  <a:srgbClr val="000000"/>
+                </a:solidFill>
+                <a:latin typeface="Arial" panose="020B0604020202020204" pitchFamily="34" charset="0"/>
+                <a:ea typeface="Calibri" panose="020F0502020204030204" pitchFamily="34" charset="0"/>
+                <a:cs typeface="Arial" panose="020B0604020202020204" pitchFamily="34" charset="0"/>
+              </a:rPr>
+              <a:t>, PA, </a:t>
+            </a:r>
+            <a:r>
+              <a:rPr lang="en-US" sz="1100" b="1" dirty="0">
+                <a:solidFill>
+                  <a:srgbClr val="000000"/>
+                </a:solidFill>
+                <a:latin typeface="Arial" panose="020B0604020202020204" pitchFamily="34" charset="0"/>
+                <a:ea typeface="Calibri" panose="020F0502020204030204" pitchFamily="34" charset="0"/>
+                <a:cs typeface="Arial" panose="020B0604020202020204" pitchFamily="34" charset="0"/>
+              </a:rPr>
+              <a:t>Taylor</a:t>
+            </a:r>
+            <a:r>
+              <a:rPr lang="en-US" sz="1100" dirty="0">
+                <a:solidFill>
+                  <a:srgbClr val="000000"/>
+                </a:solidFill>
+                <a:latin typeface="Arial" panose="020B0604020202020204" pitchFamily="34" charset="0"/>
+                <a:ea typeface="Calibri" panose="020F0502020204030204" pitchFamily="34" charset="0"/>
+                <a:cs typeface="Arial" panose="020B0604020202020204" pitchFamily="34" charset="0"/>
+              </a:rPr>
+              <a:t>, R, </a:t>
+            </a:r>
+            <a:r>
+              <a:rPr lang="en-US" sz="1100" b="1" dirty="0" err="1">
+                <a:solidFill>
+                  <a:srgbClr val="000000"/>
+                </a:solidFill>
+                <a:latin typeface="Arial" panose="020B0604020202020204" pitchFamily="34" charset="0"/>
+                <a:ea typeface="Calibri" panose="020F0502020204030204" pitchFamily="34" charset="0"/>
+                <a:cs typeface="Arial" panose="020B0604020202020204" pitchFamily="34" charset="0"/>
+              </a:rPr>
+              <a:t>Thielke</a:t>
+            </a:r>
+            <a:r>
+              <a:rPr lang="en-US" sz="1100" dirty="0">
+                <a:solidFill>
+                  <a:srgbClr val="000000"/>
+                </a:solidFill>
+                <a:latin typeface="Arial" panose="020B0604020202020204" pitchFamily="34" charset="0"/>
+                <a:ea typeface="Calibri" panose="020F0502020204030204" pitchFamily="34" charset="0"/>
+                <a:cs typeface="Arial" panose="020B0604020202020204" pitchFamily="34" charset="0"/>
+              </a:rPr>
+              <a:t>, R, </a:t>
+            </a:r>
+            <a:r>
+              <a:rPr lang="en-US" sz="1100" b="1" dirty="0">
+                <a:solidFill>
+                  <a:srgbClr val="000000"/>
+                </a:solidFill>
+                <a:latin typeface="Arial" panose="020B0604020202020204" pitchFamily="34" charset="0"/>
+                <a:ea typeface="Calibri" panose="020F0502020204030204" pitchFamily="34" charset="0"/>
+                <a:cs typeface="Arial" panose="020B0604020202020204" pitchFamily="34" charset="0"/>
+              </a:rPr>
+              <a:t>Payne</a:t>
+            </a:r>
+            <a:r>
+              <a:rPr lang="en-US" sz="1100" dirty="0">
+                <a:solidFill>
+                  <a:srgbClr val="000000"/>
+                </a:solidFill>
+                <a:latin typeface="Arial" panose="020B0604020202020204" pitchFamily="34" charset="0"/>
+                <a:ea typeface="Calibri" panose="020F0502020204030204" pitchFamily="34" charset="0"/>
+                <a:cs typeface="Arial" panose="020B0604020202020204" pitchFamily="34" charset="0"/>
+              </a:rPr>
+              <a:t>, R, </a:t>
+            </a:r>
+            <a:r>
+              <a:rPr lang="en-US" sz="1100" b="1" dirty="0">
+                <a:solidFill>
+                  <a:srgbClr val="000000"/>
+                </a:solidFill>
+                <a:latin typeface="Arial" panose="020B0604020202020204" pitchFamily="34" charset="0"/>
+                <a:ea typeface="Calibri" panose="020F0502020204030204" pitchFamily="34" charset="0"/>
+                <a:cs typeface="Arial" panose="020B0604020202020204" pitchFamily="34" charset="0"/>
+              </a:rPr>
+              <a:t>Gonzalez</a:t>
+            </a:r>
+            <a:r>
+              <a:rPr lang="en-US" sz="1100" dirty="0">
+                <a:solidFill>
+                  <a:srgbClr val="000000"/>
+                </a:solidFill>
+                <a:latin typeface="Arial" panose="020B0604020202020204" pitchFamily="34" charset="0"/>
+                <a:ea typeface="Calibri" panose="020F0502020204030204" pitchFamily="34" charset="0"/>
+                <a:cs typeface="Arial" panose="020B0604020202020204" pitchFamily="34" charset="0"/>
+              </a:rPr>
+              <a:t>, N, Conde, JG (2009). Research electronic data capture (REDCap) - A metadata-driven methodology and workflow process for providing translational research informatics support, </a:t>
+            </a:r>
+            <a:r>
+              <a:rPr lang="en-US" sz="1100" i="1" dirty="0">
+                <a:solidFill>
+                  <a:srgbClr val="000000"/>
+                </a:solidFill>
+                <a:latin typeface="Arial" panose="020B0604020202020204" pitchFamily="34" charset="0"/>
+                <a:ea typeface="Calibri" panose="020F0502020204030204" pitchFamily="34" charset="0"/>
+                <a:cs typeface="Arial" panose="020B0604020202020204" pitchFamily="34" charset="0"/>
+              </a:rPr>
+              <a:t>J Biomed Inform, 42</a:t>
+            </a:r>
+            <a:r>
+              <a:rPr lang="en-US" sz="1100" dirty="0">
+                <a:solidFill>
+                  <a:srgbClr val="000000"/>
+                </a:solidFill>
+                <a:latin typeface="Arial" panose="020B0604020202020204" pitchFamily="34" charset="0"/>
+                <a:ea typeface="Calibri" panose="020F0502020204030204" pitchFamily="34" charset="0"/>
+                <a:cs typeface="Arial" panose="020B0604020202020204" pitchFamily="34" charset="0"/>
+              </a:rPr>
+              <a:t>(2), 377-81</a:t>
+            </a:r>
+            <a:r>
+              <a:rPr lang="en-US" sz="1100" dirty="0" smtClean="0">
+                <a:solidFill>
+                  <a:srgbClr val="000000"/>
+                </a:solidFill>
+                <a:latin typeface="Arial" panose="020B0604020202020204" pitchFamily="34" charset="0"/>
+                <a:ea typeface="Calibri" panose="020F0502020204030204" pitchFamily="34" charset="0"/>
+                <a:cs typeface="Arial" panose="020B0604020202020204" pitchFamily="34" charset="0"/>
+              </a:rPr>
+              <a:t>.</a:t>
+            </a:r>
+            <a:endParaRPr lang="en-CA" sz="1100" dirty="0">
+              <a:latin typeface="Arial" panose="020B0604020202020204" pitchFamily="34" charset="0"/>
+              <a:cs typeface="Arial" panose="020B0604020202020204" pitchFamily="34" charset="0"/>
+            </a:endParaRPr>
+          </a:p>
+        </p:txBody>
+      </p:sp>
     </p:spTree>
     <p:extLst>
       <p:ext uri="{BB962C8B-B14F-4D97-AF65-F5344CB8AC3E}">
@@ -4571,7 +5217,7 @@
 </p:sld>
 </file>
 
-<file path=ppt/slides/slide12.xml><?xml version="1.0" encoding="utf-8"?>
+<file path=ppt/slides/slide13.xml><?xml version="1.0" encoding="utf-8"?>
 <p:sld xmlns:a="http://schemas.openxmlformats.org/drawingml/2006/main" xmlns:r="http://schemas.openxmlformats.org/officeDocument/2006/relationships" xmlns:p="http://schemas.openxmlformats.org/presentationml/2006/main">
   <p:cSld>
     <p:spTree>
@@ -4648,7 +5294,7 @@
         <p:spPr>
           <a:xfrm>
             <a:off x="0" y="1889323"/>
-            <a:ext cx="9144000" cy="1077218"/>
+            <a:ext cx="9144000" cy="830997"/>
           </a:xfrm>
           <a:prstGeom prst="rect">
             <a:avLst/>
@@ -4666,7 +5312,19 @@
               <a:rPr lang="en-US" sz="1600" dirty="0" smtClean="0">
                 <a:latin typeface="+mj-lt"/>
               </a:rPr>
-              <a:t>This is a</a:t>
+              <a:t>Drivers enter </a:t>
+            </a:r>
+            <a:r>
+              <a:rPr lang="en-US" sz="1600" dirty="0">
+                <a:latin typeface="+mj-lt"/>
+              </a:rPr>
+              <a:t>their </a:t>
+            </a:r>
+            <a:r>
+              <a:rPr lang="en-US" sz="1600" dirty="0" smtClean="0">
+                <a:latin typeface="+mj-lt"/>
+              </a:rPr>
+              <a:t>study’s</a:t>
             </a:r>
           </a:p>
           <a:p>
@@ -4675,35 +5333,32 @@
               <a:rPr lang="en-US" sz="1600" dirty="0" smtClean="0">
                 <a:latin typeface="+mj-lt"/>
               </a:rPr>
-              <a:t>REDCap </a:t>
+              <a:t> METADATA</a:t>
+            </a:r>
+          </a:p>
+          <a:p>
+            <a:pPr algn="ctr"/>
+            <a:r>
+              <a:rPr lang="en-US" sz="1600" dirty="0" smtClean="0">
+                <a:latin typeface="+mj-lt"/>
+              </a:rPr>
+              <a:t>into </a:t>
             </a:r>
             <a:r>
               <a:rPr lang="en-US" sz="1600" dirty="0">
                 <a:latin typeface="+mj-lt"/>
               </a:rPr>
-              <a:t>survey </a:t>
+              <a:t>this REDCap </a:t>
+            </a:r>
+            <a:r>
+              <a:rPr lang="en-US" sz="1600" dirty="0" smtClean="0">
+                <a:latin typeface="+mj-lt"/>
+              </a:rPr>
+              <a:t>survey.</a:t>
             </a:r>
             <a:endParaRPr lang="en-US" sz="1600" dirty="0" smtClean="0">
               <a:latin typeface="+mj-lt"/>
             </a:endParaRPr>
-          </a:p>
-          <a:p>
-            <a:pPr algn="ctr"/>
-            <a:r>
-              <a:rPr lang="en-US" sz="1600" dirty="0" smtClean="0">
-                <a:latin typeface="+mj-lt"/>
-              </a:rPr>
-              <a:t>Through which participants </a:t>
-            </a:r>
-          </a:p>
-          <a:p>
-            <a:pPr algn="ctr"/>
-            <a:r>
-              <a:rPr lang="en-US" sz="1600" dirty="0" smtClean="0">
-                <a:latin typeface="+mj-lt"/>
-              </a:rPr>
-              <a:t>Enter information about their studies</a:t>
-            </a:r>
           </a:p>
         </p:txBody>
       </p:sp>
@@ -4715,7 +5370,7 @@
           </p:cNvPicPr>
           <p:nvPr/>
         </p:nvPicPr>
-        <p:blipFill>
+        <p:blipFill rotWithShape="1">
           <a:blip r:embed="rId2">
             <a:extLst>
               <a:ext uri="{28A0092B-C50C-407E-A947-70E740481C1C}">
@@ -4723,15 +5378,13 @@
               </a:ext>
             </a:extLst>
           </a:blip>
-          <a:srcRect/>
-          <a:stretch>
-            <a:fillRect/>
-          </a:stretch>
+          <a:srcRect l="677" r="1971" b="6709"/>
+          <a:stretch/>
         </p:blipFill>
         <p:spPr bwMode="auto">
           <a:xfrm>
-            <a:off x="3021965" y="3276917"/>
-            <a:ext cx="3143250" cy="1504951"/>
+            <a:off x="3096000" y="3022170"/>
+            <a:ext cx="3060000" cy="1404000"/>
           </a:xfrm>
           <a:prstGeom prst="rect">
             <a:avLst/>
@@ -4772,6 +5425,182 @@
           </a:prstGeom>
         </p:spPr>
       </p:pic>
+      <p:sp>
+        <p:nvSpPr>
+          <p:cNvPr id="7" name="Rectangle 6"/>
+          <p:cNvSpPr/>
+          <p:nvPr/>
+        </p:nvSpPr>
+        <p:spPr>
+          <a:xfrm>
+            <a:off x="0" y="4426170"/>
+            <a:ext cx="9144000" cy="600164"/>
+          </a:xfrm>
+          <a:prstGeom prst="rect">
+            <a:avLst/>
+          </a:prstGeom>
+        </p:spPr>
+        <p:txBody>
+          <a:bodyPr wrap="square">
+            <a:spAutoFit/>
+          </a:bodyPr>
+          <a:lstStyle/>
+          <a:p>
+            <a:pPr>
+              <a:lnSpc>
+                <a:spcPct val="150000"/>
+              </a:lnSpc>
+            </a:pPr>
+            <a:r>
+              <a:rPr lang="en-US" sz="1100" b="1" dirty="0">
+                <a:solidFill>
+                  <a:srgbClr val="000000"/>
+                </a:solidFill>
+                <a:latin typeface="Arial" panose="020B0604020202020204" pitchFamily="34" charset="0"/>
+                <a:ea typeface="Calibri" panose="020F0502020204030204" pitchFamily="34" charset="0"/>
+                <a:cs typeface="Arial" panose="020B0604020202020204" pitchFamily="34" charset="0"/>
+              </a:rPr>
+              <a:t>Harris</a:t>
+            </a:r>
+            <a:r>
+              <a:rPr lang="en-US" sz="1100" dirty="0">
+                <a:solidFill>
+                  <a:srgbClr val="000000"/>
+                </a:solidFill>
+                <a:latin typeface="Arial" panose="020B0604020202020204" pitchFamily="34" charset="0"/>
+                <a:ea typeface="Calibri" panose="020F0502020204030204" pitchFamily="34" charset="0"/>
+                <a:cs typeface="Arial" panose="020B0604020202020204" pitchFamily="34" charset="0"/>
+              </a:rPr>
+              <a:t>, PA, </a:t>
+            </a:r>
+            <a:r>
+              <a:rPr lang="en-US" sz="1100" b="1" dirty="0">
+                <a:solidFill>
+                  <a:srgbClr val="000000"/>
+                </a:solidFill>
+                <a:latin typeface="Arial" panose="020B0604020202020204" pitchFamily="34" charset="0"/>
+                <a:ea typeface="Calibri" panose="020F0502020204030204" pitchFamily="34" charset="0"/>
+                <a:cs typeface="Arial" panose="020B0604020202020204" pitchFamily="34" charset="0"/>
+              </a:rPr>
+              <a:t>Taylor</a:t>
+            </a:r>
+            <a:r>
+              <a:rPr lang="en-US" sz="1100" dirty="0">
+                <a:solidFill>
+                  <a:srgbClr val="000000"/>
+                </a:solidFill>
+                <a:latin typeface="Arial" panose="020B0604020202020204" pitchFamily="34" charset="0"/>
+                <a:ea typeface="Calibri" panose="020F0502020204030204" pitchFamily="34" charset="0"/>
+                <a:cs typeface="Arial" panose="020B0604020202020204" pitchFamily="34" charset="0"/>
+              </a:rPr>
+              <a:t>, R, </a:t>
+            </a:r>
+            <a:r>
+              <a:rPr lang="en-US" sz="1100" b="1" dirty="0" err="1">
+                <a:solidFill>
+                  <a:srgbClr val="000000"/>
+                </a:solidFill>
+                <a:latin typeface="Arial" panose="020B0604020202020204" pitchFamily="34" charset="0"/>
+                <a:ea typeface="Calibri" panose="020F0502020204030204" pitchFamily="34" charset="0"/>
+                <a:cs typeface="Arial" panose="020B0604020202020204" pitchFamily="34" charset="0"/>
+              </a:rPr>
+              <a:t>Thielke</a:t>
+            </a:r>
+            <a:r>
+              <a:rPr lang="en-US" sz="1100" dirty="0">
+                <a:solidFill>
+                  <a:srgbClr val="000000"/>
+                </a:solidFill>
+                <a:latin typeface="Arial" panose="020B0604020202020204" pitchFamily="34" charset="0"/>
+                <a:ea typeface="Calibri" panose="020F0502020204030204" pitchFamily="34" charset="0"/>
+                <a:cs typeface="Arial" panose="020B0604020202020204" pitchFamily="34" charset="0"/>
+              </a:rPr>
+              <a:t>, R, </a:t>
+            </a:r>
+            <a:r>
+              <a:rPr lang="en-US" sz="1100" b="1" dirty="0">
+                <a:solidFill>
+                  <a:srgbClr val="000000"/>
+                </a:solidFill>
+                <a:latin typeface="Arial" panose="020B0604020202020204" pitchFamily="34" charset="0"/>
+                <a:ea typeface="Calibri" panose="020F0502020204030204" pitchFamily="34" charset="0"/>
+                <a:cs typeface="Arial" panose="020B0604020202020204" pitchFamily="34" charset="0"/>
+              </a:rPr>
+              <a:t>Payne</a:t>
+            </a:r>
+            <a:r>
+              <a:rPr lang="en-US" sz="1100" dirty="0">
+                <a:solidFill>
+                  <a:srgbClr val="000000"/>
+                </a:solidFill>
+                <a:latin typeface="Arial" panose="020B0604020202020204" pitchFamily="34" charset="0"/>
+                <a:ea typeface="Calibri" panose="020F0502020204030204" pitchFamily="34" charset="0"/>
+                <a:cs typeface="Arial" panose="020B0604020202020204" pitchFamily="34" charset="0"/>
+              </a:rPr>
+              <a:t>, R, </a:t>
+            </a:r>
+            <a:r>
+              <a:rPr lang="en-US" sz="1100" b="1" dirty="0">
+                <a:solidFill>
+                  <a:srgbClr val="000000"/>
+                </a:solidFill>
+                <a:latin typeface="Arial" panose="020B0604020202020204" pitchFamily="34" charset="0"/>
+                <a:ea typeface="Calibri" panose="020F0502020204030204" pitchFamily="34" charset="0"/>
+                <a:cs typeface="Arial" panose="020B0604020202020204" pitchFamily="34" charset="0"/>
+              </a:rPr>
+              <a:t>Gonzalez</a:t>
+            </a:r>
+            <a:r>
+              <a:rPr lang="en-US" sz="1100" dirty="0">
+                <a:solidFill>
+                  <a:srgbClr val="000000"/>
+                </a:solidFill>
+                <a:latin typeface="Arial" panose="020B0604020202020204" pitchFamily="34" charset="0"/>
+                <a:ea typeface="Calibri" panose="020F0502020204030204" pitchFamily="34" charset="0"/>
+                <a:cs typeface="Arial" panose="020B0604020202020204" pitchFamily="34" charset="0"/>
+              </a:rPr>
+              <a:t>, N, Conde, JG (2009). Research electronic data capture (REDCap) - A metadata-driven methodology and workflow process for providing translational research informatics support, </a:t>
+            </a:r>
+            <a:r>
+              <a:rPr lang="en-US" sz="1100" i="1" dirty="0">
+                <a:solidFill>
+                  <a:srgbClr val="000000"/>
+                </a:solidFill>
+                <a:latin typeface="Arial" panose="020B0604020202020204" pitchFamily="34" charset="0"/>
+                <a:ea typeface="Calibri" panose="020F0502020204030204" pitchFamily="34" charset="0"/>
+                <a:cs typeface="Arial" panose="020B0604020202020204" pitchFamily="34" charset="0"/>
+              </a:rPr>
+              <a:t>J Biomed Inform, 42</a:t>
+            </a:r>
+            <a:r>
+              <a:rPr lang="en-US" sz="1100" dirty="0">
+                <a:solidFill>
+                  <a:srgbClr val="000000"/>
+                </a:solidFill>
+                <a:latin typeface="Arial" panose="020B0604020202020204" pitchFamily="34" charset="0"/>
+                <a:ea typeface="Calibri" panose="020F0502020204030204" pitchFamily="34" charset="0"/>
+                <a:cs typeface="Arial" panose="020B0604020202020204" pitchFamily="34" charset="0"/>
+              </a:rPr>
+              <a:t>(2), 377-81</a:t>
+            </a:r>
+            <a:r>
+              <a:rPr lang="en-US" sz="1100" dirty="0" smtClean="0">
+                <a:solidFill>
+                  <a:srgbClr val="000000"/>
+                </a:solidFill>
+                <a:latin typeface="Arial" panose="020B0604020202020204" pitchFamily="34" charset="0"/>
+                <a:ea typeface="Calibri" panose="020F0502020204030204" pitchFamily="34" charset="0"/>
+                <a:cs typeface="Arial" panose="020B0604020202020204" pitchFamily="34" charset="0"/>
+              </a:rPr>
+              <a:t>.</a:t>
+            </a:r>
+            <a:endParaRPr lang="en-CA" sz="1100" dirty="0">
+              <a:latin typeface="Arial" panose="020B0604020202020204" pitchFamily="34" charset="0"/>
+              <a:cs typeface="Arial" panose="020B0604020202020204" pitchFamily="34" charset="0"/>
+            </a:endParaRPr>
+          </a:p>
+        </p:txBody>
+      </p:sp>
     </p:spTree>
     <p:extLst>
       <p:ext uri="{BB962C8B-B14F-4D97-AF65-F5344CB8AC3E}">
@@ -4795,7 +5624,7 @@
 </p:sld>
 </file>
 
-<file path=ppt/slides/slide13.xml><?xml version="1.0" encoding="utf-8"?>
+<file path=ppt/slides/slide14.xml><?xml version="1.0" encoding="utf-8"?>
 <p:sld xmlns:a="http://schemas.openxmlformats.org/drawingml/2006/main" xmlns:r="http://schemas.openxmlformats.org/officeDocument/2006/relationships" xmlns:p="http://schemas.openxmlformats.org/presentationml/2006/main">
   <p:cSld>
     <p:spTree>
@@ -4872,7 +5701,7 @@
         <p:spPr>
           <a:xfrm>
             <a:off x="0" y="1889323"/>
-            <a:ext cx="9144000" cy="830997"/>
+            <a:ext cx="9144000" cy="1815882"/>
           </a:xfrm>
           <a:prstGeom prst="rect">
             <a:avLst/>
@@ -4890,7 +5719,25 @@
               <a:rPr lang="en-US" sz="1600" dirty="0" smtClean="0">
                 <a:latin typeface="+mj-lt"/>
               </a:rPr>
-              <a:t>This is PRIVATE space</a:t>
+              <a:t>This is PRIVATE </a:t>
+            </a:r>
+            <a:r>
+              <a:rPr lang="en-US" sz="1600" dirty="0" smtClean="0">
+                <a:latin typeface="+mj-lt"/>
+              </a:rPr>
+              <a:t>space on </a:t>
+            </a:r>
+            <a:r>
+              <a:rPr lang="en-US" sz="1600" dirty="0" smtClean="0">
+                <a:latin typeface="+mj-lt"/>
+              </a:rPr>
+              <a:t>local </a:t>
+            </a:r>
+            <a:r>
+              <a:rPr lang="en-US" sz="1600" dirty="0" smtClean="0">
+                <a:latin typeface="+mj-lt"/>
+              </a:rPr>
+              <a:t>machines.</a:t>
             </a:r>
           </a:p>
           <a:p>
@@ -4899,7 +5746,7 @@
               <a:rPr lang="en-US" sz="1600" dirty="0" smtClean="0">
                 <a:latin typeface="+mj-lt"/>
               </a:rPr>
-              <a:t>On local machines of drivers</a:t>
+              <a:t>Sensitive information ALWAYS under control of the driver.</a:t>
             </a:r>
           </a:p>
           <a:p>
@@ -4908,29 +5755,38 @@
               <a:rPr lang="en-US" sz="1600" dirty="0" smtClean="0">
                 <a:latin typeface="+mj-lt"/>
               </a:rPr>
-              <a:t>Raw d</a:t>
-            </a:r>
-            <a:r>
-              <a:rPr lang="en-US" sz="1600" dirty="0" smtClean="0">
-                <a:latin typeface="+mj-lt"/>
-              </a:rPr>
-              <a:t>ata </a:t>
-            </a:r>
-            <a:r>
-              <a:rPr lang="en-US" sz="1600" dirty="0" smtClean="0">
-                <a:latin typeface="+mj-lt"/>
-              </a:rPr>
-              <a:t>never leaves this </a:t>
-            </a:r>
-            <a:r>
-              <a:rPr lang="en-US" sz="1600" dirty="0" smtClean="0">
-                <a:latin typeface="+mj-lt"/>
-              </a:rPr>
-              <a:t>space</a:t>
-            </a:r>
+              <a:t>Raw data is not shared with anyone at any point.</a:t>
+            </a:r>
+          </a:p>
+          <a:p>
+            <a:pPr algn="ctr"/>
             <a:endParaRPr lang="en-US" sz="1600" dirty="0" smtClean="0">
               <a:latin typeface="+mj-lt"/>
             </a:endParaRPr>
+          </a:p>
+          <a:p>
+            <a:pPr algn="ctr"/>
+            <a:r>
+              <a:rPr lang="en-US" sz="1600" dirty="0" smtClean="0">
+                <a:latin typeface="+mj-lt"/>
+              </a:rPr>
+              <a:t>= greater security</a:t>
+            </a:r>
+          </a:p>
+          <a:p>
+            <a:pPr algn="ctr"/>
+            <a:endParaRPr lang="en-US" sz="1600" dirty="0" smtClean="0">
+              <a:latin typeface="+mj-lt"/>
+            </a:endParaRPr>
+          </a:p>
+          <a:p>
+            <a:pPr algn="ctr"/>
+            <a:r>
+              <a:rPr lang="en-US" sz="1600" dirty="0" smtClean="0">
+                <a:latin typeface="+mj-lt"/>
+              </a:rPr>
+              <a:t>= less IRB paperwork</a:t>
+            </a:r>
           </a:p>
         </p:txBody>
       </p:sp>
@@ -4957,7 +5813,7 @@
 </p:sld>
 </file>
 
-<file path=ppt/slides/slide14.xml><?xml version="1.0" encoding="utf-8"?>
+<file path=ppt/slides/slide15.xml><?xml version="1.0" encoding="utf-8"?>
 <p:sld xmlns:a="http://schemas.openxmlformats.org/drawingml/2006/main" xmlns:r="http://schemas.openxmlformats.org/officeDocument/2006/relationships" xmlns:p="http://schemas.openxmlformats.org/presentationml/2006/main">
   <p:cSld>
     <p:spTree>
@@ -5019,8 +5875,17 @@
               <a:rPr lang="en-US" sz="1600" dirty="0" smtClean="0">
                 <a:latin typeface="+mj-lt"/>
               </a:rPr>
-              <a:t>from raw data files to tables and graphs in manuscripts</a:t>
-            </a:r>
+              <a:t>from raw data files to tables and graphs in </a:t>
+            </a:r>
+            <a:r>
+              <a:rPr lang="en-US" sz="1600" dirty="0" smtClean="0">
+                <a:latin typeface="+mj-lt"/>
+              </a:rPr>
+              <a:t>manuscripts.</a:t>
+            </a:r>
+            <a:endParaRPr lang="en-US" sz="1600" dirty="0" smtClean="0">
+              <a:latin typeface="+mj-lt"/>
+            </a:endParaRPr>
           </a:p>
         </p:txBody>
       </p:sp>
@@ -5047,7 +5912,7 @@
 </p:sld>
 </file>
 
-<file path=ppt/slides/slide15.xml><?xml version="1.0" encoding="utf-8"?>
+<file path=ppt/slides/slide16.xml><?xml version="1.0" encoding="utf-8"?>
 <p:sld xmlns:a="http://schemas.openxmlformats.org/drawingml/2006/main" xmlns:r="http://schemas.openxmlformats.org/officeDocument/2006/relationships" xmlns:p="http://schemas.openxmlformats.org/presentationml/2006/main">
   <p:cSld>
     <p:spTree>
@@ -5313,8 +6178,19 @@
           <a:p>
             <a:pPr algn="ctr"/>
             <a:r>
-              <a:rPr lang="en-US" sz="1600" dirty="0"/>
-              <a:t>DRIVER</a:t>
+              <a:rPr lang="en-US" sz="1600" dirty="0" smtClean="0">
+                <a:latin typeface="+mj-lt"/>
+              </a:rPr>
+              <a:t>DRIVERS</a:t>
+            </a:r>
+          </a:p>
+          <a:p>
+            <a:pPr algn="ctr"/>
+            <a:r>
+              <a:rPr lang="en-US" sz="1600" dirty="0" smtClean="0">
+                <a:latin typeface="+mj-lt"/>
+              </a:rPr>
+              <a:t>provide expertise on their longitudinal studies,</a:t>
             </a:r>
             <a:endParaRPr lang="en-US" sz="1600" dirty="0" smtClean="0">
               <a:latin typeface="+mj-lt"/>
@@ -5326,7 +6202,7 @@
               <a:rPr lang="en-US" sz="1600" dirty="0" smtClean="0">
                 <a:latin typeface="+mj-lt"/>
               </a:rPr>
-              <a:t>Someone with some expert knowledge</a:t>
+              <a:t>bring groomed dataset to CAR, and</a:t>
             </a:r>
           </a:p>
           <a:p>
@@ -5335,23 +6211,119 @@
               <a:rPr lang="en-US" sz="1600" dirty="0" smtClean="0">
                 <a:latin typeface="+mj-lt"/>
               </a:rPr>
-              <a:t>Of a particular longitudinal study</a:t>
-            </a:r>
-          </a:p>
-          <a:p>
-            <a:pPr algn="ctr"/>
-            <a:r>
-              <a:rPr lang="en-US" sz="1600" dirty="0" smtClean="0">
-                <a:latin typeface="+mj-lt"/>
-              </a:rPr>
-              <a:t>Who brings groomed data to CAR</a:t>
-            </a:r>
+              <a:t>need only basic knowledge of R</a:t>
+            </a:r>
+            <a:endParaRPr lang="en-US" sz="1600" dirty="0" smtClean="0">
+              <a:latin typeface="+mj-lt"/>
+            </a:endParaRPr>
           </a:p>
           <a:p>
             <a:pPr algn="ctr"/>
             <a:endParaRPr lang="en-US" sz="1600" dirty="0">
               <a:latin typeface="+mj-lt"/>
             </a:endParaRPr>
+          </a:p>
+        </p:txBody>
+      </p:sp>
+      <p:sp>
+        <p:nvSpPr>
+          <p:cNvPr id="9" name="Rounded Rectangle 8"/>
+          <p:cNvSpPr/>
+          <p:nvPr/>
+        </p:nvSpPr>
+        <p:spPr>
+          <a:xfrm>
+            <a:off x="4356881" y="3018692"/>
+            <a:ext cx="2131842" cy="140916"/>
+          </a:xfrm>
+          <a:prstGeom prst="roundRect">
+            <a:avLst/>
+          </a:prstGeom>
+          <a:solidFill>
+            <a:srgbClr val="FF0000">
+              <a:alpha val="2000"/>
+            </a:srgbClr>
+          </a:solidFill>
+          <a:ln w="12700">
+            <a:prstDash val="dash"/>
+          </a:ln>
+        </p:spPr>
+        <p:style>
+          <a:lnRef idx="1">
+            <a:schemeClr val="dk1"/>
+          </a:lnRef>
+          <a:fillRef idx="2">
+            <a:schemeClr val="dk1"/>
+          </a:fillRef>
+          <a:effectRef idx="1">
+            <a:schemeClr val="dk1"/>
+          </a:effectRef>
+          <a:fontRef idx="minor">
+            <a:schemeClr val="dk1"/>
+          </a:fontRef>
+        </p:style>
+        <p:txBody>
+          <a:bodyPr rot="0" spcFirstLastPara="0" vertOverflow="overflow" horzOverflow="overflow" vert="horz" wrap="square" lIns="91440" tIns="45720" rIns="91440" bIns="45720" numCol="1" spcCol="0" rtlCol="0" fromWordArt="0" anchor="ctr" anchorCtr="0" forceAA="0" compatLnSpc="1">
+            <a:prstTxWarp prst="textNoShape">
+              <a:avLst/>
+            </a:prstTxWarp>
+            <a:noAutofit/>
+          </a:bodyPr>
+          <a:lstStyle/>
+          <a:p>
+            <a:pPr algn="ctr"/>
+            <a:endParaRPr lang="en-US"/>
+          </a:p>
+        </p:txBody>
+      </p:sp>
+      <p:sp>
+        <p:nvSpPr>
+          <p:cNvPr id="11" name="Rounded Rectangle 10"/>
+          <p:cNvSpPr/>
+          <p:nvPr/>
+        </p:nvSpPr>
+        <p:spPr>
+          <a:xfrm>
+            <a:off x="2879773" y="3815862"/>
+            <a:ext cx="244427" cy="791307"/>
+          </a:xfrm>
+          <a:prstGeom prst="roundRect">
+            <a:avLst/>
+          </a:prstGeom>
+          <a:solidFill>
+            <a:srgbClr val="FF0000">
+              <a:alpha val="2000"/>
+            </a:srgbClr>
+          </a:solidFill>
+          <a:ln w="12700">
+            <a:prstDash val="dash"/>
+          </a:ln>
+        </p:spPr>
+        <p:style>
+          <a:lnRef idx="1">
+            <a:schemeClr val="dk1"/>
+          </a:lnRef>
+          <a:fillRef idx="2">
+            <a:schemeClr val="dk1"/>
+          </a:fillRef>
+          <a:effectRef idx="1">
+            <a:schemeClr val="dk1"/>
+          </a:effectRef>
+          <a:fontRef idx="minor">
+            <a:schemeClr val="dk1"/>
+          </a:fontRef>
+        </p:style>
+        <p:txBody>
+          <a:bodyPr rot="0" spcFirstLastPara="0" vertOverflow="overflow" horzOverflow="overflow" vert="horz" wrap="square" lIns="91440" tIns="45720" rIns="91440" bIns="45720" numCol="1" spcCol="0" rtlCol="0" fromWordArt="0" anchor="ctr" anchorCtr="0" forceAA="0" compatLnSpc="1">
+            <a:prstTxWarp prst="textNoShape">
+              <a:avLst/>
+            </a:prstTxWarp>
+            <a:noAutofit/>
+          </a:bodyPr>
+          <a:lstStyle/>
+          <a:p>
+            <a:pPr algn="ctr"/>
+            <a:endParaRPr lang="en-US"/>
           </a:p>
         </p:txBody>
       </p:sp>
@@ -5378,7 +6350,7 @@
 </p:sld>
 </file>
 
-<file path=ppt/slides/slide16.xml><?xml version="1.0" encoding="utf-8"?>
+<file path=ppt/slides/slide17.xml><?xml version="1.0" encoding="utf-8"?>
 <p:sld xmlns:a="http://schemas.openxmlformats.org/drawingml/2006/main" xmlns:r="http://schemas.openxmlformats.org/officeDocument/2006/relationships" xmlns:p="http://schemas.openxmlformats.org/presentationml/2006/main">
   <p:cSld>
     <p:spTree>
@@ -5759,7 +6731,7 @@
 </p:sld>
 </file>
 
-<file path=ppt/slides/slide17.xml><?xml version="1.0" encoding="utf-8"?>
+<file path=ppt/slides/slide18.xml><?xml version="1.0" encoding="utf-8"?>
 <p:sld xmlns:a="http://schemas.openxmlformats.org/drawingml/2006/main" xmlns:r="http://schemas.openxmlformats.org/officeDocument/2006/relationships" xmlns:p="http://schemas.openxmlformats.org/presentationml/2006/main">
   <p:cSld>
     <p:spTree>
@@ -6385,7 +7357,31 @@
               <a:rPr lang="en-US" sz="1600" dirty="0" smtClean="0">
                 <a:latin typeface="+mj-lt"/>
               </a:rPr>
-              <a:t>When all drivers Fill in the Pre-Conference Survey</a:t>
+              <a:t>When all drivers </a:t>
+            </a:r>
+            <a:r>
+              <a:rPr lang="en-US" sz="1600" dirty="0" smtClean="0">
+                <a:latin typeface="+mj-lt"/>
+              </a:rPr>
+              <a:t>fill </a:t>
+            </a:r>
+            <a:r>
+              <a:rPr lang="en-US" sz="1600" dirty="0" smtClean="0">
+                <a:latin typeface="+mj-lt"/>
+              </a:rPr>
+              <a:t>in the </a:t>
+            </a:r>
+            <a:r>
+              <a:rPr lang="en-US" sz="1600" dirty="0" smtClean="0">
+                <a:latin typeface="+mj-lt"/>
+              </a:rPr>
+              <a:t>Pre-Conference </a:t>
+            </a:r>
+            <a:r>
+              <a:rPr lang="en-US" sz="1600" dirty="0" smtClean="0">
+                <a:latin typeface="+mj-lt"/>
+              </a:rPr>
+              <a:t>Survey</a:t>
             </a:r>
           </a:p>
           <a:p>
@@ -6394,7 +7390,25 @@
               <a:rPr lang="en-US" sz="1600" dirty="0" smtClean="0">
                 <a:latin typeface="+mj-lt"/>
               </a:rPr>
-              <a:t>We can see which have similar </a:t>
+              <a:t>we </a:t>
+            </a:r>
+            <a:r>
+              <a:rPr lang="en-US" sz="1600" dirty="0" smtClean="0">
+                <a:latin typeface="+mj-lt"/>
+              </a:rPr>
+              <a:t>can see </a:t>
+            </a:r>
+            <a:r>
+              <a:rPr lang="en-US" sz="1600" dirty="0" smtClean="0">
+                <a:latin typeface="+mj-lt"/>
+              </a:rPr>
+              <a:t>which studies </a:t>
+            </a:r>
+            <a:r>
+              <a:rPr lang="en-US" sz="1600" dirty="0" smtClean="0">
+                <a:latin typeface="+mj-lt"/>
+              </a:rPr>
+              <a:t>have similar </a:t>
             </a:r>
           </a:p>
           <a:p>
@@ -6472,7 +7486,7 @@
 </p:sld>
 </file>
 
-<file path=ppt/slides/slide18.xml><?xml version="1.0" encoding="utf-8"?>
+<file path=ppt/slides/slide19.xml><?xml version="1.0" encoding="utf-8"?>
 <p:sld xmlns:a="http://schemas.openxmlformats.org/drawingml/2006/main" xmlns:r="http://schemas.openxmlformats.org/officeDocument/2006/relationships" xmlns:p="http://schemas.openxmlformats.org/presentationml/2006/main">
   <p:cSld>
     <p:spTree>
@@ -7094,218 +8108,6 @@
 </p:sld>
 </file>
 
-<file path=ppt/slides/slide19.xml><?xml version="1.0" encoding="utf-8"?>
-<p:sld xmlns:a="http://schemas.openxmlformats.org/drawingml/2006/main" xmlns:r="http://schemas.openxmlformats.org/officeDocument/2006/relationships" xmlns:p="http://schemas.openxmlformats.org/presentationml/2006/main">
-  <p:cSld>
-    <p:spTree>
-      <p:nvGrpSpPr>
-        <p:cNvPr id="1" name=""/>
-        <p:cNvGrpSpPr/>
-        <p:nvPr/>
-      </p:nvGrpSpPr>
-      <p:grpSpPr>
-        <a:xfrm>
-          <a:off x="0" y="0"/>
-          <a:ext cx="0" cy="0"/>
-          <a:chOff x="0" y="0"/>
-          <a:chExt cx="0" cy="0"/>
-        </a:xfrm>
-      </p:grpSpPr>
-      <p:sp>
-        <p:nvSpPr>
-          <p:cNvPr id="5" name="Rounded Rectangle 4"/>
-          <p:cNvSpPr/>
-          <p:nvPr/>
-        </p:nvSpPr>
-        <p:spPr>
-          <a:xfrm>
-            <a:off x="509693" y="193151"/>
-            <a:ext cx="1835942" cy="472440"/>
-          </a:xfrm>
-          <a:prstGeom prst="roundRect">
-            <a:avLst/>
-          </a:prstGeom>
-          <a:solidFill>
-            <a:srgbClr val="FF0000">
-              <a:alpha val="2000"/>
-            </a:srgbClr>
-          </a:solidFill>
-          <a:ln w="12700">
-            <a:prstDash val="dash"/>
-          </a:ln>
-        </p:spPr>
-        <p:style>
-          <a:lnRef idx="1">
-            <a:schemeClr val="dk1"/>
-          </a:lnRef>
-          <a:fillRef idx="2">
-            <a:schemeClr val="dk1"/>
-          </a:fillRef>
-          <a:effectRef idx="1">
-            <a:schemeClr val="dk1"/>
-          </a:effectRef>
-          <a:fontRef idx="minor">
-            <a:schemeClr val="dk1"/>
-          </a:fontRef>
-        </p:style>
-        <p:txBody>
-          <a:bodyPr rot="0" spcFirstLastPara="0" vertOverflow="overflow" horzOverflow="overflow" vert="horz" wrap="square" lIns="91440" tIns="45720" rIns="91440" bIns="45720" numCol="1" spcCol="0" rtlCol="0" fromWordArt="0" anchor="ctr" anchorCtr="0" forceAA="0" compatLnSpc="1">
-            <a:prstTxWarp prst="textNoShape">
-              <a:avLst/>
-            </a:prstTxWarp>
-            <a:noAutofit/>
-          </a:bodyPr>
-          <a:lstStyle/>
-          <a:p>
-            <a:pPr algn="ctr"/>
-            <a:endParaRPr lang="en-US"/>
-          </a:p>
-        </p:txBody>
-      </p:sp>
-      <p:sp>
-        <p:nvSpPr>
-          <p:cNvPr id="6" name="TextBox 5"/>
-          <p:cNvSpPr txBox="1"/>
-          <p:nvPr/>
-        </p:nvSpPr>
-        <p:spPr>
-          <a:xfrm>
-            <a:off x="0" y="1691640"/>
-            <a:ext cx="9144000" cy="1077218"/>
-          </a:xfrm>
-          <a:prstGeom prst="rect">
-            <a:avLst/>
-          </a:prstGeom>
-          <a:noFill/>
-        </p:spPr>
-        <p:txBody>
-          <a:bodyPr wrap="square" rtlCol="0">
-            <a:spAutoFit/>
-          </a:bodyPr>
-          <a:lstStyle/>
-          <a:p>
-            <a:pPr algn="ctr"/>
-            <a:r>
-              <a:rPr lang="en-US" sz="1600" dirty="0">
-                <a:latin typeface="+mj-lt"/>
-              </a:rPr>
-              <a:t>Script run on server</a:t>
-            </a:r>
-            <a:r>
-              <a:rPr lang="en-US" sz="1600" dirty="0" smtClean="0">
-                <a:latin typeface="+mj-lt"/>
-              </a:rPr>
-              <a:t>.</a:t>
-            </a:r>
-          </a:p>
-          <a:p>
-            <a:pPr algn="ctr"/>
-            <a:r>
-              <a:rPr lang="en-US" sz="1600" dirty="0" smtClean="0">
-                <a:latin typeface="+mj-lt"/>
-              </a:rPr>
-              <a:t> </a:t>
-            </a:r>
-            <a:r>
-              <a:rPr lang="en-US" sz="1600" dirty="0">
-                <a:latin typeface="+mj-lt"/>
-              </a:rPr>
-              <a:t>After </a:t>
-            </a:r>
-            <a:r>
-              <a:rPr lang="en-US" sz="1600" dirty="0" smtClean="0">
-                <a:latin typeface="+mj-lt"/>
-              </a:rPr>
-              <a:t>drivers enter responses into PCS,</a:t>
-            </a:r>
-          </a:p>
-          <a:p>
-            <a:pPr algn="ctr"/>
-            <a:r>
-              <a:rPr lang="en-US" sz="1600" dirty="0" smtClean="0">
-                <a:latin typeface="+mj-lt"/>
-              </a:rPr>
-              <a:t> </a:t>
-            </a:r>
-            <a:r>
-              <a:rPr lang="en-US" sz="1600" dirty="0">
-                <a:latin typeface="+mj-lt"/>
-              </a:rPr>
-              <a:t>the </a:t>
-            </a:r>
-            <a:r>
-              <a:rPr lang="en-US" sz="1600" dirty="0" smtClean="0">
-                <a:latin typeface="+mj-lt"/>
-              </a:rPr>
-              <a:t>CREATOR populates/writes</a:t>
-            </a:r>
-          </a:p>
-          <a:p>
-            <a:pPr algn="ctr"/>
-            <a:r>
-              <a:rPr lang="en-US" sz="1600" dirty="0" smtClean="0">
-                <a:latin typeface="+mj-lt"/>
-              </a:rPr>
-              <a:t>PART I </a:t>
-            </a:r>
-            <a:r>
-              <a:rPr lang="en-US" sz="1600" dirty="0">
-                <a:latin typeface="+mj-lt"/>
-              </a:rPr>
-              <a:t>of the Catalog.</a:t>
-            </a:r>
-            <a:endParaRPr lang="en-US" sz="1600" cap="all" dirty="0" smtClean="0">
-              <a:latin typeface="+mj-lt"/>
-            </a:endParaRPr>
-          </a:p>
-        </p:txBody>
-      </p:sp>
-      <p:pic>
-        <p:nvPicPr>
-          <p:cNvPr id="9" name="Picture 8"/>
-          <p:cNvPicPr>
-            <a:picLocks noChangeAspect="1"/>
-          </p:cNvPicPr>
-          <p:nvPr/>
-        </p:nvPicPr>
-        <p:blipFill rotWithShape="1">
-          <a:blip r:embed="rId2"/>
-          <a:srcRect b="24004"/>
-          <a:stretch/>
-        </p:blipFill>
-        <p:spPr>
-          <a:xfrm>
-            <a:off x="146176" y="2895600"/>
-            <a:ext cx="2071075" cy="2172170"/>
-          </a:xfrm>
-          <a:prstGeom prst="rect">
-            <a:avLst/>
-          </a:prstGeom>
-        </p:spPr>
-      </p:pic>
-    </p:spTree>
-    <p:extLst>
-      <p:ext uri="{BB962C8B-B14F-4D97-AF65-F5344CB8AC3E}">
-        <p14:creationId xmlns:p14="http://schemas.microsoft.com/office/powerpoint/2010/main" val="1613626613"/>
-      </p:ext>
-    </p:extLst>
-  </p:cSld>
-  <p:clrMapOvr>
-    <a:masterClrMapping/>
-  </p:clrMapOvr>
-  <p:transition>
-    <p:fade/>
-  </p:transition>
-  <p:timing>
-    <p:tnLst>
-      <p:par>
-        <p:cTn id="1" dur="indefinite" restart="never" nodeType="tmRoot"/>
-      </p:par>
-    </p:tnLst>
-  </p:timing>
-</p:sld>
-</file>
-
 <file path=ppt/slides/slide2.xml><?xml version="1.0" encoding="utf-8"?>
 <p:sld xmlns:a="http://schemas.openxmlformats.org/drawingml/2006/main" xmlns:r="http://schemas.openxmlformats.org/officeDocument/2006/relationships" xmlns:p="http://schemas.openxmlformats.org/presentationml/2006/main">
   <p:cSld>
@@ -7743,6 +8545,259 @@
           <a:chExt cx="0" cy="0"/>
         </a:xfrm>
       </p:grpSpPr>
+      <p:sp>
+        <p:nvSpPr>
+          <p:cNvPr id="5" name="Rounded Rectangle 4"/>
+          <p:cNvSpPr/>
+          <p:nvPr/>
+        </p:nvSpPr>
+        <p:spPr>
+          <a:xfrm>
+            <a:off x="509693" y="193151"/>
+            <a:ext cx="1835942" cy="472440"/>
+          </a:xfrm>
+          <a:prstGeom prst="roundRect">
+            <a:avLst/>
+          </a:prstGeom>
+          <a:solidFill>
+            <a:srgbClr val="FF0000">
+              <a:alpha val="2000"/>
+            </a:srgbClr>
+          </a:solidFill>
+          <a:ln w="12700">
+            <a:prstDash val="dash"/>
+          </a:ln>
+        </p:spPr>
+        <p:style>
+          <a:lnRef idx="1">
+            <a:schemeClr val="dk1"/>
+          </a:lnRef>
+          <a:fillRef idx="2">
+            <a:schemeClr val="dk1"/>
+          </a:fillRef>
+          <a:effectRef idx="1">
+            <a:schemeClr val="dk1"/>
+          </a:effectRef>
+          <a:fontRef idx="minor">
+            <a:schemeClr val="dk1"/>
+          </a:fontRef>
+        </p:style>
+        <p:txBody>
+          <a:bodyPr rot="0" spcFirstLastPara="0" vertOverflow="overflow" horzOverflow="overflow" vert="horz" wrap="square" lIns="91440" tIns="45720" rIns="91440" bIns="45720" numCol="1" spcCol="0" rtlCol="0" fromWordArt="0" anchor="ctr" anchorCtr="0" forceAA="0" compatLnSpc="1">
+            <a:prstTxWarp prst="textNoShape">
+              <a:avLst/>
+            </a:prstTxWarp>
+            <a:noAutofit/>
+          </a:bodyPr>
+          <a:lstStyle/>
+          <a:p>
+            <a:pPr algn="ctr"/>
+            <a:endParaRPr lang="en-US"/>
+          </a:p>
+        </p:txBody>
+      </p:sp>
+      <p:sp>
+        <p:nvSpPr>
+          <p:cNvPr id="6" name="TextBox 5"/>
+          <p:cNvSpPr txBox="1"/>
+          <p:nvPr/>
+        </p:nvSpPr>
+        <p:spPr>
+          <a:xfrm>
+            <a:off x="0" y="1691640"/>
+            <a:ext cx="9144000" cy="1077218"/>
+          </a:xfrm>
+          <a:prstGeom prst="rect">
+            <a:avLst/>
+          </a:prstGeom>
+          <a:noFill/>
+        </p:spPr>
+        <p:txBody>
+          <a:bodyPr wrap="square" rtlCol="0">
+            <a:spAutoFit/>
+          </a:bodyPr>
+          <a:lstStyle/>
+          <a:p>
+            <a:pPr algn="ctr"/>
+            <a:r>
+              <a:rPr lang="en-US" sz="1600" dirty="0">
+                <a:latin typeface="+mj-lt"/>
+              </a:rPr>
+              <a:t>Script run on server</a:t>
+            </a:r>
+            <a:r>
+              <a:rPr lang="en-US" sz="1600" dirty="0" smtClean="0">
+                <a:latin typeface="+mj-lt"/>
+              </a:rPr>
+              <a:t>.</a:t>
+            </a:r>
+          </a:p>
+          <a:p>
+            <a:pPr algn="ctr"/>
+            <a:r>
+              <a:rPr lang="en-US" sz="1600" dirty="0" smtClean="0">
+                <a:latin typeface="+mj-lt"/>
+              </a:rPr>
+              <a:t> </a:t>
+            </a:r>
+            <a:r>
+              <a:rPr lang="en-US" sz="1600" dirty="0">
+                <a:latin typeface="+mj-lt"/>
+              </a:rPr>
+              <a:t>After </a:t>
+            </a:r>
+            <a:r>
+              <a:rPr lang="en-US" sz="1600" dirty="0" smtClean="0">
+                <a:latin typeface="+mj-lt"/>
+              </a:rPr>
+              <a:t>drivers enter responses into PCS,</a:t>
+            </a:r>
+          </a:p>
+          <a:p>
+            <a:pPr algn="ctr"/>
+            <a:r>
+              <a:rPr lang="en-US" sz="1600" dirty="0" smtClean="0">
+                <a:latin typeface="+mj-lt"/>
+              </a:rPr>
+              <a:t> </a:t>
+            </a:r>
+            <a:r>
+              <a:rPr lang="en-US" sz="1600" dirty="0">
+                <a:latin typeface="+mj-lt"/>
+              </a:rPr>
+              <a:t>the </a:t>
+            </a:r>
+            <a:r>
+              <a:rPr lang="en-US" sz="1600" dirty="0" smtClean="0">
+                <a:latin typeface="+mj-lt"/>
+              </a:rPr>
+              <a:t>CREATOR populates/writes</a:t>
+            </a:r>
+          </a:p>
+          <a:p>
+            <a:pPr algn="ctr"/>
+            <a:r>
+              <a:rPr lang="en-US" sz="1600" dirty="0" smtClean="0">
+                <a:latin typeface="+mj-lt"/>
+              </a:rPr>
+              <a:t>PART I </a:t>
+            </a:r>
+            <a:r>
+              <a:rPr lang="en-US" sz="1600" dirty="0">
+                <a:latin typeface="+mj-lt"/>
+              </a:rPr>
+              <a:t>of the Catalog.</a:t>
+            </a:r>
+            <a:endParaRPr lang="en-US" sz="1600" cap="all" dirty="0" smtClean="0">
+              <a:latin typeface="+mj-lt"/>
+            </a:endParaRPr>
+          </a:p>
+        </p:txBody>
+      </p:sp>
+      <p:pic>
+        <p:nvPicPr>
+          <p:cNvPr id="9" name="Picture 8"/>
+          <p:cNvPicPr>
+            <a:picLocks noChangeAspect="1"/>
+          </p:cNvPicPr>
+          <p:nvPr/>
+        </p:nvPicPr>
+        <p:blipFill rotWithShape="1">
+          <a:blip r:embed="rId2"/>
+          <a:srcRect b="24004"/>
+          <a:stretch/>
+        </p:blipFill>
+        <p:spPr>
+          <a:xfrm>
+            <a:off x="146176" y="2895600"/>
+            <a:ext cx="2071075" cy="2172170"/>
+          </a:xfrm>
+          <a:prstGeom prst="rect">
+            <a:avLst/>
+          </a:prstGeom>
+        </p:spPr>
+      </p:pic>
+    </p:spTree>
+    <p:extLst>
+      <p:ext uri="{BB962C8B-B14F-4D97-AF65-F5344CB8AC3E}">
+        <p14:creationId xmlns:p14="http://schemas.microsoft.com/office/powerpoint/2010/main" val="1613626613"/>
+      </p:ext>
+    </p:extLst>
+  </p:cSld>
+  <p:clrMapOvr>
+    <a:masterClrMapping/>
+  </p:clrMapOvr>
+  <p:transition>
+    <p:fade/>
+  </p:transition>
+  <p:timing>
+    <p:tnLst>
+      <p:par>
+        <p:cTn id="1" dur="indefinite" restart="never" nodeType="tmRoot"/>
+      </p:par>
+    </p:tnLst>
+  </p:timing>
+</p:sld>
+</file>
+
+<file path=ppt/slides/slide21.xml><?xml version="1.0" encoding="utf-8"?>
+<p:sld xmlns:a="http://schemas.openxmlformats.org/drawingml/2006/main" xmlns:r="http://schemas.openxmlformats.org/officeDocument/2006/relationships" xmlns:p="http://schemas.openxmlformats.org/presentationml/2006/main">
+  <p:cSld>
+    <p:spTree>
+      <p:nvGrpSpPr>
+        <p:cNvPr id="1" name=""/>
+        <p:cNvGrpSpPr/>
+        <p:nvPr/>
+      </p:nvGrpSpPr>
+      <p:grpSpPr>
+        <a:xfrm>
+          <a:off x="0" y="0"/>
+          <a:ext cx="0" cy="0"/>
+          <a:chOff x="0" y="0"/>
+          <a:chExt cx="0" cy="0"/>
+        </a:xfrm>
+      </p:grpSpPr>
+      <p:pic>
+        <p:nvPicPr>
+          <p:cNvPr id="1026" name="Picture 2" descr="https://www.acspri.org.au/sites/acspri.org.au/files/mlogo.png"/>
+          <p:cNvPicPr>
+            <a:picLocks noChangeAspect="1" noChangeArrowheads="1"/>
+          </p:cNvPicPr>
+          <p:nvPr/>
+        </p:nvPicPr>
+        <p:blipFill>
+          <a:blip r:embed="rId2" cstate="print">
+            <a:extLst>
+              <a:ext uri="{28A0092B-C50C-407E-A947-70E740481C1C}">
+                <a14:useLocalDpi xmlns:a14="http://schemas.microsoft.com/office/drawing/2010/main" val="0"/>
+              </a:ext>
+            </a:extLst>
+          </a:blip>
+          <a:srcRect/>
+          <a:stretch>
+            <a:fillRect/>
+          </a:stretch>
+        </p:blipFill>
+        <p:spPr bwMode="auto">
+          <a:xfrm>
+            <a:off x="7936175" y="2494446"/>
+            <a:ext cx="554308" cy="231578"/>
+          </a:xfrm>
+          <a:prstGeom prst="rect">
+            <a:avLst/>
+          </a:prstGeom>
+          <a:noFill/>
+          <a:extLst>
+            <a:ext uri="{909E8E84-426E-40DD-AFC4-6F175D3DCCD1}">
+              <a14:hiddenFill xmlns:a14="http://schemas.microsoft.com/office/drawing/2010/main">
+                <a:solidFill>
+                  <a:srgbClr val="FFFFFF"/>
+                </a:solidFill>
+              </a14:hiddenFill>
+            </a:ext>
+          </a:extLst>
+        </p:spPr>
+      </p:pic>
       <p:grpSp>
         <p:nvGrpSpPr>
           <p:cNvPr id="36" name="Group 35"/>
@@ -7826,7 +8881,7 @@
               <p:nvPr/>
             </p:nvPicPr>
             <p:blipFill>
-              <a:blip r:embed="rId2" cstate="print">
+              <a:blip r:embed="rId3" cstate="print">
                 <a:extLst>
                   <a:ext uri="{28A0092B-C50C-407E-A947-70E740481C1C}">
                     <a14:useLocalDpi xmlns:a14="http://schemas.microsoft.com/office/drawing/2010/main" val="0"/>
@@ -7856,7 +8911,7 @@
               <p:nvPr/>
             </p:nvPicPr>
             <p:blipFill>
-              <a:blip r:embed="rId3" cstate="print">
+              <a:blip r:embed="rId4" cstate="print">
                 <a:extLst>
                   <a:ext uri="{28A0092B-C50C-407E-A947-70E740481C1C}">
                     <a14:useLocalDpi xmlns:a14="http://schemas.microsoft.com/office/drawing/2010/main" val="0"/>
@@ -7879,6 +8934,101 @@
           </p:pic>
         </p:grpSp>
       </p:grpSp>
+      <p:sp>
+        <p:nvSpPr>
+          <p:cNvPr id="9" name="TextBox 8"/>
+          <p:cNvSpPr txBox="1"/>
+          <p:nvPr/>
+        </p:nvSpPr>
+        <p:spPr>
+          <a:xfrm>
+            <a:off x="0" y="1688227"/>
+            <a:ext cx="9144000" cy="1569660"/>
+          </a:xfrm>
+          <a:prstGeom prst="rect">
+            <a:avLst/>
+          </a:prstGeom>
+          <a:noFill/>
+        </p:spPr>
+        <p:txBody>
+          <a:bodyPr wrap="square" rtlCol="0">
+            <a:spAutoFit/>
+          </a:bodyPr>
+          <a:lstStyle/>
+          <a:p>
+            <a:pPr algn="ctr"/>
+            <a:r>
+              <a:rPr lang="en-US" sz="1600" dirty="0">
+                <a:latin typeface="+mj-lt"/>
+              </a:rPr>
+              <a:t>Script run on server</a:t>
+            </a:r>
+            <a:r>
+              <a:rPr lang="en-US" sz="1600" dirty="0" smtClean="0">
+                <a:latin typeface="+mj-lt"/>
+              </a:rPr>
+              <a:t>.</a:t>
+            </a:r>
+          </a:p>
+          <a:p>
+            <a:pPr algn="ctr"/>
+            <a:r>
+              <a:rPr lang="en-US" sz="1600" dirty="0" smtClean="0">
+                <a:latin typeface="+mj-lt"/>
+              </a:rPr>
+              <a:t> Using dataset descriptions, the</a:t>
+            </a:r>
+          </a:p>
+          <a:p>
+            <a:pPr algn="ctr"/>
+            <a:r>
+              <a:rPr lang="en-US" sz="1600" dirty="0" smtClean="0">
+                <a:latin typeface="+mj-lt"/>
+              </a:rPr>
+              <a:t> TRANSLATOR encodes </a:t>
+            </a:r>
+            <a:r>
+              <a:rPr lang="en-US" sz="1600" cap="all" dirty="0" smtClean="0">
+                <a:latin typeface="+mj-lt"/>
+              </a:rPr>
+              <a:t>statistical models</a:t>
+            </a:r>
+          </a:p>
+          <a:p>
+            <a:pPr algn="ctr"/>
+            <a:r>
+              <a:rPr lang="en-US" sz="1600" dirty="0" smtClean="0">
+                <a:latin typeface="+mj-lt"/>
+              </a:rPr>
+              <a:t>Into M</a:t>
+            </a:r>
+            <a:r>
+              <a:rPr lang="en-US" sz="1600" i="1" dirty="0" smtClean="0">
+                <a:latin typeface="+mj-lt"/>
+              </a:rPr>
+              <a:t>plus</a:t>
+            </a:r>
+            <a:r>
+              <a:rPr lang="en-US" sz="1600" dirty="0" smtClean="0">
+                <a:latin typeface="+mj-lt"/>
+              </a:rPr>
+              <a:t> estimation language</a:t>
+            </a:r>
+          </a:p>
+          <a:p>
+            <a:pPr algn="ctr"/>
+            <a:endParaRPr lang="en-US" sz="1600" dirty="0" smtClean="0">
+              <a:latin typeface="+mj-lt"/>
+            </a:endParaRPr>
+          </a:p>
+          <a:p>
+            <a:pPr algn="ctr"/>
+            <a:endParaRPr lang="en-US" sz="1600" cap="all" dirty="0" smtClean="0">
+              <a:latin typeface="+mj-lt"/>
+            </a:endParaRPr>
+          </a:p>
+        </p:txBody>
+      </p:sp>
       <p:sp>
         <p:nvSpPr>
           <p:cNvPr id="5" name="Rounded Rectangle 4"/>
@@ -7953,7 +9103,7 @@
             <p:nvPr/>
           </p:nvPicPr>
           <p:blipFill>
-            <a:blip r:embed="rId4" cstate="print">
+            <a:blip r:embed="rId5" cstate="print">
               <a:extLst>
                 <a:ext uri="{28A0092B-C50C-407E-A947-70E740481C1C}">
                   <a14:useLocalDpi xmlns:a14="http://schemas.microsoft.com/office/drawing/2010/main" val="0"/>
@@ -7983,7 +9133,7 @@
             <p:nvPr/>
           </p:nvPicPr>
           <p:blipFill>
-            <a:blip r:embed="rId5" cstate="print">
+            <a:blip r:embed="rId6" cstate="print">
               <a:extLst>
                 <a:ext uri="{28A0092B-C50C-407E-A947-70E740481C1C}">
                   <a14:useLocalDpi xmlns:a14="http://schemas.microsoft.com/office/drawing/2010/main" val="0"/>
@@ -8014,7 +9164,7 @@
           <p:nvPr/>
         </p:nvPicPr>
         <p:blipFill rotWithShape="1">
-          <a:blip r:embed="rId6"/>
+          <a:blip r:embed="rId7"/>
           <a:srcRect b="24004"/>
           <a:stretch/>
         </p:blipFill>
@@ -8028,101 +9178,6 @@
           </a:prstGeom>
         </p:spPr>
       </p:pic>
-      <p:sp>
-        <p:nvSpPr>
-          <p:cNvPr id="9" name="TextBox 8"/>
-          <p:cNvSpPr txBox="1"/>
-          <p:nvPr/>
-        </p:nvSpPr>
-        <p:spPr>
-          <a:xfrm>
-            <a:off x="0" y="1688227"/>
-            <a:ext cx="9144000" cy="1569660"/>
-          </a:xfrm>
-          <a:prstGeom prst="rect">
-            <a:avLst/>
-          </a:prstGeom>
-          <a:noFill/>
-        </p:spPr>
-        <p:txBody>
-          <a:bodyPr wrap="square" rtlCol="0">
-            <a:spAutoFit/>
-          </a:bodyPr>
-          <a:lstStyle/>
-          <a:p>
-            <a:pPr algn="ctr"/>
-            <a:r>
-              <a:rPr lang="en-US" sz="1600" dirty="0">
-                <a:latin typeface="+mj-lt"/>
-              </a:rPr>
-              <a:t>Script run on server</a:t>
-            </a:r>
-            <a:r>
-              <a:rPr lang="en-US" sz="1600" dirty="0" smtClean="0">
-                <a:latin typeface="+mj-lt"/>
-              </a:rPr>
-              <a:t>.</a:t>
-            </a:r>
-          </a:p>
-          <a:p>
-            <a:pPr algn="ctr"/>
-            <a:r>
-              <a:rPr lang="en-US" sz="1600" dirty="0" smtClean="0">
-                <a:latin typeface="+mj-lt"/>
-              </a:rPr>
-              <a:t> Using dataset descriptions, the</a:t>
-            </a:r>
-          </a:p>
-          <a:p>
-            <a:pPr algn="ctr"/>
-            <a:r>
-              <a:rPr lang="en-US" sz="1600" dirty="0" smtClean="0">
-                <a:latin typeface="+mj-lt"/>
-              </a:rPr>
-              <a:t> TRANSLATOR encodes </a:t>
-            </a:r>
-            <a:r>
-              <a:rPr lang="en-US" sz="1600" cap="all" dirty="0" smtClean="0">
-                <a:latin typeface="+mj-lt"/>
-              </a:rPr>
-              <a:t>statistical models</a:t>
-            </a:r>
-          </a:p>
-          <a:p>
-            <a:pPr algn="ctr"/>
-            <a:r>
-              <a:rPr lang="en-US" sz="1600" dirty="0" smtClean="0">
-                <a:latin typeface="+mj-lt"/>
-              </a:rPr>
-              <a:t>Into M</a:t>
-            </a:r>
-            <a:r>
-              <a:rPr lang="en-US" sz="1600" i="1" dirty="0" smtClean="0">
-                <a:latin typeface="+mj-lt"/>
-              </a:rPr>
-              <a:t>plus</a:t>
-            </a:r>
-            <a:r>
-              <a:rPr lang="en-US" sz="1600" dirty="0" smtClean="0">
-                <a:latin typeface="+mj-lt"/>
-              </a:rPr>
-              <a:t> estimation language</a:t>
-            </a:r>
-          </a:p>
-          <a:p>
-            <a:pPr algn="ctr"/>
-            <a:endParaRPr lang="en-US" sz="1600" dirty="0" smtClean="0">
-              <a:latin typeface="+mj-lt"/>
-            </a:endParaRPr>
-          </a:p>
-          <a:p>
-            <a:pPr algn="ctr"/>
-            <a:endParaRPr lang="en-US" sz="1600" cap="all" dirty="0" smtClean="0">
-              <a:latin typeface="+mj-lt"/>
-            </a:endParaRPr>
-          </a:p>
-        </p:txBody>
-      </p:sp>
       <p:cxnSp>
         <p:nvCxnSpPr>
           <p:cNvPr id="16" name="Curved Connector 15"/>
@@ -8226,7 +9281,7 @@
 </p:sld>
 </file>
 
-<file path=ppt/slides/slide21.xml><?xml version="1.0" encoding="utf-8"?>
+<file path=ppt/slides/slide22.xml><?xml version="1.0" encoding="utf-8"?>
 <p:sld xmlns:a="http://schemas.openxmlformats.org/drawingml/2006/main" xmlns:r="http://schemas.openxmlformats.org/officeDocument/2006/relationships" xmlns:p="http://schemas.openxmlformats.org/presentationml/2006/main">
   <p:cSld>
     <p:spTree>
@@ -8570,7 +9625,7 @@
         </p:nvSpPr>
         <p:spPr>
           <a:xfrm>
-            <a:off x="-137160" y="1691640"/>
+            <a:off x="-152400" y="1835880"/>
             <a:ext cx="5440680" cy="830997"/>
           </a:xfrm>
           <a:prstGeom prst="rect">
@@ -8589,7 +9644,13 @@
               <a:rPr lang="en-US" sz="1600" dirty="0" smtClean="0">
                 <a:latin typeface="+mj-lt"/>
               </a:rPr>
-              <a:t>Script, run on driver's </a:t>
+              <a:t>Script </a:t>
+            </a:r>
+            <a:r>
+              <a:rPr lang="en-US" sz="1600" dirty="0" smtClean="0">
+                <a:latin typeface="+mj-lt"/>
+              </a:rPr>
+              <a:t>run on driver's </a:t>
             </a:r>
             <a:r>
               <a:rPr lang="en-US" sz="1600" dirty="0">
@@ -8695,7 +9756,7 @@
 </p:sld>
 </file>
 
-<file path=ppt/slides/slide22.xml><?xml version="1.0" encoding="utf-8"?>
+<file path=ppt/slides/slide23.xml><?xml version="1.0" encoding="utf-8"?>
 <p:sld xmlns:a="http://schemas.openxmlformats.org/drawingml/2006/main" xmlns:r="http://schemas.openxmlformats.org/officeDocument/2006/relationships" xmlns:p="http://schemas.openxmlformats.org/presentationml/2006/main">
   <p:cSld>
     <p:spTree>
@@ -9215,10 +10276,16 @@
           <a:p>
             <a:pPr algn="ctr"/>
             <a:r>
+              <a:rPr lang="en-US" sz="1600" dirty="0" smtClean="0">
+                <a:latin typeface="+mj-lt"/>
+              </a:rPr>
+              <a:t>Script </a:t>
+            </a:r>
+            <a:r>
               <a:rPr lang="en-US" sz="1600" dirty="0">
                 <a:latin typeface="+mj-lt"/>
               </a:rPr>
-              <a:t>Script, run on driver's local machine. </a:t>
+              <a:t>run on driver's local machine. </a:t>
             </a:r>
           </a:p>
           <a:p>
@@ -9351,7 +10418,7 @@
 </p:sld>
 </file>
 
-<file path=ppt/slides/slide23.xml><?xml version="1.0" encoding="utf-8"?>
+<file path=ppt/slides/slide24.xml><?xml version="1.0" encoding="utf-8"?>
 <p:sld xmlns:a="http://schemas.openxmlformats.org/drawingml/2006/main" xmlns:r="http://schemas.openxmlformats.org/officeDocument/2006/relationships" xmlns:p="http://schemas.openxmlformats.org/presentationml/2006/main">
   <p:cSld>
     <p:spTree>
@@ -9443,10 +10510,16 @@
           <a:p>
             <a:pPr algn="ctr"/>
             <a:r>
+              <a:rPr lang="en-US" sz="1600" dirty="0" smtClean="0">
+                <a:latin typeface="+mj-lt"/>
+              </a:rPr>
+              <a:t>Script </a:t>
+            </a:r>
+            <a:r>
               <a:rPr lang="en-US" sz="1600" dirty="0">
                 <a:latin typeface="+mj-lt"/>
               </a:rPr>
-              <a:t>Script, run on driver's local machine. </a:t>
+              <a:t>run on driver's local machine. </a:t>
             </a:r>
           </a:p>
           <a:p>
@@ -9528,7 +10601,7 @@
 </p:sld>
 </file>
 
-<file path=ppt/slides/slide24.xml><?xml version="1.0" encoding="utf-8"?>
+<file path=ppt/slides/slide25.xml><?xml version="1.0" encoding="utf-8"?>
 <p:sld xmlns:a="http://schemas.openxmlformats.org/drawingml/2006/main" xmlns:r="http://schemas.openxmlformats.org/officeDocument/2006/relationships" xmlns:p="http://schemas.openxmlformats.org/presentationml/2006/main">
   <p:cSld>
     <p:spTree>
@@ -9634,7 +10707,16 @@
                 </a:solidFill>
                 <a:latin typeface="+mj-lt"/>
               </a:rPr>
-              <a:t>PARSER extracts model </a:t>
+              <a:t>PARSER extracts </a:t>
+            </a:r>
+            <a:r>
+              <a:rPr lang="en-US" sz="1600" dirty="0" smtClean="0">
+                <a:solidFill>
+                  <a:srgbClr val="333333"/>
+                </a:solidFill>
+                <a:latin typeface="+mj-lt"/>
+              </a:rPr>
+              <a:t>elements of model </a:t>
             </a:r>
             <a:r>
               <a:rPr lang="en-US" sz="1600" dirty="0">
@@ -9788,7 +10870,7 @@
 </p:sld>
 </file>
 
-<file path=ppt/slides/slide25.xml><?xml version="1.0" encoding="utf-8"?>
+<file path=ppt/slides/slide26.xml><?xml version="1.0" encoding="utf-8"?>
 <p:sld xmlns:a="http://schemas.openxmlformats.org/drawingml/2006/main" xmlns:r="http://schemas.openxmlformats.org/officeDocument/2006/relationships" xmlns:p="http://schemas.openxmlformats.org/presentationml/2006/main">
   <p:cSld>
     <p:spTree>
@@ -9879,13 +10961,65 @@
           <a:p>
             <a:pPr algn="ctr"/>
             <a:r>
+              <a:rPr lang="en-US" sz="1600" dirty="0" smtClean="0">
+                <a:latin typeface="+mj-lt"/>
+              </a:rPr>
+              <a:t>Script </a:t>
+            </a:r>
+            <a:r>
+              <a:rPr lang="en-US" sz="1600" dirty="0">
+                <a:latin typeface="+mj-lt"/>
+              </a:rPr>
+              <a:t>run on driver's local machine. </a:t>
+            </a:r>
+          </a:p>
+          <a:p>
+            <a:pPr algn="ctr"/>
+            <a:r>
+              <a:rPr lang="en-US" sz="1600" dirty="0" smtClean="0">
+                <a:solidFill>
+                  <a:srgbClr val="333333"/>
+                </a:solidFill>
+                <a:latin typeface="+mj-lt"/>
+              </a:rPr>
+              <a:t>Copies </a:t>
+            </a:r>
+            <a:r>
               <a:rPr lang="en-US" sz="1600" dirty="0">
                 <a:solidFill>
                   <a:srgbClr val="333333"/>
                 </a:solidFill>
                 <a:latin typeface="+mj-lt"/>
               </a:rPr>
-              <a:t>Script run on server. </a:t>
+              <a:t>the entire catalog as a </a:t>
+            </a:r>
+            <a:r>
+              <a:rPr lang="en-US" sz="1600" dirty="0" smtClean="0">
+                <a:solidFill>
+                  <a:srgbClr val="333333"/>
+                </a:solidFill>
+                <a:latin typeface="Consolas" panose="020B0609020204030204" pitchFamily="49" charset="0"/>
+                <a:cs typeface="Consolas" panose="020B0609020204030204" pitchFamily="49" charset="0"/>
+              </a:rPr>
+              <a:t>.csv</a:t>
+            </a:r>
+            <a:r>
+              <a:rPr lang="en-US" sz="1600" dirty="0" smtClean="0">
+                <a:solidFill>
+                  <a:srgbClr val="333333"/>
+                </a:solidFill>
+                <a:latin typeface="+mj-lt"/>
+              </a:rPr>
+              <a:t> on </a:t>
+            </a:r>
+            <a:r>
+              <a:rPr lang="en-US" sz="1600" dirty="0">
+                <a:solidFill>
+                  <a:srgbClr val="333333"/>
+                </a:solidFill>
+                <a:latin typeface="+mj-lt"/>
+              </a:rPr>
+              <a:t>the driver's local machine. </a:t>
             </a:r>
             <a:endParaRPr lang="en-US" sz="1600" dirty="0" smtClean="0">
               <a:solidFill>
@@ -9898,57 +11032,21 @@
             <a:pPr algn="ctr"/>
             <a:r>
               <a:rPr lang="en-US" sz="1600" dirty="0" smtClean="0">
-                <a:solidFill>
-                  <a:srgbClr val="333333"/>
-                </a:solidFill>
-                <a:latin typeface="+mj-lt"/>
-              </a:rPr>
-              <a:t>Copies </a:t>
+                <a:latin typeface="+mj-lt"/>
+              </a:rPr>
+              <a:t>This </a:t>
             </a:r>
             <a:r>
               <a:rPr lang="en-US" sz="1600" dirty="0">
-                <a:solidFill>
-                  <a:srgbClr val="333333"/>
-                </a:solidFill>
-                <a:latin typeface="+mj-lt"/>
-              </a:rPr>
-              <a:t>the entire catalog as a CSV on the driver's local machine. </a:t>
-            </a:r>
-            <a:endParaRPr lang="en-US" sz="1600" dirty="0" smtClean="0">
-              <a:solidFill>
-                <a:srgbClr val="333333"/>
-              </a:solidFill>
-              <a:latin typeface="+mj-lt"/>
-            </a:endParaRPr>
-          </a:p>
-          <a:p>
-            <a:pPr algn="ctr"/>
+                <a:latin typeface="+mj-lt"/>
+              </a:rPr>
+              <a:t>disconnected CSV allows the drivers to pursue their own analyses after the </a:t>
+            </a:r>
             <a:r>
               <a:rPr lang="en-US" sz="1600" dirty="0" smtClean="0">
-                <a:solidFill>
-                  <a:srgbClr val="333333"/>
-                </a:solidFill>
-                <a:latin typeface="+mj-lt"/>
-              </a:rPr>
-              <a:t>This </a:t>
-            </a:r>
-            <a:r>
-              <a:rPr lang="en-US" sz="1600" dirty="0">
-                <a:solidFill>
-                  <a:srgbClr val="333333"/>
-                </a:solidFill>
-                <a:latin typeface="+mj-lt"/>
-              </a:rPr>
-              <a:t>disconnected CSV </a:t>
-            </a:r>
-            <a:r>
-              <a:rPr lang="en-US" sz="1600" dirty="0" smtClean="0">
-                <a:solidFill>
-                  <a:srgbClr val="333333"/>
-                </a:solidFill>
-                <a:latin typeface="+mj-lt"/>
-              </a:rPr>
-              <a:t>are drivers’ to keep for further analysis.</a:t>
+                <a:latin typeface="+mj-lt"/>
+              </a:rPr>
+              <a:t>workshop.</a:t>
             </a:r>
             <a:endParaRPr lang="en-US" sz="1600" dirty="0">
               <a:latin typeface="+mj-lt"/>
@@ -9979,7 +11077,7 @@
 </p:sld>
 </file>
 
-<file path=ppt/slides/slide26.xml><?xml version="1.0" encoding="utf-8"?>
+<file path=ppt/slides/slide27.xml><?xml version="1.0" encoding="utf-8"?>
 <p:sld xmlns:a="http://schemas.openxmlformats.org/drawingml/2006/main" xmlns:r="http://schemas.openxmlformats.org/officeDocument/2006/relationships" xmlns:p="http://schemas.openxmlformats.org/presentationml/2006/main">
   <p:cSld>
     <p:spTree>
@@ -10074,16 +11172,40 @@
               <a:rPr lang="en-US" sz="1600" dirty="0" smtClean="0">
                 <a:latin typeface="+mj-lt"/>
               </a:rPr>
-              <a:t>The Catalog forms the dataset for META-ANALYSIS,</a:t>
+              <a:t>The </a:t>
+            </a:r>
+            <a:r>
+              <a:rPr lang="en-US" sz="1600" dirty="0" smtClean="0">
+                <a:latin typeface="+mj-lt"/>
+              </a:rPr>
+              <a:t>catalog </a:t>
+            </a:r>
+            <a:r>
+              <a:rPr lang="en-US" sz="1600" dirty="0" smtClean="0">
+                <a:latin typeface="+mj-lt"/>
+              </a:rPr>
+              <a:t>forms the dataset for META-ANALYSIS,</a:t>
             </a:r>
           </a:p>
           <a:p>
             <a:pPr algn="ctr"/>
             <a:r>
+              <a:rPr lang="en-US" sz="1600" dirty="0">
+                <a:latin typeface="+mj-lt"/>
+              </a:rPr>
+              <a:t>i</a:t>
+            </a:r>
+            <a:r>
               <a:rPr lang="en-US" sz="1600" dirty="0" smtClean="0">
                 <a:latin typeface="+mj-lt"/>
               </a:rPr>
-              <a:t>In which models are the new units.</a:t>
+              <a:t>n </a:t>
+            </a:r>
+            <a:r>
+              <a:rPr lang="en-US" sz="1600" dirty="0" smtClean="0">
+                <a:latin typeface="+mj-lt"/>
+              </a:rPr>
+              <a:t>which models are the new units.</a:t>
             </a:r>
           </a:p>
           <a:p>
@@ -10119,177 +11241,6 @@
     <p:extLst>
       <p:ext uri="{BB962C8B-B14F-4D97-AF65-F5344CB8AC3E}">
         <p14:creationId xmlns:p14="http://schemas.microsoft.com/office/powerpoint/2010/main" val="701324909"/>
-      </p:ext>
-    </p:extLst>
-  </p:cSld>
-  <p:clrMapOvr>
-    <a:masterClrMapping/>
-  </p:clrMapOvr>
-  <p:transition>
-    <p:fade/>
-  </p:transition>
-  <p:timing>
-    <p:tnLst>
-      <p:par>
-        <p:cTn id="1" dur="indefinite" restart="never" nodeType="tmRoot"/>
-      </p:par>
-    </p:tnLst>
-  </p:timing>
-</p:sld>
-</file>
-
-<file path=ppt/slides/slide27.xml><?xml version="1.0" encoding="utf-8"?>
-<p:sld xmlns:a="http://schemas.openxmlformats.org/drawingml/2006/main" xmlns:r="http://schemas.openxmlformats.org/officeDocument/2006/relationships" xmlns:p="http://schemas.openxmlformats.org/presentationml/2006/main">
-  <p:cSld>
-    <p:spTree>
-      <p:nvGrpSpPr>
-        <p:cNvPr id="1" name=""/>
-        <p:cNvGrpSpPr/>
-        <p:nvPr/>
-      </p:nvGrpSpPr>
-      <p:grpSpPr>
-        <a:xfrm>
-          <a:off x="0" y="0"/>
-          <a:ext cx="0" cy="0"/>
-          <a:chOff x="0" y="0"/>
-          <a:chExt cx="0" cy="0"/>
-        </a:xfrm>
-      </p:grpSpPr>
-      <p:sp>
-        <p:nvSpPr>
-          <p:cNvPr id="2" name="Rounded Rectangle 1"/>
-          <p:cNvSpPr/>
-          <p:nvPr/>
-        </p:nvSpPr>
-        <p:spPr>
-          <a:xfrm>
-            <a:off x="7870785" y="937548"/>
-            <a:ext cx="960700" cy="335667"/>
-          </a:xfrm>
-          <a:prstGeom prst="roundRect">
-            <a:avLst/>
-          </a:prstGeom>
-          <a:solidFill>
-            <a:srgbClr val="FF0000">
-              <a:alpha val="2000"/>
-            </a:srgbClr>
-          </a:solidFill>
-          <a:ln w="12700">
-            <a:prstDash val="dash"/>
-          </a:ln>
-        </p:spPr>
-        <p:style>
-          <a:lnRef idx="1">
-            <a:schemeClr val="dk1"/>
-          </a:lnRef>
-          <a:fillRef idx="2">
-            <a:schemeClr val="dk1"/>
-          </a:fillRef>
-          <a:effectRef idx="1">
-            <a:schemeClr val="dk1"/>
-          </a:effectRef>
-          <a:fontRef idx="minor">
-            <a:schemeClr val="dk1"/>
-          </a:fontRef>
-        </p:style>
-        <p:txBody>
-          <a:bodyPr rot="0" spcFirstLastPara="0" vertOverflow="overflow" horzOverflow="overflow" vert="horz" wrap="square" lIns="91440" tIns="45720" rIns="91440" bIns="45720" numCol="1" spcCol="0" rtlCol="0" fromWordArt="0" anchor="ctr" anchorCtr="0" forceAA="0" compatLnSpc="1">
-            <a:prstTxWarp prst="textNoShape">
-              <a:avLst/>
-            </a:prstTxWarp>
-            <a:noAutofit/>
-          </a:bodyPr>
-          <a:lstStyle/>
-          <a:p>
-            <a:pPr algn="ctr"/>
-            <a:endParaRPr lang="en-US" dirty="0"/>
-          </a:p>
-        </p:txBody>
-      </p:sp>
-      <p:pic>
-        <p:nvPicPr>
-          <p:cNvPr id="3" name="Picture 2"/>
-          <p:cNvPicPr>
-            <a:picLocks noChangeAspect="1"/>
-          </p:cNvPicPr>
-          <p:nvPr/>
-        </p:nvPicPr>
-        <p:blipFill>
-          <a:blip r:embed="rId2"/>
-          <a:stretch>
-            <a:fillRect/>
-          </a:stretch>
-        </p:blipFill>
-        <p:spPr>
-          <a:xfrm>
-            <a:off x="937422" y="2833103"/>
-            <a:ext cx="3830320" cy="2252311"/>
-          </a:xfrm>
-          <a:prstGeom prst="rect">
-            <a:avLst/>
-          </a:prstGeom>
-        </p:spPr>
-      </p:pic>
-      <p:sp>
-        <p:nvSpPr>
-          <p:cNvPr id="5" name="TextBox 4"/>
-          <p:cNvSpPr txBox="1"/>
-          <p:nvPr/>
-        </p:nvSpPr>
-        <p:spPr>
-          <a:xfrm>
-            <a:off x="0" y="1828800"/>
-            <a:ext cx="9144000" cy="1077218"/>
-          </a:xfrm>
-          <a:prstGeom prst="rect">
-            <a:avLst/>
-          </a:prstGeom>
-          <a:noFill/>
-        </p:spPr>
-        <p:txBody>
-          <a:bodyPr wrap="square" rtlCol="0">
-            <a:spAutoFit/>
-          </a:bodyPr>
-          <a:lstStyle/>
-          <a:p>
-            <a:pPr algn="ctr"/>
-            <a:r>
-              <a:rPr lang="en-US" sz="1600" dirty="0" smtClean="0">
-                <a:latin typeface="+mj-lt"/>
-              </a:rPr>
-              <a:t>DYNAMIC tables store all possible values.</a:t>
-            </a:r>
-          </a:p>
-          <a:p>
-            <a:pPr algn="ctr"/>
-            <a:r>
-              <a:rPr lang="en-US" sz="1600" dirty="0" smtClean="0">
-                <a:latin typeface="+mj-lt"/>
-              </a:rPr>
-              <a:t>These are useful to have for EXPLORATION.</a:t>
-            </a:r>
-          </a:p>
-          <a:p>
-            <a:pPr algn="ctr"/>
-            <a:r>
-              <a:rPr lang="en-US" sz="1600" dirty="0" smtClean="0">
-                <a:latin typeface="+mj-lt"/>
-              </a:rPr>
-              <a:t>You can filter and sort to guide your search for patterns.</a:t>
-            </a:r>
-          </a:p>
-          <a:p>
-            <a:pPr algn="ctr"/>
-            <a:endParaRPr lang="en-US" sz="1600" dirty="0" smtClean="0">
-              <a:latin typeface="+mj-lt"/>
-            </a:endParaRPr>
-          </a:p>
-        </p:txBody>
-      </p:sp>
-    </p:spTree>
-    <p:extLst>
-      <p:ext uri="{BB962C8B-B14F-4D97-AF65-F5344CB8AC3E}">
-        <p14:creationId xmlns:p14="http://schemas.microsoft.com/office/powerpoint/2010/main" val="1584045952"/>
       </p:ext>
     </p:extLst>
   </p:cSld>
@@ -10401,29 +11352,6 @@
           </a:prstGeom>
         </p:spPr>
       </p:pic>
-      <p:pic>
-        <p:nvPicPr>
-          <p:cNvPr id="4" name="Picture 3"/>
-          <p:cNvPicPr>
-            <a:picLocks noChangeAspect="1"/>
-          </p:cNvPicPr>
-          <p:nvPr/>
-        </p:nvPicPr>
-        <p:blipFill rotWithShape="1">
-          <a:blip r:embed="rId3"/>
-          <a:srcRect b="11568"/>
-          <a:stretch/>
-        </p:blipFill>
-        <p:spPr>
-          <a:xfrm>
-            <a:off x="4996342" y="2833103"/>
-            <a:ext cx="2626103" cy="2194560"/>
-          </a:xfrm>
-          <a:prstGeom prst="rect">
-            <a:avLst/>
-          </a:prstGeom>
-        </p:spPr>
-      </p:pic>
       <p:sp>
         <p:nvSpPr>
           <p:cNvPr id="5" name="TextBox 4"/>
@@ -10433,7 +11361,7 @@
         <p:spPr>
           <a:xfrm>
             <a:off x="0" y="1828800"/>
-            <a:ext cx="9144000" cy="830997"/>
+            <a:ext cx="9144000" cy="1077218"/>
           </a:xfrm>
           <a:prstGeom prst="rect">
             <a:avLst/>
@@ -10451,8 +11379,17 @@
               <a:rPr lang="en-US" sz="1600" dirty="0" smtClean="0">
                 <a:latin typeface="+mj-lt"/>
               </a:rPr>
-              <a:t>STATIC tables print targeted results.</a:t>
-            </a:r>
+              <a:t>DYNAMIC tables store all </a:t>
+            </a:r>
+            <a:r>
+              <a:rPr lang="en-US" sz="1600" dirty="0" smtClean="0">
+                <a:latin typeface="+mj-lt"/>
+              </a:rPr>
+              <a:t>extracted model estimates.</a:t>
+            </a:r>
+            <a:endParaRPr lang="en-US" sz="1600" dirty="0" smtClean="0">
+              <a:latin typeface="+mj-lt"/>
+            </a:endParaRPr>
           </a:p>
           <a:p>
             <a:pPr algn="ctr"/>
@@ -10460,7 +11397,28 @@
               <a:rPr lang="en-US" sz="1600" dirty="0" smtClean="0">
                 <a:latin typeface="+mj-lt"/>
               </a:rPr>
-              <a:t>These are useful to have for DEMONSTRATION.</a:t>
+              <a:t>These are useful </a:t>
+            </a:r>
+            <a:r>
+              <a:rPr lang="en-US" sz="1600" dirty="0" smtClean="0">
+                <a:latin typeface="+mj-lt"/>
+              </a:rPr>
+              <a:t>for </a:t>
+            </a:r>
+            <a:r>
+              <a:rPr lang="en-US" sz="1600" dirty="0" smtClean="0">
+                <a:latin typeface="+mj-lt"/>
+              </a:rPr>
+              <a:t>EXPLORATION.</a:t>
+            </a:r>
+          </a:p>
+          <a:p>
+            <a:pPr algn="ctr"/>
+            <a:r>
+              <a:rPr lang="en-US" sz="1600" dirty="0" smtClean="0">
+                <a:latin typeface="+mj-lt"/>
+              </a:rPr>
+              <a:t>You can filter and sort to guide your search for patterns.</a:t>
             </a:r>
           </a:p>
           <a:p>
@@ -10474,7 +11432,7 @@
     </p:spTree>
     <p:extLst>
       <p:ext uri="{BB962C8B-B14F-4D97-AF65-F5344CB8AC3E}">
-        <p14:creationId xmlns:p14="http://schemas.microsoft.com/office/powerpoint/2010/main" val="2169320625"/>
+        <p14:creationId xmlns:p14="http://schemas.microsoft.com/office/powerpoint/2010/main" val="1584045952"/>
       </p:ext>
     </p:extLst>
   </p:cSld>
@@ -10511,39 +11469,15 @@
           <a:chExt cx="0" cy="0"/>
         </a:xfrm>
       </p:grpSpPr>
-      <p:pic>
-        <p:nvPicPr>
-          <p:cNvPr id="8" name="Picture 7"/>
-          <p:cNvPicPr>
-            <a:picLocks noChangeAspect="1"/>
-          </p:cNvPicPr>
-          <p:nvPr/>
-        </p:nvPicPr>
-        <p:blipFill>
-          <a:blip r:embed="rId2"/>
-          <a:stretch>
-            <a:fillRect/>
-          </a:stretch>
-        </p:blipFill>
-        <p:spPr>
-          <a:xfrm>
-            <a:off x="5252720" y="1826855"/>
-            <a:ext cx="3316645" cy="3316645"/>
-          </a:xfrm>
-          <a:prstGeom prst="rect">
-            <a:avLst/>
-          </a:prstGeom>
-        </p:spPr>
-      </p:pic>
       <p:sp>
         <p:nvSpPr>
-          <p:cNvPr id="9" name="Rounded Rectangle 8"/>
+          <p:cNvPr id="2" name="Rounded Rectangle 1"/>
           <p:cNvSpPr/>
           <p:nvPr/>
         </p:nvSpPr>
         <p:spPr>
           <a:xfrm>
-            <a:off x="7880945" y="1272828"/>
+            <a:off x="7870785" y="937548"/>
             <a:ext cx="960700" cy="335667"/>
           </a:xfrm>
           <a:prstGeom prst="roundRect">
@@ -10586,16 +11520,63 @@
           </a:p>
         </p:txBody>
       </p:sp>
+      <p:pic>
+        <p:nvPicPr>
+          <p:cNvPr id="3" name="Picture 2"/>
+          <p:cNvPicPr>
+            <a:picLocks noChangeAspect="1"/>
+          </p:cNvPicPr>
+          <p:nvPr/>
+        </p:nvPicPr>
+        <p:blipFill>
+          <a:blip r:embed="rId2"/>
+          <a:stretch>
+            <a:fillRect/>
+          </a:stretch>
+        </p:blipFill>
+        <p:spPr>
+          <a:xfrm>
+            <a:off x="937422" y="2833103"/>
+            <a:ext cx="3830320" cy="2252311"/>
+          </a:xfrm>
+          <a:prstGeom prst="rect">
+            <a:avLst/>
+          </a:prstGeom>
+        </p:spPr>
+      </p:pic>
+      <p:pic>
+        <p:nvPicPr>
+          <p:cNvPr id="4" name="Picture 3"/>
+          <p:cNvPicPr>
+            <a:picLocks noChangeAspect="1"/>
+          </p:cNvPicPr>
+          <p:nvPr/>
+        </p:nvPicPr>
+        <p:blipFill rotWithShape="1">
+          <a:blip r:embed="rId3"/>
+          <a:srcRect b="11568"/>
+          <a:stretch/>
+        </p:blipFill>
+        <p:spPr>
+          <a:xfrm>
+            <a:off x="4996342" y="2833103"/>
+            <a:ext cx="2626103" cy="2194560"/>
+          </a:xfrm>
+          <a:prstGeom prst="rect">
+            <a:avLst/>
+          </a:prstGeom>
+        </p:spPr>
+      </p:pic>
       <p:sp>
         <p:nvSpPr>
-          <p:cNvPr id="10" name="TextBox 9"/>
+          <p:cNvPr id="5" name="TextBox 4"/>
           <p:cNvSpPr txBox="1"/>
           <p:nvPr/>
         </p:nvSpPr>
         <p:spPr>
           <a:xfrm>
             <a:off x="0" y="1828800"/>
-            <a:ext cx="5049520" cy="830997"/>
+            <a:ext cx="9144000" cy="1077218"/>
           </a:xfrm>
           <a:prstGeom prst="rect">
             <a:avLst/>
@@ -10613,7 +11594,7 @@
               <a:rPr lang="en-US" sz="1600" dirty="0" smtClean="0">
                 <a:latin typeface="+mj-lt"/>
               </a:rPr>
-              <a:t>FOREST plots display the values from the tables</a:t>
+              <a:t>STATIC tables print targeted results.</a:t>
             </a:r>
           </a:p>
           <a:p>
@@ -10622,8 +11603,23 @@
               <a:rPr lang="en-US" sz="1600" dirty="0" smtClean="0">
                 <a:latin typeface="+mj-lt"/>
               </a:rPr>
-              <a:t>To optimize for useful comparisons.</a:t>
-            </a:r>
+              <a:t>These are useful to have for </a:t>
+            </a:r>
+            <a:endParaRPr lang="en-US" sz="1600" dirty="0" smtClean="0">
+              <a:latin typeface="+mj-lt"/>
+            </a:endParaRPr>
+          </a:p>
+          <a:p>
+            <a:pPr algn="ctr"/>
+            <a:r>
+              <a:rPr lang="en-US" sz="1600" dirty="0" smtClean="0">
+                <a:latin typeface="+mj-lt"/>
+              </a:rPr>
+              <a:t>DEMONSTRATION and MANUSCRIPT CONSTRUCTION.</a:t>
+            </a:r>
+            <a:endParaRPr lang="en-US" sz="1600" dirty="0" smtClean="0">
+              <a:latin typeface="+mj-lt"/>
+            </a:endParaRPr>
           </a:p>
           <a:p>
             <a:pPr algn="ctr"/>
@@ -10636,7 +11632,7 @@
     </p:spTree>
     <p:extLst>
       <p:ext uri="{BB962C8B-B14F-4D97-AF65-F5344CB8AC3E}">
-        <p14:creationId xmlns:p14="http://schemas.microsoft.com/office/powerpoint/2010/main" val="225362305"/>
+        <p14:creationId xmlns:p14="http://schemas.microsoft.com/office/powerpoint/2010/main" val="2169320625"/>
       </p:ext>
     </p:extLst>
   </p:cSld>
@@ -10945,7 +11941,21 @@
                 <a:latin typeface="Arial" panose="020B0604020202020204" pitchFamily="34" charset="0"/>
                 <a:ea typeface="MS Mincho"/>
               </a:rPr>
-              <a:t>Psychological methods, 14(2), 150</a:t>
+              <a:t>Psychological </a:t>
+            </a:r>
+            <a:r>
+              <a:rPr lang="en-US" sz="1100" i="1" dirty="0" smtClean="0">
+                <a:latin typeface="Arial" panose="020B0604020202020204" pitchFamily="34" charset="0"/>
+                <a:ea typeface="MS Mincho"/>
+              </a:rPr>
+              <a:t>Methods</a:t>
+            </a:r>
+            <a:r>
+              <a:rPr lang="en-US" sz="1100" i="1" dirty="0">
+                <a:latin typeface="Arial" panose="020B0604020202020204" pitchFamily="34" charset="0"/>
+                <a:ea typeface="MS Mincho"/>
+              </a:rPr>
+              <a:t>, 14(2), 150</a:t>
             </a:r>
             <a:r>
               <a:rPr lang="en-US" sz="1100" dirty="0">
@@ -10985,6 +11995,168 @@
 </file>
 
 <file path=ppt/slides/slide30.xml><?xml version="1.0" encoding="utf-8"?>
+<p:sld xmlns:a="http://schemas.openxmlformats.org/drawingml/2006/main" xmlns:r="http://schemas.openxmlformats.org/officeDocument/2006/relationships" xmlns:p="http://schemas.openxmlformats.org/presentationml/2006/main">
+  <p:cSld>
+    <p:spTree>
+      <p:nvGrpSpPr>
+        <p:cNvPr id="1" name=""/>
+        <p:cNvGrpSpPr/>
+        <p:nvPr/>
+      </p:nvGrpSpPr>
+      <p:grpSpPr>
+        <a:xfrm>
+          <a:off x="0" y="0"/>
+          <a:ext cx="0" cy="0"/>
+          <a:chOff x="0" y="0"/>
+          <a:chExt cx="0" cy="0"/>
+        </a:xfrm>
+      </p:grpSpPr>
+      <p:pic>
+        <p:nvPicPr>
+          <p:cNvPr id="8" name="Picture 7"/>
+          <p:cNvPicPr>
+            <a:picLocks noChangeAspect="1"/>
+          </p:cNvPicPr>
+          <p:nvPr/>
+        </p:nvPicPr>
+        <p:blipFill>
+          <a:blip r:embed="rId2"/>
+          <a:stretch>
+            <a:fillRect/>
+          </a:stretch>
+        </p:blipFill>
+        <p:spPr>
+          <a:xfrm>
+            <a:off x="5252720" y="1826855"/>
+            <a:ext cx="3316645" cy="3316645"/>
+          </a:xfrm>
+          <a:prstGeom prst="rect">
+            <a:avLst/>
+          </a:prstGeom>
+        </p:spPr>
+      </p:pic>
+      <p:sp>
+        <p:nvSpPr>
+          <p:cNvPr id="9" name="Rounded Rectangle 8"/>
+          <p:cNvSpPr/>
+          <p:nvPr/>
+        </p:nvSpPr>
+        <p:spPr>
+          <a:xfrm>
+            <a:off x="7880945" y="1272828"/>
+            <a:ext cx="960700" cy="335667"/>
+          </a:xfrm>
+          <a:prstGeom prst="roundRect">
+            <a:avLst/>
+          </a:prstGeom>
+          <a:solidFill>
+            <a:srgbClr val="FF0000">
+              <a:alpha val="2000"/>
+            </a:srgbClr>
+          </a:solidFill>
+          <a:ln w="12700">
+            <a:prstDash val="dash"/>
+          </a:ln>
+        </p:spPr>
+        <p:style>
+          <a:lnRef idx="1">
+            <a:schemeClr val="dk1"/>
+          </a:lnRef>
+          <a:fillRef idx="2">
+            <a:schemeClr val="dk1"/>
+          </a:fillRef>
+          <a:effectRef idx="1">
+            <a:schemeClr val="dk1"/>
+          </a:effectRef>
+          <a:fontRef idx="minor">
+            <a:schemeClr val="dk1"/>
+          </a:fontRef>
+        </p:style>
+        <p:txBody>
+          <a:bodyPr rot="0" spcFirstLastPara="0" vertOverflow="overflow" horzOverflow="overflow" vert="horz" wrap="square" lIns="91440" tIns="45720" rIns="91440" bIns="45720" numCol="1" spcCol="0" rtlCol="0" fromWordArt="0" anchor="ctr" anchorCtr="0" forceAA="0" compatLnSpc="1">
+            <a:prstTxWarp prst="textNoShape">
+              <a:avLst/>
+            </a:prstTxWarp>
+            <a:noAutofit/>
+          </a:bodyPr>
+          <a:lstStyle/>
+          <a:p>
+            <a:pPr algn="ctr"/>
+            <a:endParaRPr lang="en-US" dirty="0"/>
+          </a:p>
+        </p:txBody>
+      </p:sp>
+      <p:sp>
+        <p:nvSpPr>
+          <p:cNvPr id="10" name="TextBox 9"/>
+          <p:cNvSpPr txBox="1"/>
+          <p:nvPr/>
+        </p:nvSpPr>
+        <p:spPr>
+          <a:xfrm>
+            <a:off x="0" y="1828800"/>
+            <a:ext cx="5049520" cy="830997"/>
+          </a:xfrm>
+          <a:prstGeom prst="rect">
+            <a:avLst/>
+          </a:prstGeom>
+          <a:noFill/>
+        </p:spPr>
+        <p:txBody>
+          <a:bodyPr wrap="square" rtlCol="0">
+            <a:spAutoFit/>
+          </a:bodyPr>
+          <a:lstStyle/>
+          <a:p>
+            <a:pPr algn="ctr"/>
+            <a:r>
+              <a:rPr lang="en-US" sz="1600" dirty="0" smtClean="0">
+                <a:latin typeface="+mj-lt"/>
+              </a:rPr>
+              <a:t>FOREST plots display the values from the tables</a:t>
+            </a:r>
+          </a:p>
+          <a:p>
+            <a:pPr algn="ctr"/>
+            <a:r>
+              <a:rPr lang="en-US" sz="1600" dirty="0" smtClean="0">
+                <a:latin typeface="+mj-lt"/>
+              </a:rPr>
+              <a:t>To optimize for useful comparisons.</a:t>
+            </a:r>
+          </a:p>
+          <a:p>
+            <a:pPr algn="ctr"/>
+            <a:endParaRPr lang="en-US" sz="1600" dirty="0" smtClean="0">
+              <a:latin typeface="+mj-lt"/>
+            </a:endParaRPr>
+          </a:p>
+        </p:txBody>
+      </p:sp>
+    </p:spTree>
+    <p:extLst>
+      <p:ext uri="{BB962C8B-B14F-4D97-AF65-F5344CB8AC3E}">
+        <p14:creationId xmlns:p14="http://schemas.microsoft.com/office/powerpoint/2010/main" val="225362305"/>
+      </p:ext>
+    </p:extLst>
+  </p:cSld>
+  <p:clrMapOvr>
+    <a:masterClrMapping/>
+  </p:clrMapOvr>
+  <p:transition>
+    <p:fade/>
+  </p:transition>
+  <p:timing>
+    <p:tnLst>
+      <p:par>
+        <p:cTn id="1" dur="indefinite" restart="never" nodeType="tmRoot"/>
+      </p:par>
+    </p:tnLst>
+  </p:timing>
+</p:sld>
+</file>
+
+<file path=ppt/slides/slide31.xml><?xml version="1.0" encoding="utf-8"?>
 <p:sld xmlns:a="http://schemas.openxmlformats.org/drawingml/2006/main" xmlns:r="http://schemas.openxmlformats.org/officeDocument/2006/relationships" xmlns:p="http://schemas.openxmlformats.org/presentationml/2006/main">
   <p:cSld>
     <p:spTree>
@@ -11322,7 +12494,7 @@
 </p:sld>
 </file>
 
-<file path=ppt/slides/slide31.xml><?xml version="1.0" encoding="utf-8"?>
+<file path=ppt/slides/slide32.xml><?xml version="1.0" encoding="utf-8"?>
 <p:sld xmlns:a="http://schemas.openxmlformats.org/drawingml/2006/main" xmlns:r="http://schemas.openxmlformats.org/officeDocument/2006/relationships" xmlns:p="http://schemas.openxmlformats.org/presentationml/2006/main">
   <p:cSld>
     <p:bg>
@@ -11718,7 +12890,7 @@
 </p:sld>
 </file>
 
-<file path=ppt/slides/slide32.xml><?xml version="1.0" encoding="utf-8"?>
+<file path=ppt/slides/slide33.xml><?xml version="1.0" encoding="utf-8"?>
 <p:sld xmlns:a="http://schemas.openxmlformats.org/drawingml/2006/main" xmlns:r="http://schemas.openxmlformats.org/officeDocument/2006/relationships" xmlns:p="http://schemas.openxmlformats.org/presentationml/2006/main">
   <p:cSld>
     <p:bg>
@@ -11808,22 +12980,23 @@
             <p:ph idx="1"/>
             <p:extLst>
               <p:ext uri="{D42A27DB-BD31-4B8C-83A1-F6EECF244321}">
-                <p14:modId xmlns:p14="http://schemas.microsoft.com/office/powerpoint/2010/main" val="479904402"/>
+                <p14:modId xmlns:p14="http://schemas.microsoft.com/office/powerpoint/2010/main" val="1355626325"/>
               </p:ext>
             </p:extLst>
           </p:nvPr>
         </p:nvGraphicFramePr>
         <p:xfrm>
-          <a:off x="1191260" y="1060133"/>
-          <a:ext cx="6761480" cy="3352800"/>
+          <a:off x="-289560" y="1068706"/>
+          <a:ext cx="7252855" cy="3352800"/>
         </p:xfrm>
         <a:graphic>
           <a:graphicData uri="http://schemas.openxmlformats.org/drawingml/2006/table">
             <a:tbl>
               <a:tblPr/>
               <a:tblGrid>
-                <a:gridCol w="3380740"/>
-                <a:gridCol w="3380740"/>
+                <a:gridCol w="4308762"/>
+                <a:gridCol w="921327"/>
+                <a:gridCol w="2022766"/>
               </a:tblGrid>
               <a:tr h="0">
                 <a:tc>
@@ -11841,6 +13014,35 @@
                         </a:rPr>
                         <a:t>Study</a:t>
                       </a:r>
+                    </a:p>
+                  </a:txBody>
+                  <a:tcPr anchor="ctr">
+                    <a:lnL>
+                      <a:noFill/>
+                    </a:lnL>
+                    <a:lnR>
+                      <a:noFill/>
+                    </a:lnR>
+                    <a:lnT>
+                      <a:noFill/>
+                    </a:lnT>
+                    <a:lnB>
+                      <a:noFill/>
+                    </a:lnB>
+                  </a:tcPr>
+                </a:tc>
+                <a:tc>
+                  <a:txBody>
+                    <a:bodyPr/>
+                    <a:lstStyle/>
+                    <a:p>
+                      <a:pPr algn="r"/>
+                      <a:endParaRPr lang="en-CA" sz="1600" b="1" dirty="0">
+                        <a:solidFill>
+                          <a:schemeClr val="tx1"/>
+                        </a:solidFill>
+                        <a:latin typeface="Gill Sans MT" panose="020B0502020104020203" pitchFamily="34" charset="0"/>
+                      </a:endParaRPr>
                     </a:p>
                   </a:txBody>
                   <a:tcPr anchor="ctr">
@@ -11905,13 +13107,51 @@
                     <a:p>
                       <a:pPr algn="r"/>
                       <a:r>
+                        <a:rPr lang="en-CA" sz="1400" b="0" smtClean="0">
+                          <a:solidFill>
+                            <a:schemeClr val="tx1"/>
+                          </a:solidFill>
+                          <a:latin typeface="+mj-lt"/>
+                        </a:rPr>
+                        <a:t>Einstein Aging Study</a:t>
+                      </a:r>
+                      <a:endParaRPr lang="en-CA" sz="1400" b="0" dirty="0">
+                        <a:solidFill>
+                          <a:schemeClr val="tx1"/>
+                        </a:solidFill>
+                        <a:latin typeface="+mj-lt"/>
+                      </a:endParaRPr>
+                    </a:p>
+                  </a:txBody>
+                  <a:tcPr anchor="ctr">
+                    <a:lnL>
+                      <a:noFill/>
+                    </a:lnL>
+                    <a:lnR>
+                      <a:noFill/>
+                    </a:lnR>
+                    <a:lnT>
+                      <a:noFill/>
+                    </a:lnT>
+                    <a:lnB>
+                      <a:noFill/>
+                    </a:lnB>
+                  </a:tcPr>
+                </a:tc>
+                <a:tc>
+                  <a:txBody>
+                    <a:bodyPr/>
+                    <a:lstStyle/>
+                    <a:p>
+                      <a:pPr algn="ctr"/>
+                      <a:r>
                         <a:rPr lang="en-CA" sz="1600" dirty="0" smtClean="0">
                           <a:solidFill>
                             <a:schemeClr val="tx1"/>
                           </a:solidFill>
                           <a:latin typeface="Gill Sans MT" panose="020B0502020104020203" pitchFamily="34" charset="0"/>
                         </a:rPr>
-                        <a:t>Einstein Aging Study</a:t>
+                        <a:t>EAS</a:t>
                       </a:r>
                       <a:endParaRPr lang="en-CA" sz="1600" dirty="0">
                         <a:solidFill>
@@ -11994,13 +13234,51 @@
                     <a:p>
                       <a:pPr algn="r"/>
                       <a:r>
+                        <a:rPr lang="en-CA" sz="1400" b="0" dirty="0" smtClean="0">
+                          <a:solidFill>
+                            <a:schemeClr val="tx1"/>
+                          </a:solidFill>
+                          <a:latin typeface="+mj-lt"/>
+                        </a:rPr>
+                        <a:t>English Longitudinal Study of Aging</a:t>
+                      </a:r>
+                      <a:endParaRPr lang="en-CA" sz="1400" b="0" dirty="0">
+                        <a:solidFill>
+                          <a:schemeClr val="tx1"/>
+                        </a:solidFill>
+                        <a:latin typeface="+mj-lt"/>
+                      </a:endParaRPr>
+                    </a:p>
+                  </a:txBody>
+                  <a:tcPr anchor="ctr">
+                    <a:lnL>
+                      <a:noFill/>
+                    </a:lnL>
+                    <a:lnR>
+                      <a:noFill/>
+                    </a:lnR>
+                    <a:lnT>
+                      <a:noFill/>
+                    </a:lnT>
+                    <a:lnB>
+                      <a:noFill/>
+                    </a:lnB>
+                  </a:tcPr>
+                </a:tc>
+                <a:tc>
+                  <a:txBody>
+                    <a:bodyPr/>
+                    <a:lstStyle/>
+                    <a:p>
+                      <a:pPr algn="ctr"/>
+                      <a:r>
                         <a:rPr lang="en-CA" sz="1600" dirty="0" smtClean="0">
                           <a:solidFill>
                             <a:schemeClr val="tx1"/>
                           </a:solidFill>
                           <a:latin typeface="Gill Sans MT" panose="020B0502020104020203" pitchFamily="34" charset="0"/>
                         </a:rPr>
-                        <a:t>English Longitudinal Study of Aging</a:t>
+                        <a:t>ELSA</a:t>
                       </a:r>
                       <a:endParaRPr lang="en-CA" sz="1600" dirty="0">
                         <a:solidFill>
@@ -12083,6 +13361,53 @@
                     <a:p>
                       <a:pPr algn="r"/>
                       <a:r>
+                        <a:rPr lang="en-CA" sz="1400" b="0" dirty="0" smtClean="0">
+                          <a:solidFill>
+                            <a:schemeClr val="tx1"/>
+                          </a:solidFill>
+                          <a:latin typeface="+mj-lt"/>
+                        </a:rPr>
+                        <a:t>Health and Retirement</a:t>
+                      </a:r>
+                      <a:r>
+                        <a:rPr lang="en-CA" sz="1400" b="0" baseline="0" dirty="0" smtClean="0">
+                          <a:solidFill>
+                            <a:schemeClr val="tx1"/>
+                          </a:solidFill>
+                          <a:latin typeface="+mj-lt"/>
+                        </a:rPr>
+                        <a:t> Study</a:t>
+                      </a:r>
+                      <a:endParaRPr lang="en-CA" sz="1400" b="0" dirty="0">
+                        <a:solidFill>
+                          <a:schemeClr val="tx1"/>
+                        </a:solidFill>
+                        <a:latin typeface="+mj-lt"/>
+                      </a:endParaRPr>
+                    </a:p>
+                  </a:txBody>
+                  <a:tcPr anchor="ctr">
+                    <a:lnL>
+                      <a:noFill/>
+                    </a:lnL>
+                    <a:lnR>
+                      <a:noFill/>
+                    </a:lnR>
+                    <a:lnT>
+                      <a:noFill/>
+                    </a:lnT>
+                    <a:lnB>
+                      <a:noFill/>
+                    </a:lnB>
+                  </a:tcPr>
+                </a:tc>
+                <a:tc>
+                  <a:txBody>
+                    <a:bodyPr/>
+                    <a:lstStyle/>
+                    <a:p>
+                      <a:pPr algn="ctr"/>
+                      <a:r>
                         <a:rPr lang="en-CA" sz="1600" dirty="0" smtClean="0">
                           <a:solidFill>
                             <a:schemeClr val="tx1"/>
@@ -12172,13 +13497,51 @@
                     <a:p>
                       <a:pPr algn="r"/>
                       <a:r>
+                        <a:rPr lang="en-CA" sz="1400" b="0" smtClean="0">
+                          <a:solidFill>
+                            <a:schemeClr val="tx1"/>
+                          </a:solidFill>
+                          <a:latin typeface="+mj-lt"/>
+                        </a:rPr>
+                        <a:t>Interdisciplinary Longitudinal Study of Aging</a:t>
+                      </a:r>
+                      <a:endParaRPr lang="en-CA" sz="1400" b="0" dirty="0">
+                        <a:solidFill>
+                          <a:schemeClr val="tx1"/>
+                        </a:solidFill>
+                        <a:latin typeface="+mj-lt"/>
+                      </a:endParaRPr>
+                    </a:p>
+                  </a:txBody>
+                  <a:tcPr anchor="ctr">
+                    <a:lnL>
+                      <a:noFill/>
+                    </a:lnL>
+                    <a:lnR>
+                      <a:noFill/>
+                    </a:lnR>
+                    <a:lnT>
+                      <a:noFill/>
+                    </a:lnT>
+                    <a:lnB>
+                      <a:noFill/>
+                    </a:lnB>
+                  </a:tcPr>
+                </a:tc>
+                <a:tc>
+                  <a:txBody>
+                    <a:bodyPr/>
+                    <a:lstStyle/>
+                    <a:p>
+                      <a:pPr algn="ctr"/>
+                      <a:r>
                         <a:rPr lang="en-CA" sz="1600" dirty="0" smtClean="0">
                           <a:solidFill>
                             <a:schemeClr val="tx1"/>
                           </a:solidFill>
                           <a:latin typeface="Gill Sans MT" panose="020B0502020104020203" pitchFamily="34" charset="0"/>
                         </a:rPr>
-                        <a:t>Interdisciplinary Longitudinal Study</a:t>
+                        <a:t>ILSE</a:t>
                       </a:r>
                       <a:endParaRPr lang="en-CA" sz="1600" dirty="0">
                         <a:solidFill>
@@ -12261,13 +13624,51 @@
                     <a:p>
                       <a:pPr algn="r"/>
                       <a:r>
+                        <a:rPr lang="en-CA" sz="1400" b="0" smtClean="0">
+                          <a:solidFill>
+                            <a:schemeClr val="tx1"/>
+                          </a:solidFill>
+                          <a:latin typeface="+mj-lt"/>
+                        </a:rPr>
+                        <a:t>Normative Aging Study</a:t>
+                      </a:r>
+                      <a:endParaRPr lang="en-CA" sz="1400" b="0" dirty="0">
+                        <a:solidFill>
+                          <a:schemeClr val="tx1"/>
+                        </a:solidFill>
+                        <a:latin typeface="+mj-lt"/>
+                      </a:endParaRPr>
+                    </a:p>
+                  </a:txBody>
+                  <a:tcPr anchor="ctr">
+                    <a:lnL>
+                      <a:noFill/>
+                    </a:lnL>
+                    <a:lnR>
+                      <a:noFill/>
+                    </a:lnR>
+                    <a:lnT>
+                      <a:noFill/>
+                    </a:lnT>
+                    <a:lnB>
+                      <a:noFill/>
+                    </a:lnB>
+                  </a:tcPr>
+                </a:tc>
+                <a:tc>
+                  <a:txBody>
+                    <a:bodyPr/>
+                    <a:lstStyle/>
+                    <a:p>
+                      <a:pPr algn="ctr"/>
+                      <a:r>
                         <a:rPr lang="en-CA" sz="1600" dirty="0" smtClean="0">
                           <a:solidFill>
                             <a:schemeClr val="tx1"/>
                           </a:solidFill>
                           <a:latin typeface="Gill Sans MT" panose="020B0502020104020203" pitchFamily="34" charset="0"/>
                         </a:rPr>
-                        <a:t>Normative Aging Study</a:t>
+                        <a:t>NAS</a:t>
                       </a:r>
                       <a:endParaRPr lang="en-CA" sz="1600" dirty="0">
                         <a:solidFill>
@@ -12350,7 +13751,48 @@
                     <a:p>
                       <a:pPr algn="r"/>
                       <a:r>
-                        <a:rPr lang="en-CA" sz="1600" dirty="0">
+                        <a:rPr lang="en-US" sz="1400" b="0" i="0" kern="1200" dirty="0" smtClean="0">
+                          <a:solidFill>
+                            <a:schemeClr val="tx1"/>
+                          </a:solidFill>
+                          <a:effectLst/>
+                          <a:latin typeface="+mj-lt"/>
+                          <a:ea typeface="+mn-ea"/>
+                          <a:cs typeface="+mn-cs"/>
+                        </a:rPr>
+                        <a:t>Quebec Longitudinal Study on Nutrition and Aging</a:t>
+                      </a:r>
+                      <a:endParaRPr lang="en-CA" sz="1400" b="0" dirty="0">
+                        <a:solidFill>
+                          <a:schemeClr val="tx1"/>
+                        </a:solidFill>
+                        <a:latin typeface="+mj-lt"/>
+                      </a:endParaRPr>
+                    </a:p>
+                  </a:txBody>
+                  <a:tcPr anchor="ctr">
+                    <a:lnL>
+                      <a:noFill/>
+                    </a:lnL>
+                    <a:lnR>
+                      <a:noFill/>
+                    </a:lnR>
+                    <a:lnT>
+                      <a:noFill/>
+                    </a:lnT>
+                    <a:lnB>
+                      <a:noFill/>
+                    </a:lnB>
+                  </a:tcPr>
+                </a:tc>
+                <a:tc>
+                  <a:txBody>
+                    <a:bodyPr/>
+                    <a:lstStyle/>
+                    <a:p>
+                      <a:pPr algn="ctr"/>
+                      <a:r>
+                        <a:rPr lang="en-CA" sz="1600" dirty="0" err="1" smtClean="0">
                           <a:solidFill>
                             <a:schemeClr val="tx1"/>
                           </a:solidFill>
@@ -12358,6 +13800,12 @@
                         </a:rPr>
                         <a:t>NuAge</a:t>
                       </a:r>
+                      <a:endParaRPr lang="en-CA" sz="1600" dirty="0">
+                        <a:solidFill>
+                          <a:schemeClr val="tx1"/>
+                        </a:solidFill>
+                        <a:latin typeface="Gill Sans MT" panose="020B0502020104020203" pitchFamily="34" charset="0"/>
+                      </a:endParaRPr>
                     </a:p>
                   </a:txBody>
                   <a:tcPr anchor="ctr">
@@ -12441,16 +13889,95 @@
                     <a:bodyPr/>
                     <a:lstStyle/>
                     <a:p>
-                      <a:pPr algn="r"/>
+                      <a:pPr marL="0" marR="0" indent="0" algn="r" defTabSz="685800" rtl="0" eaLnBrk="1" fontAlgn="auto" latinLnBrk="0" hangingPunct="1">
+                        <a:lnSpc>
+                          <a:spcPct val="100000"/>
+                        </a:lnSpc>
+                        <a:spcBef>
+                          <a:spcPts val="0"/>
+                        </a:spcBef>
+                        <a:spcAft>
+                          <a:spcPts val="0"/>
+                        </a:spcAft>
+                        <a:buClrTx/>
+                        <a:buSzTx/>
+                        <a:buFontTx/>
+                        <a:buNone/>
+                        <a:tabLst/>
+                        <a:defRPr/>
+                      </a:pPr>
                       <a:r>
-                        <a:rPr lang="en-CA" sz="1600" dirty="0">
+                        <a:rPr lang="en-CA" sz="1400" b="0" i="0" u="none" strike="noStrike" kern="1200" dirty="0" smtClean="0">
+                          <a:solidFill>
+                            <a:schemeClr val="tx1"/>
+                          </a:solidFill>
+                          <a:effectLst/>
+                          <a:latin typeface="+mj-lt"/>
+                          <a:ea typeface="+mn-ea"/>
+                          <a:cs typeface="+mn-cs"/>
+                        </a:rPr>
+                        <a:t>Octogenarian Twins</a:t>
+                      </a:r>
+                      <a:endParaRPr lang="en-CA" sz="1400" b="0" dirty="0">
+                        <a:solidFill>
+                          <a:schemeClr val="tx1"/>
+                        </a:solidFill>
+                        <a:latin typeface="+mj-lt"/>
+                      </a:endParaRPr>
+                    </a:p>
+                  </a:txBody>
+                  <a:tcPr anchor="ctr">
+                    <a:lnL>
+                      <a:noFill/>
+                    </a:lnL>
+                    <a:lnR>
+                      <a:noFill/>
+                    </a:lnR>
+                    <a:lnT>
+                      <a:noFill/>
+                    </a:lnT>
+                    <a:lnB>
+                      <a:noFill/>
+                    </a:lnB>
+                  </a:tcPr>
+                </a:tc>
+                <a:tc>
+                  <a:txBody>
+                    <a:bodyPr/>
+                    <a:lstStyle/>
+                    <a:p>
+                      <a:pPr marL="0" marR="0" indent="0" algn="ctr" defTabSz="685800" rtl="0" eaLnBrk="1" fontAlgn="auto" latinLnBrk="0" hangingPunct="1">
+                        <a:lnSpc>
+                          <a:spcPct val="100000"/>
+                        </a:lnSpc>
+                        <a:spcBef>
+                          <a:spcPts val="0"/>
+                        </a:spcBef>
+                        <a:spcAft>
+                          <a:spcPts val="0"/>
+                        </a:spcAft>
+                        <a:buClrTx/>
+                        <a:buSzTx/>
+                        <a:buFontTx/>
+                        <a:buNone/>
+                        <a:tabLst/>
+                        <a:defRPr/>
+                      </a:pPr>
+                      <a:r>
+                        <a:rPr lang="en-CA" sz="1600" dirty="0" smtClean="0">
                           <a:solidFill>
                             <a:schemeClr val="tx1"/>
                           </a:solidFill>
                           <a:latin typeface="Gill Sans MT" panose="020B0502020104020203" pitchFamily="34" charset="0"/>
                         </a:rPr>
-                        <a:t>OCTO-Twin</a:t>
+                        <a:t>OCTO</a:t>
                       </a:r>
+                      <a:endParaRPr lang="en-CA" sz="1600" dirty="0">
+                        <a:solidFill>
+                          <a:schemeClr val="tx1"/>
+                        </a:solidFill>
+                        <a:latin typeface="Gill Sans MT" panose="020B0502020104020203" pitchFamily="34" charset="0"/>
+                      </a:endParaRPr>
                     </a:p>
                   </a:txBody>
                   <a:tcPr anchor="ctr">
@@ -12526,13 +14053,51 @@
                     <a:p>
                       <a:pPr algn="r"/>
                       <a:r>
+                        <a:rPr lang="en-CA" sz="1400" b="0" dirty="0" smtClean="0">
+                          <a:solidFill>
+                            <a:schemeClr val="tx1"/>
+                          </a:solidFill>
+                          <a:latin typeface="+mj-lt"/>
+                        </a:rPr>
+                        <a:t>Rush Memory and Aging Project</a:t>
+                      </a:r>
+                      <a:endParaRPr lang="en-CA" sz="1400" b="0" dirty="0">
+                        <a:solidFill>
+                          <a:schemeClr val="tx1"/>
+                        </a:solidFill>
+                        <a:latin typeface="+mj-lt"/>
+                      </a:endParaRPr>
+                    </a:p>
+                  </a:txBody>
+                  <a:tcPr anchor="ctr">
+                    <a:lnL>
+                      <a:noFill/>
+                    </a:lnL>
+                    <a:lnR>
+                      <a:noFill/>
+                    </a:lnR>
+                    <a:lnT>
+                      <a:noFill/>
+                    </a:lnT>
+                    <a:lnB>
+                      <a:noFill/>
+                    </a:lnB>
+                  </a:tcPr>
+                </a:tc>
+                <a:tc>
+                  <a:txBody>
+                    <a:bodyPr/>
+                    <a:lstStyle/>
+                    <a:p>
+                      <a:pPr algn="ctr"/>
+                      <a:r>
                         <a:rPr lang="en-CA" sz="1600" dirty="0" smtClean="0">
                           <a:solidFill>
                             <a:schemeClr val="tx1"/>
                           </a:solidFill>
                           <a:latin typeface="Gill Sans MT" panose="020B0502020104020203" pitchFamily="34" charset="0"/>
                         </a:rPr>
-                        <a:t>Rush Memory and Aging Project</a:t>
+                        <a:t>MAP</a:t>
                       </a:r>
                       <a:endParaRPr lang="en-CA" sz="1600" dirty="0">
                         <a:solidFill>
@@ -12603,9 +14168,66 @@
                     <a:bodyPr/>
                     <a:lstStyle/>
                     <a:p>
-                      <a:pPr algn="r"/>
+                      <a:pPr marL="0" marR="0" indent="0" algn="r" defTabSz="685800" rtl="0" eaLnBrk="1" fontAlgn="auto" latinLnBrk="0" hangingPunct="1">
+                        <a:lnSpc>
+                          <a:spcPct val="100000"/>
+                        </a:lnSpc>
+                        <a:spcBef>
+                          <a:spcPts val="0"/>
+                        </a:spcBef>
+                        <a:spcAft>
+                          <a:spcPts val="0"/>
+                        </a:spcAft>
+                        <a:buClrTx/>
+                        <a:buSzTx/>
+                        <a:buFontTx/>
+                        <a:buNone/>
+                        <a:tabLst/>
+                        <a:defRPr/>
+                      </a:pPr>
                       <a:r>
-                        <a:rPr lang="en-CA" sz="1600" dirty="0">
+                        <a:rPr lang="en-US" sz="1400" b="0" i="0" u="none" strike="noStrike" kern="1200" dirty="0" smtClean="0">
+                          <a:solidFill>
+                            <a:schemeClr val="tx1"/>
+                          </a:solidFill>
+                          <a:effectLst/>
+                          <a:latin typeface="+mj-lt"/>
+                          <a:ea typeface="+mn-ea"/>
+                          <a:cs typeface="+mn-cs"/>
+                        </a:rPr>
+                        <a:t>Swedish Adoption Twin Study of Aging</a:t>
+                      </a:r>
+                      <a:endParaRPr lang="en-CA" sz="1400" b="0" dirty="0">
+                        <a:solidFill>
+                          <a:schemeClr val="tx1"/>
+                        </a:solidFill>
+                        <a:latin typeface="+mj-lt"/>
+                      </a:endParaRPr>
+                    </a:p>
+                  </a:txBody>
+                  <a:tcPr anchor="ctr">
+                    <a:lnL>
+                      <a:noFill/>
+                    </a:lnL>
+                    <a:lnR>
+                      <a:noFill/>
+                    </a:lnR>
+                    <a:lnT>
+                      <a:noFill/>
+                    </a:lnT>
+                    <a:lnB>
+                      <a:noFill/>
+                    </a:lnB>
+                  </a:tcPr>
+                </a:tc>
+                <a:tc>
+                  <a:txBody>
+                    <a:bodyPr/>
+                    <a:lstStyle/>
+                    <a:p>
+                      <a:pPr algn="ctr"/>
+                      <a:r>
+                        <a:rPr lang="en-CA" sz="1600" dirty="0" smtClean="0">
                           <a:solidFill>
                             <a:schemeClr val="tx1"/>
                           </a:solidFill>
@@ -12613,6 +14235,12 @@
                         </a:rPr>
                         <a:t>SATSA</a:t>
                       </a:r>
+                      <a:endParaRPr lang="en-CA" sz="1600" dirty="0">
+                        <a:solidFill>
+                          <a:schemeClr val="tx1"/>
+                        </a:solidFill>
+                        <a:latin typeface="Gill Sans MT" panose="020B0502020104020203" pitchFamily="34" charset="0"/>
+                      </a:endParaRPr>
                     </a:p>
                   </a:txBody>
                   <a:tcPr anchor="ctr">
@@ -12960,8 +14588,12 @@
               <a:t>functioning </a:t>
             </a:r>
             <a:r>
+              <a:rPr lang="en-CA" sz="1600" dirty="0" smtClean="0"/>
+              <a:t>(e.g., </a:t>
+            </a:r>
+            <a:r>
               <a:rPr lang="en-CA" sz="1600" dirty="0"/>
-              <a:t>(i.e., grip strength, pulmonary </a:t>
+              <a:t>grip strength, pulmonary </a:t>
             </a:r>
             <a:r>
               <a:rPr lang="en-CA" sz="1600" dirty="0" smtClean="0"/>
@@ -12984,8 +14616,8 @@
               <a:t>functioning </a:t>
             </a:r>
             <a:r>
-              <a:rPr lang="en-CA" sz="1600" dirty="0"/>
-              <a:t>(i.e., </a:t>
+              <a:rPr lang="en-CA" sz="1600" dirty="0" smtClean="0"/>
+              <a:t>(e.g., </a:t>
             </a:r>
             <a:r>
               <a:rPr lang="en-CA" sz="1600" dirty="0" smtClean="0"/>
@@ -13112,6 +14744,1453 @@
 </file>
 
 <file path=ppt/slides/slide5.xml><?xml version="1.0" encoding="utf-8"?>
+<p:sld xmlns:a="http://schemas.openxmlformats.org/drawingml/2006/main" xmlns:r="http://schemas.openxmlformats.org/officeDocument/2006/relationships" xmlns:p="http://schemas.openxmlformats.org/presentationml/2006/main">
+  <p:cSld>
+    <p:bg>
+      <p:bgPr>
+        <a:solidFill>
+          <a:schemeClr val="bg1"/>
+        </a:solidFill>
+        <a:effectLst/>
+      </p:bgPr>
+    </p:bg>
+    <p:spTree>
+      <p:nvGrpSpPr>
+        <p:cNvPr id="1" name=""/>
+        <p:cNvGrpSpPr/>
+        <p:nvPr/>
+      </p:nvGrpSpPr>
+      <p:grpSpPr>
+        <a:xfrm>
+          <a:off x="0" y="0"/>
+          <a:ext cx="0" cy="0"/>
+          <a:chOff x="0" y="0"/>
+          <a:chExt cx="0" cy="0"/>
+        </a:xfrm>
+      </p:grpSpPr>
+      <p:graphicFrame>
+        <p:nvGraphicFramePr>
+          <p:cNvPr id="4" name="Content Placeholder 3"/>
+          <p:cNvGraphicFramePr>
+            <a:graphicFrameLocks noGrp="1"/>
+          </p:cNvGraphicFramePr>
+          <p:nvPr>
+            <p:ph idx="1"/>
+            <p:extLst>
+              <p:ext uri="{D42A27DB-BD31-4B8C-83A1-F6EECF244321}">
+                <p14:modId xmlns:p14="http://schemas.microsoft.com/office/powerpoint/2010/main" val="3153934890"/>
+              </p:ext>
+            </p:extLst>
+          </p:nvPr>
+        </p:nvGraphicFramePr>
+        <p:xfrm>
+          <a:off x="-289560" y="1068706"/>
+          <a:ext cx="7252855" cy="3352800"/>
+        </p:xfrm>
+        <a:graphic>
+          <a:graphicData uri="http://schemas.openxmlformats.org/drawingml/2006/table">
+            <a:tbl>
+              <a:tblPr/>
+              <a:tblGrid>
+                <a:gridCol w="4308762"/>
+                <a:gridCol w="921327"/>
+                <a:gridCol w="2022766"/>
+              </a:tblGrid>
+              <a:tr h="0">
+                <a:tc>
+                  <a:txBody>
+                    <a:bodyPr/>
+                    <a:lstStyle/>
+                    <a:p>
+                      <a:pPr algn="r"/>
+                      <a:r>
+                        <a:rPr lang="en-CA" sz="1600" b="1" dirty="0">
+                          <a:solidFill>
+                            <a:schemeClr val="tx1"/>
+                          </a:solidFill>
+                          <a:latin typeface="Gill Sans MT" panose="020B0502020104020203" pitchFamily="34" charset="0"/>
+                        </a:rPr>
+                        <a:t>Study</a:t>
+                      </a:r>
+                    </a:p>
+                  </a:txBody>
+                  <a:tcPr anchor="ctr">
+                    <a:lnL>
+                      <a:noFill/>
+                    </a:lnL>
+                    <a:lnR>
+                      <a:noFill/>
+                    </a:lnR>
+                    <a:lnT>
+                      <a:noFill/>
+                    </a:lnT>
+                    <a:lnB>
+                      <a:noFill/>
+                    </a:lnB>
+                  </a:tcPr>
+                </a:tc>
+                <a:tc>
+                  <a:txBody>
+                    <a:bodyPr/>
+                    <a:lstStyle/>
+                    <a:p>
+                      <a:pPr algn="r"/>
+                      <a:endParaRPr lang="en-CA" sz="1600" b="1" dirty="0">
+                        <a:solidFill>
+                          <a:schemeClr val="tx1"/>
+                        </a:solidFill>
+                        <a:latin typeface="Gill Sans MT" panose="020B0502020104020203" pitchFamily="34" charset="0"/>
+                      </a:endParaRPr>
+                    </a:p>
+                  </a:txBody>
+                  <a:tcPr anchor="ctr">
+                    <a:lnL>
+                      <a:noFill/>
+                    </a:lnL>
+                    <a:lnR>
+                      <a:noFill/>
+                    </a:lnR>
+                    <a:lnT>
+                      <a:noFill/>
+                    </a:lnT>
+                    <a:lnB>
+                      <a:noFill/>
+                    </a:lnB>
+                  </a:tcPr>
+                </a:tc>
+                <a:tc>
+                  <a:txBody>
+                    <a:bodyPr/>
+                    <a:lstStyle/>
+                    <a:p>
+                      <a:pPr algn="l"/>
+                      <a:r>
+                        <a:rPr lang="en-CA" sz="1600" b="1" dirty="0" smtClean="0">
+                          <a:solidFill>
+                            <a:schemeClr val="tx1"/>
+                          </a:solidFill>
+                          <a:latin typeface="Gill Sans MT" panose="020B0502020104020203" pitchFamily="34" charset="0"/>
+                        </a:rPr>
+                        <a:t>Driver</a:t>
+                      </a:r>
+                      <a:endParaRPr lang="en-CA" sz="1600" b="1" dirty="0">
+                        <a:solidFill>
+                          <a:schemeClr val="tx1"/>
+                        </a:solidFill>
+                        <a:latin typeface="Gill Sans MT" panose="020B0502020104020203" pitchFamily="34" charset="0"/>
+                      </a:endParaRPr>
+                    </a:p>
+                  </a:txBody>
+                  <a:tcPr anchor="ctr">
+                    <a:lnL>
+                      <a:noFill/>
+                    </a:lnL>
+                    <a:lnR>
+                      <a:noFill/>
+                    </a:lnR>
+                    <a:lnT>
+                      <a:noFill/>
+                    </a:lnT>
+                    <a:lnB>
+                      <a:noFill/>
+                    </a:lnB>
+                  </a:tcPr>
+                </a:tc>
+              </a:tr>
+              <a:tr h="0">
+                <a:tc>
+                  <a:txBody>
+                    <a:bodyPr/>
+                    <a:lstStyle/>
+                    <a:p>
+                      <a:pPr algn="r"/>
+                      <a:r>
+                        <a:rPr lang="en-CA" sz="1400" b="0" smtClean="0">
+                          <a:solidFill>
+                            <a:schemeClr val="tx1"/>
+                          </a:solidFill>
+                          <a:latin typeface="+mj-lt"/>
+                        </a:rPr>
+                        <a:t>Einstein Aging Study</a:t>
+                      </a:r>
+                      <a:endParaRPr lang="en-CA" sz="1400" b="0" dirty="0">
+                        <a:solidFill>
+                          <a:schemeClr val="tx1"/>
+                        </a:solidFill>
+                        <a:latin typeface="+mj-lt"/>
+                      </a:endParaRPr>
+                    </a:p>
+                  </a:txBody>
+                  <a:tcPr anchor="ctr">
+                    <a:lnL>
+                      <a:noFill/>
+                    </a:lnL>
+                    <a:lnR>
+                      <a:noFill/>
+                    </a:lnR>
+                    <a:lnT>
+                      <a:noFill/>
+                    </a:lnT>
+                    <a:lnB>
+                      <a:noFill/>
+                    </a:lnB>
+                  </a:tcPr>
+                </a:tc>
+                <a:tc>
+                  <a:txBody>
+                    <a:bodyPr/>
+                    <a:lstStyle/>
+                    <a:p>
+                      <a:pPr algn="ctr"/>
+                      <a:r>
+                        <a:rPr lang="en-CA" sz="1600" dirty="0" smtClean="0">
+                          <a:solidFill>
+                            <a:schemeClr val="tx1"/>
+                          </a:solidFill>
+                          <a:latin typeface="Gill Sans MT" panose="020B0502020104020203" pitchFamily="34" charset="0"/>
+                        </a:rPr>
+                        <a:t>EAS</a:t>
+                      </a:r>
+                      <a:endParaRPr lang="en-CA" sz="1600" dirty="0">
+                        <a:solidFill>
+                          <a:schemeClr val="tx1"/>
+                        </a:solidFill>
+                        <a:latin typeface="Gill Sans MT" panose="020B0502020104020203" pitchFamily="34" charset="0"/>
+                      </a:endParaRPr>
+                    </a:p>
+                  </a:txBody>
+                  <a:tcPr anchor="ctr">
+                    <a:lnL>
+                      <a:noFill/>
+                    </a:lnL>
+                    <a:lnR>
+                      <a:noFill/>
+                    </a:lnR>
+                    <a:lnT>
+                      <a:noFill/>
+                    </a:lnT>
+                    <a:lnB>
+                      <a:noFill/>
+                    </a:lnB>
+                  </a:tcPr>
+                </a:tc>
+                <a:tc>
+                  <a:txBody>
+                    <a:bodyPr/>
+                    <a:lstStyle/>
+                    <a:p>
+                      <a:pPr algn="l"/>
+                      <a:r>
+                        <a:rPr lang="en-CA" sz="1600" dirty="0">
+                          <a:solidFill>
+                            <a:schemeClr val="tx1"/>
+                          </a:solidFill>
+                          <a:latin typeface="Gill Sans MT" panose="020B0502020104020203" pitchFamily="34" charset="0"/>
+                          <a:hlinkClick r:id="rId2"/>
+                        </a:rPr>
+                        <a:t>Andrea </a:t>
+                      </a:r>
+                      <a:r>
+                        <a:rPr lang="en-CA" sz="1600" dirty="0" err="1">
+                          <a:solidFill>
+                            <a:schemeClr val="tx1"/>
+                          </a:solidFill>
+                          <a:latin typeface="Gill Sans MT" panose="020B0502020104020203" pitchFamily="34" charset="0"/>
+                          <a:hlinkClick r:id="rId2"/>
+                        </a:rPr>
+                        <a:t>Zammit</a:t>
+                      </a:r>
+                      <a:endParaRPr lang="en-CA" sz="1600" dirty="0">
+                        <a:solidFill>
+                          <a:schemeClr val="tx1"/>
+                        </a:solidFill>
+                        <a:latin typeface="Gill Sans MT" panose="020B0502020104020203" pitchFamily="34" charset="0"/>
+                      </a:endParaRPr>
+                    </a:p>
+                  </a:txBody>
+                  <a:tcPr anchor="ctr">
+                    <a:lnL>
+                      <a:noFill/>
+                    </a:lnL>
+                    <a:lnR>
+                      <a:noFill/>
+                    </a:lnR>
+                    <a:lnT>
+                      <a:noFill/>
+                    </a:lnT>
+                    <a:lnB>
+                      <a:noFill/>
+                    </a:lnB>
+                  </a:tcPr>
+                </a:tc>
+              </a:tr>
+              <a:tr h="0">
+                <a:tc>
+                  <a:txBody>
+                    <a:bodyPr/>
+                    <a:lstStyle/>
+                    <a:p>
+                      <a:pPr algn="r"/>
+                      <a:r>
+                        <a:rPr lang="en-CA" sz="1400" b="0" dirty="0" smtClean="0">
+                          <a:solidFill>
+                            <a:schemeClr val="tx1"/>
+                          </a:solidFill>
+                          <a:latin typeface="+mj-lt"/>
+                        </a:rPr>
+                        <a:t>English Longitudinal Study of Aging</a:t>
+                      </a:r>
+                      <a:endParaRPr lang="en-CA" sz="1400" b="0" dirty="0">
+                        <a:solidFill>
+                          <a:schemeClr val="tx1"/>
+                        </a:solidFill>
+                        <a:latin typeface="+mj-lt"/>
+                      </a:endParaRPr>
+                    </a:p>
+                  </a:txBody>
+                  <a:tcPr anchor="ctr">
+                    <a:lnL>
+                      <a:noFill/>
+                    </a:lnL>
+                    <a:lnR>
+                      <a:noFill/>
+                    </a:lnR>
+                    <a:lnT>
+                      <a:noFill/>
+                    </a:lnT>
+                    <a:lnB>
+                      <a:noFill/>
+                    </a:lnB>
+                  </a:tcPr>
+                </a:tc>
+                <a:tc>
+                  <a:txBody>
+                    <a:bodyPr/>
+                    <a:lstStyle/>
+                    <a:p>
+                      <a:pPr algn="ctr"/>
+                      <a:r>
+                        <a:rPr lang="en-CA" sz="1600" dirty="0" smtClean="0">
+                          <a:solidFill>
+                            <a:schemeClr val="tx1"/>
+                          </a:solidFill>
+                          <a:latin typeface="Gill Sans MT" panose="020B0502020104020203" pitchFamily="34" charset="0"/>
+                        </a:rPr>
+                        <a:t>ELSA</a:t>
+                      </a:r>
+                      <a:endParaRPr lang="en-CA" sz="1600" dirty="0">
+                        <a:solidFill>
+                          <a:schemeClr val="tx1"/>
+                        </a:solidFill>
+                        <a:latin typeface="Gill Sans MT" panose="020B0502020104020203" pitchFamily="34" charset="0"/>
+                      </a:endParaRPr>
+                    </a:p>
+                  </a:txBody>
+                  <a:tcPr anchor="ctr">
+                    <a:lnL>
+                      <a:noFill/>
+                    </a:lnL>
+                    <a:lnR>
+                      <a:noFill/>
+                    </a:lnR>
+                    <a:lnT>
+                      <a:noFill/>
+                    </a:lnT>
+                    <a:lnB>
+                      <a:noFill/>
+                    </a:lnB>
+                  </a:tcPr>
+                </a:tc>
+                <a:tc>
+                  <a:txBody>
+                    <a:bodyPr/>
+                    <a:lstStyle/>
+                    <a:p>
+                      <a:pPr algn="l"/>
+                      <a:r>
+                        <a:rPr lang="en-CA" sz="1600" dirty="0">
+                          <a:solidFill>
+                            <a:schemeClr val="tx1"/>
+                          </a:solidFill>
+                          <a:latin typeface="Gill Sans MT" panose="020B0502020104020203" pitchFamily="34" charset="0"/>
+                          <a:hlinkClick r:id="rId3"/>
+                        </a:rPr>
+                        <a:t>Annie </a:t>
+                      </a:r>
+                      <a:r>
+                        <a:rPr lang="en-CA" sz="1600" dirty="0" err="1">
+                          <a:solidFill>
+                            <a:schemeClr val="tx1"/>
+                          </a:solidFill>
+                          <a:latin typeface="Gill Sans MT" panose="020B0502020104020203" pitchFamily="34" charset="0"/>
+                          <a:hlinkClick r:id="rId3"/>
+                        </a:rPr>
+                        <a:t>Robitaille</a:t>
+                      </a:r>
+                      <a:endParaRPr lang="en-CA" sz="1600" dirty="0">
+                        <a:solidFill>
+                          <a:schemeClr val="tx1"/>
+                        </a:solidFill>
+                        <a:latin typeface="Gill Sans MT" panose="020B0502020104020203" pitchFamily="34" charset="0"/>
+                      </a:endParaRPr>
+                    </a:p>
+                  </a:txBody>
+                  <a:tcPr anchor="ctr">
+                    <a:lnL>
+                      <a:noFill/>
+                    </a:lnL>
+                    <a:lnR>
+                      <a:noFill/>
+                    </a:lnR>
+                    <a:lnT>
+                      <a:noFill/>
+                    </a:lnT>
+                    <a:lnB>
+                      <a:noFill/>
+                    </a:lnB>
+                  </a:tcPr>
+                </a:tc>
+              </a:tr>
+              <a:tr h="0">
+                <a:tc>
+                  <a:txBody>
+                    <a:bodyPr/>
+                    <a:lstStyle/>
+                    <a:p>
+                      <a:pPr algn="r"/>
+                      <a:r>
+                        <a:rPr lang="en-CA" sz="1400" b="0" dirty="0" smtClean="0">
+                          <a:solidFill>
+                            <a:schemeClr val="tx1"/>
+                          </a:solidFill>
+                          <a:latin typeface="+mj-lt"/>
+                        </a:rPr>
+                        <a:t>Health and Retirement</a:t>
+                      </a:r>
+                      <a:r>
+                        <a:rPr lang="en-CA" sz="1400" b="0" baseline="0" dirty="0" smtClean="0">
+                          <a:solidFill>
+                            <a:schemeClr val="tx1"/>
+                          </a:solidFill>
+                          <a:latin typeface="+mj-lt"/>
+                        </a:rPr>
+                        <a:t> Study</a:t>
+                      </a:r>
+                      <a:endParaRPr lang="en-CA" sz="1400" b="0" dirty="0">
+                        <a:solidFill>
+                          <a:schemeClr val="tx1"/>
+                        </a:solidFill>
+                        <a:latin typeface="+mj-lt"/>
+                      </a:endParaRPr>
+                    </a:p>
+                  </a:txBody>
+                  <a:tcPr anchor="ctr">
+                    <a:lnL>
+                      <a:noFill/>
+                    </a:lnL>
+                    <a:lnR>
+                      <a:noFill/>
+                    </a:lnR>
+                    <a:lnT>
+                      <a:noFill/>
+                    </a:lnT>
+                    <a:lnB>
+                      <a:noFill/>
+                    </a:lnB>
+                  </a:tcPr>
+                </a:tc>
+                <a:tc>
+                  <a:txBody>
+                    <a:bodyPr/>
+                    <a:lstStyle/>
+                    <a:p>
+                      <a:pPr algn="ctr"/>
+                      <a:r>
+                        <a:rPr lang="en-CA" sz="1600" dirty="0" smtClean="0">
+                          <a:solidFill>
+                            <a:schemeClr val="tx1"/>
+                          </a:solidFill>
+                          <a:latin typeface="Gill Sans MT" panose="020B0502020104020203" pitchFamily="34" charset="0"/>
+                        </a:rPr>
+                        <a:t>HRS</a:t>
+                      </a:r>
+                      <a:endParaRPr lang="en-CA" sz="1600" dirty="0">
+                        <a:solidFill>
+                          <a:schemeClr val="tx1"/>
+                        </a:solidFill>
+                        <a:latin typeface="Gill Sans MT" panose="020B0502020104020203" pitchFamily="34" charset="0"/>
+                      </a:endParaRPr>
+                    </a:p>
+                  </a:txBody>
+                  <a:tcPr anchor="ctr">
+                    <a:lnL>
+                      <a:noFill/>
+                    </a:lnL>
+                    <a:lnR>
+                      <a:noFill/>
+                    </a:lnR>
+                    <a:lnT>
+                      <a:noFill/>
+                    </a:lnT>
+                    <a:lnB>
+                      <a:noFill/>
+                    </a:lnB>
+                  </a:tcPr>
+                </a:tc>
+                <a:tc>
+                  <a:txBody>
+                    <a:bodyPr/>
+                    <a:lstStyle/>
+                    <a:p>
+                      <a:pPr algn="l"/>
+                      <a:r>
+                        <a:rPr lang="en-CA" sz="1600" dirty="0" err="1">
+                          <a:solidFill>
+                            <a:schemeClr val="tx1"/>
+                          </a:solidFill>
+                          <a:latin typeface="Gill Sans MT" panose="020B0502020104020203" pitchFamily="34" charset="0"/>
+                          <a:hlinkClick r:id="rId4"/>
+                        </a:rPr>
+                        <a:t>Chenkai</a:t>
+                      </a:r>
+                      <a:r>
+                        <a:rPr lang="en-CA" sz="1600" dirty="0">
+                          <a:solidFill>
+                            <a:schemeClr val="tx1"/>
+                          </a:solidFill>
+                          <a:latin typeface="Gill Sans MT" panose="020B0502020104020203" pitchFamily="34" charset="0"/>
+                          <a:hlinkClick r:id="rId4"/>
+                        </a:rPr>
+                        <a:t> Wu</a:t>
+                      </a:r>
+                      <a:endParaRPr lang="en-CA" sz="1600" dirty="0">
+                        <a:solidFill>
+                          <a:schemeClr val="tx1"/>
+                        </a:solidFill>
+                        <a:latin typeface="Gill Sans MT" panose="020B0502020104020203" pitchFamily="34" charset="0"/>
+                      </a:endParaRPr>
+                    </a:p>
+                  </a:txBody>
+                  <a:tcPr anchor="ctr">
+                    <a:lnL>
+                      <a:noFill/>
+                    </a:lnL>
+                    <a:lnR>
+                      <a:noFill/>
+                    </a:lnR>
+                    <a:lnT>
+                      <a:noFill/>
+                    </a:lnT>
+                    <a:lnB>
+                      <a:noFill/>
+                    </a:lnB>
+                  </a:tcPr>
+                </a:tc>
+              </a:tr>
+              <a:tr h="0">
+                <a:tc>
+                  <a:txBody>
+                    <a:bodyPr/>
+                    <a:lstStyle/>
+                    <a:p>
+                      <a:pPr algn="r"/>
+                      <a:r>
+                        <a:rPr lang="en-CA" sz="1400" b="0" smtClean="0">
+                          <a:solidFill>
+                            <a:schemeClr val="tx1"/>
+                          </a:solidFill>
+                          <a:latin typeface="+mj-lt"/>
+                        </a:rPr>
+                        <a:t>Interdisciplinary Longitudinal Study of Aging</a:t>
+                      </a:r>
+                      <a:endParaRPr lang="en-CA" sz="1400" b="0" dirty="0">
+                        <a:solidFill>
+                          <a:schemeClr val="tx1"/>
+                        </a:solidFill>
+                        <a:latin typeface="+mj-lt"/>
+                      </a:endParaRPr>
+                    </a:p>
+                  </a:txBody>
+                  <a:tcPr anchor="ctr">
+                    <a:lnL>
+                      <a:noFill/>
+                    </a:lnL>
+                    <a:lnR>
+                      <a:noFill/>
+                    </a:lnR>
+                    <a:lnT>
+                      <a:noFill/>
+                    </a:lnT>
+                    <a:lnB>
+                      <a:noFill/>
+                    </a:lnB>
+                  </a:tcPr>
+                </a:tc>
+                <a:tc>
+                  <a:txBody>
+                    <a:bodyPr/>
+                    <a:lstStyle/>
+                    <a:p>
+                      <a:pPr algn="ctr"/>
+                      <a:r>
+                        <a:rPr lang="en-CA" sz="1600" dirty="0" smtClean="0">
+                          <a:solidFill>
+                            <a:schemeClr val="tx1"/>
+                          </a:solidFill>
+                          <a:latin typeface="Gill Sans MT" panose="020B0502020104020203" pitchFamily="34" charset="0"/>
+                        </a:rPr>
+                        <a:t>ILSE</a:t>
+                      </a:r>
+                      <a:endParaRPr lang="en-CA" sz="1600" dirty="0">
+                        <a:solidFill>
+                          <a:schemeClr val="tx1"/>
+                        </a:solidFill>
+                        <a:latin typeface="Gill Sans MT" panose="020B0502020104020203" pitchFamily="34" charset="0"/>
+                      </a:endParaRPr>
+                    </a:p>
+                  </a:txBody>
+                  <a:tcPr anchor="ctr">
+                    <a:lnL>
+                      <a:noFill/>
+                    </a:lnL>
+                    <a:lnR>
+                      <a:noFill/>
+                    </a:lnR>
+                    <a:lnT>
+                      <a:noFill/>
+                    </a:lnT>
+                    <a:lnB>
+                      <a:noFill/>
+                    </a:lnB>
+                  </a:tcPr>
+                </a:tc>
+                <a:tc>
+                  <a:txBody>
+                    <a:bodyPr/>
+                    <a:lstStyle/>
+                    <a:p>
+                      <a:pPr algn="l"/>
+                      <a:r>
+                        <a:rPr lang="en-CA" sz="1600" dirty="0">
+                          <a:solidFill>
+                            <a:schemeClr val="tx1"/>
+                          </a:solidFill>
+                          <a:latin typeface="Gill Sans MT" panose="020B0502020104020203" pitchFamily="34" charset="0"/>
+                          <a:hlinkClick r:id="rId5"/>
+                        </a:rPr>
+                        <a:t>Philipp </a:t>
+                      </a:r>
+                      <a:r>
+                        <a:rPr lang="en-CA" sz="1600" dirty="0" err="1">
+                          <a:solidFill>
+                            <a:schemeClr val="tx1"/>
+                          </a:solidFill>
+                          <a:latin typeface="Gill Sans MT" panose="020B0502020104020203" pitchFamily="34" charset="0"/>
+                          <a:hlinkClick r:id="rId5"/>
+                        </a:rPr>
+                        <a:t>Handschuh</a:t>
+                      </a:r>
+                      <a:endParaRPr lang="en-CA" sz="1600" dirty="0">
+                        <a:solidFill>
+                          <a:schemeClr val="tx1"/>
+                        </a:solidFill>
+                        <a:latin typeface="Gill Sans MT" panose="020B0502020104020203" pitchFamily="34" charset="0"/>
+                      </a:endParaRPr>
+                    </a:p>
+                  </a:txBody>
+                  <a:tcPr anchor="ctr">
+                    <a:lnL>
+                      <a:noFill/>
+                    </a:lnL>
+                    <a:lnR>
+                      <a:noFill/>
+                    </a:lnR>
+                    <a:lnT>
+                      <a:noFill/>
+                    </a:lnT>
+                    <a:lnB>
+                      <a:noFill/>
+                    </a:lnB>
+                  </a:tcPr>
+                </a:tc>
+              </a:tr>
+              <a:tr h="0">
+                <a:tc>
+                  <a:txBody>
+                    <a:bodyPr/>
+                    <a:lstStyle/>
+                    <a:p>
+                      <a:pPr algn="r"/>
+                      <a:r>
+                        <a:rPr lang="en-CA" sz="1400" b="0" smtClean="0">
+                          <a:solidFill>
+                            <a:schemeClr val="tx1"/>
+                          </a:solidFill>
+                          <a:latin typeface="+mj-lt"/>
+                        </a:rPr>
+                        <a:t>Normative Aging Study</a:t>
+                      </a:r>
+                      <a:endParaRPr lang="en-CA" sz="1400" b="0" dirty="0">
+                        <a:solidFill>
+                          <a:schemeClr val="tx1"/>
+                        </a:solidFill>
+                        <a:latin typeface="+mj-lt"/>
+                      </a:endParaRPr>
+                    </a:p>
+                  </a:txBody>
+                  <a:tcPr anchor="ctr">
+                    <a:lnL>
+                      <a:noFill/>
+                    </a:lnL>
+                    <a:lnR>
+                      <a:noFill/>
+                    </a:lnR>
+                    <a:lnT>
+                      <a:noFill/>
+                    </a:lnT>
+                    <a:lnB>
+                      <a:noFill/>
+                    </a:lnB>
+                  </a:tcPr>
+                </a:tc>
+                <a:tc>
+                  <a:txBody>
+                    <a:bodyPr/>
+                    <a:lstStyle/>
+                    <a:p>
+                      <a:pPr algn="ctr"/>
+                      <a:r>
+                        <a:rPr lang="en-CA" sz="1600" dirty="0" smtClean="0">
+                          <a:solidFill>
+                            <a:schemeClr val="tx1"/>
+                          </a:solidFill>
+                          <a:latin typeface="Gill Sans MT" panose="020B0502020104020203" pitchFamily="34" charset="0"/>
+                        </a:rPr>
+                        <a:t>NAS</a:t>
+                      </a:r>
+                      <a:endParaRPr lang="en-CA" sz="1600" dirty="0">
+                        <a:solidFill>
+                          <a:schemeClr val="tx1"/>
+                        </a:solidFill>
+                        <a:latin typeface="Gill Sans MT" panose="020B0502020104020203" pitchFamily="34" charset="0"/>
+                      </a:endParaRPr>
+                    </a:p>
+                  </a:txBody>
+                  <a:tcPr anchor="ctr">
+                    <a:lnL>
+                      <a:noFill/>
+                    </a:lnL>
+                    <a:lnR>
+                      <a:noFill/>
+                    </a:lnR>
+                    <a:lnT>
+                      <a:noFill/>
+                    </a:lnT>
+                    <a:lnB>
+                      <a:noFill/>
+                    </a:lnB>
+                  </a:tcPr>
+                </a:tc>
+                <a:tc>
+                  <a:txBody>
+                    <a:bodyPr/>
+                    <a:lstStyle/>
+                    <a:p>
+                      <a:pPr algn="l"/>
+                      <a:r>
+                        <a:rPr lang="en-CA" sz="1600" dirty="0" err="1">
+                          <a:solidFill>
+                            <a:schemeClr val="tx1"/>
+                          </a:solidFill>
+                          <a:latin typeface="Gill Sans MT" panose="020B0502020104020203" pitchFamily="34" charset="0"/>
+                          <a:hlinkClick r:id="rId6"/>
+                        </a:rPr>
+                        <a:t>Lewina</a:t>
+                      </a:r>
+                      <a:r>
+                        <a:rPr lang="en-CA" sz="1600" dirty="0">
+                          <a:solidFill>
+                            <a:schemeClr val="tx1"/>
+                          </a:solidFill>
+                          <a:latin typeface="Gill Sans MT" panose="020B0502020104020203" pitchFamily="34" charset="0"/>
+                          <a:hlinkClick r:id="rId6"/>
+                        </a:rPr>
+                        <a:t> Lee</a:t>
+                      </a:r>
+                      <a:endParaRPr lang="en-CA" sz="1600" dirty="0">
+                        <a:solidFill>
+                          <a:schemeClr val="tx1"/>
+                        </a:solidFill>
+                        <a:latin typeface="Gill Sans MT" panose="020B0502020104020203" pitchFamily="34" charset="0"/>
+                      </a:endParaRPr>
+                    </a:p>
+                  </a:txBody>
+                  <a:tcPr anchor="ctr">
+                    <a:lnL>
+                      <a:noFill/>
+                    </a:lnL>
+                    <a:lnR>
+                      <a:noFill/>
+                    </a:lnR>
+                    <a:lnT>
+                      <a:noFill/>
+                    </a:lnT>
+                    <a:lnB>
+                      <a:noFill/>
+                    </a:lnB>
+                  </a:tcPr>
+                </a:tc>
+              </a:tr>
+              <a:tr h="0">
+                <a:tc>
+                  <a:txBody>
+                    <a:bodyPr/>
+                    <a:lstStyle/>
+                    <a:p>
+                      <a:pPr algn="r"/>
+                      <a:r>
+                        <a:rPr lang="en-US" sz="1400" b="0" i="0" kern="1200" dirty="0" smtClean="0">
+                          <a:solidFill>
+                            <a:schemeClr val="tx1"/>
+                          </a:solidFill>
+                          <a:effectLst/>
+                          <a:latin typeface="+mj-lt"/>
+                          <a:ea typeface="+mn-ea"/>
+                          <a:cs typeface="+mn-cs"/>
+                        </a:rPr>
+                        <a:t>Quebec Longitudinal Study on Nutrition and Aging</a:t>
+                      </a:r>
+                      <a:endParaRPr lang="en-CA" sz="1400" b="0" dirty="0">
+                        <a:solidFill>
+                          <a:schemeClr val="tx1"/>
+                        </a:solidFill>
+                        <a:latin typeface="+mj-lt"/>
+                      </a:endParaRPr>
+                    </a:p>
+                  </a:txBody>
+                  <a:tcPr anchor="ctr">
+                    <a:lnL>
+                      <a:noFill/>
+                    </a:lnL>
+                    <a:lnR>
+                      <a:noFill/>
+                    </a:lnR>
+                    <a:lnT>
+                      <a:noFill/>
+                    </a:lnT>
+                    <a:lnB>
+                      <a:noFill/>
+                    </a:lnB>
+                  </a:tcPr>
+                </a:tc>
+                <a:tc>
+                  <a:txBody>
+                    <a:bodyPr/>
+                    <a:lstStyle/>
+                    <a:p>
+                      <a:pPr algn="ctr"/>
+                      <a:r>
+                        <a:rPr lang="en-CA" sz="1600" dirty="0" err="1" smtClean="0">
+                          <a:solidFill>
+                            <a:schemeClr val="tx1"/>
+                          </a:solidFill>
+                          <a:latin typeface="Gill Sans MT" panose="020B0502020104020203" pitchFamily="34" charset="0"/>
+                        </a:rPr>
+                        <a:t>NuAge</a:t>
+                      </a:r>
+                      <a:endParaRPr lang="en-CA" sz="1600" dirty="0">
+                        <a:solidFill>
+                          <a:schemeClr val="tx1"/>
+                        </a:solidFill>
+                        <a:latin typeface="Gill Sans MT" panose="020B0502020104020203" pitchFamily="34" charset="0"/>
+                      </a:endParaRPr>
+                    </a:p>
+                  </a:txBody>
+                  <a:tcPr anchor="ctr">
+                    <a:lnL>
+                      <a:noFill/>
+                    </a:lnL>
+                    <a:lnR>
+                      <a:noFill/>
+                    </a:lnR>
+                    <a:lnT>
+                      <a:noFill/>
+                    </a:lnT>
+                    <a:lnB>
+                      <a:noFill/>
+                    </a:lnB>
+                  </a:tcPr>
+                </a:tc>
+                <a:tc>
+                  <a:txBody>
+                    <a:bodyPr/>
+                    <a:lstStyle/>
+                    <a:p>
+                      <a:pPr algn="l"/>
+                      <a:r>
+                        <a:rPr lang="en-CA" sz="1600" dirty="0">
+                          <a:solidFill>
+                            <a:schemeClr val="tx1"/>
+                          </a:solidFill>
+                          <a:latin typeface="Gill Sans MT" panose="020B0502020104020203" pitchFamily="34" charset="0"/>
+                          <a:hlinkClick r:id="rId7"/>
+                        </a:rPr>
+                        <a:t>Valerie </a:t>
+                      </a:r>
+                      <a:r>
+                        <a:rPr lang="en-CA" sz="1600" dirty="0" err="1">
+                          <a:solidFill>
+                            <a:schemeClr val="tx1"/>
+                          </a:solidFill>
+                          <a:latin typeface="Gill Sans MT" panose="020B0502020104020203" pitchFamily="34" charset="0"/>
+                          <a:hlinkClick r:id="rId7"/>
+                        </a:rPr>
+                        <a:t>Jarry</a:t>
+                      </a:r>
+                      <a:r>
+                        <a:rPr lang="en-CA" sz="1600" dirty="0">
+                          <a:solidFill>
+                            <a:schemeClr val="tx1"/>
+                          </a:solidFill>
+                          <a:latin typeface="Gill Sans MT" panose="020B0502020104020203" pitchFamily="34" charset="0"/>
+                          <a:hlinkClick r:id="rId7"/>
+                        </a:rPr>
+                        <a:t> </a:t>
+                      </a:r>
+                      <a:endParaRPr lang="en-CA" sz="1600" dirty="0">
+                        <a:solidFill>
+                          <a:schemeClr val="tx1"/>
+                        </a:solidFill>
+                        <a:latin typeface="Gill Sans MT" panose="020B0502020104020203" pitchFamily="34" charset="0"/>
+                      </a:endParaRPr>
+                    </a:p>
+                  </a:txBody>
+                  <a:tcPr anchor="ctr">
+                    <a:lnL>
+                      <a:noFill/>
+                    </a:lnL>
+                    <a:lnR>
+                      <a:noFill/>
+                    </a:lnR>
+                    <a:lnT>
+                      <a:noFill/>
+                    </a:lnT>
+                    <a:lnB>
+                      <a:noFill/>
+                    </a:lnB>
+                  </a:tcPr>
+                </a:tc>
+              </a:tr>
+              <a:tr h="0">
+                <a:tc>
+                  <a:txBody>
+                    <a:bodyPr/>
+                    <a:lstStyle/>
+                    <a:p>
+                      <a:pPr marL="0" marR="0" indent="0" algn="r" defTabSz="685800" rtl="0" eaLnBrk="1" fontAlgn="auto" latinLnBrk="0" hangingPunct="1">
+                        <a:lnSpc>
+                          <a:spcPct val="100000"/>
+                        </a:lnSpc>
+                        <a:spcBef>
+                          <a:spcPts val="0"/>
+                        </a:spcBef>
+                        <a:spcAft>
+                          <a:spcPts val="0"/>
+                        </a:spcAft>
+                        <a:buClrTx/>
+                        <a:buSzTx/>
+                        <a:buFontTx/>
+                        <a:buNone/>
+                        <a:tabLst/>
+                        <a:defRPr/>
+                      </a:pPr>
+                      <a:r>
+                        <a:rPr lang="en-CA" sz="1400" b="0" i="0" u="none" strike="noStrike" kern="1200" dirty="0" smtClean="0">
+                          <a:solidFill>
+                            <a:schemeClr val="tx1"/>
+                          </a:solidFill>
+                          <a:effectLst/>
+                          <a:latin typeface="+mj-lt"/>
+                          <a:ea typeface="+mn-ea"/>
+                          <a:cs typeface="+mn-cs"/>
+                        </a:rPr>
+                        <a:t>Octogenarian Twins</a:t>
+                      </a:r>
+                      <a:endParaRPr lang="en-CA" sz="1400" b="0" dirty="0">
+                        <a:solidFill>
+                          <a:schemeClr val="tx1"/>
+                        </a:solidFill>
+                        <a:latin typeface="+mj-lt"/>
+                      </a:endParaRPr>
+                    </a:p>
+                  </a:txBody>
+                  <a:tcPr anchor="ctr">
+                    <a:lnL>
+                      <a:noFill/>
+                    </a:lnL>
+                    <a:lnR>
+                      <a:noFill/>
+                    </a:lnR>
+                    <a:lnT>
+                      <a:noFill/>
+                    </a:lnT>
+                    <a:lnB>
+                      <a:noFill/>
+                    </a:lnB>
+                  </a:tcPr>
+                </a:tc>
+                <a:tc>
+                  <a:txBody>
+                    <a:bodyPr/>
+                    <a:lstStyle/>
+                    <a:p>
+                      <a:pPr marL="0" marR="0" indent="0" algn="ctr" defTabSz="685800" rtl="0" eaLnBrk="1" fontAlgn="auto" latinLnBrk="0" hangingPunct="1">
+                        <a:lnSpc>
+                          <a:spcPct val="100000"/>
+                        </a:lnSpc>
+                        <a:spcBef>
+                          <a:spcPts val="0"/>
+                        </a:spcBef>
+                        <a:spcAft>
+                          <a:spcPts val="0"/>
+                        </a:spcAft>
+                        <a:buClrTx/>
+                        <a:buSzTx/>
+                        <a:buFontTx/>
+                        <a:buNone/>
+                        <a:tabLst/>
+                        <a:defRPr/>
+                      </a:pPr>
+                      <a:r>
+                        <a:rPr lang="en-CA" sz="1600" dirty="0" smtClean="0">
+                          <a:solidFill>
+                            <a:schemeClr val="tx1"/>
+                          </a:solidFill>
+                          <a:latin typeface="Gill Sans MT" panose="020B0502020104020203" pitchFamily="34" charset="0"/>
+                        </a:rPr>
+                        <a:t>OCTO</a:t>
+                      </a:r>
+                      <a:endParaRPr lang="en-CA" sz="1600" dirty="0">
+                        <a:solidFill>
+                          <a:schemeClr val="tx1"/>
+                        </a:solidFill>
+                        <a:latin typeface="Gill Sans MT" panose="020B0502020104020203" pitchFamily="34" charset="0"/>
+                      </a:endParaRPr>
+                    </a:p>
+                  </a:txBody>
+                  <a:tcPr anchor="ctr">
+                    <a:lnL>
+                      <a:noFill/>
+                    </a:lnL>
+                    <a:lnR>
+                      <a:noFill/>
+                    </a:lnR>
+                    <a:lnT>
+                      <a:noFill/>
+                    </a:lnT>
+                    <a:lnB>
+                      <a:noFill/>
+                    </a:lnB>
+                  </a:tcPr>
+                </a:tc>
+                <a:tc>
+                  <a:txBody>
+                    <a:bodyPr/>
+                    <a:lstStyle/>
+                    <a:p>
+                      <a:pPr algn="l"/>
+                      <a:r>
+                        <a:rPr lang="en-CA" sz="1600" dirty="0">
+                          <a:solidFill>
+                            <a:schemeClr val="tx1"/>
+                          </a:solidFill>
+                          <a:latin typeface="Gill Sans MT" panose="020B0502020104020203" pitchFamily="34" charset="0"/>
+                          <a:hlinkClick r:id="rId8"/>
+                        </a:rPr>
+                        <a:t>Marcus </a:t>
+                      </a:r>
+                      <a:r>
+                        <a:rPr lang="en-CA" sz="1600" dirty="0" err="1">
+                          <a:solidFill>
+                            <a:schemeClr val="tx1"/>
+                          </a:solidFill>
+                          <a:latin typeface="Gill Sans MT" panose="020B0502020104020203" pitchFamily="34" charset="0"/>
+                          <a:hlinkClick r:id="rId8"/>
+                        </a:rPr>
+                        <a:t>Praetorius</a:t>
+                      </a:r>
+                      <a:endParaRPr lang="en-CA" sz="1600" dirty="0">
+                        <a:solidFill>
+                          <a:schemeClr val="tx1"/>
+                        </a:solidFill>
+                        <a:latin typeface="Gill Sans MT" panose="020B0502020104020203" pitchFamily="34" charset="0"/>
+                      </a:endParaRPr>
+                    </a:p>
+                  </a:txBody>
+                  <a:tcPr anchor="ctr">
+                    <a:lnL>
+                      <a:noFill/>
+                    </a:lnL>
+                    <a:lnR>
+                      <a:noFill/>
+                    </a:lnR>
+                    <a:lnT>
+                      <a:noFill/>
+                    </a:lnT>
+                    <a:lnB>
+                      <a:noFill/>
+                    </a:lnB>
+                  </a:tcPr>
+                </a:tc>
+              </a:tr>
+              <a:tr h="0">
+                <a:tc>
+                  <a:txBody>
+                    <a:bodyPr/>
+                    <a:lstStyle/>
+                    <a:p>
+                      <a:pPr algn="r"/>
+                      <a:r>
+                        <a:rPr lang="en-CA" sz="1400" b="0" dirty="0" smtClean="0">
+                          <a:solidFill>
+                            <a:schemeClr val="tx1"/>
+                          </a:solidFill>
+                          <a:latin typeface="+mj-lt"/>
+                        </a:rPr>
+                        <a:t>Rush Memory and Aging Project</a:t>
+                      </a:r>
+                      <a:endParaRPr lang="en-CA" sz="1400" b="0" dirty="0">
+                        <a:solidFill>
+                          <a:schemeClr val="tx1"/>
+                        </a:solidFill>
+                        <a:latin typeface="+mj-lt"/>
+                      </a:endParaRPr>
+                    </a:p>
+                  </a:txBody>
+                  <a:tcPr anchor="ctr">
+                    <a:lnL>
+                      <a:noFill/>
+                    </a:lnL>
+                    <a:lnR>
+                      <a:noFill/>
+                    </a:lnR>
+                    <a:lnT>
+                      <a:noFill/>
+                    </a:lnT>
+                    <a:lnB>
+                      <a:noFill/>
+                    </a:lnB>
+                  </a:tcPr>
+                </a:tc>
+                <a:tc>
+                  <a:txBody>
+                    <a:bodyPr/>
+                    <a:lstStyle/>
+                    <a:p>
+                      <a:pPr algn="ctr"/>
+                      <a:r>
+                        <a:rPr lang="en-CA" sz="1600" dirty="0" smtClean="0">
+                          <a:solidFill>
+                            <a:schemeClr val="tx1"/>
+                          </a:solidFill>
+                          <a:latin typeface="Gill Sans MT" panose="020B0502020104020203" pitchFamily="34" charset="0"/>
+                        </a:rPr>
+                        <a:t>MAP</a:t>
+                      </a:r>
+                      <a:endParaRPr lang="en-CA" sz="1600" dirty="0">
+                        <a:solidFill>
+                          <a:schemeClr val="tx1"/>
+                        </a:solidFill>
+                        <a:latin typeface="Gill Sans MT" panose="020B0502020104020203" pitchFamily="34" charset="0"/>
+                      </a:endParaRPr>
+                    </a:p>
+                  </a:txBody>
+                  <a:tcPr anchor="ctr">
+                    <a:lnL>
+                      <a:noFill/>
+                    </a:lnL>
+                    <a:lnR>
+                      <a:noFill/>
+                    </a:lnR>
+                    <a:lnT>
+                      <a:noFill/>
+                    </a:lnT>
+                    <a:lnB>
+                      <a:noFill/>
+                    </a:lnB>
+                  </a:tcPr>
+                </a:tc>
+                <a:tc>
+                  <a:txBody>
+                    <a:bodyPr/>
+                    <a:lstStyle/>
+                    <a:p>
+                      <a:pPr algn="l"/>
+                      <a:r>
+                        <a:rPr lang="en-CA" sz="1600" dirty="0">
+                          <a:solidFill>
+                            <a:schemeClr val="tx1"/>
+                          </a:solidFill>
+                          <a:latin typeface="Gill Sans MT" panose="020B0502020104020203" pitchFamily="34" charset="0"/>
+                          <a:hlinkClick r:id="rId9"/>
+                        </a:rPr>
+                        <a:t>Cassandra Brown</a:t>
+                      </a:r>
+                      <a:endParaRPr lang="en-CA" sz="1600" dirty="0">
+                        <a:solidFill>
+                          <a:schemeClr val="tx1"/>
+                        </a:solidFill>
+                        <a:latin typeface="Gill Sans MT" panose="020B0502020104020203" pitchFamily="34" charset="0"/>
+                      </a:endParaRPr>
+                    </a:p>
+                  </a:txBody>
+                  <a:tcPr anchor="ctr">
+                    <a:lnL>
+                      <a:noFill/>
+                    </a:lnL>
+                    <a:lnR>
+                      <a:noFill/>
+                    </a:lnR>
+                    <a:lnT>
+                      <a:noFill/>
+                    </a:lnT>
+                    <a:lnB>
+                      <a:noFill/>
+                    </a:lnB>
+                  </a:tcPr>
+                </a:tc>
+              </a:tr>
+              <a:tr h="0">
+                <a:tc>
+                  <a:txBody>
+                    <a:bodyPr/>
+                    <a:lstStyle/>
+                    <a:p>
+                      <a:pPr marL="0" marR="0" indent="0" algn="r" defTabSz="685800" rtl="0" eaLnBrk="1" fontAlgn="auto" latinLnBrk="0" hangingPunct="1">
+                        <a:lnSpc>
+                          <a:spcPct val="100000"/>
+                        </a:lnSpc>
+                        <a:spcBef>
+                          <a:spcPts val="0"/>
+                        </a:spcBef>
+                        <a:spcAft>
+                          <a:spcPts val="0"/>
+                        </a:spcAft>
+                        <a:buClrTx/>
+                        <a:buSzTx/>
+                        <a:buFontTx/>
+                        <a:buNone/>
+                        <a:tabLst/>
+                        <a:defRPr/>
+                      </a:pPr>
+                      <a:r>
+                        <a:rPr lang="en-US" sz="1400" b="0" i="0" u="none" strike="noStrike" kern="1200" dirty="0" smtClean="0">
+                          <a:solidFill>
+                            <a:schemeClr val="tx1"/>
+                          </a:solidFill>
+                          <a:effectLst/>
+                          <a:latin typeface="+mj-lt"/>
+                          <a:ea typeface="+mn-ea"/>
+                          <a:cs typeface="+mn-cs"/>
+                        </a:rPr>
+                        <a:t>Swedish Adoption Twin Study of Aging</a:t>
+                      </a:r>
+                      <a:endParaRPr lang="en-CA" sz="1400" b="0" dirty="0">
+                        <a:solidFill>
+                          <a:schemeClr val="tx1"/>
+                        </a:solidFill>
+                        <a:latin typeface="+mj-lt"/>
+                      </a:endParaRPr>
+                    </a:p>
+                  </a:txBody>
+                  <a:tcPr anchor="ctr">
+                    <a:lnL>
+                      <a:noFill/>
+                    </a:lnL>
+                    <a:lnR>
+                      <a:noFill/>
+                    </a:lnR>
+                    <a:lnT>
+                      <a:noFill/>
+                    </a:lnT>
+                    <a:lnB>
+                      <a:noFill/>
+                    </a:lnB>
+                  </a:tcPr>
+                </a:tc>
+                <a:tc>
+                  <a:txBody>
+                    <a:bodyPr/>
+                    <a:lstStyle/>
+                    <a:p>
+                      <a:pPr algn="ctr"/>
+                      <a:r>
+                        <a:rPr lang="en-CA" sz="1600" dirty="0" smtClean="0">
+                          <a:solidFill>
+                            <a:schemeClr val="tx1"/>
+                          </a:solidFill>
+                          <a:latin typeface="Gill Sans MT" panose="020B0502020104020203" pitchFamily="34" charset="0"/>
+                        </a:rPr>
+                        <a:t>SATSA</a:t>
+                      </a:r>
+                      <a:endParaRPr lang="en-CA" sz="1600" dirty="0">
+                        <a:solidFill>
+                          <a:schemeClr val="tx1"/>
+                        </a:solidFill>
+                        <a:latin typeface="Gill Sans MT" panose="020B0502020104020203" pitchFamily="34" charset="0"/>
+                      </a:endParaRPr>
+                    </a:p>
+                  </a:txBody>
+                  <a:tcPr anchor="ctr">
+                    <a:lnL>
+                      <a:noFill/>
+                    </a:lnL>
+                    <a:lnR>
+                      <a:noFill/>
+                    </a:lnR>
+                    <a:lnT>
+                      <a:noFill/>
+                    </a:lnT>
+                    <a:lnB>
+                      <a:noFill/>
+                    </a:lnB>
+                  </a:tcPr>
+                </a:tc>
+                <a:tc>
+                  <a:txBody>
+                    <a:bodyPr/>
+                    <a:lstStyle/>
+                    <a:p>
+                      <a:pPr algn="l"/>
+                      <a:r>
+                        <a:rPr lang="en-CA" sz="1600" dirty="0">
+                          <a:solidFill>
+                            <a:schemeClr val="tx1"/>
+                          </a:solidFill>
+                          <a:latin typeface="Gill Sans MT" panose="020B0502020104020203" pitchFamily="34" charset="0"/>
+                          <a:hlinkClick r:id="rId10"/>
+                        </a:rPr>
+                        <a:t>Deborah </a:t>
+                      </a:r>
+                      <a:r>
+                        <a:rPr lang="en-CA" sz="1600" dirty="0" err="1">
+                          <a:solidFill>
+                            <a:schemeClr val="tx1"/>
+                          </a:solidFill>
+                          <a:latin typeface="Gill Sans MT" panose="020B0502020104020203" pitchFamily="34" charset="0"/>
+                          <a:hlinkClick r:id="rId10"/>
+                        </a:rPr>
+                        <a:t>Finkel</a:t>
+                      </a:r>
+                      <a:endParaRPr lang="en-CA" sz="1600" dirty="0">
+                        <a:solidFill>
+                          <a:schemeClr val="tx1"/>
+                        </a:solidFill>
+                        <a:latin typeface="Gill Sans MT" panose="020B0502020104020203" pitchFamily="34" charset="0"/>
+                      </a:endParaRPr>
+                    </a:p>
+                  </a:txBody>
+                  <a:tcPr anchor="ctr">
+                    <a:lnL>
+                      <a:noFill/>
+                    </a:lnL>
+                    <a:lnR>
+                      <a:noFill/>
+                    </a:lnR>
+                    <a:lnT>
+                      <a:noFill/>
+                    </a:lnT>
+                    <a:lnB>
+                      <a:noFill/>
+                    </a:lnB>
+                  </a:tcPr>
+                </a:tc>
+              </a:tr>
+            </a:tbl>
+          </a:graphicData>
+        </a:graphic>
+      </p:graphicFrame>
+      <p:sp>
+        <p:nvSpPr>
+          <p:cNvPr id="5" name="Rectangle 4"/>
+          <p:cNvSpPr/>
+          <p:nvPr/>
+        </p:nvSpPr>
+        <p:spPr>
+          <a:xfrm>
+            <a:off x="1417320" y="378367"/>
+            <a:ext cx="6865620" cy="369332"/>
+          </a:xfrm>
+          <a:prstGeom prst="rect">
+            <a:avLst/>
+          </a:prstGeom>
+        </p:spPr>
+        <p:txBody>
+          <a:bodyPr wrap="square">
+            <a:spAutoFit/>
+          </a:bodyPr>
+          <a:lstStyle/>
+          <a:p>
+            <a:r>
+              <a:rPr lang="en-CA" sz="1800" dirty="0"/>
+              <a:t>IALSA </a:t>
+            </a:r>
+            <a:r>
+              <a:rPr lang="en-CA" sz="1800" dirty="0">
+                <a:solidFill>
+                  <a:srgbClr val="FF0000"/>
+                </a:solidFill>
+              </a:rPr>
+              <a:t>Portland</a:t>
+            </a:r>
+            <a:r>
+              <a:rPr lang="en-CA" sz="1800" dirty="0"/>
+              <a:t> Workshop </a:t>
+            </a:r>
+            <a:r>
+              <a:rPr lang="en-CA" sz="1800" i="1" dirty="0"/>
+              <a:t>Feb 23-25, 2015 </a:t>
+            </a:r>
+            <a:r>
+              <a:rPr lang="en-CA" sz="1200" i="1" dirty="0"/>
+              <a:t>(</a:t>
+            </a:r>
+            <a:r>
+              <a:rPr lang="en-CA" sz="1200" i="1" dirty="0">
+                <a:solidFill>
+                  <a:schemeClr val="accent1">
+                    <a:lumMod val="75000"/>
+                  </a:schemeClr>
+                </a:solidFill>
+                <a:hlinkClick r:id="rId11"/>
+              </a:rPr>
+              <a:t>github.com/IALSA/IALSA-2015-Portland</a:t>
+            </a:r>
+            <a:r>
+              <a:rPr lang="en-CA" sz="1200" i="1" dirty="0"/>
+              <a:t>)</a:t>
+            </a:r>
+            <a:endParaRPr lang="en-CA" sz="1800" i="1" dirty="0"/>
+          </a:p>
+        </p:txBody>
+      </p:sp>
+    </p:spTree>
+    <p:extLst>
+      <p:ext uri="{BB962C8B-B14F-4D97-AF65-F5344CB8AC3E}">
+        <p14:creationId xmlns:p14="http://schemas.microsoft.com/office/powerpoint/2010/main" val="4215006962"/>
+      </p:ext>
+    </p:extLst>
+  </p:cSld>
+  <p:clrMapOvr>
+    <a:masterClrMapping/>
+  </p:clrMapOvr>
+  <p:transition>
+    <p:fade/>
+  </p:transition>
+</p:sld>
+</file>
+
+<file path=ppt/slides/slide6.xml><?xml version="1.0" encoding="utf-8"?>
 <p:sld xmlns:a="http://schemas.openxmlformats.org/drawingml/2006/main" xmlns:r="http://schemas.openxmlformats.org/officeDocument/2006/relationships" xmlns:p="http://schemas.openxmlformats.org/presentationml/2006/main">
   <p:cSld>
     <p:bg>
@@ -13245,7 +16324,7 @@
 </p:sld>
 </file>
 
-<file path=ppt/slides/slide6.xml><?xml version="1.0" encoding="utf-8"?>
+<file path=ppt/slides/slide7.xml><?xml version="1.0" encoding="utf-8"?>
 <p:sld xmlns:a="http://schemas.openxmlformats.org/drawingml/2006/main" xmlns:r="http://schemas.openxmlformats.org/officeDocument/2006/relationships" xmlns:p="http://schemas.openxmlformats.org/presentationml/2006/main">
   <p:cSld>
     <p:spTree>
@@ -13307,7 +16386,13 @@
               <a:rPr lang="en-US" sz="1600" dirty="0" smtClean="0">
                 <a:latin typeface="Calibri Light" panose="020F0302020204030204" pitchFamily="34" charset="0"/>
               </a:rPr>
-              <a:t>of the coordinated analysis</a:t>
+              <a:t>of the coordinated </a:t>
+            </a:r>
+            <a:r>
+              <a:rPr lang="en-US" sz="1600" dirty="0" smtClean="0">
+                <a:latin typeface="Calibri Light" panose="020F0302020204030204" pitchFamily="34" charset="0"/>
+              </a:rPr>
+              <a:t>analysis.</a:t>
             </a:r>
             <a:endParaRPr lang="en-US" sz="1600" dirty="0">
               <a:latin typeface="Calibri Light" panose="020F0302020204030204" pitchFamily="34" charset="0"/>
@@ -13338,7 +16423,7 @@
 </p:sld>
 </file>
 
-<file path=ppt/slides/slide7.xml><?xml version="1.0" encoding="utf-8"?>
+<file path=ppt/slides/slide8.xml><?xml version="1.0" encoding="utf-8"?>
 <p:sld xmlns:a="http://schemas.openxmlformats.org/drawingml/2006/main" xmlns:r="http://schemas.openxmlformats.org/officeDocument/2006/relationships" xmlns:p="http://schemas.openxmlformats.org/presentationml/2006/main">
   <p:cSld>
     <p:spTree>
@@ -13382,17 +16467,17 @@
               <a:rPr lang="en-US" sz="1600" dirty="0" smtClean="0">
                 <a:latin typeface="Calibri Light" panose="020F0302020204030204" pitchFamily="34" charset="0"/>
               </a:rPr>
-              <a:t>Next </a:t>
-            </a:r>
-          </a:p>
-          <a:p>
-            <a:pPr algn="ctr"/>
+              <a:t>N</a:t>
+            </a:r>
             <a:r>
               <a:rPr lang="en-US" sz="1600" dirty="0" smtClean="0">
                 <a:latin typeface="Calibri Light" panose="020F0302020204030204" pitchFamily="34" charset="0"/>
               </a:rPr>
-              <a:t>We will show you</a:t>
-            </a:r>
+              <a:t>ext, </a:t>
+            </a:r>
+            <a:endParaRPr lang="en-US" sz="1600" dirty="0" smtClean="0">
+              <a:latin typeface="Calibri Light" panose="020F0302020204030204" pitchFamily="34" charset="0"/>
+            </a:endParaRPr>
           </a:p>
           <a:p>
             <a:pPr algn="ctr"/>
@@ -13400,16 +16485,43 @@
               <a:rPr lang="en-US" sz="1600" dirty="0" smtClean="0">
                 <a:latin typeface="Calibri Light" panose="020F0302020204030204" pitchFamily="34" charset="0"/>
               </a:rPr>
-              <a:t>What each element and process</a:t>
-            </a:r>
-          </a:p>
-          <a:p>
-            <a:pPr algn="ctr"/>
+              <a:t>we </a:t>
+            </a:r>
             <a:r>
               <a:rPr lang="en-US" sz="1600" dirty="0" smtClean="0">
                 <a:latin typeface="Calibri Light" panose="020F0302020204030204" pitchFamily="34" charset="0"/>
               </a:rPr>
-              <a:t>IS and DOES</a:t>
+              <a:t>will show you</a:t>
+            </a:r>
+          </a:p>
+          <a:p>
+            <a:pPr algn="ctr"/>
+            <a:r>
+              <a:rPr lang="en-US" sz="1600" dirty="0" smtClean="0">
+                <a:latin typeface="Calibri Light" panose="020F0302020204030204" pitchFamily="34" charset="0"/>
+              </a:rPr>
+              <a:t>what </a:t>
+            </a:r>
+            <a:r>
+              <a:rPr lang="en-US" sz="1600" dirty="0" smtClean="0">
+                <a:latin typeface="Calibri Light" panose="020F0302020204030204" pitchFamily="34" charset="0"/>
+              </a:rPr>
+              <a:t>each element and process</a:t>
+            </a:r>
+          </a:p>
+          <a:p>
+            <a:pPr algn="ctr"/>
+            <a:r>
+              <a:rPr lang="en-US" sz="1600" dirty="0" smtClean="0">
+                <a:latin typeface="Calibri Light" panose="020F0302020204030204" pitchFamily="34" charset="0"/>
+              </a:rPr>
+              <a:t>IS and </a:t>
+            </a:r>
+            <a:r>
+              <a:rPr lang="en-US" sz="1600" dirty="0" smtClean="0">
+                <a:latin typeface="Calibri Light" panose="020F0302020204030204" pitchFamily="34" charset="0"/>
+              </a:rPr>
+              <a:t>DOES.</a:t>
             </a:r>
             <a:endParaRPr lang="en-US" sz="1600" dirty="0">
               <a:latin typeface="Calibri Light" panose="020F0302020204030204" pitchFamily="34" charset="0"/>
@@ -13440,7 +16552,7 @@
 </p:sld>
 </file>
 
-<file path=ppt/slides/slide8.xml><?xml version="1.0" encoding="utf-8"?>
+<file path=ppt/slides/slide9.xml><?xml version="1.0" encoding="utf-8"?>
 <p:sld xmlns:a="http://schemas.openxmlformats.org/drawingml/2006/main" xmlns:r="http://schemas.openxmlformats.org/officeDocument/2006/relationships" xmlns:p="http://schemas.openxmlformats.org/presentationml/2006/main">
   <p:cSld>
     <p:spTree>
@@ -13595,7 +16707,7 @@
               <a:rPr lang="en-US" sz="1600" dirty="0" smtClean="0">
                 <a:latin typeface="Calibri Light" panose="020F0302020204030204" pitchFamily="34" charset="0"/>
               </a:rPr>
-              <a:t>Language-agnostic</a:t>
+              <a:t>language-agnostic,</a:t>
             </a:r>
           </a:p>
           <a:p>
@@ -13604,8 +16716,11 @@
               <a:rPr lang="en-US" sz="1600" dirty="0" smtClean="0">
                 <a:latin typeface="Calibri Light" panose="020F0302020204030204" pitchFamily="34" charset="0"/>
               </a:rPr>
-              <a:t>Tabulated </a:t>
-            </a:r>
+              <a:t>tabulated </a:t>
+            </a:r>
+            <a:endParaRPr lang="en-US" sz="1600" dirty="0" smtClean="0">
+              <a:latin typeface="Calibri Light" panose="020F0302020204030204" pitchFamily="34" charset="0"/>
+            </a:endParaRPr>
           </a:p>
           <a:p>
             <a:pPr algn="ctr"/>
@@ -13613,8 +16728,17 @@
               <a:rPr lang="en-US" sz="1600" dirty="0" smtClean="0">
                 <a:latin typeface="Calibri Light" panose="020F0302020204030204" pitchFamily="34" charset="0"/>
               </a:rPr>
-              <a:t>DATA FILES</a:t>
-            </a:r>
+              <a:t>DATA </a:t>
+            </a:r>
+            <a:r>
+              <a:rPr lang="en-US" sz="1600" dirty="0" smtClean="0">
+                <a:latin typeface="Calibri Light" panose="020F0302020204030204" pitchFamily="34" charset="0"/>
+              </a:rPr>
+              <a:t>FILES.</a:t>
+            </a:r>
+            <a:endParaRPr lang="en-US" sz="1600" dirty="0" smtClean="0">
+              <a:latin typeface="Calibri Light" panose="020F0302020204030204" pitchFamily="34" charset="0"/>
+            </a:endParaRPr>
           </a:p>
         </p:txBody>
       </p:sp>
@@ -13676,399 +16800,6 @@
     <p:extLst>
       <p:ext uri="{BB962C8B-B14F-4D97-AF65-F5344CB8AC3E}">
         <p14:creationId xmlns:p14="http://schemas.microsoft.com/office/powerpoint/2010/main" val="883350059"/>
-      </p:ext>
-    </p:extLst>
-  </p:cSld>
-  <p:clrMapOvr>
-    <a:masterClrMapping/>
-  </p:clrMapOvr>
-  <p:transition>
-    <p:fade/>
-  </p:transition>
-  <p:timing>
-    <p:tnLst>
-      <p:par>
-        <p:cTn id="1" dur="indefinite" restart="never" nodeType="tmRoot"/>
-      </p:par>
-    </p:tnLst>
-  </p:timing>
-</p:sld>
-</file>
-
-<file path=ppt/slides/slide9.xml><?xml version="1.0" encoding="utf-8"?>
-<p:sld xmlns:a="http://schemas.openxmlformats.org/drawingml/2006/main" xmlns:r="http://schemas.openxmlformats.org/officeDocument/2006/relationships" xmlns:p="http://schemas.openxmlformats.org/presentationml/2006/main">
-  <p:cSld>
-    <p:spTree>
-      <p:nvGrpSpPr>
-        <p:cNvPr id="1" name=""/>
-        <p:cNvGrpSpPr/>
-        <p:nvPr/>
-      </p:nvGrpSpPr>
-      <p:grpSpPr>
-        <a:xfrm>
-          <a:off x="0" y="0"/>
-          <a:ext cx="0" cy="0"/>
-          <a:chOff x="0" y="0"/>
-          <a:chExt cx="0" cy="0"/>
-        </a:xfrm>
-      </p:grpSpPr>
-      <p:sp>
-        <p:nvSpPr>
-          <p:cNvPr id="4" name="Rounded Rectangle 3"/>
-          <p:cNvSpPr/>
-          <p:nvPr/>
-        </p:nvSpPr>
-        <p:spPr>
-          <a:xfrm>
-            <a:off x="3375660" y="1303020"/>
-            <a:ext cx="754380" cy="396240"/>
-          </a:xfrm>
-          <a:prstGeom prst="roundRect">
-            <a:avLst/>
-          </a:prstGeom>
-          <a:solidFill>
-            <a:srgbClr val="FF0000">
-              <a:alpha val="2000"/>
-            </a:srgbClr>
-          </a:solidFill>
-          <a:ln w="12700">
-            <a:prstDash val="dash"/>
-          </a:ln>
-        </p:spPr>
-        <p:style>
-          <a:lnRef idx="1">
-            <a:schemeClr val="dk1"/>
-          </a:lnRef>
-          <a:fillRef idx="2">
-            <a:schemeClr val="dk1"/>
-          </a:fillRef>
-          <a:effectRef idx="1">
-            <a:schemeClr val="dk1"/>
-          </a:effectRef>
-          <a:fontRef idx="minor">
-            <a:schemeClr val="dk1"/>
-          </a:fontRef>
-        </p:style>
-        <p:txBody>
-          <a:bodyPr rot="0" spcFirstLastPara="0" vertOverflow="overflow" horzOverflow="overflow" vert="horz" wrap="square" lIns="91440" tIns="45720" rIns="91440" bIns="45720" numCol="1" spcCol="0" rtlCol="0" fromWordArt="0" anchor="ctr" anchorCtr="0" forceAA="0" compatLnSpc="1">
-            <a:prstTxWarp prst="textNoShape">
-              <a:avLst/>
-            </a:prstTxWarp>
-            <a:noAutofit/>
-          </a:bodyPr>
-          <a:lstStyle/>
-          <a:p>
-            <a:pPr algn="ctr"/>
-            <a:endParaRPr lang="en-US"/>
-          </a:p>
-        </p:txBody>
-      </p:sp>
-      <p:sp>
-        <p:nvSpPr>
-          <p:cNvPr id="5" name="Rounded Rectangle 4"/>
-          <p:cNvSpPr/>
-          <p:nvPr/>
-        </p:nvSpPr>
-        <p:spPr>
-          <a:xfrm>
-            <a:off x="5041900" y="1303020"/>
-            <a:ext cx="754380" cy="396240"/>
-          </a:xfrm>
-          <a:prstGeom prst="roundRect">
-            <a:avLst/>
-          </a:prstGeom>
-          <a:solidFill>
-            <a:srgbClr val="FF0000">
-              <a:alpha val="2000"/>
-            </a:srgbClr>
-          </a:solidFill>
-          <a:ln w="12700">
-            <a:prstDash val="dash"/>
-          </a:ln>
-        </p:spPr>
-        <p:style>
-          <a:lnRef idx="1">
-            <a:schemeClr val="dk1"/>
-          </a:lnRef>
-          <a:fillRef idx="2">
-            <a:schemeClr val="dk1"/>
-          </a:fillRef>
-          <a:effectRef idx="1">
-            <a:schemeClr val="dk1"/>
-          </a:effectRef>
-          <a:fontRef idx="minor">
-            <a:schemeClr val="dk1"/>
-          </a:fontRef>
-        </p:style>
-        <p:txBody>
-          <a:bodyPr rot="0" spcFirstLastPara="0" vertOverflow="overflow" horzOverflow="overflow" vert="horz" wrap="square" lIns="91440" tIns="45720" rIns="91440" bIns="45720" numCol="1" spcCol="0" rtlCol="0" fromWordArt="0" anchor="ctr" anchorCtr="0" forceAA="0" compatLnSpc="1">
-            <a:prstTxWarp prst="textNoShape">
-              <a:avLst/>
-            </a:prstTxWarp>
-            <a:noAutofit/>
-          </a:bodyPr>
-          <a:lstStyle/>
-          <a:p>
-            <a:pPr algn="ctr"/>
-            <a:endParaRPr lang="en-US"/>
-          </a:p>
-        </p:txBody>
-      </p:sp>
-      <p:sp>
-        <p:nvSpPr>
-          <p:cNvPr id="8" name="TextBox 7"/>
-          <p:cNvSpPr txBox="1"/>
-          <p:nvPr/>
-        </p:nvSpPr>
-        <p:spPr>
-          <a:xfrm>
-            <a:off x="0" y="1889323"/>
-            <a:ext cx="9144000" cy="1077218"/>
-          </a:xfrm>
-          <a:prstGeom prst="rect">
-            <a:avLst/>
-          </a:prstGeom>
-          <a:noFill/>
-        </p:spPr>
-        <p:txBody>
-          <a:bodyPr wrap="square" rtlCol="0">
-            <a:spAutoFit/>
-          </a:bodyPr>
-          <a:lstStyle/>
-          <a:p>
-            <a:pPr algn="ctr"/>
-            <a:r>
-              <a:rPr lang="en-US" sz="1600" dirty="0" smtClean="0">
-                <a:latin typeface="+mj-lt"/>
-              </a:rPr>
-              <a:t>These are</a:t>
-            </a:r>
-          </a:p>
-          <a:p>
-            <a:pPr algn="ctr"/>
-            <a:r>
-              <a:rPr lang="en-US" sz="1600" dirty="0" smtClean="0">
-                <a:latin typeface="+mj-lt"/>
-              </a:rPr>
-              <a:t>Free-form</a:t>
-            </a:r>
-          </a:p>
-          <a:p>
-            <a:pPr algn="ctr"/>
-            <a:r>
-              <a:rPr lang="en-US" sz="1600" dirty="0" smtClean="0">
-                <a:latin typeface="+mj-lt"/>
-              </a:rPr>
-              <a:t> </a:t>
-            </a:r>
-            <a:r>
-              <a:rPr lang="en-US" sz="1600" cap="all" dirty="0" smtClean="0">
-                <a:latin typeface="+mj-lt"/>
-              </a:rPr>
-              <a:t>Text files/strings</a:t>
-            </a:r>
-          </a:p>
-          <a:p>
-            <a:pPr algn="ctr"/>
-            <a:r>
-              <a:rPr lang="en-US" sz="1600" dirty="0" smtClean="0">
-                <a:latin typeface="+mj-lt"/>
-              </a:rPr>
-              <a:t> </a:t>
-            </a:r>
-            <a:r>
-              <a:rPr lang="en-US" sz="1600" dirty="0">
-                <a:latin typeface="+mj-lt"/>
-              </a:rPr>
-              <a:t>used and produced by Mplus</a:t>
-            </a:r>
-          </a:p>
-        </p:txBody>
-      </p:sp>
-      <p:grpSp>
-        <p:nvGrpSpPr>
-          <p:cNvPr id="9" name="Group 8"/>
-          <p:cNvGrpSpPr/>
-          <p:nvPr/>
-        </p:nvGrpSpPr>
-        <p:grpSpPr>
-          <a:xfrm>
-            <a:off x="6111181" y="2236280"/>
-            <a:ext cx="2932219" cy="2598420"/>
-            <a:chOff x="0" y="0"/>
-            <a:chExt cx="5804247" cy="5143500"/>
-          </a:xfrm>
-        </p:grpSpPr>
-        <p:pic>
-          <p:nvPicPr>
-            <p:cNvPr id="10" name="Picture 9"/>
-            <p:cNvPicPr>
-              <a:picLocks noChangeAspect="1"/>
-            </p:cNvPicPr>
-            <p:nvPr/>
-          </p:nvPicPr>
-          <p:blipFill>
-            <a:blip r:embed="rId2" cstate="print">
-              <a:extLst>
-                <a:ext uri="{28A0092B-C50C-407E-A947-70E740481C1C}">
-                  <a14:useLocalDpi xmlns:a14="http://schemas.microsoft.com/office/drawing/2010/main" val="0"/>
-                </a:ext>
-              </a:extLst>
-            </a:blip>
-            <a:stretch>
-              <a:fillRect/>
-            </a:stretch>
-          </p:blipFill>
-          <p:spPr>
-            <a:xfrm>
-              <a:off x="0" y="0"/>
-              <a:ext cx="4123625" cy="5143500"/>
-            </a:xfrm>
-            <a:prstGeom prst="rect">
-              <a:avLst/>
-            </a:prstGeom>
-          </p:spPr>
-        </p:pic>
-        <p:pic>
-          <p:nvPicPr>
-            <p:cNvPr id="11" name="Picture 10"/>
-            <p:cNvPicPr>
-              <a:picLocks noChangeAspect="1"/>
-            </p:cNvPicPr>
-            <p:nvPr/>
-          </p:nvPicPr>
-          <p:blipFill>
-            <a:blip r:embed="rId3" cstate="print">
-              <a:extLst>
-                <a:ext uri="{28A0092B-C50C-407E-A947-70E740481C1C}">
-                  <a14:useLocalDpi xmlns:a14="http://schemas.microsoft.com/office/drawing/2010/main" val="0"/>
-                </a:ext>
-              </a:extLst>
-            </a:blip>
-            <a:stretch>
-              <a:fillRect/>
-            </a:stretch>
-          </p:blipFill>
-          <p:spPr>
-            <a:xfrm>
-              <a:off x="2856512" y="0"/>
-              <a:ext cx="2534225" cy="3020029"/>
-            </a:xfrm>
-            <a:prstGeom prst="rect">
-              <a:avLst/>
-            </a:prstGeom>
-          </p:spPr>
-        </p:pic>
-        <p:pic>
-          <p:nvPicPr>
-            <p:cNvPr id="12" name="Picture 11"/>
-            <p:cNvPicPr>
-              <a:picLocks noChangeAspect="1"/>
-            </p:cNvPicPr>
-            <p:nvPr/>
-          </p:nvPicPr>
-          <p:blipFill>
-            <a:blip r:embed="rId4" cstate="print">
-              <a:extLst>
-                <a:ext uri="{28A0092B-C50C-407E-A947-70E740481C1C}">
-                  <a14:useLocalDpi xmlns:a14="http://schemas.microsoft.com/office/drawing/2010/main" val="0"/>
-                </a:ext>
-              </a:extLst>
-            </a:blip>
-            <a:stretch>
-              <a:fillRect/>
-            </a:stretch>
-          </p:blipFill>
-          <p:spPr>
-            <a:xfrm>
-              <a:off x="2856512" y="2979685"/>
-              <a:ext cx="2947735" cy="2150367"/>
-            </a:xfrm>
-            <a:prstGeom prst="rect">
-              <a:avLst/>
-            </a:prstGeom>
-          </p:spPr>
-        </p:pic>
-      </p:grpSp>
-      <p:grpSp>
-        <p:nvGrpSpPr>
-          <p:cNvPr id="18" name="Group 17"/>
-          <p:cNvGrpSpPr/>
-          <p:nvPr/>
-        </p:nvGrpSpPr>
-        <p:grpSpPr>
-          <a:xfrm>
-            <a:off x="755658" y="2103121"/>
-            <a:ext cx="2385306" cy="2710503"/>
-            <a:chOff x="-91938" y="29352"/>
-            <a:chExt cx="7102806" cy="6966150"/>
-          </a:xfrm>
-        </p:grpSpPr>
-        <p:pic>
-          <p:nvPicPr>
-            <p:cNvPr id="20" name="Picture 19"/>
-            <p:cNvPicPr>
-              <a:picLocks noChangeAspect="1"/>
-            </p:cNvPicPr>
-            <p:nvPr/>
-          </p:nvPicPr>
-          <p:blipFill>
-            <a:blip r:embed="rId5" cstate="print">
-              <a:extLst>
-                <a:ext uri="{28A0092B-C50C-407E-A947-70E740481C1C}">
-                  <a14:useLocalDpi xmlns:a14="http://schemas.microsoft.com/office/drawing/2010/main" val="0"/>
-                </a:ext>
-              </a:extLst>
-            </a:blip>
-            <a:stretch>
-              <a:fillRect/>
-            </a:stretch>
-          </p:blipFill>
-          <p:spPr>
-            <a:xfrm>
-              <a:off x="-91938" y="29352"/>
-              <a:ext cx="3814280" cy="5143500"/>
-            </a:xfrm>
-            <a:prstGeom prst="rect">
-              <a:avLst/>
-            </a:prstGeom>
-          </p:spPr>
-        </p:pic>
-        <p:pic>
-          <p:nvPicPr>
-            <p:cNvPr id="21" name="Picture 20"/>
-            <p:cNvPicPr>
-              <a:picLocks noChangeAspect="1"/>
-            </p:cNvPicPr>
-            <p:nvPr/>
-          </p:nvPicPr>
-          <p:blipFill>
-            <a:blip r:embed="rId6" cstate="print">
-              <a:extLst>
-                <a:ext uri="{28A0092B-C50C-407E-A947-70E740481C1C}">
-                  <a14:useLocalDpi xmlns:a14="http://schemas.microsoft.com/office/drawing/2010/main" val="0"/>
-                </a:ext>
-              </a:extLst>
-            </a:blip>
-            <a:stretch>
-              <a:fillRect/>
-            </a:stretch>
-          </p:blipFill>
-          <p:spPr>
-            <a:xfrm>
-              <a:off x="2190900" y="1852002"/>
-              <a:ext cx="4819968" cy="5143500"/>
-            </a:xfrm>
-            <a:prstGeom prst="rect">
-              <a:avLst/>
-            </a:prstGeom>
-          </p:spPr>
-        </p:pic>
-      </p:grpSp>
-    </p:spTree>
-    <p:extLst>
-      <p:ext uri="{BB962C8B-B14F-4D97-AF65-F5344CB8AC3E}">
-        <p14:creationId xmlns:p14="http://schemas.microsoft.com/office/powerpoint/2010/main" val="789818890"/>
       </p:ext>
     </p:extLst>
   </p:cSld>

--- a/pubs/2016-talks/2016-06-09-cpa/ppt/koval-etal-2016-06-10-cpa.pptx
+++ b/pubs/2016-talks/2016-06-09-cpa/ppt/koval-etal-2016-06-10-cpa.pptx
@@ -626,7 +626,7 @@
           <a:bodyPr/>
           <a:lstStyle/>
           <a:p>
-            <a:fld id="{197BB602-FF57-4A9D-8FBD-DAF1F62098D9}" type="datetimeFigureOut">
+            <a:fld id="{D6B54746-13BF-4A53-8410-E8E7827298F7}" type="datetime1">
               <a:rPr lang="en-US" smtClean="0"/>
               <a:t>6/10/2016</a:t>
             </a:fld>
@@ -799,7 +799,7 @@
           <a:bodyPr/>
           <a:lstStyle/>
           <a:p>
-            <a:fld id="{197BB602-FF57-4A9D-8FBD-DAF1F62098D9}" type="datetimeFigureOut">
+            <a:fld id="{4FECD32E-3A4E-4621-8034-08EAA63B0C3D}" type="datetime1">
               <a:rPr lang="en-US" smtClean="0"/>
               <a:t>6/10/2016</a:t>
             </a:fld>
@@ -982,7 +982,7 @@
           <a:bodyPr/>
           <a:lstStyle/>
           <a:p>
-            <a:fld id="{197BB602-FF57-4A9D-8FBD-DAF1F62098D9}" type="datetimeFigureOut">
+            <a:fld id="{3A1D3369-1084-4568-A25F-4FD7979A372D}" type="datetime1">
               <a:rPr lang="en-US" smtClean="0"/>
               <a:t>6/10/2016</a:t>
             </a:fld>
@@ -1155,7 +1155,7 @@
           <a:bodyPr/>
           <a:lstStyle/>
           <a:p>
-            <a:fld id="{197BB602-FF57-4A9D-8FBD-DAF1F62098D9}" type="datetimeFigureOut">
+            <a:fld id="{C3AE289E-51E9-4FBF-9993-D1A0C87C129A}" type="datetime1">
               <a:rPr lang="en-US" smtClean="0"/>
               <a:t>6/10/2016</a:t>
             </a:fld>
@@ -1404,7 +1404,7 @@
           <a:bodyPr/>
           <a:lstStyle/>
           <a:p>
-            <a:fld id="{197BB602-FF57-4A9D-8FBD-DAF1F62098D9}" type="datetimeFigureOut">
+            <a:fld id="{EF34AB9B-4055-477D-8498-DCC2680C4BBA}" type="datetime1">
               <a:rPr lang="en-US" smtClean="0"/>
               <a:t>6/10/2016</a:t>
             </a:fld>
@@ -1639,7 +1639,7 @@
           <a:bodyPr/>
           <a:lstStyle/>
           <a:p>
-            <a:fld id="{197BB602-FF57-4A9D-8FBD-DAF1F62098D9}" type="datetimeFigureOut">
+            <a:fld id="{F93FC519-1BFC-4A35-91F9-D986AA410C7F}" type="datetime1">
               <a:rPr lang="en-US" smtClean="0"/>
               <a:t>6/10/2016</a:t>
             </a:fld>
@@ -2009,7 +2009,7 @@
           <a:bodyPr/>
           <a:lstStyle/>
           <a:p>
-            <a:fld id="{197BB602-FF57-4A9D-8FBD-DAF1F62098D9}" type="datetimeFigureOut">
+            <a:fld id="{4DDB2082-78AA-4615-A158-F6290F93BDCE}" type="datetime1">
               <a:rPr lang="en-US" smtClean="0"/>
               <a:t>6/10/2016</a:t>
             </a:fld>
@@ -2130,7 +2130,7 @@
           <a:bodyPr/>
           <a:lstStyle/>
           <a:p>
-            <a:fld id="{197BB602-FF57-4A9D-8FBD-DAF1F62098D9}" type="datetimeFigureOut">
+            <a:fld id="{011B9CF4-B3FD-4575-8514-9517CF5C6C6D}" type="datetime1">
               <a:rPr lang="en-US" smtClean="0"/>
               <a:t>6/10/2016</a:t>
             </a:fld>
@@ -2228,7 +2228,7 @@
           <a:bodyPr/>
           <a:lstStyle/>
           <a:p>
-            <a:fld id="{197BB602-FF57-4A9D-8FBD-DAF1F62098D9}" type="datetimeFigureOut">
+            <a:fld id="{E7DA771F-6C6B-432E-95E1-85611971F442}" type="datetime1">
               <a:rPr lang="en-US" smtClean="0"/>
               <a:t>6/10/2016</a:t>
             </a:fld>
@@ -2508,7 +2508,7 @@
           <a:bodyPr/>
           <a:lstStyle/>
           <a:p>
-            <a:fld id="{197BB602-FF57-4A9D-8FBD-DAF1F62098D9}" type="datetimeFigureOut">
+            <a:fld id="{DEF333C9-0BCC-46D4-9CE2-2BE75BE790DA}" type="datetime1">
               <a:rPr lang="en-US" smtClean="0"/>
               <a:t>6/10/2016</a:t>
             </a:fld>
@@ -2768,7 +2768,7 @@
           <a:bodyPr/>
           <a:lstStyle/>
           <a:p>
-            <a:fld id="{197BB602-FF57-4A9D-8FBD-DAF1F62098D9}" type="datetimeFigureOut">
+            <a:fld id="{0529D3DF-F940-4A3F-B2C6-65816C2AC0C1}" type="datetime1">
               <a:rPr lang="en-US" smtClean="0"/>
               <a:t>6/10/2016</a:t>
             </a:fld>
@@ -2993,7 +2993,7 @@
             </a:lvl1pPr>
           </a:lstStyle>
           <a:p>
-            <a:fld id="{197BB602-FF57-4A9D-8FBD-DAF1F62098D9}" type="datetimeFigureOut">
+            <a:fld id="{4ECD7429-98E3-42B6-A708-EE35D3243384}" type="datetime1">
               <a:rPr lang="en-US" smtClean="0"/>
               <a:t>6/10/2016</a:t>
             </a:fld>
@@ -3103,6 +3103,7 @@
   <p:transition>
     <p:fade/>
   </p:transition>
+  <p:hf hdr="0" dt="0"/>
   <p:txStyles>
     <p:titleStyle>
       <a:lvl1pPr algn="l" defTabSz="685800" rtl="0" eaLnBrk="1" latinLnBrk="0" hangingPunct="1">
@@ -3839,6 +3840,48 @@
           </p:txBody>
         </p:sp>
       </p:grpSp>
+      <p:sp>
+        <p:nvSpPr>
+          <p:cNvPr id="13" name="Footer Placeholder 12"/>
+          <p:cNvSpPr>
+            <a:spLocks noGrp="1"/>
+          </p:cNvSpPr>
+          <p:nvPr>
+            <p:ph type="ftr" sz="quarter" idx="11"/>
+          </p:nvPr>
+        </p:nvSpPr>
+        <p:spPr/>
+        <p:txBody>
+          <a:bodyPr/>
+          <a:lstStyle/>
+          <a:p>
+            <a:endParaRPr lang="en-US"/>
+          </a:p>
+        </p:txBody>
+      </p:sp>
+      <p:sp>
+        <p:nvSpPr>
+          <p:cNvPr id="14" name="Slide Number Placeholder 13"/>
+          <p:cNvSpPr>
+            <a:spLocks noGrp="1"/>
+          </p:cNvSpPr>
+          <p:nvPr>
+            <p:ph type="sldNum" sz="quarter" idx="12"/>
+          </p:nvPr>
+        </p:nvSpPr>
+        <p:spPr/>
+        <p:txBody>
+          <a:bodyPr/>
+          <a:lstStyle/>
+          <a:p>
+            <a:fld id="{9606955B-75E1-4766-BEBF-52F85FB0EDC9}" type="slidenum">
+              <a:rPr lang="en-US" smtClean="0"/>
+              <a:t>1</a:t>
+            </a:fld>
+            <a:endParaRPr lang="en-US"/>
+          </a:p>
+        </p:txBody>
+      </p:sp>
     </p:spTree>
     <p:extLst>
       <p:ext uri="{BB962C8B-B14F-4D97-AF65-F5344CB8AC3E}">
@@ -3849,7 +3892,7 @@
   <p:clrMapOvr>
     <a:masterClrMapping/>
   </p:clrMapOvr>
-  <p:transition>
+  <p:transition advClick="0" advTm="4000">
     <p:fade/>
   </p:transition>
   <p:timing>
@@ -4017,19 +4060,7 @@
               <a:rPr lang="en-US" sz="1600" dirty="0" smtClean="0">
                 <a:latin typeface="+mj-lt"/>
               </a:rPr>
-              <a:t>input and </a:t>
-            </a:r>
-            <a:r>
-              <a:rPr lang="en-US" sz="1600" dirty="0" smtClean="0">
-                <a:latin typeface="+mj-lt"/>
-              </a:rPr>
-              <a:t>output </a:t>
-            </a:r>
-            <a:r>
-              <a:rPr lang="en-US" sz="1600" dirty="0" smtClean="0">
-                <a:latin typeface="+mj-lt"/>
-              </a:rPr>
-              <a:t>files</a:t>
+              <a:t>input and output files</a:t>
             </a:r>
             <a:endParaRPr lang="en-US" sz="1600" cap="all" dirty="0" smtClean="0">
               <a:latin typeface="+mj-lt"/>
@@ -4041,19 +4072,7 @@
               <a:rPr lang="en-US" sz="1600" dirty="0" smtClean="0">
                 <a:latin typeface="+mj-lt"/>
               </a:rPr>
-              <a:t> </a:t>
-            </a:r>
-            <a:r>
-              <a:rPr lang="en-US" sz="1600" dirty="0" smtClean="0">
-                <a:latin typeface="+mj-lt"/>
-              </a:rPr>
-              <a:t>consumed </a:t>
-            </a:r>
-            <a:r>
-              <a:rPr lang="en-US" sz="1600" dirty="0" smtClean="0">
-                <a:latin typeface="+mj-lt"/>
-              </a:rPr>
-              <a:t>and </a:t>
+              <a:t> consumed and </a:t>
             </a:r>
             <a:r>
               <a:rPr lang="en-US" sz="1600" dirty="0">
@@ -4198,7 +4217,7 @@
         </p:nvGrpSpPr>
         <p:grpSpPr>
           <a:xfrm>
-            <a:off x="755658" y="2103121"/>
+            <a:off x="522396" y="1889323"/>
             <a:ext cx="2385306" cy="2710503"/>
             <a:chOff x="-91938" y="29352"/>
             <a:chExt cx="7102806" cy="6966150"/>
@@ -4265,6 +4284,130 @@
           </p:spPr>
         </p:pic>
       </p:grpSp>
+      <p:pic>
+        <p:nvPicPr>
+          <p:cNvPr id="13" name="Picture 2" descr="https://www.acspri.org.au/sites/acspri.org.au/files/mlogo.png"/>
+          <p:cNvPicPr>
+            <a:picLocks noChangeAspect="1" noChangeArrowheads="1"/>
+          </p:cNvPicPr>
+          <p:nvPr/>
+        </p:nvPicPr>
+        <p:blipFill>
+          <a:blip r:embed="rId7" cstate="print">
+            <a:extLst>
+              <a:ext uri="{28A0092B-C50C-407E-A947-70E740481C1C}">
+                <a14:useLocalDpi xmlns:a14="http://schemas.microsoft.com/office/drawing/2010/main" val="0"/>
+              </a:ext>
+            </a:extLst>
+          </a:blip>
+          <a:srcRect/>
+          <a:stretch>
+            <a:fillRect/>
+          </a:stretch>
+        </p:blipFill>
+        <p:spPr bwMode="auto">
+          <a:xfrm>
+            <a:off x="7086033" y="1926665"/>
+            <a:ext cx="936429" cy="391220"/>
+          </a:xfrm>
+          <a:prstGeom prst="rect">
+            <a:avLst/>
+          </a:prstGeom>
+          <a:noFill/>
+          <a:extLst>
+            <a:ext uri="{909E8E84-426E-40DD-AFC4-6F175D3DCCD1}">
+              <a14:hiddenFill xmlns:a14="http://schemas.microsoft.com/office/drawing/2010/main">
+                <a:solidFill>
+                  <a:srgbClr val="FFFFFF"/>
+                </a:solidFill>
+              </a14:hiddenFill>
+            </a:ext>
+          </a:extLst>
+        </p:spPr>
+      </p:pic>
+      <p:pic>
+        <p:nvPicPr>
+          <p:cNvPr id="14" name="Picture 2" descr="https://www.acspri.org.au/sites/acspri.org.au/files/mlogo.png"/>
+          <p:cNvPicPr>
+            <a:picLocks noChangeAspect="1" noChangeArrowheads="1"/>
+          </p:cNvPicPr>
+          <p:nvPr/>
+        </p:nvPicPr>
+        <p:blipFill>
+          <a:blip r:embed="rId7" cstate="print">
+            <a:extLst>
+              <a:ext uri="{28A0092B-C50C-407E-A947-70E740481C1C}">
+                <a14:useLocalDpi xmlns:a14="http://schemas.microsoft.com/office/drawing/2010/main" val="0"/>
+              </a:ext>
+            </a:extLst>
+          </a:blip>
+          <a:srcRect/>
+          <a:stretch>
+            <a:fillRect/>
+          </a:stretch>
+        </p:blipFill>
+        <p:spPr bwMode="auto">
+          <a:xfrm>
+            <a:off x="2136873" y="2047484"/>
+            <a:ext cx="903809" cy="377592"/>
+          </a:xfrm>
+          <a:prstGeom prst="rect">
+            <a:avLst/>
+          </a:prstGeom>
+          <a:noFill/>
+          <a:extLst>
+            <a:ext uri="{909E8E84-426E-40DD-AFC4-6F175D3DCCD1}">
+              <a14:hiddenFill xmlns:a14="http://schemas.microsoft.com/office/drawing/2010/main">
+                <a:solidFill>
+                  <a:srgbClr val="FFFFFF"/>
+                </a:solidFill>
+              </a14:hiddenFill>
+            </a:ext>
+          </a:extLst>
+        </p:spPr>
+      </p:pic>
+      <p:sp>
+        <p:nvSpPr>
+          <p:cNvPr id="2" name="Footer Placeholder 1"/>
+          <p:cNvSpPr>
+            <a:spLocks noGrp="1"/>
+          </p:cNvSpPr>
+          <p:nvPr>
+            <p:ph type="ftr" sz="quarter" idx="11"/>
+          </p:nvPr>
+        </p:nvSpPr>
+        <p:spPr/>
+        <p:txBody>
+          <a:bodyPr/>
+          <a:lstStyle/>
+          <a:p>
+            <a:endParaRPr lang="en-US"/>
+          </a:p>
+        </p:txBody>
+      </p:sp>
+      <p:sp>
+        <p:nvSpPr>
+          <p:cNvPr id="3" name="Slide Number Placeholder 2"/>
+          <p:cNvSpPr>
+            <a:spLocks noGrp="1"/>
+          </p:cNvSpPr>
+          <p:nvPr>
+            <p:ph type="sldNum" sz="quarter" idx="12"/>
+          </p:nvPr>
+        </p:nvSpPr>
+        <p:spPr/>
+        <p:txBody>
+          <a:bodyPr/>
+          <a:lstStyle/>
+          <a:p>
+            <a:fld id="{9606955B-75E1-4766-BEBF-52F85FB0EDC9}" type="slidenum">
+              <a:rPr lang="en-US" smtClean="0"/>
+              <a:t>10</a:t>
+            </a:fld>
+            <a:endParaRPr lang="en-US"/>
+          </a:p>
+        </p:txBody>
+      </p:sp>
     </p:spTree>
     <p:extLst>
       <p:ext uri="{BB962C8B-B14F-4D97-AF65-F5344CB8AC3E}">
@@ -4275,7 +4418,7 @@
   <p:clrMapOvr>
     <a:masterClrMapping/>
   </p:clrMapOvr>
-  <p:transition>
+  <p:transition advTm="10000">
     <p:fade/>
   </p:transition>
   <p:timing>
@@ -4799,6 +4942,113 @@
           </a:prstGeom>
         </p:spPr>
       </p:pic>
+      <p:pic>
+        <p:nvPicPr>
+          <p:cNvPr id="14" name="Picture 13"/>
+          <p:cNvPicPr>
+            <a:picLocks noChangeAspect="1"/>
+          </p:cNvPicPr>
+          <p:nvPr/>
+        </p:nvPicPr>
+        <p:blipFill>
+          <a:blip r:embed="rId4"/>
+          <a:stretch>
+            <a:fillRect/>
+          </a:stretch>
+        </p:blipFill>
+        <p:spPr>
+          <a:xfrm>
+            <a:off x="1554177" y="2213547"/>
+            <a:ext cx="397736" cy="397736"/>
+          </a:xfrm>
+          <a:prstGeom prst="rect">
+            <a:avLst/>
+          </a:prstGeom>
+        </p:spPr>
+      </p:pic>
+      <p:pic>
+        <p:nvPicPr>
+          <p:cNvPr id="1026" name="Picture 2" descr="https://cdn4.iconfinder.com/data/icons/iconsimple-logotypes/512/github-512.png"/>
+          <p:cNvPicPr>
+            <a:picLocks noChangeAspect="1" noChangeArrowheads="1"/>
+          </p:cNvPicPr>
+          <p:nvPr/>
+        </p:nvPicPr>
+        <p:blipFill>
+          <a:blip r:embed="rId5" cstate="print">
+            <a:extLst>
+              <a:ext uri="{28A0092B-C50C-407E-A947-70E740481C1C}">
+                <a14:useLocalDpi xmlns:a14="http://schemas.microsoft.com/office/drawing/2010/main" val="0"/>
+              </a:ext>
+            </a:extLst>
+          </a:blip>
+          <a:srcRect/>
+          <a:stretch>
+            <a:fillRect/>
+          </a:stretch>
+        </p:blipFill>
+        <p:spPr bwMode="auto">
+          <a:xfrm>
+            <a:off x="7086600" y="2153787"/>
+            <a:ext cx="464574" cy="464574"/>
+          </a:xfrm>
+          <a:prstGeom prst="rect">
+            <a:avLst/>
+          </a:prstGeom>
+          <a:noFill/>
+          <a:extLst>
+            <a:ext uri="{909E8E84-426E-40DD-AFC4-6F175D3DCCD1}">
+              <a14:hiddenFill xmlns:a14="http://schemas.microsoft.com/office/drawing/2010/main">
+                <a:solidFill>
+                  <a:srgbClr val="FFFFFF"/>
+                </a:solidFill>
+              </a14:hiddenFill>
+            </a:ext>
+          </a:extLst>
+        </p:spPr>
+      </p:pic>
+      <p:sp>
+        <p:nvSpPr>
+          <p:cNvPr id="5" name="Footer Placeholder 4"/>
+          <p:cNvSpPr>
+            <a:spLocks noGrp="1"/>
+          </p:cNvSpPr>
+          <p:nvPr>
+            <p:ph type="ftr" sz="quarter" idx="11"/>
+          </p:nvPr>
+        </p:nvSpPr>
+        <p:spPr/>
+        <p:txBody>
+          <a:bodyPr/>
+          <a:lstStyle/>
+          <a:p>
+            <a:endParaRPr lang="en-US"/>
+          </a:p>
+        </p:txBody>
+      </p:sp>
+      <p:sp>
+        <p:nvSpPr>
+          <p:cNvPr id="7" name="Slide Number Placeholder 6"/>
+          <p:cNvSpPr>
+            <a:spLocks noGrp="1"/>
+          </p:cNvSpPr>
+          <p:nvPr>
+            <p:ph type="sldNum" sz="quarter" idx="12"/>
+          </p:nvPr>
+        </p:nvSpPr>
+        <p:spPr/>
+        <p:txBody>
+          <a:bodyPr/>
+          <a:lstStyle/>
+          <a:p>
+            <a:fld id="{9606955B-75E1-4766-BEBF-52F85FB0EDC9}" type="slidenum">
+              <a:rPr lang="en-US" smtClean="0"/>
+              <a:t>11</a:t>
+            </a:fld>
+            <a:endParaRPr lang="en-US"/>
+          </a:p>
+        </p:txBody>
+      </p:sp>
     </p:spTree>
     <p:extLst>
       <p:ext uri="{BB962C8B-B14F-4D97-AF65-F5344CB8AC3E}">
@@ -4809,7 +5059,7 @@
   <p:clrMapOvr>
     <a:masterClrMapping/>
   </p:clrMapOvr>
-  <p:transition>
+  <p:transition advTm="10000">
     <p:fade/>
   </p:transition>
   <p:timing>
@@ -4947,31 +5197,16 @@
               <a:rPr lang="en-US" sz="1600" dirty="0" smtClean="0">
                 <a:latin typeface="Calibri Light" panose="020F0302020204030204" pitchFamily="34" charset="0"/>
               </a:rPr>
-              <a:t>= one model per </a:t>
-            </a:r>
+              <a:t>= one model per study</a:t>
+            </a:r>
+          </a:p>
+          <a:p>
+            <a:pPr algn="ctr"/>
             <a:r>
               <a:rPr lang="en-US" sz="1600" dirty="0" smtClean="0">
                 <a:latin typeface="Calibri Light" panose="020F0302020204030204" pitchFamily="34" charset="0"/>
               </a:rPr>
-              <a:t>study</a:t>
-            </a:r>
-            <a:endParaRPr lang="en-US" sz="1600" dirty="0" smtClean="0">
-              <a:latin typeface="Calibri Light" panose="020F0302020204030204" pitchFamily="34" charset="0"/>
-            </a:endParaRPr>
-          </a:p>
-          <a:p>
-            <a:pPr algn="ctr"/>
-            <a:r>
-              <a:rPr lang="en-US" sz="1600" dirty="0" smtClean="0">
-                <a:latin typeface="Calibri Light" panose="020F0302020204030204" pitchFamily="34" charset="0"/>
-              </a:rPr>
-              <a:t>It is stored on a REDCap </a:t>
-            </a:r>
-            <a:r>
-              <a:rPr lang="en-US" sz="1600" dirty="0" smtClean="0">
-                <a:latin typeface="Calibri Light" panose="020F0302020204030204" pitchFamily="34" charset="0"/>
-              </a:rPr>
-              <a:t>server.</a:t>
+              <a:t>It is stored on a REDCap server.</a:t>
             </a:r>
             <a:endParaRPr lang="en-US" sz="1600" dirty="0">
               <a:latin typeface="Calibri Light" panose="020F0302020204030204" pitchFamily="34" charset="0"/>
@@ -5194,6 +5429,48 @@
           </a:p>
         </p:txBody>
       </p:sp>
+      <p:sp>
+        <p:nvSpPr>
+          <p:cNvPr id="2" name="Footer Placeholder 1"/>
+          <p:cNvSpPr>
+            <a:spLocks noGrp="1"/>
+          </p:cNvSpPr>
+          <p:nvPr>
+            <p:ph type="ftr" sz="quarter" idx="11"/>
+          </p:nvPr>
+        </p:nvSpPr>
+        <p:spPr/>
+        <p:txBody>
+          <a:bodyPr/>
+          <a:lstStyle/>
+          <a:p>
+            <a:endParaRPr lang="en-US"/>
+          </a:p>
+        </p:txBody>
+      </p:sp>
+      <p:sp>
+        <p:nvSpPr>
+          <p:cNvPr id="3" name="Slide Number Placeholder 2"/>
+          <p:cNvSpPr>
+            <a:spLocks noGrp="1"/>
+          </p:cNvSpPr>
+          <p:nvPr>
+            <p:ph type="sldNum" sz="quarter" idx="12"/>
+          </p:nvPr>
+        </p:nvSpPr>
+        <p:spPr/>
+        <p:txBody>
+          <a:bodyPr/>
+          <a:lstStyle/>
+          <a:p>
+            <a:fld id="{9606955B-75E1-4766-BEBF-52F85FB0EDC9}" type="slidenum">
+              <a:rPr lang="en-US" smtClean="0"/>
+              <a:t>12</a:t>
+            </a:fld>
+            <a:endParaRPr lang="en-US"/>
+          </a:p>
+        </p:txBody>
+      </p:sp>
     </p:spTree>
     <p:extLst>
       <p:ext uri="{BB962C8B-B14F-4D97-AF65-F5344CB8AC3E}">
@@ -5204,7 +5481,7 @@
   <p:clrMapOvr>
     <a:masterClrMapping/>
   </p:clrMapOvr>
-  <p:transition>
+  <p:transition advTm="10000">
     <p:fade/>
   </p:transition>
   <p:timing>
@@ -5356,9 +5633,6 @@
               </a:rPr>
               <a:t>survey.</a:t>
             </a:r>
-            <a:endParaRPr lang="en-US" sz="1600" dirty="0" smtClean="0">
-              <a:latin typeface="+mj-lt"/>
-            </a:endParaRPr>
           </a:p>
         </p:txBody>
       </p:sp>
@@ -5601,6 +5875,48 @@
           </a:p>
         </p:txBody>
       </p:sp>
+      <p:sp>
+        <p:nvSpPr>
+          <p:cNvPr id="2" name="Footer Placeholder 1"/>
+          <p:cNvSpPr>
+            <a:spLocks noGrp="1"/>
+          </p:cNvSpPr>
+          <p:nvPr>
+            <p:ph type="ftr" sz="quarter" idx="11"/>
+          </p:nvPr>
+        </p:nvSpPr>
+        <p:spPr/>
+        <p:txBody>
+          <a:bodyPr/>
+          <a:lstStyle/>
+          <a:p>
+            <a:endParaRPr lang="en-US"/>
+          </a:p>
+        </p:txBody>
+      </p:sp>
+      <p:sp>
+        <p:nvSpPr>
+          <p:cNvPr id="3" name="Slide Number Placeholder 2"/>
+          <p:cNvSpPr>
+            <a:spLocks noGrp="1"/>
+          </p:cNvSpPr>
+          <p:nvPr>
+            <p:ph type="sldNum" sz="quarter" idx="12"/>
+          </p:nvPr>
+        </p:nvSpPr>
+        <p:spPr/>
+        <p:txBody>
+          <a:bodyPr/>
+          <a:lstStyle/>
+          <a:p>
+            <a:fld id="{9606955B-75E1-4766-BEBF-52F85FB0EDC9}" type="slidenum">
+              <a:rPr lang="en-US" smtClean="0"/>
+              <a:t>13</a:t>
+            </a:fld>
+            <a:endParaRPr lang="en-US"/>
+          </a:p>
+        </p:txBody>
+      </p:sp>
     </p:spTree>
     <p:extLst>
       <p:ext uri="{BB962C8B-B14F-4D97-AF65-F5344CB8AC3E}">
@@ -5611,7 +5927,7 @@
   <p:clrMapOvr>
     <a:masterClrMapping/>
   </p:clrMapOvr>
-  <p:transition>
+  <p:transition advTm="10000">
     <p:fade/>
   </p:transition>
   <p:timing>
@@ -5719,25 +6035,7 @@
               <a:rPr lang="en-US" sz="1600" dirty="0" smtClean="0">
                 <a:latin typeface="+mj-lt"/>
               </a:rPr>
-              <a:t>This is PRIVATE </a:t>
-            </a:r>
-            <a:r>
-              <a:rPr lang="en-US" sz="1600" dirty="0" smtClean="0">
-                <a:latin typeface="+mj-lt"/>
-              </a:rPr>
-              <a:t>space on </a:t>
-            </a:r>
-            <a:r>
-              <a:rPr lang="en-US" sz="1600" dirty="0" smtClean="0">
-                <a:latin typeface="+mj-lt"/>
-              </a:rPr>
-              <a:t>local </a:t>
-            </a:r>
-            <a:r>
-              <a:rPr lang="en-US" sz="1600" dirty="0" smtClean="0">
-                <a:latin typeface="+mj-lt"/>
-              </a:rPr>
-              <a:t>machines.</a:t>
+              <a:t>This is PRIVATE space on local machines.</a:t>
             </a:r>
           </a:p>
           <a:p>
@@ -5770,7 +6068,7 @@
               <a:rPr lang="en-US" sz="1600" dirty="0" smtClean="0">
                 <a:latin typeface="+mj-lt"/>
               </a:rPr>
-              <a:t>= greater security</a:t>
+              <a:t>-&gt;  greater security</a:t>
             </a:r>
           </a:p>
           <a:p>
@@ -5785,8 +6083,50 @@
               <a:rPr lang="en-US" sz="1600" dirty="0" smtClean="0">
                 <a:latin typeface="+mj-lt"/>
               </a:rPr>
-              <a:t>= less IRB paperwork</a:t>
-            </a:r>
+              <a:t>-&gt;  less IRB paperwork</a:t>
+            </a:r>
+          </a:p>
+        </p:txBody>
+      </p:sp>
+      <p:sp>
+        <p:nvSpPr>
+          <p:cNvPr id="2" name="Footer Placeholder 1"/>
+          <p:cNvSpPr>
+            <a:spLocks noGrp="1"/>
+          </p:cNvSpPr>
+          <p:nvPr>
+            <p:ph type="ftr" sz="quarter" idx="11"/>
+          </p:nvPr>
+        </p:nvSpPr>
+        <p:spPr/>
+        <p:txBody>
+          <a:bodyPr/>
+          <a:lstStyle/>
+          <a:p>
+            <a:endParaRPr lang="en-US"/>
+          </a:p>
+        </p:txBody>
+      </p:sp>
+      <p:sp>
+        <p:nvSpPr>
+          <p:cNvPr id="3" name="Slide Number Placeholder 2"/>
+          <p:cNvSpPr>
+            <a:spLocks noGrp="1"/>
+          </p:cNvSpPr>
+          <p:nvPr>
+            <p:ph type="sldNum" sz="quarter" idx="12"/>
+          </p:nvPr>
+        </p:nvSpPr>
+        <p:spPr/>
+        <p:txBody>
+          <a:bodyPr/>
+          <a:lstStyle/>
+          <a:p>
+            <a:fld id="{9606955B-75E1-4766-BEBF-52F85FB0EDC9}" type="slidenum">
+              <a:rPr lang="en-US" smtClean="0"/>
+              <a:t>14</a:t>
+            </a:fld>
+            <a:endParaRPr lang="en-US"/>
           </a:p>
         </p:txBody>
       </p:sp>
@@ -5800,7 +6140,7 @@
   <p:clrMapOvr>
     <a:masterClrMapping/>
   </p:clrMapOvr>
-  <p:transition>
+  <p:transition advTm="10000">
     <p:fade/>
   </p:transition>
   <p:timing>
@@ -5875,17 +6215,50 @@
               <a:rPr lang="en-US" sz="1600" dirty="0" smtClean="0">
                 <a:latin typeface="+mj-lt"/>
               </a:rPr>
-              <a:t>from raw data files to tables and graphs in </a:t>
-            </a:r>
-            <a:r>
-              <a:rPr lang="en-US" sz="1600" dirty="0" smtClean="0">
-                <a:latin typeface="+mj-lt"/>
-              </a:rPr>
-              <a:t>manuscripts.</a:t>
-            </a:r>
-            <a:endParaRPr lang="en-US" sz="1600" dirty="0" smtClean="0">
-              <a:latin typeface="+mj-lt"/>
-            </a:endParaRPr>
+              <a:t>from raw data files to tables and graphs in manuscripts.</a:t>
+            </a:r>
+          </a:p>
+        </p:txBody>
+      </p:sp>
+      <p:sp>
+        <p:nvSpPr>
+          <p:cNvPr id="2" name="Footer Placeholder 1"/>
+          <p:cNvSpPr>
+            <a:spLocks noGrp="1"/>
+          </p:cNvSpPr>
+          <p:nvPr>
+            <p:ph type="ftr" sz="quarter" idx="11"/>
+          </p:nvPr>
+        </p:nvSpPr>
+        <p:spPr/>
+        <p:txBody>
+          <a:bodyPr/>
+          <a:lstStyle/>
+          <a:p>
+            <a:endParaRPr lang="en-US"/>
+          </a:p>
+        </p:txBody>
+      </p:sp>
+      <p:sp>
+        <p:nvSpPr>
+          <p:cNvPr id="3" name="Slide Number Placeholder 2"/>
+          <p:cNvSpPr>
+            <a:spLocks noGrp="1"/>
+          </p:cNvSpPr>
+          <p:nvPr>
+            <p:ph type="sldNum" sz="quarter" idx="12"/>
+          </p:nvPr>
+        </p:nvSpPr>
+        <p:spPr/>
+        <p:txBody>
+          <a:bodyPr/>
+          <a:lstStyle/>
+          <a:p>
+            <a:fld id="{9606955B-75E1-4766-BEBF-52F85FB0EDC9}" type="slidenum">
+              <a:rPr lang="en-US" smtClean="0"/>
+              <a:t>15</a:t>
+            </a:fld>
+            <a:endParaRPr lang="en-US"/>
           </a:p>
         </p:txBody>
       </p:sp>
@@ -5899,7 +6272,7 @@
   <p:clrMapOvr>
     <a:masterClrMapping/>
   </p:clrMapOvr>
-  <p:transition>
+  <p:transition advTm="10000">
     <p:fade/>
   </p:transition>
   <p:timing>
@@ -6192,9 +6565,6 @@
               </a:rPr>
               <a:t>provide expertise on their longitudinal studies,</a:t>
             </a:r>
-            <a:endParaRPr lang="en-US" sz="1600" dirty="0" smtClean="0">
-              <a:latin typeface="+mj-lt"/>
-            </a:endParaRPr>
           </a:p>
           <a:p>
             <a:pPr algn="ctr"/>
@@ -6213,9 +6583,6 @@
               </a:rPr>
               <a:t>need only basic knowledge of R</a:t>
             </a:r>
-            <a:endParaRPr lang="en-US" sz="1600" dirty="0" smtClean="0">
-              <a:latin typeface="+mj-lt"/>
-            </a:endParaRPr>
           </a:p>
           <a:p>
             <a:pPr algn="ctr"/>
@@ -6327,6 +6694,48 @@
           </a:p>
         </p:txBody>
       </p:sp>
+      <p:sp>
+        <p:nvSpPr>
+          <p:cNvPr id="3" name="Footer Placeholder 2"/>
+          <p:cNvSpPr>
+            <a:spLocks noGrp="1"/>
+          </p:cNvSpPr>
+          <p:nvPr>
+            <p:ph type="ftr" sz="quarter" idx="11"/>
+          </p:nvPr>
+        </p:nvSpPr>
+        <p:spPr/>
+        <p:txBody>
+          <a:bodyPr/>
+          <a:lstStyle/>
+          <a:p>
+            <a:endParaRPr lang="en-US"/>
+          </a:p>
+        </p:txBody>
+      </p:sp>
+      <p:sp>
+        <p:nvSpPr>
+          <p:cNvPr id="4" name="Slide Number Placeholder 3"/>
+          <p:cNvSpPr>
+            <a:spLocks noGrp="1"/>
+          </p:cNvSpPr>
+          <p:nvPr>
+            <p:ph type="sldNum" sz="quarter" idx="12"/>
+          </p:nvPr>
+        </p:nvSpPr>
+        <p:spPr/>
+        <p:txBody>
+          <a:bodyPr/>
+          <a:lstStyle/>
+          <a:p>
+            <a:fld id="{9606955B-75E1-4766-BEBF-52F85FB0EDC9}" type="slidenum">
+              <a:rPr lang="en-US" smtClean="0"/>
+              <a:t>16</a:t>
+            </a:fld>
+            <a:endParaRPr lang="en-US"/>
+          </a:p>
+        </p:txBody>
+      </p:sp>
     </p:spTree>
     <p:extLst>
       <p:ext uri="{BB962C8B-B14F-4D97-AF65-F5344CB8AC3E}">
@@ -6337,7 +6746,7 @@
   <p:clrMapOvr>
     <a:masterClrMapping/>
   </p:clrMapOvr>
-  <p:transition>
+  <p:transition advTm="10000">
     <p:fade/>
   </p:transition>
   <p:timing>
@@ -6708,6 +7117,48 @@
           </a:prstGeom>
         </p:spPr>
       </p:pic>
+      <p:sp>
+        <p:nvSpPr>
+          <p:cNvPr id="8" name="Footer Placeholder 7"/>
+          <p:cNvSpPr>
+            <a:spLocks noGrp="1"/>
+          </p:cNvSpPr>
+          <p:nvPr>
+            <p:ph type="ftr" sz="quarter" idx="11"/>
+          </p:nvPr>
+        </p:nvSpPr>
+        <p:spPr/>
+        <p:txBody>
+          <a:bodyPr/>
+          <a:lstStyle/>
+          <a:p>
+            <a:endParaRPr lang="en-US"/>
+          </a:p>
+        </p:txBody>
+      </p:sp>
+      <p:sp>
+        <p:nvSpPr>
+          <p:cNvPr id="10" name="Slide Number Placeholder 9"/>
+          <p:cNvSpPr>
+            <a:spLocks noGrp="1"/>
+          </p:cNvSpPr>
+          <p:nvPr>
+            <p:ph type="sldNum" sz="quarter" idx="12"/>
+          </p:nvPr>
+        </p:nvSpPr>
+        <p:spPr/>
+        <p:txBody>
+          <a:bodyPr/>
+          <a:lstStyle/>
+          <a:p>
+            <a:fld id="{9606955B-75E1-4766-BEBF-52F85FB0EDC9}" type="slidenum">
+              <a:rPr lang="en-US" smtClean="0"/>
+              <a:t>17</a:t>
+            </a:fld>
+            <a:endParaRPr lang="en-US"/>
+          </a:p>
+        </p:txBody>
+      </p:sp>
     </p:spTree>
     <p:extLst>
       <p:ext uri="{BB962C8B-B14F-4D97-AF65-F5344CB8AC3E}">
@@ -6718,7 +7169,7 @@
   <p:clrMapOvr>
     <a:masterClrMapping/>
   </p:clrMapOvr>
-  <p:transition>
+  <p:transition advTm="10000">
     <p:fade/>
   </p:transition>
   <p:timing>
@@ -7357,58 +7808,16 @@
               <a:rPr lang="en-US" sz="1600" dirty="0" smtClean="0">
                 <a:latin typeface="+mj-lt"/>
               </a:rPr>
-              <a:t>When all drivers </a:t>
-            </a:r>
+              <a:t>When all drivers fill in the Pre-Conference Survey</a:t>
+            </a:r>
+          </a:p>
+          <a:p>
+            <a:pPr algn="ctr"/>
             <a:r>
               <a:rPr lang="en-US" sz="1600" dirty="0" smtClean="0">
                 <a:latin typeface="+mj-lt"/>
               </a:rPr>
-              <a:t>fill </a:t>
-            </a:r>
-            <a:r>
-              <a:rPr lang="en-US" sz="1600" dirty="0" smtClean="0">
-                <a:latin typeface="+mj-lt"/>
-              </a:rPr>
-              <a:t>in the </a:t>
-            </a:r>
-            <a:r>
-              <a:rPr lang="en-US" sz="1600" dirty="0" smtClean="0">
-                <a:latin typeface="+mj-lt"/>
-              </a:rPr>
-              <a:t>Pre-Conference </a:t>
-            </a:r>
-            <a:r>
-              <a:rPr lang="en-US" sz="1600" dirty="0" smtClean="0">
-                <a:latin typeface="+mj-lt"/>
-              </a:rPr>
-              <a:t>Survey</a:t>
-            </a:r>
-          </a:p>
-          <a:p>
-            <a:pPr algn="ctr"/>
-            <a:r>
-              <a:rPr lang="en-US" sz="1600" dirty="0" smtClean="0">
-                <a:latin typeface="+mj-lt"/>
-              </a:rPr>
-              <a:t>we </a:t>
-            </a:r>
-            <a:r>
-              <a:rPr lang="en-US" sz="1600" dirty="0" smtClean="0">
-                <a:latin typeface="+mj-lt"/>
-              </a:rPr>
-              <a:t>can see </a:t>
-            </a:r>
-            <a:r>
-              <a:rPr lang="en-US" sz="1600" dirty="0" smtClean="0">
-                <a:latin typeface="+mj-lt"/>
-              </a:rPr>
-              <a:t>which studies </a:t>
-            </a:r>
-            <a:r>
-              <a:rPr lang="en-US" sz="1600" dirty="0" smtClean="0">
-                <a:latin typeface="+mj-lt"/>
-              </a:rPr>
-              <a:t>have similar </a:t>
+              <a:t>we can see which studies have similar </a:t>
             </a:r>
           </a:p>
           <a:p>
@@ -7463,6 +7872,48 @@
           </a:fontRef>
         </p:style>
       </p:cxnSp>
+      <p:sp>
+        <p:nvSpPr>
+          <p:cNvPr id="2" name="Footer Placeholder 1"/>
+          <p:cNvSpPr>
+            <a:spLocks noGrp="1"/>
+          </p:cNvSpPr>
+          <p:nvPr>
+            <p:ph type="ftr" sz="quarter" idx="11"/>
+          </p:nvPr>
+        </p:nvSpPr>
+        <p:spPr/>
+        <p:txBody>
+          <a:bodyPr/>
+          <a:lstStyle/>
+          <a:p>
+            <a:endParaRPr lang="en-US"/>
+          </a:p>
+        </p:txBody>
+      </p:sp>
+      <p:sp>
+        <p:nvSpPr>
+          <p:cNvPr id="4" name="Slide Number Placeholder 3"/>
+          <p:cNvSpPr>
+            <a:spLocks noGrp="1"/>
+          </p:cNvSpPr>
+          <p:nvPr>
+            <p:ph type="sldNum" sz="quarter" idx="12"/>
+          </p:nvPr>
+        </p:nvSpPr>
+        <p:spPr/>
+        <p:txBody>
+          <a:bodyPr/>
+          <a:lstStyle/>
+          <a:p>
+            <a:fld id="{9606955B-75E1-4766-BEBF-52F85FB0EDC9}" type="slidenum">
+              <a:rPr lang="en-US" smtClean="0"/>
+              <a:t>18</a:t>
+            </a:fld>
+            <a:endParaRPr lang="en-US"/>
+          </a:p>
+        </p:txBody>
+      </p:sp>
     </p:spTree>
     <p:extLst>
       <p:ext uri="{BB962C8B-B14F-4D97-AF65-F5344CB8AC3E}">
@@ -7473,7 +7924,7 @@
   <p:clrMapOvr>
     <a:masterClrMapping/>
   </p:clrMapOvr>
-  <p:transition>
+  <p:transition advTm="10000">
     <p:fade/>
   </p:transition>
   <p:timing>
@@ -8085,6 +8536,48 @@
           </a:prstGeom>
         </p:spPr>
       </p:pic>
+      <p:sp>
+        <p:nvSpPr>
+          <p:cNvPr id="3" name="Footer Placeholder 2"/>
+          <p:cNvSpPr>
+            <a:spLocks noGrp="1"/>
+          </p:cNvSpPr>
+          <p:nvPr>
+            <p:ph type="ftr" sz="quarter" idx="11"/>
+          </p:nvPr>
+        </p:nvSpPr>
+        <p:spPr/>
+        <p:txBody>
+          <a:bodyPr/>
+          <a:lstStyle/>
+          <a:p>
+            <a:endParaRPr lang="en-US"/>
+          </a:p>
+        </p:txBody>
+      </p:sp>
+      <p:sp>
+        <p:nvSpPr>
+          <p:cNvPr id="14" name="Slide Number Placeholder 13"/>
+          <p:cNvSpPr>
+            <a:spLocks noGrp="1"/>
+          </p:cNvSpPr>
+          <p:nvPr>
+            <p:ph type="sldNum" sz="quarter" idx="12"/>
+          </p:nvPr>
+        </p:nvSpPr>
+        <p:spPr/>
+        <p:txBody>
+          <a:bodyPr/>
+          <a:lstStyle/>
+          <a:p>
+            <a:fld id="{9606955B-75E1-4766-BEBF-52F85FB0EDC9}" type="slidenum">
+              <a:rPr lang="en-US" smtClean="0"/>
+              <a:t>19</a:t>
+            </a:fld>
+            <a:endParaRPr lang="en-US"/>
+          </a:p>
+        </p:txBody>
+      </p:sp>
     </p:spTree>
     <p:extLst>
       <p:ext uri="{BB962C8B-B14F-4D97-AF65-F5344CB8AC3E}">
@@ -8095,7 +8588,7 @@
   <p:clrMapOvr>
     <a:masterClrMapping/>
   </p:clrMapOvr>
-  <p:transition>
+  <p:transition advTm="10000">
     <p:fade/>
   </p:transition>
   <p:timing>
@@ -8505,6 +8998,48 @@
           </p:txBody>
         </p:sp>
       </p:grpSp>
+      <p:sp>
+        <p:nvSpPr>
+          <p:cNvPr id="2" name="Footer Placeholder 1"/>
+          <p:cNvSpPr>
+            <a:spLocks noGrp="1"/>
+          </p:cNvSpPr>
+          <p:nvPr>
+            <p:ph type="ftr" sz="quarter" idx="11"/>
+          </p:nvPr>
+        </p:nvSpPr>
+        <p:spPr/>
+        <p:txBody>
+          <a:bodyPr/>
+          <a:lstStyle/>
+          <a:p>
+            <a:endParaRPr lang="en-US"/>
+          </a:p>
+        </p:txBody>
+      </p:sp>
+      <p:sp>
+        <p:nvSpPr>
+          <p:cNvPr id="7" name="Slide Number Placeholder 6"/>
+          <p:cNvSpPr>
+            <a:spLocks noGrp="1"/>
+          </p:cNvSpPr>
+          <p:nvPr>
+            <p:ph type="sldNum" sz="quarter" idx="12"/>
+          </p:nvPr>
+        </p:nvSpPr>
+        <p:spPr/>
+        <p:txBody>
+          <a:bodyPr/>
+          <a:lstStyle/>
+          <a:p>
+            <a:fld id="{9606955B-75E1-4766-BEBF-52F85FB0EDC9}" type="slidenum">
+              <a:rPr lang="en-US" smtClean="0"/>
+              <a:t>2</a:t>
+            </a:fld>
+            <a:endParaRPr lang="en-US"/>
+          </a:p>
+        </p:txBody>
+      </p:sp>
     </p:spTree>
     <p:extLst>
       <p:ext uri="{BB962C8B-B14F-4D97-AF65-F5344CB8AC3E}">
@@ -8515,7 +9050,7 @@
   <p:clrMapOvr>
     <a:masterClrMapping/>
   </p:clrMapOvr>
-  <p:transition>
+  <p:transition advTm="20000">
     <p:fade/>
   </p:transition>
   <p:timing>
@@ -8717,6 +9252,48 @@
           </a:prstGeom>
         </p:spPr>
       </p:pic>
+      <p:sp>
+        <p:nvSpPr>
+          <p:cNvPr id="2" name="Footer Placeholder 1"/>
+          <p:cNvSpPr>
+            <a:spLocks noGrp="1"/>
+          </p:cNvSpPr>
+          <p:nvPr>
+            <p:ph type="ftr" sz="quarter" idx="11"/>
+          </p:nvPr>
+        </p:nvSpPr>
+        <p:spPr/>
+        <p:txBody>
+          <a:bodyPr/>
+          <a:lstStyle/>
+          <a:p>
+            <a:endParaRPr lang="en-US"/>
+          </a:p>
+        </p:txBody>
+      </p:sp>
+      <p:sp>
+        <p:nvSpPr>
+          <p:cNvPr id="3" name="Slide Number Placeholder 2"/>
+          <p:cNvSpPr>
+            <a:spLocks noGrp="1"/>
+          </p:cNvSpPr>
+          <p:nvPr>
+            <p:ph type="sldNum" sz="quarter" idx="12"/>
+          </p:nvPr>
+        </p:nvSpPr>
+        <p:spPr/>
+        <p:txBody>
+          <a:bodyPr/>
+          <a:lstStyle/>
+          <a:p>
+            <a:fld id="{9606955B-75E1-4766-BEBF-52F85FB0EDC9}" type="slidenum">
+              <a:rPr lang="en-US" smtClean="0"/>
+              <a:t>20</a:t>
+            </a:fld>
+            <a:endParaRPr lang="en-US"/>
+          </a:p>
+        </p:txBody>
+      </p:sp>
     </p:spTree>
     <p:extLst>
       <p:ext uri="{BB962C8B-B14F-4D97-AF65-F5344CB8AC3E}">
@@ -8727,7 +9304,7 @@
   <p:clrMapOvr>
     <a:masterClrMapping/>
   </p:clrMapOvr>
-  <p:transition>
+  <p:transition advTm="10000">
     <p:fade/>
   </p:transition>
   <p:timing>
@@ -8757,47 +9334,101 @@
           <a:chExt cx="0" cy="0"/>
         </a:xfrm>
       </p:grpSpPr>
-      <p:pic>
-        <p:nvPicPr>
-          <p:cNvPr id="1026" name="Picture 2" descr="https://www.acspri.org.au/sites/acspri.org.au/files/mlogo.png"/>
-          <p:cNvPicPr>
-            <a:picLocks noChangeAspect="1" noChangeArrowheads="1"/>
-          </p:cNvPicPr>
+      <p:sp>
+        <p:nvSpPr>
+          <p:cNvPr id="9" name="TextBox 8"/>
+          <p:cNvSpPr txBox="1"/>
           <p:nvPr/>
-        </p:nvPicPr>
-        <p:blipFill>
-          <a:blip r:embed="rId2" cstate="print">
-            <a:extLst>
-              <a:ext uri="{28A0092B-C50C-407E-A947-70E740481C1C}">
-                <a14:useLocalDpi xmlns:a14="http://schemas.microsoft.com/office/drawing/2010/main" val="0"/>
-              </a:ext>
-            </a:extLst>
-          </a:blip>
-          <a:srcRect/>
-          <a:stretch>
-            <a:fillRect/>
-          </a:stretch>
-        </p:blipFill>
-        <p:spPr bwMode="auto">
+        </p:nvSpPr>
+        <p:spPr>
           <a:xfrm>
-            <a:off x="7936175" y="2494446"/>
-            <a:ext cx="554308" cy="231578"/>
+            <a:off x="0" y="1688227"/>
+            <a:ext cx="9144000" cy="1569660"/>
           </a:xfrm>
           <a:prstGeom prst="rect">
             <a:avLst/>
           </a:prstGeom>
           <a:noFill/>
-          <a:extLst>
-            <a:ext uri="{909E8E84-426E-40DD-AFC4-6F175D3DCCD1}">
-              <a14:hiddenFill xmlns:a14="http://schemas.microsoft.com/office/drawing/2010/main">
-                <a:solidFill>
-                  <a:srgbClr val="FFFFFF"/>
-                </a:solidFill>
-              </a14:hiddenFill>
-            </a:ext>
-          </a:extLst>
         </p:spPr>
-      </p:pic>
+        <p:txBody>
+          <a:bodyPr wrap="square" rtlCol="0">
+            <a:spAutoFit/>
+          </a:bodyPr>
+          <a:lstStyle/>
+          <a:p>
+            <a:pPr algn="ctr"/>
+            <a:r>
+              <a:rPr lang="en-US" sz="1600" dirty="0">
+                <a:latin typeface="+mj-lt"/>
+              </a:rPr>
+              <a:t>Script run on server</a:t>
+            </a:r>
+            <a:r>
+              <a:rPr lang="en-US" sz="1600" dirty="0" smtClean="0">
+                <a:latin typeface="+mj-lt"/>
+              </a:rPr>
+              <a:t>.</a:t>
+            </a:r>
+          </a:p>
+          <a:p>
+            <a:pPr algn="ctr"/>
+            <a:r>
+              <a:rPr lang="en-US" sz="1600" dirty="0" smtClean="0">
+                <a:latin typeface="+mj-lt"/>
+              </a:rPr>
+              <a:t> Using dataset descriptions, the</a:t>
+            </a:r>
+          </a:p>
+          <a:p>
+            <a:pPr algn="ctr"/>
+            <a:r>
+              <a:rPr lang="en-US" sz="1600" dirty="0" smtClean="0">
+                <a:latin typeface="+mj-lt"/>
+              </a:rPr>
+              <a:t> TRANSLATOR encodes </a:t>
+            </a:r>
+            <a:r>
+              <a:rPr lang="en-US" sz="1600" cap="all" dirty="0" smtClean="0">
+                <a:latin typeface="+mj-lt"/>
+              </a:rPr>
+              <a:t>statistical models</a:t>
+            </a:r>
+          </a:p>
+          <a:p>
+            <a:pPr algn="ctr"/>
+            <a:r>
+              <a:rPr lang="en-US" sz="1600" dirty="0" smtClean="0">
+                <a:latin typeface="+mj-lt"/>
+              </a:rPr>
+              <a:t>Into M</a:t>
+            </a:r>
+            <a:r>
+              <a:rPr lang="en-US" sz="1600" i="1" dirty="0" smtClean="0">
+                <a:latin typeface="+mj-lt"/>
+              </a:rPr>
+              <a:t>plus</a:t>
+            </a:r>
+            <a:r>
+              <a:rPr lang="en-US" sz="1600" dirty="0" smtClean="0">
+                <a:latin typeface="+mj-lt"/>
+              </a:rPr>
+              <a:t> estimation language</a:t>
+            </a:r>
+          </a:p>
+          <a:p>
+            <a:pPr algn="ctr"/>
+            <a:endParaRPr lang="en-US" sz="1600" dirty="0" smtClean="0">
+              <a:latin typeface="+mj-lt"/>
+            </a:endParaRPr>
+          </a:p>
+          <a:p>
+            <a:pPr algn="ctr"/>
+            <a:endParaRPr lang="en-US" sz="1600" cap="all" dirty="0" smtClean="0">
+              <a:latin typeface="+mj-lt"/>
+            </a:endParaRPr>
+          </a:p>
+        </p:txBody>
+      </p:sp>
       <p:grpSp>
         <p:nvGrpSpPr>
           <p:cNvPr id="36" name="Group 35"/>
@@ -8881,7 +9512,7 @@
               <p:nvPr/>
             </p:nvPicPr>
             <p:blipFill>
-              <a:blip r:embed="rId3" cstate="print">
+              <a:blip r:embed="rId2" cstate="print">
                 <a:extLst>
                   <a:ext uri="{28A0092B-C50C-407E-A947-70E740481C1C}">
                     <a14:useLocalDpi xmlns:a14="http://schemas.microsoft.com/office/drawing/2010/main" val="0"/>
@@ -8911,7 +9542,7 @@
               <p:nvPr/>
             </p:nvPicPr>
             <p:blipFill>
-              <a:blip r:embed="rId4" cstate="print">
+              <a:blip r:embed="rId3" cstate="print">
                 <a:extLst>
                   <a:ext uri="{28A0092B-C50C-407E-A947-70E740481C1C}">
                     <a14:useLocalDpi xmlns:a14="http://schemas.microsoft.com/office/drawing/2010/main" val="0"/>
@@ -8934,101 +9565,47 @@
           </p:pic>
         </p:grpSp>
       </p:grpSp>
-      <p:sp>
-        <p:nvSpPr>
-          <p:cNvPr id="9" name="TextBox 8"/>
-          <p:cNvSpPr txBox="1"/>
+      <p:pic>
+        <p:nvPicPr>
+          <p:cNvPr id="1026" name="Picture 2" descr="https://www.acspri.org.au/sites/acspri.org.au/files/mlogo.png"/>
+          <p:cNvPicPr>
+            <a:picLocks noChangeAspect="1" noChangeArrowheads="1"/>
+          </p:cNvPicPr>
           <p:nvPr/>
-        </p:nvSpPr>
-        <p:spPr>
+        </p:nvPicPr>
+        <p:blipFill>
+          <a:blip r:embed="rId4" cstate="print">
+            <a:extLst>
+              <a:ext uri="{28A0092B-C50C-407E-A947-70E740481C1C}">
+                <a14:useLocalDpi xmlns:a14="http://schemas.microsoft.com/office/drawing/2010/main" val="0"/>
+              </a:ext>
+            </a:extLst>
+          </a:blip>
+          <a:srcRect/>
+          <a:stretch>
+            <a:fillRect/>
+          </a:stretch>
+        </p:blipFill>
+        <p:spPr bwMode="auto">
           <a:xfrm>
-            <a:off x="0" y="1688227"/>
-            <a:ext cx="9144000" cy="1569660"/>
+            <a:off x="7936175" y="2494446"/>
+            <a:ext cx="554308" cy="231578"/>
           </a:xfrm>
           <a:prstGeom prst="rect">
             <a:avLst/>
           </a:prstGeom>
           <a:noFill/>
+          <a:extLst>
+            <a:ext uri="{909E8E84-426E-40DD-AFC4-6F175D3DCCD1}">
+              <a14:hiddenFill xmlns:a14="http://schemas.microsoft.com/office/drawing/2010/main">
+                <a:solidFill>
+                  <a:srgbClr val="FFFFFF"/>
+                </a:solidFill>
+              </a14:hiddenFill>
+            </a:ext>
+          </a:extLst>
         </p:spPr>
-        <p:txBody>
-          <a:bodyPr wrap="square" rtlCol="0">
-            <a:spAutoFit/>
-          </a:bodyPr>
-          <a:lstStyle/>
-          <a:p>
-            <a:pPr algn="ctr"/>
-            <a:r>
-              <a:rPr lang="en-US" sz="1600" dirty="0">
-                <a:latin typeface="+mj-lt"/>
-              </a:rPr>
-              <a:t>Script run on server</a:t>
-            </a:r>
-            <a:r>
-              <a:rPr lang="en-US" sz="1600" dirty="0" smtClean="0">
-                <a:latin typeface="+mj-lt"/>
-              </a:rPr>
-              <a:t>.</a:t>
-            </a:r>
-          </a:p>
-          <a:p>
-            <a:pPr algn="ctr"/>
-            <a:r>
-              <a:rPr lang="en-US" sz="1600" dirty="0" smtClean="0">
-                <a:latin typeface="+mj-lt"/>
-              </a:rPr>
-              <a:t> Using dataset descriptions, the</a:t>
-            </a:r>
-          </a:p>
-          <a:p>
-            <a:pPr algn="ctr"/>
-            <a:r>
-              <a:rPr lang="en-US" sz="1600" dirty="0" smtClean="0">
-                <a:latin typeface="+mj-lt"/>
-              </a:rPr>
-              <a:t> TRANSLATOR encodes </a:t>
-            </a:r>
-            <a:r>
-              <a:rPr lang="en-US" sz="1600" cap="all" dirty="0" smtClean="0">
-                <a:latin typeface="+mj-lt"/>
-              </a:rPr>
-              <a:t>statistical models</a:t>
-            </a:r>
-          </a:p>
-          <a:p>
-            <a:pPr algn="ctr"/>
-            <a:r>
-              <a:rPr lang="en-US" sz="1600" dirty="0" smtClean="0">
-                <a:latin typeface="+mj-lt"/>
-              </a:rPr>
-              <a:t>Into M</a:t>
-            </a:r>
-            <a:r>
-              <a:rPr lang="en-US" sz="1600" i="1" dirty="0" smtClean="0">
-                <a:latin typeface="+mj-lt"/>
-              </a:rPr>
-              <a:t>plus</a:t>
-            </a:r>
-            <a:r>
-              <a:rPr lang="en-US" sz="1600" dirty="0" smtClean="0">
-                <a:latin typeface="+mj-lt"/>
-              </a:rPr>
-              <a:t> estimation language</a:t>
-            </a:r>
-          </a:p>
-          <a:p>
-            <a:pPr algn="ctr"/>
-            <a:endParaRPr lang="en-US" sz="1600" dirty="0" smtClean="0">
-              <a:latin typeface="+mj-lt"/>
-            </a:endParaRPr>
-          </a:p>
-          <a:p>
-            <a:pPr algn="ctr"/>
-            <a:endParaRPr lang="en-US" sz="1600" cap="all" dirty="0" smtClean="0">
-              <a:latin typeface="+mj-lt"/>
-            </a:endParaRPr>
-          </a:p>
-        </p:txBody>
-      </p:sp>
+      </p:pic>
       <p:sp>
         <p:nvSpPr>
           <p:cNvPr id="5" name="Rounded Rectangle 4"/>
@@ -9258,6 +9835,48 @@
           </a:fontRef>
         </p:style>
       </p:cxnSp>
+      <p:sp>
+        <p:nvSpPr>
+          <p:cNvPr id="2" name="Footer Placeholder 1"/>
+          <p:cNvSpPr>
+            <a:spLocks noGrp="1"/>
+          </p:cNvSpPr>
+          <p:nvPr>
+            <p:ph type="ftr" sz="quarter" idx="11"/>
+          </p:nvPr>
+        </p:nvSpPr>
+        <p:spPr/>
+        <p:txBody>
+          <a:bodyPr/>
+          <a:lstStyle/>
+          <a:p>
+            <a:endParaRPr lang="en-US"/>
+          </a:p>
+        </p:txBody>
+      </p:sp>
+      <p:sp>
+        <p:nvSpPr>
+          <p:cNvPr id="4" name="Slide Number Placeholder 3"/>
+          <p:cNvSpPr>
+            <a:spLocks noGrp="1"/>
+          </p:cNvSpPr>
+          <p:nvPr>
+            <p:ph type="sldNum" sz="quarter" idx="12"/>
+          </p:nvPr>
+        </p:nvSpPr>
+        <p:spPr/>
+        <p:txBody>
+          <a:bodyPr/>
+          <a:lstStyle/>
+          <a:p>
+            <a:fld id="{9606955B-75E1-4766-BEBF-52F85FB0EDC9}" type="slidenum">
+              <a:rPr lang="en-US" smtClean="0"/>
+              <a:t>21</a:t>
+            </a:fld>
+            <a:endParaRPr lang="en-US"/>
+          </a:p>
+        </p:txBody>
+      </p:sp>
     </p:spTree>
     <p:extLst>
       <p:ext uri="{BB962C8B-B14F-4D97-AF65-F5344CB8AC3E}">
@@ -9268,7 +9887,7 @@
   <p:clrMapOvr>
     <a:masterClrMapping/>
   </p:clrMapOvr>
-  <p:transition>
+  <p:transition advTm="10000">
     <p:fade/>
   </p:transition>
   <p:timing>
@@ -9644,13 +10263,7 @@
               <a:rPr lang="en-US" sz="1600" dirty="0" smtClean="0">
                 <a:latin typeface="+mj-lt"/>
               </a:rPr>
-              <a:t>Script </a:t>
-            </a:r>
-            <a:r>
-              <a:rPr lang="en-US" sz="1600" dirty="0" smtClean="0">
-                <a:latin typeface="+mj-lt"/>
-              </a:rPr>
-              <a:t>run on driver's </a:t>
+              <a:t>Script run on driver's </a:t>
             </a:r>
             <a:r>
               <a:rPr lang="en-US" sz="1600" dirty="0">
@@ -9730,6 +10343,89 @@
             <a:endParaRPr lang="en-US" sz="1600" cap="all" dirty="0" smtClean="0">
               <a:latin typeface="+mj-lt"/>
             </a:endParaRPr>
+          </a:p>
+        </p:txBody>
+      </p:sp>
+      <p:pic>
+        <p:nvPicPr>
+          <p:cNvPr id="14" name="Picture 2" descr="https://www.acspri.org.au/sites/acspri.org.au/files/mlogo.png"/>
+          <p:cNvPicPr>
+            <a:picLocks noChangeAspect="1" noChangeArrowheads="1"/>
+          </p:cNvPicPr>
+          <p:nvPr/>
+        </p:nvPicPr>
+        <p:blipFill>
+          <a:blip r:embed="rId7" cstate="print">
+            <a:extLst>
+              <a:ext uri="{28A0092B-C50C-407E-A947-70E740481C1C}">
+                <a14:useLocalDpi xmlns:a14="http://schemas.microsoft.com/office/drawing/2010/main" val="0"/>
+              </a:ext>
+            </a:extLst>
+          </a:blip>
+          <a:srcRect/>
+          <a:stretch>
+            <a:fillRect/>
+          </a:stretch>
+        </p:blipFill>
+        <p:spPr bwMode="auto">
+          <a:xfrm>
+            <a:off x="7276967" y="2127380"/>
+            <a:ext cx="936429" cy="391220"/>
+          </a:xfrm>
+          <a:prstGeom prst="rect">
+            <a:avLst/>
+          </a:prstGeom>
+          <a:noFill/>
+          <a:extLst>
+            <a:ext uri="{909E8E84-426E-40DD-AFC4-6F175D3DCCD1}">
+              <a14:hiddenFill xmlns:a14="http://schemas.microsoft.com/office/drawing/2010/main">
+                <a:solidFill>
+                  <a:srgbClr val="FFFFFF"/>
+                </a:solidFill>
+              </a14:hiddenFill>
+            </a:ext>
+          </a:extLst>
+        </p:spPr>
+      </p:pic>
+      <p:sp>
+        <p:nvSpPr>
+          <p:cNvPr id="2" name="Footer Placeholder 1"/>
+          <p:cNvSpPr>
+            <a:spLocks noGrp="1"/>
+          </p:cNvSpPr>
+          <p:nvPr>
+            <p:ph type="ftr" sz="quarter" idx="11"/>
+          </p:nvPr>
+        </p:nvSpPr>
+        <p:spPr/>
+        <p:txBody>
+          <a:bodyPr/>
+          <a:lstStyle/>
+          <a:p>
+            <a:endParaRPr lang="en-US"/>
+          </a:p>
+        </p:txBody>
+      </p:sp>
+      <p:sp>
+        <p:nvSpPr>
+          <p:cNvPr id="3" name="Slide Number Placeholder 2"/>
+          <p:cNvSpPr>
+            <a:spLocks noGrp="1"/>
+          </p:cNvSpPr>
+          <p:nvPr>
+            <p:ph type="sldNum" sz="quarter" idx="12"/>
+          </p:nvPr>
+        </p:nvSpPr>
+        <p:spPr/>
+        <p:txBody>
+          <a:bodyPr/>
+          <a:lstStyle/>
+          <a:p>
+            <a:fld id="{9606955B-75E1-4766-BEBF-52F85FB0EDC9}" type="slidenum">
+              <a:rPr lang="en-US" smtClean="0"/>
+              <a:t>22</a:t>
+            </a:fld>
+            <a:endParaRPr lang="en-US"/>
           </a:p>
         </p:txBody>
       </p:sp>
@@ -9743,7 +10439,7 @@
   <p:clrMapOvr>
     <a:masterClrMapping/>
   </p:clrMapOvr>
-  <p:transition>
+  <p:transition advTm="10000">
     <p:fade/>
   </p:transition>
   <p:timing>
@@ -10395,6 +11091,130 @@
           </a:p>
         </p:txBody>
       </p:sp>
+      <p:pic>
+        <p:nvPicPr>
+          <p:cNvPr id="20" name="Picture 2" descr="https://www.acspri.org.au/sites/acspri.org.au/files/mlogo.png"/>
+          <p:cNvPicPr>
+            <a:picLocks noChangeAspect="1" noChangeArrowheads="1"/>
+          </p:cNvPicPr>
+          <p:nvPr/>
+        </p:nvPicPr>
+        <p:blipFill>
+          <a:blip r:embed="rId10" cstate="print">
+            <a:extLst>
+              <a:ext uri="{28A0092B-C50C-407E-A947-70E740481C1C}">
+                <a14:useLocalDpi xmlns:a14="http://schemas.microsoft.com/office/drawing/2010/main" val="0"/>
+              </a:ext>
+            </a:extLst>
+          </a:blip>
+          <a:srcRect/>
+          <a:stretch>
+            <a:fillRect/>
+          </a:stretch>
+        </p:blipFill>
+        <p:spPr bwMode="auto">
+          <a:xfrm>
+            <a:off x="6238537" y="1835880"/>
+            <a:ext cx="936429" cy="391220"/>
+          </a:xfrm>
+          <a:prstGeom prst="rect">
+            <a:avLst/>
+          </a:prstGeom>
+          <a:noFill/>
+          <a:extLst>
+            <a:ext uri="{909E8E84-426E-40DD-AFC4-6F175D3DCCD1}">
+              <a14:hiddenFill xmlns:a14="http://schemas.microsoft.com/office/drawing/2010/main">
+                <a:solidFill>
+                  <a:srgbClr val="FFFFFF"/>
+                </a:solidFill>
+              </a14:hiddenFill>
+            </a:ext>
+          </a:extLst>
+        </p:spPr>
+      </p:pic>
+      <p:pic>
+        <p:nvPicPr>
+          <p:cNvPr id="32" name="Picture 2" descr="https://www.acspri.org.au/sites/acspri.org.au/files/mlogo.png"/>
+          <p:cNvPicPr>
+            <a:picLocks noChangeAspect="1" noChangeArrowheads="1"/>
+          </p:cNvPicPr>
+          <p:nvPr/>
+        </p:nvPicPr>
+        <p:blipFill>
+          <a:blip r:embed="rId10" cstate="print">
+            <a:extLst>
+              <a:ext uri="{28A0092B-C50C-407E-A947-70E740481C1C}">
+                <a14:useLocalDpi xmlns:a14="http://schemas.microsoft.com/office/drawing/2010/main" val="0"/>
+              </a:ext>
+            </a:extLst>
+          </a:blip>
+          <a:srcRect/>
+          <a:stretch>
+            <a:fillRect/>
+          </a:stretch>
+        </p:blipFill>
+        <p:spPr bwMode="auto">
+          <a:xfrm>
+            <a:off x="4285384" y="3340358"/>
+            <a:ext cx="518880" cy="216777"/>
+          </a:xfrm>
+          <a:prstGeom prst="rect">
+            <a:avLst/>
+          </a:prstGeom>
+          <a:noFill/>
+          <a:extLst>
+            <a:ext uri="{909E8E84-426E-40DD-AFC4-6F175D3DCCD1}">
+              <a14:hiddenFill xmlns:a14="http://schemas.microsoft.com/office/drawing/2010/main">
+                <a:solidFill>
+                  <a:srgbClr val="FFFFFF"/>
+                </a:solidFill>
+              </a14:hiddenFill>
+            </a:ext>
+          </a:extLst>
+        </p:spPr>
+      </p:pic>
+      <p:sp>
+        <p:nvSpPr>
+          <p:cNvPr id="2" name="Footer Placeholder 1"/>
+          <p:cNvSpPr>
+            <a:spLocks noGrp="1"/>
+          </p:cNvSpPr>
+          <p:nvPr>
+            <p:ph type="ftr" sz="quarter" idx="11"/>
+          </p:nvPr>
+        </p:nvSpPr>
+        <p:spPr/>
+        <p:txBody>
+          <a:bodyPr/>
+          <a:lstStyle/>
+          <a:p>
+            <a:endParaRPr lang="en-US"/>
+          </a:p>
+        </p:txBody>
+      </p:sp>
+      <p:sp>
+        <p:nvSpPr>
+          <p:cNvPr id="3" name="Slide Number Placeholder 2"/>
+          <p:cNvSpPr>
+            <a:spLocks noGrp="1"/>
+          </p:cNvSpPr>
+          <p:nvPr>
+            <p:ph type="sldNum" sz="quarter" idx="12"/>
+          </p:nvPr>
+        </p:nvSpPr>
+        <p:spPr/>
+        <p:txBody>
+          <a:bodyPr/>
+          <a:lstStyle/>
+          <a:p>
+            <a:fld id="{9606955B-75E1-4766-BEBF-52F85FB0EDC9}" type="slidenum">
+              <a:rPr lang="en-US" smtClean="0"/>
+              <a:t>23</a:t>
+            </a:fld>
+            <a:endParaRPr lang="en-US"/>
+          </a:p>
+        </p:txBody>
+      </p:sp>
     </p:spTree>
     <p:extLst>
       <p:ext uri="{BB962C8B-B14F-4D97-AF65-F5344CB8AC3E}">
@@ -10405,7 +11225,7 @@
   <p:clrMapOvr>
     <a:masterClrMapping/>
   </p:clrMapOvr>
-  <p:transition>
+  <p:transition advTm="10000">
     <p:fade/>
   </p:transition>
   <p:timing>
@@ -10578,6 +11398,48 @@
           </a:p>
         </p:txBody>
       </p:sp>
+      <p:sp>
+        <p:nvSpPr>
+          <p:cNvPr id="2" name="Footer Placeholder 1"/>
+          <p:cNvSpPr>
+            <a:spLocks noGrp="1"/>
+          </p:cNvSpPr>
+          <p:nvPr>
+            <p:ph type="ftr" sz="quarter" idx="11"/>
+          </p:nvPr>
+        </p:nvSpPr>
+        <p:spPr/>
+        <p:txBody>
+          <a:bodyPr/>
+          <a:lstStyle/>
+          <a:p>
+            <a:endParaRPr lang="en-US"/>
+          </a:p>
+        </p:txBody>
+      </p:sp>
+      <p:sp>
+        <p:nvSpPr>
+          <p:cNvPr id="4" name="Slide Number Placeholder 3"/>
+          <p:cNvSpPr>
+            <a:spLocks noGrp="1"/>
+          </p:cNvSpPr>
+          <p:nvPr>
+            <p:ph type="sldNum" sz="quarter" idx="12"/>
+          </p:nvPr>
+        </p:nvSpPr>
+        <p:spPr/>
+        <p:txBody>
+          <a:bodyPr/>
+          <a:lstStyle/>
+          <a:p>
+            <a:fld id="{9606955B-75E1-4766-BEBF-52F85FB0EDC9}" type="slidenum">
+              <a:rPr lang="en-US" smtClean="0"/>
+              <a:t>24</a:t>
+            </a:fld>
+            <a:endParaRPr lang="en-US"/>
+          </a:p>
+        </p:txBody>
+      </p:sp>
     </p:spTree>
     <p:extLst>
       <p:ext uri="{BB962C8B-B14F-4D97-AF65-F5344CB8AC3E}">
@@ -10588,7 +11450,7 @@
   <p:clrMapOvr>
     <a:masterClrMapping/>
   </p:clrMapOvr>
-  <p:transition>
+  <p:transition advTm="10000">
     <p:fade/>
   </p:transition>
   <p:timing>
@@ -10707,16 +11569,7 @@
                 </a:solidFill>
                 <a:latin typeface="+mj-lt"/>
               </a:rPr>
-              <a:t>PARSER extracts </a:t>
-            </a:r>
-            <a:r>
-              <a:rPr lang="en-US" sz="1600" dirty="0" smtClean="0">
-                <a:solidFill>
-                  <a:srgbClr val="333333"/>
-                </a:solidFill>
-                <a:latin typeface="+mj-lt"/>
-              </a:rPr>
-              <a:t>elements of model </a:t>
+              <a:t>PARSER extracts elements of model </a:t>
             </a:r>
             <a:r>
               <a:rPr lang="en-US" sz="1600" dirty="0">
@@ -10847,6 +11700,48 @@
           </a:prstGeom>
         </p:spPr>
       </p:pic>
+      <p:sp>
+        <p:nvSpPr>
+          <p:cNvPr id="4" name="Footer Placeholder 3"/>
+          <p:cNvSpPr>
+            <a:spLocks noGrp="1"/>
+          </p:cNvSpPr>
+          <p:nvPr>
+            <p:ph type="ftr" sz="quarter" idx="11"/>
+          </p:nvPr>
+        </p:nvSpPr>
+        <p:spPr/>
+        <p:txBody>
+          <a:bodyPr/>
+          <a:lstStyle/>
+          <a:p>
+            <a:endParaRPr lang="en-US"/>
+          </a:p>
+        </p:txBody>
+      </p:sp>
+      <p:sp>
+        <p:nvSpPr>
+          <p:cNvPr id="6" name="Slide Number Placeholder 5"/>
+          <p:cNvSpPr>
+            <a:spLocks noGrp="1"/>
+          </p:cNvSpPr>
+          <p:nvPr>
+            <p:ph type="sldNum" sz="quarter" idx="12"/>
+          </p:nvPr>
+        </p:nvSpPr>
+        <p:spPr/>
+        <p:txBody>
+          <a:bodyPr/>
+          <a:lstStyle/>
+          <a:p>
+            <a:fld id="{9606955B-75E1-4766-BEBF-52F85FB0EDC9}" type="slidenum">
+              <a:rPr lang="en-US" smtClean="0"/>
+              <a:t>25</a:t>
+            </a:fld>
+            <a:endParaRPr lang="en-US"/>
+          </a:p>
+        </p:txBody>
+      </p:sp>
     </p:spTree>
     <p:extLst>
       <p:ext uri="{BB962C8B-B14F-4D97-AF65-F5344CB8AC3E}">
@@ -10857,7 +11752,7 @@
   <p:clrMapOvr>
     <a:masterClrMapping/>
   </p:clrMapOvr>
-  <p:transition>
+  <p:transition advTm="10000">
     <p:fade/>
   </p:transition>
   <p:timing>
@@ -11054,6 +11949,48 @@
           </a:p>
         </p:txBody>
       </p:sp>
+      <p:sp>
+        <p:nvSpPr>
+          <p:cNvPr id="3" name="Footer Placeholder 2"/>
+          <p:cNvSpPr>
+            <a:spLocks noGrp="1"/>
+          </p:cNvSpPr>
+          <p:nvPr>
+            <p:ph type="ftr" sz="quarter" idx="11"/>
+          </p:nvPr>
+        </p:nvSpPr>
+        <p:spPr/>
+        <p:txBody>
+          <a:bodyPr/>
+          <a:lstStyle/>
+          <a:p>
+            <a:endParaRPr lang="en-US"/>
+          </a:p>
+        </p:txBody>
+      </p:sp>
+      <p:sp>
+        <p:nvSpPr>
+          <p:cNvPr id="4" name="Slide Number Placeholder 3"/>
+          <p:cNvSpPr>
+            <a:spLocks noGrp="1"/>
+          </p:cNvSpPr>
+          <p:nvPr>
+            <p:ph type="sldNum" sz="quarter" idx="12"/>
+          </p:nvPr>
+        </p:nvSpPr>
+        <p:spPr/>
+        <p:txBody>
+          <a:bodyPr/>
+          <a:lstStyle/>
+          <a:p>
+            <a:fld id="{9606955B-75E1-4766-BEBF-52F85FB0EDC9}" type="slidenum">
+              <a:rPr lang="en-US" smtClean="0"/>
+              <a:t>26</a:t>
+            </a:fld>
+            <a:endParaRPr lang="en-US"/>
+          </a:p>
+        </p:txBody>
+      </p:sp>
     </p:spTree>
     <p:extLst>
       <p:ext uri="{BB962C8B-B14F-4D97-AF65-F5344CB8AC3E}">
@@ -11064,7 +12001,7 @@
   <p:clrMapOvr>
     <a:masterClrMapping/>
   </p:clrMapOvr>
-  <p:transition>
+  <p:transition advTm="10000">
     <p:fade/>
   </p:transition>
   <p:timing>
@@ -11172,40 +12109,22 @@
               <a:rPr lang="en-US" sz="1600" dirty="0" smtClean="0">
                 <a:latin typeface="+mj-lt"/>
               </a:rPr>
-              <a:t>The </a:t>
+              <a:t>The catalog forms the dataset for META-ANALYSIS,</a:t>
+            </a:r>
+          </a:p>
+          <a:p>
+            <a:pPr algn="ctr"/>
+            <a:r>
+              <a:rPr lang="en-US" sz="1600" dirty="0">
+                <a:latin typeface="+mj-lt"/>
+              </a:rPr>
+              <a:t>i</a:t>
             </a:r>
             <a:r>
               <a:rPr lang="en-US" sz="1600" dirty="0" smtClean="0">
                 <a:latin typeface="+mj-lt"/>
               </a:rPr>
-              <a:t>catalog </a:t>
-            </a:r>
-            <a:r>
-              <a:rPr lang="en-US" sz="1600" dirty="0" smtClean="0">
-                <a:latin typeface="+mj-lt"/>
-              </a:rPr>
-              <a:t>forms the dataset for META-ANALYSIS,</a:t>
-            </a:r>
-          </a:p>
-          <a:p>
-            <a:pPr algn="ctr"/>
-            <a:r>
-              <a:rPr lang="en-US" sz="1600" dirty="0">
-                <a:latin typeface="+mj-lt"/>
-              </a:rPr>
-              <a:t>i</a:t>
-            </a:r>
-            <a:r>
-              <a:rPr lang="en-US" sz="1600" dirty="0" smtClean="0">
-                <a:latin typeface="+mj-lt"/>
-              </a:rPr>
-              <a:t>n </a:t>
-            </a:r>
-            <a:r>
-              <a:rPr lang="en-US" sz="1600" dirty="0" smtClean="0">
-                <a:latin typeface="+mj-lt"/>
-              </a:rPr>
-              <a:t>which models are the new units.</a:t>
+              <a:t>n which models are the new units.</a:t>
             </a:r>
           </a:p>
           <a:p>
@@ -11234,6 +12153,48 @@
             <a:endParaRPr lang="en-US" sz="1600" dirty="0" smtClean="0">
               <a:latin typeface="+mj-lt"/>
             </a:endParaRPr>
+          </a:p>
+        </p:txBody>
+      </p:sp>
+      <p:sp>
+        <p:nvSpPr>
+          <p:cNvPr id="2" name="Footer Placeholder 1"/>
+          <p:cNvSpPr>
+            <a:spLocks noGrp="1"/>
+          </p:cNvSpPr>
+          <p:nvPr>
+            <p:ph type="ftr" sz="quarter" idx="11"/>
+          </p:nvPr>
+        </p:nvSpPr>
+        <p:spPr/>
+        <p:txBody>
+          <a:bodyPr/>
+          <a:lstStyle/>
+          <a:p>
+            <a:endParaRPr lang="en-US"/>
+          </a:p>
+        </p:txBody>
+      </p:sp>
+      <p:sp>
+        <p:nvSpPr>
+          <p:cNvPr id="5" name="Slide Number Placeholder 4"/>
+          <p:cNvSpPr>
+            <a:spLocks noGrp="1"/>
+          </p:cNvSpPr>
+          <p:nvPr>
+            <p:ph type="sldNum" sz="quarter" idx="12"/>
+          </p:nvPr>
+        </p:nvSpPr>
+        <p:spPr/>
+        <p:txBody>
+          <a:bodyPr/>
+          <a:lstStyle/>
+          <a:p>
+            <a:fld id="{9606955B-75E1-4766-BEBF-52F85FB0EDC9}" type="slidenum">
+              <a:rPr lang="en-US" smtClean="0"/>
+              <a:t>27</a:t>
+            </a:fld>
+            <a:endParaRPr lang="en-US"/>
           </a:p>
         </p:txBody>
       </p:sp>
@@ -11247,7 +12208,7 @@
   <p:clrMapOvr>
     <a:masterClrMapping/>
   </p:clrMapOvr>
-  <p:transition>
+  <p:transition advTm="10000">
     <p:fade/>
   </p:transition>
   <p:timing>
@@ -11379,37 +12340,16 @@
               <a:rPr lang="en-US" sz="1600" dirty="0" smtClean="0">
                 <a:latin typeface="+mj-lt"/>
               </a:rPr>
-              <a:t>DYNAMIC tables store all </a:t>
-            </a:r>
+              <a:t>DYNAMIC tables store all extracted model estimates.</a:t>
+            </a:r>
+          </a:p>
+          <a:p>
+            <a:pPr algn="ctr"/>
             <a:r>
               <a:rPr lang="en-US" sz="1600" dirty="0" smtClean="0">
                 <a:latin typeface="+mj-lt"/>
               </a:rPr>
-              <a:t>extracted model estimates.</a:t>
-            </a:r>
-            <a:endParaRPr lang="en-US" sz="1600" dirty="0" smtClean="0">
-              <a:latin typeface="+mj-lt"/>
-            </a:endParaRPr>
-          </a:p>
-          <a:p>
-            <a:pPr algn="ctr"/>
-            <a:r>
-              <a:rPr lang="en-US" sz="1600" dirty="0" smtClean="0">
-                <a:latin typeface="+mj-lt"/>
-              </a:rPr>
-              <a:t>These are useful </a:t>
-            </a:r>
-            <a:r>
-              <a:rPr lang="en-US" sz="1600" dirty="0" smtClean="0">
-                <a:latin typeface="+mj-lt"/>
-              </a:rPr>
-              <a:t>for </a:t>
-            </a:r>
-            <a:r>
-              <a:rPr lang="en-US" sz="1600" dirty="0" smtClean="0">
-                <a:latin typeface="+mj-lt"/>
-              </a:rPr>
-              <a:t>EXPLORATION.</a:t>
+              <a:t>These are useful for EXPLORATION.</a:t>
             </a:r>
           </a:p>
           <a:p>
@@ -11426,6 +12366,48 @@
             <a:endParaRPr lang="en-US" sz="1600" dirty="0" smtClean="0">
               <a:latin typeface="+mj-lt"/>
             </a:endParaRPr>
+          </a:p>
+        </p:txBody>
+      </p:sp>
+      <p:sp>
+        <p:nvSpPr>
+          <p:cNvPr id="4" name="Footer Placeholder 3"/>
+          <p:cNvSpPr>
+            <a:spLocks noGrp="1"/>
+          </p:cNvSpPr>
+          <p:nvPr>
+            <p:ph type="ftr" sz="quarter" idx="11"/>
+          </p:nvPr>
+        </p:nvSpPr>
+        <p:spPr/>
+        <p:txBody>
+          <a:bodyPr/>
+          <a:lstStyle/>
+          <a:p>
+            <a:endParaRPr lang="en-US"/>
+          </a:p>
+        </p:txBody>
+      </p:sp>
+      <p:sp>
+        <p:nvSpPr>
+          <p:cNvPr id="6" name="Slide Number Placeholder 5"/>
+          <p:cNvSpPr>
+            <a:spLocks noGrp="1"/>
+          </p:cNvSpPr>
+          <p:nvPr>
+            <p:ph type="sldNum" sz="quarter" idx="12"/>
+          </p:nvPr>
+        </p:nvSpPr>
+        <p:spPr/>
+        <p:txBody>
+          <a:bodyPr/>
+          <a:lstStyle/>
+          <a:p>
+            <a:fld id="{9606955B-75E1-4766-BEBF-52F85FB0EDC9}" type="slidenum">
+              <a:rPr lang="en-US" smtClean="0"/>
+              <a:t>28</a:t>
+            </a:fld>
+            <a:endParaRPr lang="en-US"/>
           </a:p>
         </p:txBody>
       </p:sp>
@@ -11439,7 +12421,7 @@
   <p:clrMapOvr>
     <a:masterClrMapping/>
   </p:clrMapOvr>
-  <p:transition>
+  <p:transition advTm="10000">
     <p:fade/>
   </p:transition>
   <p:timing>
@@ -11605,9 +12587,6 @@
               </a:rPr>
               <a:t>These are useful to have for </a:t>
             </a:r>
-            <a:endParaRPr lang="en-US" sz="1600" dirty="0" smtClean="0">
-              <a:latin typeface="+mj-lt"/>
-            </a:endParaRPr>
           </a:p>
           <a:p>
             <a:pPr algn="ctr"/>
@@ -11617,15 +12596,54 @@
               </a:rPr>
               <a:t>DEMONSTRATION and MANUSCRIPT CONSTRUCTION.</a:t>
             </a:r>
-            <a:endParaRPr lang="en-US" sz="1600" dirty="0" smtClean="0">
-              <a:latin typeface="+mj-lt"/>
-            </a:endParaRPr>
           </a:p>
           <a:p>
             <a:pPr algn="ctr"/>
             <a:endParaRPr lang="en-US" sz="1600" dirty="0" smtClean="0">
               <a:latin typeface="+mj-lt"/>
             </a:endParaRPr>
+          </a:p>
+        </p:txBody>
+      </p:sp>
+      <p:sp>
+        <p:nvSpPr>
+          <p:cNvPr id="6" name="Footer Placeholder 5"/>
+          <p:cNvSpPr>
+            <a:spLocks noGrp="1"/>
+          </p:cNvSpPr>
+          <p:nvPr>
+            <p:ph type="ftr" sz="quarter" idx="11"/>
+          </p:nvPr>
+        </p:nvSpPr>
+        <p:spPr/>
+        <p:txBody>
+          <a:bodyPr/>
+          <a:lstStyle/>
+          <a:p>
+            <a:endParaRPr lang="en-US"/>
+          </a:p>
+        </p:txBody>
+      </p:sp>
+      <p:sp>
+        <p:nvSpPr>
+          <p:cNvPr id="7" name="Slide Number Placeholder 6"/>
+          <p:cNvSpPr>
+            <a:spLocks noGrp="1"/>
+          </p:cNvSpPr>
+          <p:nvPr>
+            <p:ph type="sldNum" sz="quarter" idx="12"/>
+          </p:nvPr>
+        </p:nvSpPr>
+        <p:spPr/>
+        <p:txBody>
+          <a:bodyPr/>
+          <a:lstStyle/>
+          <a:p>
+            <a:fld id="{9606955B-75E1-4766-BEBF-52F85FB0EDC9}" type="slidenum">
+              <a:rPr lang="en-US" smtClean="0"/>
+              <a:t>29</a:t>
+            </a:fld>
+            <a:endParaRPr lang="en-US"/>
           </a:p>
         </p:txBody>
       </p:sp>
@@ -11639,7 +12657,7 @@
   <p:clrMapOvr>
     <a:masterClrMapping/>
   </p:clrMapOvr>
-  <p:transition>
+  <p:transition advTm="10000">
     <p:fade/>
   </p:transition>
   <p:timing>
@@ -11810,7 +12828,7 @@
           <a:p>
             <a:r>
               <a:rPr lang="en-CA" sz="1800" dirty="0" smtClean="0"/>
-              <a:t>Finds common measures among </a:t>
+              <a:t>Finds common/similar measures among </a:t>
             </a:r>
             <a:r>
               <a:rPr lang="en-CA" sz="1800" dirty="0"/>
@@ -11968,6 +12986,48 @@
               <a:latin typeface="Courier New" panose="02070309020205020404" pitchFamily="49" charset="0"/>
               <a:ea typeface="Times New Roman" panose="02020603050405020304" pitchFamily="18" charset="0"/>
             </a:endParaRPr>
+          </a:p>
+        </p:txBody>
+      </p:sp>
+      <p:sp>
+        <p:nvSpPr>
+          <p:cNvPr id="2" name="Footer Placeholder 1"/>
+          <p:cNvSpPr>
+            <a:spLocks noGrp="1"/>
+          </p:cNvSpPr>
+          <p:nvPr>
+            <p:ph type="ftr" sz="quarter" idx="11"/>
+          </p:nvPr>
+        </p:nvSpPr>
+        <p:spPr/>
+        <p:txBody>
+          <a:bodyPr/>
+          <a:lstStyle/>
+          <a:p>
+            <a:endParaRPr lang="en-US"/>
+          </a:p>
+        </p:txBody>
+      </p:sp>
+      <p:sp>
+        <p:nvSpPr>
+          <p:cNvPr id="3" name="Slide Number Placeholder 2"/>
+          <p:cNvSpPr>
+            <a:spLocks noGrp="1"/>
+          </p:cNvSpPr>
+          <p:nvPr>
+            <p:ph type="sldNum" sz="quarter" idx="12"/>
+          </p:nvPr>
+        </p:nvSpPr>
+        <p:spPr/>
+        <p:txBody>
+          <a:bodyPr/>
+          <a:lstStyle/>
+          <a:p>
+            <a:fld id="{9606955B-75E1-4766-BEBF-52F85FB0EDC9}" type="slidenum">
+              <a:rPr lang="en-US" smtClean="0"/>
+              <a:t>3</a:t>
+            </a:fld>
+            <a:endParaRPr lang="en-US"/>
           </a:p>
         </p:txBody>
       </p:sp>
@@ -11981,7 +13041,7 @@
   <p:clrMapOvr>
     <a:masterClrMapping/>
   </p:clrMapOvr>
-  <p:transition>
+  <p:transition advTm="20000">
     <p:fade/>
   </p:transition>
   <p:timing>
@@ -12133,6 +13193,48 @@
           </a:p>
         </p:txBody>
       </p:sp>
+      <p:sp>
+        <p:nvSpPr>
+          <p:cNvPr id="2" name="Footer Placeholder 1"/>
+          <p:cNvSpPr>
+            <a:spLocks noGrp="1"/>
+          </p:cNvSpPr>
+          <p:nvPr>
+            <p:ph type="ftr" sz="quarter" idx="11"/>
+          </p:nvPr>
+        </p:nvSpPr>
+        <p:spPr/>
+        <p:txBody>
+          <a:bodyPr/>
+          <a:lstStyle/>
+          <a:p>
+            <a:endParaRPr lang="en-US"/>
+          </a:p>
+        </p:txBody>
+      </p:sp>
+      <p:sp>
+        <p:nvSpPr>
+          <p:cNvPr id="3" name="Slide Number Placeholder 2"/>
+          <p:cNvSpPr>
+            <a:spLocks noGrp="1"/>
+          </p:cNvSpPr>
+          <p:nvPr>
+            <p:ph type="sldNum" sz="quarter" idx="12"/>
+          </p:nvPr>
+        </p:nvSpPr>
+        <p:spPr/>
+        <p:txBody>
+          <a:bodyPr/>
+          <a:lstStyle/>
+          <a:p>
+            <a:fld id="{9606955B-75E1-4766-BEBF-52F85FB0EDC9}" type="slidenum">
+              <a:rPr lang="en-US" smtClean="0"/>
+              <a:t>30</a:t>
+            </a:fld>
+            <a:endParaRPr lang="en-US"/>
+          </a:p>
+        </p:txBody>
+      </p:sp>
     </p:spTree>
     <p:extLst>
       <p:ext uri="{BB962C8B-B14F-4D97-AF65-F5344CB8AC3E}">
@@ -12143,7 +13245,7 @@
   <p:clrMapOvr>
     <a:masterClrMapping/>
   </p:clrMapOvr>
-  <p:transition>
+  <p:transition advTm="10000">
     <p:fade/>
   </p:transition>
   <p:timing>
@@ -12471,6 +13573,48 @@
           </p:txBody>
         </p:sp>
       </p:grpSp>
+      <p:sp>
+        <p:nvSpPr>
+          <p:cNvPr id="2" name="Footer Placeholder 1"/>
+          <p:cNvSpPr>
+            <a:spLocks noGrp="1"/>
+          </p:cNvSpPr>
+          <p:nvPr>
+            <p:ph type="ftr" sz="quarter" idx="11"/>
+          </p:nvPr>
+        </p:nvSpPr>
+        <p:spPr/>
+        <p:txBody>
+          <a:bodyPr/>
+          <a:lstStyle/>
+          <a:p>
+            <a:endParaRPr lang="en-US"/>
+          </a:p>
+        </p:txBody>
+      </p:sp>
+      <p:sp>
+        <p:nvSpPr>
+          <p:cNvPr id="3" name="Slide Number Placeholder 2"/>
+          <p:cNvSpPr>
+            <a:spLocks noGrp="1"/>
+          </p:cNvSpPr>
+          <p:nvPr>
+            <p:ph type="sldNum" sz="quarter" idx="12"/>
+          </p:nvPr>
+        </p:nvSpPr>
+        <p:spPr/>
+        <p:txBody>
+          <a:bodyPr/>
+          <a:lstStyle/>
+          <a:p>
+            <a:fld id="{9606955B-75E1-4766-BEBF-52F85FB0EDC9}" type="slidenum">
+              <a:rPr lang="en-US" smtClean="0"/>
+              <a:t>31</a:t>
+            </a:fld>
+            <a:endParaRPr lang="en-US"/>
+          </a:p>
+        </p:txBody>
+      </p:sp>
     </p:spTree>
     <p:extLst>
       <p:ext uri="{BB962C8B-B14F-4D97-AF65-F5344CB8AC3E}">
@@ -12481,7 +13625,7 @@
   <p:clrMapOvr>
     <a:masterClrMapping/>
   </p:clrMapOvr>
-  <p:transition>
+  <p:transition advTm="10000">
     <p:fade/>
   </p:transition>
   <p:timing>
@@ -12867,6 +14011,48 @@
           </a:prstGeom>
         </p:spPr>
       </p:pic>
+      <p:sp>
+        <p:nvSpPr>
+          <p:cNvPr id="2" name="Footer Placeholder 1"/>
+          <p:cNvSpPr>
+            <a:spLocks noGrp="1"/>
+          </p:cNvSpPr>
+          <p:nvPr>
+            <p:ph type="ftr" sz="quarter" idx="11"/>
+          </p:nvPr>
+        </p:nvSpPr>
+        <p:spPr/>
+        <p:txBody>
+          <a:bodyPr/>
+          <a:lstStyle/>
+          <a:p>
+            <a:endParaRPr lang="en-US"/>
+          </a:p>
+        </p:txBody>
+      </p:sp>
+      <p:sp>
+        <p:nvSpPr>
+          <p:cNvPr id="3" name="Slide Number Placeholder 2"/>
+          <p:cNvSpPr>
+            <a:spLocks noGrp="1"/>
+          </p:cNvSpPr>
+          <p:nvPr>
+            <p:ph type="sldNum" sz="quarter" idx="12"/>
+          </p:nvPr>
+        </p:nvSpPr>
+        <p:spPr/>
+        <p:txBody>
+          <a:bodyPr/>
+          <a:lstStyle/>
+          <a:p>
+            <a:fld id="{9606955B-75E1-4766-BEBF-52F85FB0EDC9}" type="slidenum">
+              <a:rPr lang="en-US" smtClean="0"/>
+              <a:t>32</a:t>
+            </a:fld>
+            <a:endParaRPr lang="en-US"/>
+          </a:p>
+        </p:txBody>
+      </p:sp>
     </p:spTree>
     <p:extLst>
       <p:ext uri="{BB962C8B-B14F-4D97-AF65-F5344CB8AC3E}">
@@ -12877,7 +14063,7 @@
   <p:clrMapOvr>
     <a:masterClrMapping/>
   </p:clrMapOvr>
-  <p:transition>
+  <p:transition advTm="1000">
     <p:fade/>
   </p:transition>
   <p:timing>
@@ -12994,9 +14180,27 @@
             <a:tbl>
               <a:tblPr/>
               <a:tblGrid>
-                <a:gridCol w="4308762"/>
-                <a:gridCol w="921327"/>
-                <a:gridCol w="2022766"/>
+                <a:gridCol w="4308762">
+                  <a:extLst>
+                    <a:ext uri="{9D8B030D-6E8A-4147-A177-3AD203B41FA5}">
+                      <a16:colId xmlns:a16="http://schemas.microsoft.com/office/drawing/2014/main" val="20000"/>
+                    </a:ext>
+                  </a:extLst>
+                </a:gridCol>
+                <a:gridCol w="921327">
+                  <a:extLst>
+                    <a:ext uri="{9D8B030D-6E8A-4147-A177-3AD203B41FA5}">
+                      <a16:colId xmlns:a16="http://schemas.microsoft.com/office/drawing/2014/main" val="20001"/>
+                    </a:ext>
+                  </a:extLst>
+                </a:gridCol>
+                <a:gridCol w="2022766">
+                  <a:extLst>
+                    <a:ext uri="{9D8B030D-6E8A-4147-A177-3AD203B41FA5}">
+                      <a16:colId xmlns:a16="http://schemas.microsoft.com/office/drawing/2014/main" val="20002"/>
+                    </a:ext>
+                  </a:extLst>
+                </a:gridCol>
               </a:tblGrid>
               <a:tr h="0">
                 <a:tc>
@@ -13098,6 +14302,11 @@
                     </a:lnB>
                   </a:tcPr>
                 </a:tc>
+                <a:extLst>
+                  <a:ext uri="{0D108BD9-81ED-4DB2-BD59-A6C34878D82A}">
+                    <a16:rowId xmlns:a16="http://schemas.microsoft.com/office/drawing/2014/main" val="10000"/>
+                  </a:ext>
+                </a:extLst>
               </a:tr>
               <a:tr h="0">
                 <a:tc>
@@ -13225,6 +14434,11 @@
                     </a:lnB>
                   </a:tcPr>
                 </a:tc>
+                <a:extLst>
+                  <a:ext uri="{0D108BD9-81ED-4DB2-BD59-A6C34878D82A}">
+                    <a16:rowId xmlns:a16="http://schemas.microsoft.com/office/drawing/2014/main" val="10001"/>
+                  </a:ext>
+                </a:extLst>
               </a:tr>
               <a:tr h="0">
                 <a:tc>
@@ -13352,6 +14566,11 @@
                     </a:lnB>
                   </a:tcPr>
                 </a:tc>
+                <a:extLst>
+                  <a:ext uri="{0D108BD9-81ED-4DB2-BD59-A6C34878D82A}">
+                    <a16:rowId xmlns:a16="http://schemas.microsoft.com/office/drawing/2014/main" val="10002"/>
+                  </a:ext>
+                </a:extLst>
               </a:tr>
               <a:tr h="0">
                 <a:tc>
@@ -13488,6 +14707,11 @@
                     </a:lnB>
                   </a:tcPr>
                 </a:tc>
+                <a:extLst>
+                  <a:ext uri="{0D108BD9-81ED-4DB2-BD59-A6C34878D82A}">
+                    <a16:rowId xmlns:a16="http://schemas.microsoft.com/office/drawing/2014/main" val="10003"/>
+                  </a:ext>
+                </a:extLst>
               </a:tr>
               <a:tr h="0">
                 <a:tc>
@@ -13615,6 +14839,11 @@
                     </a:lnB>
                   </a:tcPr>
                 </a:tc>
+                <a:extLst>
+                  <a:ext uri="{0D108BD9-81ED-4DB2-BD59-A6C34878D82A}">
+                    <a16:rowId xmlns:a16="http://schemas.microsoft.com/office/drawing/2014/main" val="10004"/>
+                  </a:ext>
+                </a:extLst>
               </a:tr>
               <a:tr h="0">
                 <a:tc>
@@ -13742,6 +14971,11 @@
                     </a:lnB>
                   </a:tcPr>
                 </a:tc>
+                <a:extLst>
+                  <a:ext uri="{0D108BD9-81ED-4DB2-BD59-A6C34878D82A}">
+                    <a16:rowId xmlns:a16="http://schemas.microsoft.com/office/drawing/2014/main" val="10005"/>
+                  </a:ext>
+                </a:extLst>
               </a:tr>
               <a:tr h="0">
                 <a:tc>
@@ -13882,6 +15116,11 @@
                     </a:lnB>
                   </a:tcPr>
                 </a:tc>
+                <a:extLst>
+                  <a:ext uri="{0D108BD9-81ED-4DB2-BD59-A6C34878D82A}">
+                    <a16:rowId xmlns:a16="http://schemas.microsoft.com/office/drawing/2014/main" val="10006"/>
+                  </a:ext>
+                </a:extLst>
               </a:tr>
               <a:tr h="0">
                 <a:tc>
@@ -14044,6 +15283,11 @@
                     </a:lnB>
                   </a:tcPr>
                 </a:tc>
+                <a:extLst>
+                  <a:ext uri="{0D108BD9-81ED-4DB2-BD59-A6C34878D82A}">
+                    <a16:rowId xmlns:a16="http://schemas.microsoft.com/office/drawing/2014/main" val="10007"/>
+                  </a:ext>
+                </a:extLst>
               </a:tr>
               <a:tr h="0">
                 <a:tc>
@@ -14161,6 +15405,11 @@
                     </a:lnB>
                   </a:tcPr>
                 </a:tc>
+                <a:extLst>
+                  <a:ext uri="{0D108BD9-81ED-4DB2-BD59-A6C34878D82A}">
+                    <a16:rowId xmlns:a16="http://schemas.microsoft.com/office/drawing/2014/main" val="10008"/>
+                  </a:ext>
+                </a:extLst>
               </a:tr>
               <a:tr h="0">
                 <a:tc>
@@ -14307,6 +15556,11 @@
                     </a:lnB>
                   </a:tcPr>
                 </a:tc>
+                <a:extLst>
+                  <a:ext uri="{0D108BD9-81ED-4DB2-BD59-A6C34878D82A}">
+                    <a16:rowId xmlns:a16="http://schemas.microsoft.com/office/drawing/2014/main" val="10009"/>
+                  </a:ext>
+                </a:extLst>
               </a:tr>
             </a:tbl>
           </a:graphicData>
@@ -14344,6 +15598,29 @@
             <a:endParaRPr lang="en-CA" sz="2000" dirty="0">
               <a:latin typeface="Gill Sans MT" panose="020B0502020104020203" pitchFamily="34" charset="0"/>
             </a:endParaRPr>
+          </a:p>
+        </p:txBody>
+      </p:sp>
+      <p:sp>
+        <p:nvSpPr>
+          <p:cNvPr id="4" name="Slide Number Placeholder 3"/>
+          <p:cNvSpPr>
+            <a:spLocks noGrp="1"/>
+          </p:cNvSpPr>
+          <p:nvPr>
+            <p:ph type="sldNum" sz="quarter" idx="12"/>
+          </p:nvPr>
+        </p:nvSpPr>
+        <p:spPr/>
+        <p:txBody>
+          <a:bodyPr/>
+          <a:lstStyle/>
+          <a:p>
+            <a:fld id="{9606955B-75E1-4766-BEBF-52F85FB0EDC9}" type="slidenum">
+              <a:rPr lang="en-US" smtClean="0"/>
+              <a:t>33</a:t>
+            </a:fld>
+            <a:endParaRPr lang="en-US"/>
           </a:p>
         </p:txBody>
       </p:sp>
@@ -14357,7 +15634,7 @@
   <p:clrMapOvr>
     <a:masterClrMapping/>
   </p:clrMapOvr>
-  <p:transition>
+  <p:transition advTm="1000">
     <p:fade/>
   </p:transition>
   <p:timing>
@@ -14617,11 +15894,7 @@
             </a:r>
             <a:r>
               <a:rPr lang="en-CA" sz="1600" dirty="0" smtClean="0"/>
-              <a:t>(e.g., </a:t>
-            </a:r>
-            <a:r>
-              <a:rPr lang="en-CA" sz="1600" dirty="0" smtClean="0"/>
-              <a:t>memory</a:t>
+              <a:t>(e.g., memory</a:t>
             </a:r>
             <a:r>
               <a:rPr lang="en-CA" sz="1600" dirty="0"/>
@@ -14717,6 +15990,48 @@
               <a:t>Adjustment for age, sex, education, height, health behaviors and outcomes</a:t>
             </a:r>
             <a:endParaRPr lang="en-CA" sz="1600" dirty="0"/>
+          </a:p>
+        </p:txBody>
+      </p:sp>
+      <p:sp>
+        <p:nvSpPr>
+          <p:cNvPr id="2" name="Footer Placeholder 1"/>
+          <p:cNvSpPr>
+            <a:spLocks noGrp="1"/>
+          </p:cNvSpPr>
+          <p:nvPr>
+            <p:ph type="ftr" sz="quarter" idx="11"/>
+          </p:nvPr>
+        </p:nvSpPr>
+        <p:spPr/>
+        <p:txBody>
+          <a:bodyPr/>
+          <a:lstStyle/>
+          <a:p>
+            <a:endParaRPr lang="en-US"/>
+          </a:p>
+        </p:txBody>
+      </p:sp>
+      <p:sp>
+        <p:nvSpPr>
+          <p:cNvPr id="3" name="Slide Number Placeholder 2"/>
+          <p:cNvSpPr>
+            <a:spLocks noGrp="1"/>
+          </p:cNvSpPr>
+          <p:nvPr>
+            <p:ph type="sldNum" sz="quarter" idx="12"/>
+          </p:nvPr>
+        </p:nvSpPr>
+        <p:spPr/>
+        <p:txBody>
+          <a:bodyPr/>
+          <a:lstStyle/>
+          <a:p>
+            <a:fld id="{9606955B-75E1-4766-BEBF-52F85FB0EDC9}" type="slidenum">
+              <a:rPr lang="en-US" smtClean="0"/>
+              <a:t>4</a:t>
+            </a:fld>
+            <a:endParaRPr lang="en-US"/>
           </a:p>
         </p:txBody>
       </p:sp>
@@ -14730,7 +16045,7 @@
   <p:clrMapOvr>
     <a:masterClrMapping/>
   </p:clrMapOvr>
-  <p:transition>
+  <p:transition advTm="20000">
     <p:fade/>
   </p:transition>
   <p:timing>
@@ -14792,9 +16107,27 @@
             <a:tbl>
               <a:tblPr/>
               <a:tblGrid>
-                <a:gridCol w="4308762"/>
-                <a:gridCol w="921327"/>
-                <a:gridCol w="2022766"/>
+                <a:gridCol w="4308762">
+                  <a:extLst>
+                    <a:ext uri="{9D8B030D-6E8A-4147-A177-3AD203B41FA5}">
+                      <a16:colId xmlns:a16="http://schemas.microsoft.com/office/drawing/2014/main" val="20000"/>
+                    </a:ext>
+                  </a:extLst>
+                </a:gridCol>
+                <a:gridCol w="921327">
+                  <a:extLst>
+                    <a:ext uri="{9D8B030D-6E8A-4147-A177-3AD203B41FA5}">
+                      <a16:colId xmlns:a16="http://schemas.microsoft.com/office/drawing/2014/main" val="20001"/>
+                    </a:ext>
+                  </a:extLst>
+                </a:gridCol>
+                <a:gridCol w="2022766">
+                  <a:extLst>
+                    <a:ext uri="{9D8B030D-6E8A-4147-A177-3AD203B41FA5}">
+                      <a16:colId xmlns:a16="http://schemas.microsoft.com/office/drawing/2014/main" val="20002"/>
+                    </a:ext>
+                  </a:extLst>
+                </a:gridCol>
               </a:tblGrid>
               <a:tr h="0">
                 <a:tc>
@@ -14896,6 +16229,11 @@
                     </a:lnB>
                   </a:tcPr>
                 </a:tc>
+                <a:extLst>
+                  <a:ext uri="{0D108BD9-81ED-4DB2-BD59-A6C34878D82A}">
+                    <a16:rowId xmlns:a16="http://schemas.microsoft.com/office/drawing/2014/main" val="10000"/>
+                  </a:ext>
+                </a:extLst>
               </a:tr>
               <a:tr h="0">
                 <a:tc>
@@ -15023,6 +16361,11 @@
                     </a:lnB>
                   </a:tcPr>
                 </a:tc>
+                <a:extLst>
+                  <a:ext uri="{0D108BD9-81ED-4DB2-BD59-A6C34878D82A}">
+                    <a16:rowId xmlns:a16="http://schemas.microsoft.com/office/drawing/2014/main" val="10001"/>
+                  </a:ext>
+                </a:extLst>
               </a:tr>
               <a:tr h="0">
                 <a:tc>
@@ -15150,6 +16493,11 @@
                     </a:lnB>
                   </a:tcPr>
                 </a:tc>
+                <a:extLst>
+                  <a:ext uri="{0D108BD9-81ED-4DB2-BD59-A6C34878D82A}">
+                    <a16:rowId xmlns:a16="http://schemas.microsoft.com/office/drawing/2014/main" val="10002"/>
+                  </a:ext>
+                </a:extLst>
               </a:tr>
               <a:tr h="0">
                 <a:tc>
@@ -15286,6 +16634,11 @@
                     </a:lnB>
                   </a:tcPr>
                 </a:tc>
+                <a:extLst>
+                  <a:ext uri="{0D108BD9-81ED-4DB2-BD59-A6C34878D82A}">
+                    <a16:rowId xmlns:a16="http://schemas.microsoft.com/office/drawing/2014/main" val="10003"/>
+                  </a:ext>
+                </a:extLst>
               </a:tr>
               <a:tr h="0">
                 <a:tc>
@@ -15413,6 +16766,11 @@
                     </a:lnB>
                   </a:tcPr>
                 </a:tc>
+                <a:extLst>
+                  <a:ext uri="{0D108BD9-81ED-4DB2-BD59-A6C34878D82A}">
+                    <a16:rowId xmlns:a16="http://schemas.microsoft.com/office/drawing/2014/main" val="10004"/>
+                  </a:ext>
+                </a:extLst>
               </a:tr>
               <a:tr h="0">
                 <a:tc>
@@ -15540,6 +16898,11 @@
                     </a:lnB>
                   </a:tcPr>
                 </a:tc>
+                <a:extLst>
+                  <a:ext uri="{0D108BD9-81ED-4DB2-BD59-A6C34878D82A}">
+                    <a16:rowId xmlns:a16="http://schemas.microsoft.com/office/drawing/2014/main" val="10005"/>
+                  </a:ext>
+                </a:extLst>
               </a:tr>
               <a:tr h="0">
                 <a:tc>
@@ -15680,6 +17043,11 @@
                     </a:lnB>
                   </a:tcPr>
                 </a:tc>
+                <a:extLst>
+                  <a:ext uri="{0D108BD9-81ED-4DB2-BD59-A6C34878D82A}">
+                    <a16:rowId xmlns:a16="http://schemas.microsoft.com/office/drawing/2014/main" val="10006"/>
+                  </a:ext>
+                </a:extLst>
               </a:tr>
               <a:tr h="0">
                 <a:tc>
@@ -15842,6 +17210,11 @@
                     </a:lnB>
                   </a:tcPr>
                 </a:tc>
+                <a:extLst>
+                  <a:ext uri="{0D108BD9-81ED-4DB2-BD59-A6C34878D82A}">
+                    <a16:rowId xmlns:a16="http://schemas.microsoft.com/office/drawing/2014/main" val="10007"/>
+                  </a:ext>
+                </a:extLst>
               </a:tr>
               <a:tr h="0">
                 <a:tc>
@@ -15959,6 +17332,11 @@
                     </a:lnB>
                   </a:tcPr>
                 </a:tc>
+                <a:extLst>
+                  <a:ext uri="{0D108BD9-81ED-4DB2-BD59-A6C34878D82A}">
+                    <a16:rowId xmlns:a16="http://schemas.microsoft.com/office/drawing/2014/main" val="10008"/>
+                  </a:ext>
+                </a:extLst>
               </a:tr>
               <a:tr h="0">
                 <a:tc>
@@ -16105,6 +17483,11 @@
                     </a:lnB>
                   </a:tcPr>
                 </a:tc>
+                <a:extLst>
+                  <a:ext uri="{0D108BD9-81ED-4DB2-BD59-A6C34878D82A}">
+                    <a16:rowId xmlns:a16="http://schemas.microsoft.com/office/drawing/2014/main" val="10009"/>
+                  </a:ext>
+                </a:extLst>
               </a:tr>
             </a:tbl>
           </a:graphicData>
@@ -16171,6 +17554,48 @@
               <a:t>)</a:t>
             </a:r>
             <a:endParaRPr lang="en-CA" sz="1800" i="1" dirty="0"/>
+          </a:p>
+        </p:txBody>
+      </p:sp>
+      <p:sp>
+        <p:nvSpPr>
+          <p:cNvPr id="2" name="Footer Placeholder 1"/>
+          <p:cNvSpPr>
+            <a:spLocks noGrp="1"/>
+          </p:cNvSpPr>
+          <p:nvPr>
+            <p:ph type="ftr" sz="quarter" idx="11"/>
+          </p:nvPr>
+        </p:nvSpPr>
+        <p:spPr/>
+        <p:txBody>
+          <a:bodyPr/>
+          <a:lstStyle/>
+          <a:p>
+            <a:endParaRPr lang="en-US"/>
+          </a:p>
+        </p:txBody>
+      </p:sp>
+      <p:sp>
+        <p:nvSpPr>
+          <p:cNvPr id="3" name="Slide Number Placeholder 2"/>
+          <p:cNvSpPr>
+            <a:spLocks noGrp="1"/>
+          </p:cNvSpPr>
+          <p:nvPr>
+            <p:ph type="sldNum" sz="quarter" idx="12"/>
+          </p:nvPr>
+        </p:nvSpPr>
+        <p:spPr/>
+        <p:txBody>
+          <a:bodyPr/>
+          <a:lstStyle/>
+          <a:p>
+            <a:fld id="{9606955B-75E1-4766-BEBF-52F85FB0EDC9}" type="slidenum">
+              <a:rPr lang="en-US" smtClean="0"/>
+              <a:t>5</a:t>
+            </a:fld>
+            <a:endParaRPr lang="en-US"/>
           </a:p>
         </p:txBody>
       </p:sp>
@@ -16184,9 +17609,16 @@
   <p:clrMapOvr>
     <a:masterClrMapping/>
   </p:clrMapOvr>
-  <p:transition>
+  <p:transition advTm="10000">
     <p:fade/>
   </p:transition>
+  <p:timing>
+    <p:tnLst>
+      <p:par>
+        <p:cTn id="1" dur="indefinite" restart="never" nodeType="tmRoot"/>
+      </p:par>
+    </p:tnLst>
+  </p:timing>
 </p:sld>
 </file>
 
@@ -16301,6 +17733,48 @@
           </a:p>
         </p:txBody>
       </p:sp>
+      <p:sp>
+        <p:nvSpPr>
+          <p:cNvPr id="2" name="Footer Placeholder 1"/>
+          <p:cNvSpPr>
+            <a:spLocks noGrp="1"/>
+          </p:cNvSpPr>
+          <p:nvPr>
+            <p:ph type="ftr" sz="quarter" idx="11"/>
+          </p:nvPr>
+        </p:nvSpPr>
+        <p:spPr/>
+        <p:txBody>
+          <a:bodyPr/>
+          <a:lstStyle/>
+          <a:p>
+            <a:endParaRPr lang="en-US"/>
+          </a:p>
+        </p:txBody>
+      </p:sp>
+      <p:sp>
+        <p:nvSpPr>
+          <p:cNvPr id="3" name="Slide Number Placeholder 2"/>
+          <p:cNvSpPr>
+            <a:spLocks noGrp="1"/>
+          </p:cNvSpPr>
+          <p:nvPr>
+            <p:ph type="sldNum" sz="quarter" idx="12"/>
+          </p:nvPr>
+        </p:nvSpPr>
+        <p:spPr/>
+        <p:txBody>
+          <a:bodyPr/>
+          <a:lstStyle/>
+          <a:p>
+            <a:fld id="{9606955B-75E1-4766-BEBF-52F85FB0EDC9}" type="slidenum">
+              <a:rPr lang="en-US" smtClean="0"/>
+              <a:t>6</a:t>
+            </a:fld>
+            <a:endParaRPr lang="en-US"/>
+          </a:p>
+        </p:txBody>
+      </p:sp>
     </p:spTree>
     <p:extLst>
       <p:ext uri="{BB962C8B-B14F-4D97-AF65-F5344CB8AC3E}">
@@ -16311,7 +17785,7 @@
   <p:clrMapOvr>
     <a:masterClrMapping/>
   </p:clrMapOvr>
-  <p:transition>
+  <p:transition advTm="5000">
     <p:fade/>
   </p:transition>
   <p:timing>
@@ -16386,17 +17860,53 @@
               <a:rPr lang="en-US" sz="1600" dirty="0" smtClean="0">
                 <a:latin typeface="Calibri Light" panose="020F0302020204030204" pitchFamily="34" charset="0"/>
               </a:rPr>
-              <a:t>of the coordinated </a:t>
-            </a:r>
-            <a:r>
-              <a:rPr lang="en-US" sz="1600" dirty="0" smtClean="0">
-                <a:latin typeface="Calibri Light" panose="020F0302020204030204" pitchFamily="34" charset="0"/>
-              </a:rPr>
-              <a:t>analysis.</a:t>
+              <a:t>of the coordinated analysis.</a:t>
             </a:r>
             <a:endParaRPr lang="en-US" sz="1600" dirty="0">
               <a:latin typeface="Calibri Light" panose="020F0302020204030204" pitchFamily="34" charset="0"/>
             </a:endParaRPr>
+          </a:p>
+        </p:txBody>
+      </p:sp>
+      <p:sp>
+        <p:nvSpPr>
+          <p:cNvPr id="2" name="Footer Placeholder 1"/>
+          <p:cNvSpPr>
+            <a:spLocks noGrp="1"/>
+          </p:cNvSpPr>
+          <p:nvPr>
+            <p:ph type="ftr" sz="quarter" idx="11"/>
+          </p:nvPr>
+        </p:nvSpPr>
+        <p:spPr/>
+        <p:txBody>
+          <a:bodyPr/>
+          <a:lstStyle/>
+          <a:p>
+            <a:endParaRPr lang="en-US"/>
+          </a:p>
+        </p:txBody>
+      </p:sp>
+      <p:sp>
+        <p:nvSpPr>
+          <p:cNvPr id="4" name="Slide Number Placeholder 3"/>
+          <p:cNvSpPr>
+            <a:spLocks noGrp="1"/>
+          </p:cNvSpPr>
+          <p:nvPr>
+            <p:ph type="sldNum" sz="quarter" idx="12"/>
+          </p:nvPr>
+        </p:nvSpPr>
+        <p:spPr/>
+        <p:txBody>
+          <a:bodyPr/>
+          <a:lstStyle/>
+          <a:p>
+            <a:fld id="{9606955B-75E1-4766-BEBF-52F85FB0EDC9}" type="slidenum">
+              <a:rPr lang="en-US" smtClean="0"/>
+              <a:t>7</a:t>
+            </a:fld>
+            <a:endParaRPr lang="en-US"/>
           </a:p>
         </p:txBody>
       </p:sp>
@@ -16410,7 +17920,7 @@
   <p:clrMapOvr>
     <a:masterClrMapping/>
   </p:clrMapOvr>
-  <p:transition>
+  <p:transition advTm="10000">
     <p:fade/>
   </p:transition>
   <p:timing>
@@ -16467,17 +17977,17 @@
               <a:rPr lang="en-US" sz="1600" dirty="0" smtClean="0">
                 <a:latin typeface="Calibri Light" panose="020F0302020204030204" pitchFamily="34" charset="0"/>
               </a:rPr>
-              <a:t>N</a:t>
-            </a:r>
+              <a:t>Next, </a:t>
+            </a:r>
+          </a:p>
+          <a:p>
+            <a:pPr algn="ctr"/>
             <a:r>
               <a:rPr lang="en-US" sz="1600" dirty="0" smtClean="0">
                 <a:latin typeface="Calibri Light" panose="020F0302020204030204" pitchFamily="34" charset="0"/>
               </a:rPr>
-              <a:t>ext, </a:t>
-            </a:r>
-            <a:endParaRPr lang="en-US" sz="1600" dirty="0" smtClean="0">
-              <a:latin typeface="Calibri Light" panose="020F0302020204030204" pitchFamily="34" charset="0"/>
-            </a:endParaRPr>
+              <a:t>we will show you</a:t>
+            </a:r>
           </a:p>
           <a:p>
             <a:pPr algn="ctr"/>
@@ -16485,47 +17995,62 @@
               <a:rPr lang="en-US" sz="1600" dirty="0" smtClean="0">
                 <a:latin typeface="Calibri Light" panose="020F0302020204030204" pitchFamily="34" charset="0"/>
               </a:rPr>
-              <a:t>we </a:t>
-            </a:r>
+              <a:t>what each element and process</a:t>
+            </a:r>
+          </a:p>
+          <a:p>
+            <a:pPr algn="ctr"/>
             <a:r>
               <a:rPr lang="en-US" sz="1600" dirty="0" smtClean="0">
                 <a:latin typeface="Calibri Light" panose="020F0302020204030204" pitchFamily="34" charset="0"/>
               </a:rPr>
-              <a:t>will show you</a:t>
-            </a:r>
-          </a:p>
-          <a:p>
-            <a:pPr algn="ctr"/>
-            <a:r>
-              <a:rPr lang="en-US" sz="1600" dirty="0" smtClean="0">
-                <a:latin typeface="Calibri Light" panose="020F0302020204030204" pitchFamily="34" charset="0"/>
-              </a:rPr>
-              <a:t>what </a:t>
-            </a:r>
-            <a:r>
-              <a:rPr lang="en-US" sz="1600" dirty="0" smtClean="0">
-                <a:latin typeface="Calibri Light" panose="020F0302020204030204" pitchFamily="34" charset="0"/>
-              </a:rPr>
-              <a:t>each element and process</a:t>
-            </a:r>
-          </a:p>
-          <a:p>
-            <a:pPr algn="ctr"/>
-            <a:r>
-              <a:rPr lang="en-US" sz="1600" dirty="0" smtClean="0">
-                <a:latin typeface="Calibri Light" panose="020F0302020204030204" pitchFamily="34" charset="0"/>
-              </a:rPr>
-              <a:t>IS and </a:t>
-            </a:r>
-            <a:r>
-              <a:rPr lang="en-US" sz="1600" dirty="0" smtClean="0">
-                <a:latin typeface="Calibri Light" panose="020F0302020204030204" pitchFamily="34" charset="0"/>
-              </a:rPr>
-              <a:t>DOES.</a:t>
+              <a:t>IS and DOES.</a:t>
             </a:r>
             <a:endParaRPr lang="en-US" sz="1600" dirty="0">
               <a:latin typeface="Calibri Light" panose="020F0302020204030204" pitchFamily="34" charset="0"/>
             </a:endParaRPr>
+          </a:p>
+        </p:txBody>
+      </p:sp>
+      <p:sp>
+        <p:nvSpPr>
+          <p:cNvPr id="2" name="Footer Placeholder 1"/>
+          <p:cNvSpPr>
+            <a:spLocks noGrp="1"/>
+          </p:cNvSpPr>
+          <p:nvPr>
+            <p:ph type="ftr" sz="quarter" idx="11"/>
+          </p:nvPr>
+        </p:nvSpPr>
+        <p:spPr/>
+        <p:txBody>
+          <a:bodyPr/>
+          <a:lstStyle/>
+          <a:p>
+            <a:endParaRPr lang="en-US"/>
+          </a:p>
+        </p:txBody>
+      </p:sp>
+      <p:sp>
+        <p:nvSpPr>
+          <p:cNvPr id="4" name="Slide Number Placeholder 3"/>
+          <p:cNvSpPr>
+            <a:spLocks noGrp="1"/>
+          </p:cNvSpPr>
+          <p:nvPr>
+            <p:ph type="sldNum" sz="quarter" idx="12"/>
+          </p:nvPr>
+        </p:nvSpPr>
+        <p:spPr/>
+        <p:txBody>
+          <a:bodyPr/>
+          <a:lstStyle/>
+          <a:p>
+            <a:fld id="{9606955B-75E1-4766-BEBF-52F85FB0EDC9}" type="slidenum">
+              <a:rPr lang="en-US" smtClean="0"/>
+              <a:t>8</a:t>
+            </a:fld>
+            <a:endParaRPr lang="en-US"/>
           </a:p>
         </p:txBody>
       </p:sp>
@@ -16539,7 +18064,7 @@
   <p:clrMapOvr>
     <a:masterClrMapping/>
   </p:clrMapOvr>
-  <p:transition>
+  <p:transition advTm="10000">
     <p:fade/>
   </p:transition>
   <p:timing>
@@ -16680,7 +18205,7 @@
         <p:spPr>
           <a:xfrm>
             <a:off x="0" y="1889323"/>
-            <a:ext cx="9144000" cy="1077218"/>
+            <a:ext cx="9144000" cy="830997"/>
           </a:xfrm>
           <a:prstGeom prst="rect">
             <a:avLst/>
@@ -16707,7 +18232,7 @@
               <a:rPr lang="en-US" sz="1600" dirty="0" smtClean="0">
                 <a:latin typeface="Calibri Light" panose="020F0302020204030204" pitchFamily="34" charset="0"/>
               </a:rPr>
-              <a:t>language-agnostic,</a:t>
+              <a:t>language-agnostic, tabulated DATA FILES.</a:t>
             </a:r>
           </a:p>
           <a:p>
@@ -16716,29 +18241,20 @@
               <a:rPr lang="en-US" sz="1600" dirty="0" smtClean="0">
                 <a:latin typeface="Calibri Light" panose="020F0302020204030204" pitchFamily="34" charset="0"/>
               </a:rPr>
-              <a:t>tabulated </a:t>
-            </a:r>
-            <a:endParaRPr lang="en-US" sz="1600" dirty="0" smtClean="0">
-              <a:latin typeface="Calibri Light" panose="020F0302020204030204" pitchFamily="34" charset="0"/>
-            </a:endParaRPr>
-          </a:p>
-          <a:p>
-            <a:pPr algn="ctr"/>
+              <a:t>They can be used by any software (R, SAS, STATA, M</a:t>
+            </a:r>
+            <a:r>
+              <a:rPr lang="en-US" sz="1600" i="1" dirty="0" smtClean="0">
+                <a:latin typeface="Calibri Light" panose="020F0302020204030204" pitchFamily="34" charset="0"/>
+              </a:rPr>
+              <a:t>plus</a:t>
+            </a:r>
             <a:r>
               <a:rPr lang="en-US" sz="1600" dirty="0" smtClean="0">
                 <a:latin typeface="Calibri Light" panose="020F0302020204030204" pitchFamily="34" charset="0"/>
               </a:rPr>
-              <a:t>DATA </a:t>
-            </a:r>
-            <a:r>
-              <a:rPr lang="en-US" sz="1600" dirty="0" smtClean="0">
-                <a:latin typeface="Calibri Light" panose="020F0302020204030204" pitchFamily="34" charset="0"/>
-              </a:rPr>
-              <a:t>FILES.</a:t>
-            </a:r>
-            <a:endParaRPr lang="en-US" sz="1600" dirty="0" smtClean="0">
-              <a:latin typeface="Calibri Light" panose="020F0302020204030204" pitchFamily="34" charset="0"/>
-            </a:endParaRPr>
+              <a:t>, etc)</a:t>
+            </a:r>
           </a:p>
         </p:txBody>
       </p:sp>
@@ -16758,8 +18274,8 @@
         </p:blipFill>
         <p:spPr>
           <a:xfrm>
-            <a:off x="5494020" y="2921693"/>
-            <a:ext cx="3495040" cy="1243282"/>
+            <a:off x="4226300" y="2715803"/>
+            <a:ext cx="4798358" cy="1706908"/>
           </a:xfrm>
           <a:prstGeom prst="rect">
             <a:avLst/>
@@ -16796,6 +18312,183 @@
           </a:prstGeom>
         </p:spPr>
       </p:pic>
+      <p:grpSp>
+        <p:nvGrpSpPr>
+          <p:cNvPr id="15" name="Group 14"/>
+          <p:cNvGrpSpPr/>
+          <p:nvPr/>
+        </p:nvGrpSpPr>
+        <p:grpSpPr>
+          <a:xfrm>
+            <a:off x="119743" y="2715802"/>
+            <a:ext cx="4007629" cy="532505"/>
+            <a:chOff x="729130" y="2810998"/>
+            <a:chExt cx="4992140" cy="663320"/>
+          </a:xfrm>
+        </p:grpSpPr>
+        <p:pic>
+          <p:nvPicPr>
+            <p:cNvPr id="4" name="Picture 3"/>
+            <p:cNvPicPr>
+              <a:picLocks noChangeAspect="1"/>
+            </p:cNvPicPr>
+            <p:nvPr/>
+          </p:nvPicPr>
+          <p:blipFill>
+            <a:blip r:embed="rId4"/>
+            <a:stretch>
+              <a:fillRect/>
+            </a:stretch>
+          </p:blipFill>
+          <p:spPr>
+            <a:xfrm>
+              <a:off x="1417222" y="2919635"/>
+              <a:ext cx="998297" cy="446047"/>
+            </a:xfrm>
+            <a:prstGeom prst="rect">
+              <a:avLst/>
+            </a:prstGeom>
+          </p:spPr>
+        </p:pic>
+        <p:pic>
+          <p:nvPicPr>
+            <p:cNvPr id="5" name="Picture 4"/>
+            <p:cNvPicPr>
+              <a:picLocks noChangeAspect="1"/>
+            </p:cNvPicPr>
+            <p:nvPr/>
+          </p:nvPicPr>
+          <p:blipFill>
+            <a:blip r:embed="rId5"/>
+            <a:stretch>
+              <a:fillRect/>
+            </a:stretch>
+          </p:blipFill>
+          <p:spPr>
+            <a:xfrm>
+              <a:off x="2636158" y="2980536"/>
+              <a:ext cx="867569" cy="324243"/>
+            </a:xfrm>
+            <a:prstGeom prst="rect">
+              <a:avLst/>
+            </a:prstGeom>
+          </p:spPr>
+        </p:pic>
+        <p:pic>
+          <p:nvPicPr>
+            <p:cNvPr id="9" name="Picture 8"/>
+            <p:cNvPicPr>
+              <a:picLocks noChangeAspect="1"/>
+            </p:cNvPicPr>
+            <p:nvPr/>
+          </p:nvPicPr>
+          <p:blipFill>
+            <a:blip r:embed="rId6"/>
+            <a:stretch>
+              <a:fillRect/>
+            </a:stretch>
+          </p:blipFill>
+          <p:spPr>
+            <a:xfrm>
+              <a:off x="3724368" y="2906048"/>
+              <a:ext cx="1112943" cy="473220"/>
+            </a:xfrm>
+            <a:prstGeom prst="rect">
+              <a:avLst/>
+            </a:prstGeom>
+          </p:spPr>
+        </p:pic>
+        <p:pic>
+          <p:nvPicPr>
+            <p:cNvPr id="12" name="Picture 11"/>
+            <p:cNvPicPr>
+              <a:picLocks noChangeAspect="1"/>
+            </p:cNvPicPr>
+            <p:nvPr/>
+          </p:nvPicPr>
+          <p:blipFill>
+            <a:blip r:embed="rId7"/>
+            <a:stretch>
+              <a:fillRect/>
+            </a:stretch>
+          </p:blipFill>
+          <p:spPr>
+            <a:xfrm>
+              <a:off x="729130" y="2894936"/>
+              <a:ext cx="495444" cy="495444"/>
+            </a:xfrm>
+            <a:prstGeom prst="rect">
+              <a:avLst/>
+            </a:prstGeom>
+          </p:spPr>
+        </p:pic>
+        <p:pic>
+          <p:nvPicPr>
+            <p:cNvPr id="14" name="Picture 13"/>
+            <p:cNvPicPr>
+              <a:picLocks noChangeAspect="1"/>
+            </p:cNvPicPr>
+            <p:nvPr/>
+          </p:nvPicPr>
+          <p:blipFill>
+            <a:blip r:embed="rId8"/>
+            <a:stretch>
+              <a:fillRect/>
+            </a:stretch>
+          </p:blipFill>
+          <p:spPr>
+            <a:xfrm>
+              <a:off x="5057950" y="2810998"/>
+              <a:ext cx="663320" cy="663320"/>
+            </a:xfrm>
+            <a:prstGeom prst="rect">
+              <a:avLst/>
+            </a:prstGeom>
+          </p:spPr>
+        </p:pic>
+      </p:grpSp>
+      <p:sp>
+        <p:nvSpPr>
+          <p:cNvPr id="2" name="Footer Placeholder 1"/>
+          <p:cNvSpPr>
+            <a:spLocks noGrp="1"/>
+          </p:cNvSpPr>
+          <p:nvPr>
+            <p:ph type="ftr" sz="quarter" idx="11"/>
+          </p:nvPr>
+        </p:nvSpPr>
+        <p:spPr/>
+        <p:txBody>
+          <a:bodyPr/>
+          <a:lstStyle/>
+          <a:p>
+            <a:endParaRPr lang="en-US"/>
+          </a:p>
+        </p:txBody>
+      </p:sp>
+      <p:sp>
+        <p:nvSpPr>
+          <p:cNvPr id="7" name="Slide Number Placeholder 6"/>
+          <p:cNvSpPr>
+            <a:spLocks noGrp="1"/>
+          </p:cNvSpPr>
+          <p:nvPr>
+            <p:ph type="sldNum" sz="quarter" idx="12"/>
+          </p:nvPr>
+        </p:nvSpPr>
+        <p:spPr/>
+        <p:txBody>
+          <a:bodyPr/>
+          <a:lstStyle/>
+          <a:p>
+            <a:fld id="{9606955B-75E1-4766-BEBF-52F85FB0EDC9}" type="slidenum">
+              <a:rPr lang="en-US" smtClean="0"/>
+              <a:t>9</a:t>
+            </a:fld>
+            <a:endParaRPr lang="en-US"/>
+          </a:p>
+        </p:txBody>
+      </p:sp>
     </p:spTree>
     <p:extLst>
       <p:ext uri="{BB962C8B-B14F-4D97-AF65-F5344CB8AC3E}">
@@ -16806,7 +18499,7 @@
   <p:clrMapOvr>
     <a:masterClrMapping/>
   </p:clrMapOvr>
-  <p:transition>
+  <p:transition advTm="10000">
     <p:fade/>
   </p:transition>
   <p:timing>
